--- a/classes/ChapelHill2018/ch.pptx
+++ b/classes/ChapelHill2018/ch.pptx
@@ -4,9 +4,15 @@
   <p:sldMasterIdLst>
     <p:sldMasterId id="2147483648" r:id="rId1"/>
   </p:sldMasterIdLst>
+  <p:notesMasterIdLst>
+    <p:notesMasterId r:id="rId7"/>
+  </p:notesMasterIdLst>
   <p:sldIdLst>
     <p:sldId id="256" r:id="rId2"/>
-    <p:sldId id="257" r:id="rId3"/>
+    <p:sldId id="258" r:id="rId3"/>
+    <p:sldId id="259" r:id="rId4"/>
+    <p:sldId id="260" r:id="rId5"/>
+    <p:sldId id="257" r:id="rId6"/>
   </p:sldIdLst>
   <p:sldSz cx="12192000" cy="6858000"/>
   <p:notesSz cx="6858000" cy="9144000"/>
@@ -111,6 +117,440 @@
     </p:ext>
   </p:extLst>
 </p:presentation>
+</file>
+
+<file path=ppt/notesMasters/notesMaster1.xml><?xml version="1.0" encoding="utf-8"?>
+<p:notesMaster xmlns:a="http://schemas.openxmlformats.org/drawingml/2006/main" xmlns:r="http://schemas.openxmlformats.org/officeDocument/2006/relationships" xmlns:p="http://schemas.openxmlformats.org/presentationml/2006/main">
+  <p:cSld>
+    <p:bg>
+      <p:bgRef idx="1001">
+        <a:schemeClr val="bg1"/>
+      </p:bgRef>
+    </p:bg>
+    <p:spTree>
+      <p:nvGrpSpPr>
+        <p:cNvPr id="1" name=""/>
+        <p:cNvGrpSpPr/>
+        <p:nvPr/>
+      </p:nvGrpSpPr>
+      <p:grpSpPr>
+        <a:xfrm>
+          <a:off x="0" y="0"/>
+          <a:ext cx="0" cy="0"/>
+          <a:chOff x="0" y="0"/>
+          <a:chExt cx="0" cy="0"/>
+        </a:xfrm>
+      </p:grpSpPr>
+      <p:sp>
+        <p:nvSpPr>
+          <p:cNvPr id="2" name="Header Placeholder 1"/>
+          <p:cNvSpPr>
+            <a:spLocks noGrp="1"/>
+          </p:cNvSpPr>
+          <p:nvPr>
+            <p:ph type="hdr" sz="quarter"/>
+          </p:nvPr>
+        </p:nvSpPr>
+        <p:spPr>
+          <a:xfrm>
+            <a:off x="0" y="0"/>
+            <a:ext cx="2971800" cy="458788"/>
+          </a:xfrm>
+          <a:prstGeom prst="rect">
+            <a:avLst/>
+          </a:prstGeom>
+        </p:spPr>
+        <p:txBody>
+          <a:bodyPr vert="horz" lIns="91440" tIns="45720" rIns="91440" bIns="45720" rtlCol="0"/>
+          <a:lstStyle>
+            <a:lvl1pPr algn="l">
+              <a:defRPr sz="1200"/>
+            </a:lvl1pPr>
+          </a:lstStyle>
+          <a:p>
+            <a:endParaRPr lang="en-US"/>
+          </a:p>
+        </p:txBody>
+      </p:sp>
+      <p:sp>
+        <p:nvSpPr>
+          <p:cNvPr id="3" name="Date Placeholder 2"/>
+          <p:cNvSpPr>
+            <a:spLocks noGrp="1"/>
+          </p:cNvSpPr>
+          <p:nvPr>
+            <p:ph type="dt" idx="1"/>
+          </p:nvPr>
+        </p:nvSpPr>
+        <p:spPr>
+          <a:xfrm>
+            <a:off x="3884613" y="0"/>
+            <a:ext cx="2971800" cy="458788"/>
+          </a:xfrm>
+          <a:prstGeom prst="rect">
+            <a:avLst/>
+          </a:prstGeom>
+        </p:spPr>
+        <p:txBody>
+          <a:bodyPr vert="horz" lIns="91440" tIns="45720" rIns="91440" bIns="45720" rtlCol="0"/>
+          <a:lstStyle>
+            <a:lvl1pPr algn="r">
+              <a:defRPr sz="1200"/>
+            </a:lvl1pPr>
+          </a:lstStyle>
+          <a:p>
+            <a:fld id="{0BB994B0-15EB-4171-B4A2-60B7410CFA19}" type="datetimeFigureOut">
+              <a:rPr lang="en-US" smtClean="0"/>
+              <a:t>10/12/2018</a:t>
+            </a:fld>
+            <a:endParaRPr lang="en-US"/>
+          </a:p>
+        </p:txBody>
+      </p:sp>
+      <p:sp>
+        <p:nvSpPr>
+          <p:cNvPr id="4" name="Slide Image Placeholder 3"/>
+          <p:cNvSpPr>
+            <a:spLocks noGrp="1" noRot="1" noChangeAspect="1"/>
+          </p:cNvSpPr>
+          <p:nvPr>
+            <p:ph type="sldImg" idx="2"/>
+          </p:nvPr>
+        </p:nvSpPr>
+        <p:spPr>
+          <a:xfrm>
+            <a:off x="685800" y="1143000"/>
+            <a:ext cx="5486400" cy="3086100"/>
+          </a:xfrm>
+          <a:prstGeom prst="rect">
+            <a:avLst/>
+          </a:prstGeom>
+          <a:noFill/>
+          <a:ln w="12700">
+            <a:solidFill>
+              <a:prstClr val="black"/>
+            </a:solidFill>
+          </a:ln>
+        </p:spPr>
+        <p:txBody>
+          <a:bodyPr vert="horz" lIns="91440" tIns="45720" rIns="91440" bIns="45720" rtlCol="0" anchor="ctr"/>
+          <a:lstStyle/>
+          <a:p>
+            <a:endParaRPr lang="en-US"/>
+          </a:p>
+        </p:txBody>
+      </p:sp>
+      <p:sp>
+        <p:nvSpPr>
+          <p:cNvPr id="5" name="Notes Placeholder 4"/>
+          <p:cNvSpPr>
+            <a:spLocks noGrp="1"/>
+          </p:cNvSpPr>
+          <p:nvPr>
+            <p:ph type="body" sz="quarter" idx="3"/>
+          </p:nvPr>
+        </p:nvSpPr>
+        <p:spPr>
+          <a:xfrm>
+            <a:off x="685800" y="4400550"/>
+            <a:ext cx="5486400" cy="3600450"/>
+          </a:xfrm>
+          <a:prstGeom prst="rect">
+            <a:avLst/>
+          </a:prstGeom>
+        </p:spPr>
+        <p:txBody>
+          <a:bodyPr vert="horz" lIns="91440" tIns="45720" rIns="91440" bIns="45720" rtlCol="0"/>
+          <a:lstStyle/>
+          <a:p>
+            <a:pPr lvl="0"/>
+            <a:r>
+              <a:rPr lang="en-US" smtClean="0"/>
+              <a:t>Edit Master text styles</a:t>
+            </a:r>
+          </a:p>
+          <a:p>
+            <a:pPr lvl="1"/>
+            <a:r>
+              <a:rPr lang="en-US" smtClean="0"/>
+              <a:t>Second level</a:t>
+            </a:r>
+          </a:p>
+          <a:p>
+            <a:pPr lvl="2"/>
+            <a:r>
+              <a:rPr lang="en-US" smtClean="0"/>
+              <a:t>Third level</a:t>
+            </a:r>
+          </a:p>
+          <a:p>
+            <a:pPr lvl="3"/>
+            <a:r>
+              <a:rPr lang="en-US" smtClean="0"/>
+              <a:t>Fourth level</a:t>
+            </a:r>
+          </a:p>
+          <a:p>
+            <a:pPr lvl="4"/>
+            <a:r>
+              <a:rPr lang="en-US" smtClean="0"/>
+              <a:t>Fifth level</a:t>
+            </a:r>
+            <a:endParaRPr lang="en-US"/>
+          </a:p>
+        </p:txBody>
+      </p:sp>
+      <p:sp>
+        <p:nvSpPr>
+          <p:cNvPr id="6" name="Footer Placeholder 5"/>
+          <p:cNvSpPr>
+            <a:spLocks noGrp="1"/>
+          </p:cNvSpPr>
+          <p:nvPr>
+            <p:ph type="ftr" sz="quarter" idx="4"/>
+          </p:nvPr>
+        </p:nvSpPr>
+        <p:spPr>
+          <a:xfrm>
+            <a:off x="0" y="8685213"/>
+            <a:ext cx="2971800" cy="458787"/>
+          </a:xfrm>
+          <a:prstGeom prst="rect">
+            <a:avLst/>
+          </a:prstGeom>
+        </p:spPr>
+        <p:txBody>
+          <a:bodyPr vert="horz" lIns="91440" tIns="45720" rIns="91440" bIns="45720" rtlCol="0" anchor="b"/>
+          <a:lstStyle>
+            <a:lvl1pPr algn="l">
+              <a:defRPr sz="1200"/>
+            </a:lvl1pPr>
+          </a:lstStyle>
+          <a:p>
+            <a:endParaRPr lang="en-US"/>
+          </a:p>
+        </p:txBody>
+      </p:sp>
+      <p:sp>
+        <p:nvSpPr>
+          <p:cNvPr id="7" name="Slide Number Placeholder 6"/>
+          <p:cNvSpPr>
+            <a:spLocks noGrp="1"/>
+          </p:cNvSpPr>
+          <p:nvPr>
+            <p:ph type="sldNum" sz="quarter" idx="5"/>
+          </p:nvPr>
+        </p:nvSpPr>
+        <p:spPr>
+          <a:xfrm>
+            <a:off x="3884613" y="8685213"/>
+            <a:ext cx="2971800" cy="458787"/>
+          </a:xfrm>
+          <a:prstGeom prst="rect">
+            <a:avLst/>
+          </a:prstGeom>
+        </p:spPr>
+        <p:txBody>
+          <a:bodyPr vert="horz" lIns="91440" tIns="45720" rIns="91440" bIns="45720" rtlCol="0" anchor="b"/>
+          <a:lstStyle>
+            <a:lvl1pPr algn="r">
+              <a:defRPr sz="1200"/>
+            </a:lvl1pPr>
+          </a:lstStyle>
+          <a:p>
+            <a:fld id="{6121FA07-61D2-4525-8ECC-C959FF2CBAEE}" type="slidenum">
+              <a:rPr lang="en-US" smtClean="0"/>
+              <a:t>‹#›</a:t>
+            </a:fld>
+            <a:endParaRPr lang="en-US"/>
+          </a:p>
+        </p:txBody>
+      </p:sp>
+    </p:spTree>
+    <p:extLst>
+      <p:ext uri="{BB962C8B-B14F-4D97-AF65-F5344CB8AC3E}">
+        <p14:creationId xmlns:p14="http://schemas.microsoft.com/office/powerpoint/2010/main" val="296217943"/>
+      </p:ext>
+    </p:extLst>
+  </p:cSld>
+  <p:clrMap bg1="lt1" tx1="dk1" bg2="lt2" tx2="dk2" accent1="accent1" accent2="accent2" accent3="accent3" accent4="accent4" accent5="accent5" accent6="accent6" hlink="hlink" folHlink="folHlink"/>
+  <p:notesStyle>
+    <a:lvl1pPr marL="0" algn="l" defTabSz="914400" rtl="0" eaLnBrk="1" latinLnBrk="0" hangingPunct="1">
+      <a:defRPr sz="1200" kern="1200">
+        <a:solidFill>
+          <a:schemeClr val="tx1"/>
+        </a:solidFill>
+        <a:latin typeface="+mn-lt"/>
+        <a:ea typeface="+mn-ea"/>
+        <a:cs typeface="+mn-cs"/>
+      </a:defRPr>
+    </a:lvl1pPr>
+    <a:lvl2pPr marL="457200" algn="l" defTabSz="914400" rtl="0" eaLnBrk="1" latinLnBrk="0" hangingPunct="1">
+      <a:defRPr sz="1200" kern="1200">
+        <a:solidFill>
+          <a:schemeClr val="tx1"/>
+        </a:solidFill>
+        <a:latin typeface="+mn-lt"/>
+        <a:ea typeface="+mn-ea"/>
+        <a:cs typeface="+mn-cs"/>
+      </a:defRPr>
+    </a:lvl2pPr>
+    <a:lvl3pPr marL="914400" algn="l" defTabSz="914400" rtl="0" eaLnBrk="1" latinLnBrk="0" hangingPunct="1">
+      <a:defRPr sz="1200" kern="1200">
+        <a:solidFill>
+          <a:schemeClr val="tx1"/>
+        </a:solidFill>
+        <a:latin typeface="+mn-lt"/>
+        <a:ea typeface="+mn-ea"/>
+        <a:cs typeface="+mn-cs"/>
+      </a:defRPr>
+    </a:lvl3pPr>
+    <a:lvl4pPr marL="1371600" algn="l" defTabSz="914400" rtl="0" eaLnBrk="1" latinLnBrk="0" hangingPunct="1">
+      <a:defRPr sz="1200" kern="1200">
+        <a:solidFill>
+          <a:schemeClr val="tx1"/>
+        </a:solidFill>
+        <a:latin typeface="+mn-lt"/>
+        <a:ea typeface="+mn-ea"/>
+        <a:cs typeface="+mn-cs"/>
+      </a:defRPr>
+    </a:lvl4pPr>
+    <a:lvl5pPr marL="1828800" algn="l" defTabSz="914400" rtl="0" eaLnBrk="1" latinLnBrk="0" hangingPunct="1">
+      <a:defRPr sz="1200" kern="1200">
+        <a:solidFill>
+          <a:schemeClr val="tx1"/>
+        </a:solidFill>
+        <a:latin typeface="+mn-lt"/>
+        <a:ea typeface="+mn-ea"/>
+        <a:cs typeface="+mn-cs"/>
+      </a:defRPr>
+    </a:lvl5pPr>
+    <a:lvl6pPr marL="2286000" algn="l" defTabSz="914400" rtl="0" eaLnBrk="1" latinLnBrk="0" hangingPunct="1">
+      <a:defRPr sz="1200" kern="1200">
+        <a:solidFill>
+          <a:schemeClr val="tx1"/>
+        </a:solidFill>
+        <a:latin typeface="+mn-lt"/>
+        <a:ea typeface="+mn-ea"/>
+        <a:cs typeface="+mn-cs"/>
+      </a:defRPr>
+    </a:lvl6pPr>
+    <a:lvl7pPr marL="2743200" algn="l" defTabSz="914400" rtl="0" eaLnBrk="1" latinLnBrk="0" hangingPunct="1">
+      <a:defRPr sz="1200" kern="1200">
+        <a:solidFill>
+          <a:schemeClr val="tx1"/>
+        </a:solidFill>
+        <a:latin typeface="+mn-lt"/>
+        <a:ea typeface="+mn-ea"/>
+        <a:cs typeface="+mn-cs"/>
+      </a:defRPr>
+    </a:lvl7pPr>
+    <a:lvl8pPr marL="3200400" algn="l" defTabSz="914400" rtl="0" eaLnBrk="1" latinLnBrk="0" hangingPunct="1">
+      <a:defRPr sz="1200" kern="1200">
+        <a:solidFill>
+          <a:schemeClr val="tx1"/>
+        </a:solidFill>
+        <a:latin typeface="+mn-lt"/>
+        <a:ea typeface="+mn-ea"/>
+        <a:cs typeface="+mn-cs"/>
+      </a:defRPr>
+    </a:lvl8pPr>
+    <a:lvl9pPr marL="3657600" algn="l" defTabSz="914400" rtl="0" eaLnBrk="1" latinLnBrk="0" hangingPunct="1">
+      <a:defRPr sz="1200" kern="1200">
+        <a:solidFill>
+          <a:schemeClr val="tx1"/>
+        </a:solidFill>
+        <a:latin typeface="+mn-lt"/>
+        <a:ea typeface="+mn-ea"/>
+        <a:cs typeface="+mn-cs"/>
+      </a:defRPr>
+    </a:lvl9pPr>
+  </p:notesStyle>
+</p:notesMaster>
+</file>
+
+<file path=ppt/notesSlides/notesSlide1.xml><?xml version="1.0" encoding="utf-8"?>
+<p:notes xmlns:a="http://schemas.openxmlformats.org/drawingml/2006/main" xmlns:r="http://schemas.openxmlformats.org/officeDocument/2006/relationships" xmlns:p="http://schemas.openxmlformats.org/presentationml/2006/main">
+  <p:cSld>
+    <p:spTree>
+      <p:nvGrpSpPr>
+        <p:cNvPr id="1" name=""/>
+        <p:cNvGrpSpPr/>
+        <p:nvPr/>
+      </p:nvGrpSpPr>
+      <p:grpSpPr>
+        <a:xfrm>
+          <a:off x="0" y="0"/>
+          <a:ext cx="0" cy="0"/>
+          <a:chOff x="0" y="0"/>
+          <a:chExt cx="0" cy="0"/>
+        </a:xfrm>
+      </p:grpSpPr>
+      <p:sp>
+        <p:nvSpPr>
+          <p:cNvPr id="2" name="Slide Image Placeholder 1"/>
+          <p:cNvSpPr>
+            <a:spLocks noGrp="1" noRot="1" noChangeAspect="1"/>
+          </p:cNvSpPr>
+          <p:nvPr>
+            <p:ph type="sldImg"/>
+          </p:nvPr>
+        </p:nvSpPr>
+        <p:spPr/>
+      </p:sp>
+      <p:sp>
+        <p:nvSpPr>
+          <p:cNvPr id="3" name="Notes Placeholder 2"/>
+          <p:cNvSpPr>
+            <a:spLocks noGrp="1"/>
+          </p:cNvSpPr>
+          <p:nvPr>
+            <p:ph type="body" idx="1"/>
+          </p:nvPr>
+        </p:nvSpPr>
+        <p:spPr/>
+        <p:txBody>
+          <a:bodyPr/>
+          <a:lstStyle/>
+          <a:p>
+            <a:endParaRPr lang="en-US" dirty="0"/>
+          </a:p>
+        </p:txBody>
+      </p:sp>
+      <p:sp>
+        <p:nvSpPr>
+          <p:cNvPr id="4" name="Slide Number Placeholder 3"/>
+          <p:cNvSpPr>
+            <a:spLocks noGrp="1"/>
+          </p:cNvSpPr>
+          <p:nvPr>
+            <p:ph type="sldNum" sz="quarter" idx="10"/>
+          </p:nvPr>
+        </p:nvSpPr>
+        <p:spPr/>
+        <p:txBody>
+          <a:bodyPr/>
+          <a:lstStyle/>
+          <a:p>
+            <a:fld id="{6121FA07-61D2-4525-8ECC-C959FF2CBAEE}" type="slidenum">
+              <a:rPr lang="en-US" smtClean="0"/>
+              <a:t>4</a:t>
+            </a:fld>
+            <a:endParaRPr lang="en-US"/>
+          </a:p>
+        </p:txBody>
+      </p:sp>
+    </p:spTree>
+    <p:extLst>
+      <p:ext uri="{BB962C8B-B14F-4D97-AF65-F5344CB8AC3E}">
+        <p14:creationId xmlns:p14="http://schemas.microsoft.com/office/powerpoint/2010/main" val="1684524093"/>
+      </p:ext>
+    </p:extLst>
+  </p:cSld>
+  <p:clrMapOvr>
+    <a:masterClrMapping/>
+  </p:clrMapOvr>
+</p:notes>
 </file>
 
 <file path=ppt/slideLayouts/slideLayout1.xml><?xml version="1.0" encoding="utf-8"?>
@@ -3110,6 +3550,407 @@
         </p:nvSpPr>
         <p:spPr>
           <a:xfrm>
+            <a:off x="914400" y="319414"/>
+            <a:ext cx="4775666" cy="1477328"/>
+          </a:xfrm>
+          <a:prstGeom prst="rect">
+            <a:avLst/>
+          </a:prstGeom>
+          <a:noFill/>
+        </p:spPr>
+        <p:txBody>
+          <a:bodyPr wrap="none" rtlCol="0">
+            <a:spAutoFit/>
+          </a:bodyPr>
+          <a:lstStyle/>
+          <a:p>
+            <a:r>
+              <a:rPr lang="en-US" dirty="0" smtClean="0">
+                <a:latin typeface="Arial" panose="020B0604020202020204" pitchFamily="34" charset="0"/>
+                <a:cs typeface="Arial" panose="020B0604020202020204" pitchFamily="34" charset="0"/>
+              </a:rPr>
+              <a:t>If you are following along with our datasets…</a:t>
+            </a:r>
+          </a:p>
+          <a:p>
+            <a:r>
+              <a:rPr lang="en-US" dirty="0" smtClean="0">
+                <a:latin typeface="Arial" panose="020B0604020202020204" pitchFamily="34" charset="0"/>
+                <a:cs typeface="Arial" panose="020B0604020202020204" pitchFamily="34" charset="0"/>
+              </a:rPr>
+              <a:t>We will be using the data from this paper…</a:t>
+            </a:r>
+          </a:p>
+          <a:p>
+            <a:endParaRPr lang="en-US" dirty="0" smtClean="0">
+              <a:latin typeface="Arial" panose="020B0604020202020204" pitchFamily="34" charset="0"/>
+              <a:cs typeface="Arial" panose="020B0604020202020204" pitchFamily="34" charset="0"/>
+            </a:endParaRPr>
+          </a:p>
+          <a:p>
+            <a:endParaRPr lang="en-US" dirty="0" smtClean="0">
+              <a:latin typeface="Arial" panose="020B0604020202020204" pitchFamily="34" charset="0"/>
+              <a:cs typeface="Arial" panose="020B0604020202020204" pitchFamily="34" charset="0"/>
+            </a:endParaRPr>
+          </a:p>
+          <a:p>
+            <a:endParaRPr lang="en-US" dirty="0">
+              <a:latin typeface="Arial" panose="020B0604020202020204" pitchFamily="34" charset="0"/>
+              <a:cs typeface="Arial" panose="020B0604020202020204" pitchFamily="34" charset="0"/>
+            </a:endParaRPr>
+          </a:p>
+        </p:txBody>
+      </p:sp>
+      <p:pic>
+        <p:nvPicPr>
+          <p:cNvPr id="5" name="Picture 4"/>
+          <p:cNvPicPr>
+            <a:picLocks noChangeAspect="1"/>
+          </p:cNvPicPr>
+          <p:nvPr/>
+        </p:nvPicPr>
+        <p:blipFill>
+          <a:blip r:embed="rId2"/>
+          <a:stretch>
+            <a:fillRect/>
+          </a:stretch>
+        </p:blipFill>
+        <p:spPr>
+          <a:xfrm>
+            <a:off x="914400" y="1216538"/>
+            <a:ext cx="10137562" cy="4620122"/>
+          </a:xfrm>
+          <a:prstGeom prst="rect">
+            <a:avLst/>
+          </a:prstGeom>
+        </p:spPr>
+      </p:pic>
+      <p:sp>
+        <p:nvSpPr>
+          <p:cNvPr id="6" name="Rectangle 5"/>
+          <p:cNvSpPr/>
+          <p:nvPr/>
+        </p:nvSpPr>
+        <p:spPr>
+          <a:xfrm>
+            <a:off x="3617935" y="6112505"/>
+            <a:ext cx="8920618" cy="369332"/>
+          </a:xfrm>
+          <a:prstGeom prst="rect">
+            <a:avLst/>
+          </a:prstGeom>
+        </p:spPr>
+        <p:txBody>
+          <a:bodyPr wrap="square">
+            <a:spAutoFit/>
+          </a:bodyPr>
+          <a:lstStyle/>
+          <a:p>
+            <a:r>
+              <a:rPr lang="en-US"/>
+              <a:t>https://microbiomejournal.biomedcentral.com/articles/10.1186/s40168-017-0338-7</a:t>
+            </a:r>
+          </a:p>
+        </p:txBody>
+      </p:sp>
+    </p:spTree>
+    <p:extLst>
+      <p:ext uri="{BB962C8B-B14F-4D97-AF65-F5344CB8AC3E}">
+        <p14:creationId xmlns:p14="http://schemas.microsoft.com/office/powerpoint/2010/main" val="3696721597"/>
+      </p:ext>
+    </p:extLst>
+  </p:cSld>
+  <p:clrMapOvr>
+    <a:masterClrMapping/>
+  </p:clrMapOvr>
+  <p:timing>
+    <p:tnLst>
+      <p:par>
+        <p:cTn id="1" dur="indefinite" restart="never" nodeType="tmRoot"/>
+      </p:par>
+    </p:tnLst>
+  </p:timing>
+</p:sld>
+</file>
+
+<file path=ppt/slides/slide3.xml><?xml version="1.0" encoding="utf-8"?>
+<p:sld xmlns:a="http://schemas.openxmlformats.org/drawingml/2006/main" xmlns:r="http://schemas.openxmlformats.org/officeDocument/2006/relationships" xmlns:p="http://schemas.openxmlformats.org/presentationml/2006/main">
+  <p:cSld>
+    <p:spTree>
+      <p:nvGrpSpPr>
+        <p:cNvPr id="1" name=""/>
+        <p:cNvGrpSpPr/>
+        <p:nvPr/>
+      </p:nvGrpSpPr>
+      <p:grpSpPr>
+        <a:xfrm>
+          <a:off x="0" y="0"/>
+          <a:ext cx="0" cy="0"/>
+          <a:chOff x="0" y="0"/>
+          <a:chExt cx="0" cy="0"/>
+        </a:xfrm>
+      </p:grpSpPr>
+      <p:sp>
+        <p:nvSpPr>
+          <p:cNvPr id="5" name="TextBox 4"/>
+          <p:cNvSpPr txBox="1"/>
+          <p:nvPr/>
+        </p:nvSpPr>
+        <p:spPr>
+          <a:xfrm>
+            <a:off x="670142" y="306888"/>
+            <a:ext cx="9328323" cy="369332"/>
+          </a:xfrm>
+          <a:prstGeom prst="rect">
+            <a:avLst/>
+          </a:prstGeom>
+          <a:noFill/>
+        </p:spPr>
+        <p:txBody>
+          <a:bodyPr wrap="none" rtlCol="0">
+            <a:spAutoFit/>
+          </a:bodyPr>
+          <a:lstStyle/>
+          <a:p>
+            <a:r>
+              <a:rPr lang="en-US" dirty="0" smtClean="0">
+                <a:latin typeface="Arial" panose="020B0604020202020204" pitchFamily="34" charset="0"/>
+                <a:cs typeface="Arial" panose="020B0604020202020204" pitchFamily="34" charset="0"/>
+              </a:rPr>
+              <a:t>Tables and r-scripts were nicely organized by Kathryn </a:t>
+            </a:r>
+            <a:r>
+              <a:rPr lang="en-US" dirty="0" err="1" smtClean="0">
+                <a:latin typeface="Arial" panose="020B0604020202020204" pitchFamily="34" charset="0"/>
+                <a:cs typeface="Arial" panose="020B0604020202020204" pitchFamily="34" charset="0"/>
+              </a:rPr>
+              <a:t>Winglee</a:t>
+            </a:r>
+            <a:r>
+              <a:rPr lang="en-US" dirty="0" smtClean="0">
+                <a:latin typeface="Arial" panose="020B0604020202020204" pitchFamily="34" charset="0"/>
+                <a:cs typeface="Arial" panose="020B0604020202020204" pitchFamily="34" charset="0"/>
+              </a:rPr>
+              <a:t> (now of the CDC in Atlanta)</a:t>
+            </a:r>
+            <a:endParaRPr lang="en-US" dirty="0">
+              <a:latin typeface="Arial" panose="020B0604020202020204" pitchFamily="34" charset="0"/>
+              <a:cs typeface="Arial" panose="020B0604020202020204" pitchFamily="34" charset="0"/>
+            </a:endParaRPr>
+          </a:p>
+        </p:txBody>
+      </p:sp>
+      <p:sp>
+        <p:nvSpPr>
+          <p:cNvPr id="6" name="Rectangle 5"/>
+          <p:cNvSpPr/>
+          <p:nvPr/>
+        </p:nvSpPr>
+        <p:spPr>
+          <a:xfrm>
+            <a:off x="7475050" y="6263107"/>
+            <a:ext cx="4582152" cy="369332"/>
+          </a:xfrm>
+          <a:prstGeom prst="rect">
+            <a:avLst/>
+          </a:prstGeom>
+        </p:spPr>
+        <p:txBody>
+          <a:bodyPr wrap="none">
+            <a:spAutoFit/>
+          </a:bodyPr>
+          <a:lstStyle/>
+          <a:p>
+            <a:r>
+              <a:rPr lang="en-US" dirty="0"/>
+              <a:t>https://github.com/kwinglee/UrbanRuralChina</a:t>
+            </a:r>
+          </a:p>
+        </p:txBody>
+      </p:sp>
+      <p:pic>
+        <p:nvPicPr>
+          <p:cNvPr id="7" name="Picture 6"/>
+          <p:cNvPicPr>
+            <a:picLocks noChangeAspect="1"/>
+          </p:cNvPicPr>
+          <p:nvPr/>
+        </p:nvPicPr>
+        <p:blipFill>
+          <a:blip r:embed="rId2"/>
+          <a:stretch>
+            <a:fillRect/>
+          </a:stretch>
+        </p:blipFill>
+        <p:spPr>
+          <a:xfrm>
+            <a:off x="551234" y="1320892"/>
+            <a:ext cx="11264123" cy="2523269"/>
+          </a:xfrm>
+          <a:prstGeom prst="rect">
+            <a:avLst/>
+          </a:prstGeom>
+        </p:spPr>
+      </p:pic>
+      <p:pic>
+        <p:nvPicPr>
+          <p:cNvPr id="1026" name="Picture 2" descr="Winglee, Kathryn"/>
+          <p:cNvPicPr>
+            <a:picLocks noChangeAspect="1" noChangeArrowheads="1"/>
+          </p:cNvPicPr>
+          <p:nvPr/>
+        </p:nvPicPr>
+        <p:blipFill>
+          <a:blip r:embed="rId3">
+            <a:extLst>
+              <a:ext uri="{28A0092B-C50C-407E-A947-70E740481C1C}">
+                <a14:useLocalDpi xmlns:a14="http://schemas.microsoft.com/office/drawing/2010/main" val="0"/>
+              </a:ext>
+            </a:extLst>
+          </a:blip>
+          <a:srcRect/>
+          <a:stretch>
+            <a:fillRect/>
+          </a:stretch>
+        </p:blipFill>
+        <p:spPr bwMode="auto">
+          <a:xfrm>
+            <a:off x="670142" y="4543512"/>
+            <a:ext cx="2095500" cy="1962150"/>
+          </a:xfrm>
+          <a:prstGeom prst="rect">
+            <a:avLst/>
+          </a:prstGeom>
+          <a:noFill/>
+          <a:extLst>
+            <a:ext uri="{909E8E84-426E-40DD-AFC4-6F175D3DCCD1}">
+              <a14:hiddenFill xmlns:a14="http://schemas.microsoft.com/office/drawing/2010/main">
+                <a:solidFill>
+                  <a:srgbClr val="FFFFFF"/>
+                </a:solidFill>
+              </a14:hiddenFill>
+            </a:ext>
+          </a:extLst>
+        </p:spPr>
+      </p:pic>
+    </p:spTree>
+    <p:extLst>
+      <p:ext uri="{BB962C8B-B14F-4D97-AF65-F5344CB8AC3E}">
+        <p14:creationId xmlns:p14="http://schemas.microsoft.com/office/powerpoint/2010/main" val="1962320976"/>
+      </p:ext>
+    </p:extLst>
+  </p:cSld>
+  <p:clrMapOvr>
+    <a:masterClrMapping/>
+  </p:clrMapOvr>
+  <p:timing>
+    <p:tnLst>
+      <p:par>
+        <p:cTn id="1" dur="indefinite" restart="never" nodeType="tmRoot"/>
+      </p:par>
+    </p:tnLst>
+  </p:timing>
+</p:sld>
+</file>
+
+<file path=ppt/slides/slide4.xml><?xml version="1.0" encoding="utf-8"?>
+<p:sld xmlns:a="http://schemas.openxmlformats.org/drawingml/2006/main" xmlns:r="http://schemas.openxmlformats.org/officeDocument/2006/relationships" xmlns:p="http://schemas.openxmlformats.org/presentationml/2006/main">
+  <p:cSld>
+    <p:spTree>
+      <p:nvGrpSpPr>
+        <p:cNvPr id="1" name=""/>
+        <p:cNvGrpSpPr/>
+        <p:nvPr/>
+      </p:nvGrpSpPr>
+      <p:grpSpPr>
+        <a:xfrm>
+          <a:off x="0" y="0"/>
+          <a:ext cx="0" cy="0"/>
+          <a:chOff x="0" y="0"/>
+          <a:chExt cx="0" cy="0"/>
+        </a:xfrm>
+      </p:grpSpPr>
+      <p:sp>
+        <p:nvSpPr>
+          <p:cNvPr id="4" name="TextBox 3"/>
+          <p:cNvSpPr txBox="1"/>
+          <p:nvPr/>
+        </p:nvSpPr>
+        <p:spPr>
+          <a:xfrm>
+            <a:off x="507304" y="400833"/>
+            <a:ext cx="5797421" cy="369332"/>
+          </a:xfrm>
+          <a:prstGeom prst="rect">
+            <a:avLst/>
+          </a:prstGeom>
+          <a:noFill/>
+        </p:spPr>
+        <p:txBody>
+          <a:bodyPr wrap="none" rtlCol="0">
+            <a:spAutoFit/>
+          </a:bodyPr>
+          <a:lstStyle/>
+          <a:p>
+            <a:r>
+              <a:rPr lang="en-US" dirty="0" smtClean="0">
+                <a:latin typeface="Arial" panose="020B0604020202020204" pitchFamily="34" charset="0"/>
+                <a:cs typeface="Arial" panose="020B0604020202020204" pitchFamily="34" charset="0"/>
+              </a:rPr>
+              <a:t>We will use this spreadsheet as our base input into R…</a:t>
+            </a:r>
+            <a:endParaRPr lang="en-US" dirty="0">
+              <a:latin typeface="Arial" panose="020B0604020202020204" pitchFamily="34" charset="0"/>
+              <a:cs typeface="Arial" panose="020B0604020202020204" pitchFamily="34" charset="0"/>
+            </a:endParaRPr>
+          </a:p>
+        </p:txBody>
+      </p:sp>
+    </p:spTree>
+    <p:extLst>
+      <p:ext uri="{BB962C8B-B14F-4D97-AF65-F5344CB8AC3E}">
+        <p14:creationId xmlns:p14="http://schemas.microsoft.com/office/powerpoint/2010/main" val="1514337921"/>
+      </p:ext>
+    </p:extLst>
+  </p:cSld>
+  <p:clrMapOvr>
+    <a:masterClrMapping/>
+  </p:clrMapOvr>
+  <p:timing>
+    <p:tnLst>
+      <p:par>
+        <p:cTn id="1" dur="indefinite" restart="never" nodeType="tmRoot"/>
+      </p:par>
+    </p:tnLst>
+  </p:timing>
+</p:sld>
+</file>
+
+<file path=ppt/slides/slide5.xml><?xml version="1.0" encoding="utf-8"?>
+<p:sld xmlns:a="http://schemas.openxmlformats.org/drawingml/2006/main" xmlns:r="http://schemas.openxmlformats.org/officeDocument/2006/relationships" xmlns:p="http://schemas.openxmlformats.org/presentationml/2006/main">
+  <p:cSld>
+    <p:spTree>
+      <p:nvGrpSpPr>
+        <p:cNvPr id="1" name=""/>
+        <p:cNvGrpSpPr/>
+        <p:nvPr/>
+      </p:nvGrpSpPr>
+      <p:grpSpPr>
+        <a:xfrm>
+          <a:off x="0" y="0"/>
+          <a:ext cx="0" cy="0"/>
+          <a:chOff x="0" y="0"/>
+          <a:chExt cx="0" cy="0"/>
+        </a:xfrm>
+      </p:grpSpPr>
+      <p:sp>
+        <p:nvSpPr>
+          <p:cNvPr id="4" name="TextBox 3"/>
+          <p:cNvSpPr txBox="1"/>
+          <p:nvPr/>
+        </p:nvSpPr>
+        <p:spPr>
+          <a:xfrm>
             <a:off x="557408" y="688932"/>
             <a:ext cx="3365024" cy="369332"/>
           </a:xfrm>
@@ -3424,4 +4265,265 @@
     </a:ext>
   </a:extLst>
 </a:theme>
+</file>
+
+<file path=ppt/theme/theme2.xml><?xml version="1.0" encoding="utf-8"?>
+<a:theme xmlns:a="http://schemas.openxmlformats.org/drawingml/2006/main" name="Office Theme">
+  <a:themeElements>
+    <a:clrScheme name="Office">
+      <a:dk1>
+        <a:sysClr val="windowText" lastClr="000000"/>
+      </a:dk1>
+      <a:lt1>
+        <a:sysClr val="window" lastClr="FFFFFF"/>
+      </a:lt1>
+      <a:dk2>
+        <a:srgbClr val="44546A"/>
+      </a:dk2>
+      <a:lt2>
+        <a:srgbClr val="E7E6E6"/>
+      </a:lt2>
+      <a:accent1>
+        <a:srgbClr val="5B9BD5"/>
+      </a:accent1>
+      <a:accent2>
+        <a:srgbClr val="ED7D31"/>
+      </a:accent2>
+      <a:accent3>
+        <a:srgbClr val="A5A5A5"/>
+      </a:accent3>
+      <a:accent4>
+        <a:srgbClr val="FFC000"/>
+      </a:accent4>
+      <a:accent5>
+        <a:srgbClr val="4472C4"/>
+      </a:accent5>
+      <a:accent6>
+        <a:srgbClr val="70AD47"/>
+      </a:accent6>
+      <a:hlink>
+        <a:srgbClr val="0563C1"/>
+      </a:hlink>
+      <a:folHlink>
+        <a:srgbClr val="954F72"/>
+      </a:folHlink>
+    </a:clrScheme>
+    <a:fontScheme name="Office">
+      <a:majorFont>
+        <a:latin typeface="Calibri Light" panose="020F0302020204030204"/>
+        <a:ea typeface=""/>
+        <a:cs typeface=""/>
+        <a:font script="Jpan" typeface="游ゴシック Light"/>
+        <a:font script="Hang" typeface="맑은 고딕"/>
+        <a:font script="Hans" typeface="等线 Light"/>
+        <a:font script="Hant" typeface="新細明體"/>
+        <a:font script="Arab" typeface="Times New Roman"/>
+        <a:font script="Hebr" typeface="Times New Roman"/>
+        <a:font script="Thai" typeface="Angsana New"/>
+        <a:font script="Ethi" typeface="Nyala"/>
+        <a:font script="Beng" typeface="Vrinda"/>
+        <a:font script="Gujr" typeface="Shruti"/>
+        <a:font script="Khmr" typeface="MoolBoran"/>
+        <a:font script="Knda" typeface="Tunga"/>
+        <a:font script="Guru" typeface="Raavi"/>
+        <a:font script="Cans" typeface="Euphemia"/>
+        <a:font script="Cher" typeface="Plantagenet Cherokee"/>
+        <a:font script="Yiii" typeface="Microsoft Yi Baiti"/>
+        <a:font script="Tibt" typeface="Microsoft Himalaya"/>
+        <a:font script="Thaa" typeface="MV Boli"/>
+        <a:font script="Deva" typeface="Mangal"/>
+        <a:font script="Telu" typeface="Gautami"/>
+        <a:font script="Taml" typeface="Latha"/>
+        <a:font script="Syrc" typeface="Estrangelo Edessa"/>
+        <a:font script="Orya" typeface="Kalinga"/>
+        <a:font script="Mlym" typeface="Kartika"/>
+        <a:font script="Laoo" typeface="DokChampa"/>
+        <a:font script="Sinh" typeface="Iskoola Pota"/>
+        <a:font script="Mong" typeface="Mongolian Baiti"/>
+        <a:font script="Viet" typeface="Times New Roman"/>
+        <a:font script="Uigh" typeface="Microsoft Uighur"/>
+        <a:font script="Geor" typeface="Sylfaen"/>
+      </a:majorFont>
+      <a:minorFont>
+        <a:latin typeface="Calibri" panose="020F0502020204030204"/>
+        <a:ea typeface=""/>
+        <a:cs typeface=""/>
+        <a:font script="Jpan" typeface="游ゴシック"/>
+        <a:font script="Hang" typeface="맑은 고딕"/>
+        <a:font script="Hans" typeface="等线"/>
+        <a:font script="Hant" typeface="新細明體"/>
+        <a:font script="Arab" typeface="Arial"/>
+        <a:font script="Hebr" typeface="Arial"/>
+        <a:font script="Thai" typeface="Cordia New"/>
+        <a:font script="Ethi" typeface="Nyala"/>
+        <a:font script="Beng" typeface="Vrinda"/>
+        <a:font script="Gujr" typeface="Shruti"/>
+        <a:font script="Khmr" typeface="DaunPenh"/>
+        <a:font script="Knda" typeface="Tunga"/>
+        <a:font script="Guru" typeface="Raavi"/>
+        <a:font script="Cans" typeface="Euphemia"/>
+        <a:font script="Cher" typeface="Plantagenet Cherokee"/>
+        <a:font script="Yiii" typeface="Microsoft Yi Baiti"/>
+        <a:font script="Tibt" typeface="Microsoft Himalaya"/>
+        <a:font script="Thaa" typeface="MV Boli"/>
+        <a:font script="Deva" typeface="Mangal"/>
+        <a:font script="Telu" typeface="Gautami"/>
+        <a:font script="Taml" typeface="Latha"/>
+        <a:font script="Syrc" typeface="Estrangelo Edessa"/>
+        <a:font script="Orya" typeface="Kalinga"/>
+        <a:font script="Mlym" typeface="Kartika"/>
+        <a:font script="Laoo" typeface="DokChampa"/>
+        <a:font script="Sinh" typeface="Iskoola Pota"/>
+        <a:font script="Mong" typeface="Mongolian Baiti"/>
+        <a:font script="Viet" typeface="Arial"/>
+        <a:font script="Uigh" typeface="Microsoft Uighur"/>
+        <a:font script="Geor" typeface="Sylfaen"/>
+      </a:minorFont>
+    </a:fontScheme>
+    <a:fmtScheme name="Office">
+      <a:fillStyleLst>
+        <a:solidFill>
+          <a:schemeClr val="phClr"/>
+        </a:solidFill>
+        <a:gradFill rotWithShape="1">
+          <a:gsLst>
+            <a:gs pos="0">
+              <a:schemeClr val="phClr">
+                <a:lumMod val="110000"/>
+                <a:satMod val="105000"/>
+                <a:tint val="67000"/>
+              </a:schemeClr>
+            </a:gs>
+            <a:gs pos="50000">
+              <a:schemeClr val="phClr">
+                <a:lumMod val="105000"/>
+                <a:satMod val="103000"/>
+                <a:tint val="73000"/>
+              </a:schemeClr>
+            </a:gs>
+            <a:gs pos="100000">
+              <a:schemeClr val="phClr">
+                <a:lumMod val="105000"/>
+                <a:satMod val="109000"/>
+                <a:tint val="81000"/>
+              </a:schemeClr>
+            </a:gs>
+          </a:gsLst>
+          <a:lin ang="5400000" scaled="0"/>
+        </a:gradFill>
+        <a:gradFill rotWithShape="1">
+          <a:gsLst>
+            <a:gs pos="0">
+              <a:schemeClr val="phClr">
+                <a:satMod val="103000"/>
+                <a:lumMod val="102000"/>
+                <a:tint val="94000"/>
+              </a:schemeClr>
+            </a:gs>
+            <a:gs pos="50000">
+              <a:schemeClr val="phClr">
+                <a:satMod val="110000"/>
+                <a:lumMod val="100000"/>
+                <a:shade val="100000"/>
+              </a:schemeClr>
+            </a:gs>
+            <a:gs pos="100000">
+              <a:schemeClr val="phClr">
+                <a:lumMod val="99000"/>
+                <a:satMod val="120000"/>
+                <a:shade val="78000"/>
+              </a:schemeClr>
+            </a:gs>
+          </a:gsLst>
+          <a:lin ang="5400000" scaled="0"/>
+        </a:gradFill>
+      </a:fillStyleLst>
+      <a:lnStyleLst>
+        <a:ln w="6350" cap="flat" cmpd="sng" algn="ctr">
+          <a:solidFill>
+            <a:schemeClr val="phClr"/>
+          </a:solidFill>
+          <a:prstDash val="solid"/>
+          <a:miter lim="800000"/>
+        </a:ln>
+        <a:ln w="12700" cap="flat" cmpd="sng" algn="ctr">
+          <a:solidFill>
+            <a:schemeClr val="phClr"/>
+          </a:solidFill>
+          <a:prstDash val="solid"/>
+          <a:miter lim="800000"/>
+        </a:ln>
+        <a:ln w="19050" cap="flat" cmpd="sng" algn="ctr">
+          <a:solidFill>
+            <a:schemeClr val="phClr"/>
+          </a:solidFill>
+          <a:prstDash val="solid"/>
+          <a:miter lim="800000"/>
+        </a:ln>
+      </a:lnStyleLst>
+      <a:effectStyleLst>
+        <a:effectStyle>
+          <a:effectLst/>
+        </a:effectStyle>
+        <a:effectStyle>
+          <a:effectLst/>
+        </a:effectStyle>
+        <a:effectStyle>
+          <a:effectLst>
+            <a:outerShdw blurRad="57150" dist="19050" dir="5400000" algn="ctr" rotWithShape="0">
+              <a:srgbClr val="000000">
+                <a:alpha val="63000"/>
+              </a:srgbClr>
+            </a:outerShdw>
+          </a:effectLst>
+        </a:effectStyle>
+      </a:effectStyleLst>
+      <a:bgFillStyleLst>
+        <a:solidFill>
+          <a:schemeClr val="phClr"/>
+        </a:solidFill>
+        <a:solidFill>
+          <a:schemeClr val="phClr">
+            <a:tint val="95000"/>
+            <a:satMod val="170000"/>
+          </a:schemeClr>
+        </a:solidFill>
+        <a:gradFill rotWithShape="1">
+          <a:gsLst>
+            <a:gs pos="0">
+              <a:schemeClr val="phClr">
+                <a:tint val="93000"/>
+                <a:satMod val="150000"/>
+                <a:shade val="98000"/>
+                <a:lumMod val="102000"/>
+              </a:schemeClr>
+            </a:gs>
+            <a:gs pos="50000">
+              <a:schemeClr val="phClr">
+                <a:tint val="98000"/>
+                <a:satMod val="130000"/>
+                <a:shade val="90000"/>
+                <a:lumMod val="103000"/>
+              </a:schemeClr>
+            </a:gs>
+            <a:gs pos="100000">
+              <a:schemeClr val="phClr">
+                <a:shade val="63000"/>
+                <a:satMod val="120000"/>
+              </a:schemeClr>
+            </a:gs>
+          </a:gsLst>
+          <a:lin ang="5400000" scaled="0"/>
+        </a:gradFill>
+      </a:bgFillStyleLst>
+    </a:fmtScheme>
+  </a:themeElements>
+  <a:objectDefaults/>
+  <a:extraClrSchemeLst/>
+  <a:extLst>
+    <a:ext uri="{05A4C25C-085E-4340-85A3-A5531E510DB2}">
+      <thm15:themeFamily xmlns:thm15="http://schemas.microsoft.com/office/thememl/2012/main" name="Office Theme" id="{62F939B6-93AF-4DB8-9C6B-D6C7DFDC589F}" vid="{4A3C46E8-61CC-4603-A589-7422A47A8E4A}"/>
+    </a:ext>
+  </a:extLst>
+</a:theme>
 </file>
--- a/classes/ChapelHill2018/ch.pptx
+++ b/classes/ChapelHill2018/ch.pptx
@@ -5,14 +5,15 @@
     <p:sldMasterId id="2147483648" r:id="rId1"/>
   </p:sldMasterIdLst>
   <p:notesMasterIdLst>
-    <p:notesMasterId r:id="rId7"/>
+    <p:notesMasterId r:id="rId8"/>
   </p:notesMasterIdLst>
   <p:sldIdLst>
     <p:sldId id="256" r:id="rId2"/>
     <p:sldId id="258" r:id="rId3"/>
     <p:sldId id="259" r:id="rId4"/>
     <p:sldId id="260" r:id="rId5"/>
-    <p:sldId id="257" r:id="rId6"/>
+    <p:sldId id="261" r:id="rId6"/>
+    <p:sldId id="257" r:id="rId7"/>
   </p:sldIdLst>
   <p:sldSz cx="12192000" cy="6858000"/>
   <p:notesSz cx="6858000" cy="9144000"/>
@@ -3906,6 +3907,58 @@
           </a:p>
         </p:txBody>
       </p:sp>
+      <p:sp>
+        <p:nvSpPr>
+          <p:cNvPr id="2" name="Rectangle 1"/>
+          <p:cNvSpPr/>
+          <p:nvPr/>
+        </p:nvSpPr>
+        <p:spPr>
+          <a:xfrm>
+            <a:off x="148224" y="6418255"/>
+            <a:ext cx="13536461" cy="338554"/>
+          </a:xfrm>
+          <a:prstGeom prst="rect">
+            <a:avLst/>
+          </a:prstGeom>
+        </p:spPr>
+        <p:txBody>
+          <a:bodyPr wrap="square">
+            <a:spAutoFit/>
+          </a:bodyPr>
+          <a:lstStyle/>
+          <a:p>
+            <a:r>
+              <a:rPr lang="en-US" sz="1600" dirty="0"/>
+              <a:t>https://github.com/kwinglee/UrbanRuralChina/blob/master/16SrRNA/inputData/RDP/genus_taxaAsColumnsLogNorm_WithMetadata.txt</a:t>
+            </a:r>
+          </a:p>
+        </p:txBody>
+      </p:sp>
+      <p:pic>
+        <p:nvPicPr>
+          <p:cNvPr id="5" name="Picture 4"/>
+          <p:cNvPicPr>
+            <a:picLocks noChangeAspect="1"/>
+          </p:cNvPicPr>
+          <p:nvPr/>
+        </p:nvPicPr>
+        <p:blipFill>
+          <a:blip r:embed="rId3"/>
+          <a:stretch>
+            <a:fillRect/>
+          </a:stretch>
+        </p:blipFill>
+        <p:spPr>
+          <a:xfrm>
+            <a:off x="344466" y="945385"/>
+            <a:ext cx="11360458" cy="3325989"/>
+          </a:xfrm>
+          <a:prstGeom prst="rect">
+            <a:avLst/>
+          </a:prstGeom>
+        </p:spPr>
+      </p:pic>
     </p:spTree>
     <p:extLst>
       <p:ext uri="{BB962C8B-B14F-4D97-AF65-F5344CB8AC3E}">
@@ -3927,6 +3980,192 @@
 </file>
 
 <file path=ppt/slides/slide5.xml><?xml version="1.0" encoding="utf-8"?>
+<p:sld xmlns:a="http://schemas.openxmlformats.org/drawingml/2006/main" xmlns:r="http://schemas.openxmlformats.org/officeDocument/2006/relationships" xmlns:p="http://schemas.openxmlformats.org/presentationml/2006/main">
+  <p:cSld>
+    <p:spTree>
+      <p:nvGrpSpPr>
+        <p:cNvPr id="1" name=""/>
+        <p:cNvGrpSpPr/>
+        <p:nvPr/>
+      </p:nvGrpSpPr>
+      <p:grpSpPr>
+        <a:xfrm>
+          <a:off x="0" y="0"/>
+          <a:ext cx="0" cy="0"/>
+          <a:chOff x="0" y="0"/>
+          <a:chExt cx="0" cy="0"/>
+        </a:xfrm>
+      </p:grpSpPr>
+      <p:sp>
+        <p:nvSpPr>
+          <p:cNvPr id="4" name="TextBox 3"/>
+          <p:cNvSpPr txBox="1"/>
+          <p:nvPr/>
+        </p:nvSpPr>
+        <p:spPr>
+          <a:xfrm>
+            <a:off x="544882" y="444674"/>
+            <a:ext cx="10982494" cy="1477328"/>
+          </a:xfrm>
+          <a:prstGeom prst="rect">
+            <a:avLst/>
+          </a:prstGeom>
+          <a:noFill/>
+        </p:spPr>
+        <p:txBody>
+          <a:bodyPr wrap="none" rtlCol="0">
+            <a:spAutoFit/>
+          </a:bodyPr>
+          <a:lstStyle/>
+          <a:p>
+            <a:r>
+              <a:rPr lang="en-US" dirty="0" smtClean="0">
+                <a:latin typeface="Arial" panose="020B0604020202020204" pitchFamily="34" charset="0"/>
+                <a:cs typeface="Arial" panose="020B0604020202020204" pitchFamily="34" charset="0"/>
+              </a:rPr>
+              <a:t>This spreadsheet has the following features:</a:t>
+            </a:r>
+          </a:p>
+          <a:p>
+            <a:endParaRPr lang="en-US" dirty="0">
+              <a:latin typeface="Arial" panose="020B0604020202020204" pitchFamily="34" charset="0"/>
+              <a:cs typeface="Arial" panose="020B0604020202020204" pitchFamily="34" charset="0"/>
+            </a:endParaRPr>
+          </a:p>
+          <a:p>
+            <a:r>
+              <a:rPr lang="en-US" dirty="0" smtClean="0">
+                <a:latin typeface="Arial" panose="020B0604020202020204" pitchFamily="34" charset="0"/>
+                <a:cs typeface="Arial" panose="020B0604020202020204" pitchFamily="34" charset="0"/>
+              </a:rPr>
+              <a:t>	The taxa are columns; the rows are samples</a:t>
+            </a:r>
+          </a:p>
+          <a:p>
+            <a:r>
+              <a:rPr lang="en-US" dirty="0">
+                <a:latin typeface="Arial" panose="020B0604020202020204" pitchFamily="34" charset="0"/>
+                <a:cs typeface="Arial" panose="020B0604020202020204" pitchFamily="34" charset="0"/>
+              </a:rPr>
+              <a:t>	</a:t>
+            </a:r>
+            <a:r>
+              <a:rPr lang="en-US" dirty="0" smtClean="0">
+                <a:latin typeface="Arial" panose="020B0604020202020204" pitchFamily="34" charset="0"/>
+                <a:cs typeface="Arial" panose="020B0604020202020204" pitchFamily="34" charset="0"/>
+              </a:rPr>
+              <a:t>The metadata (urban vs. rural, </a:t>
+            </a:r>
+            <a:r>
+              <a:rPr lang="en-US" dirty="0" err="1" smtClean="0">
+                <a:latin typeface="Arial" panose="020B0604020202020204" pitchFamily="34" charset="0"/>
+                <a:cs typeface="Arial" panose="020B0604020202020204" pitchFamily="34" charset="0"/>
+              </a:rPr>
+              <a:t>timepoint</a:t>
+            </a:r>
+            <a:r>
+              <a:rPr lang="en-US" dirty="0" smtClean="0">
+                <a:latin typeface="Arial" panose="020B0604020202020204" pitchFamily="34" charset="0"/>
+                <a:cs typeface="Arial" panose="020B0604020202020204" pitchFamily="34" charset="0"/>
+              </a:rPr>
+              <a:t>) are in the same spreadsheet as the relative abundance</a:t>
+            </a:r>
+          </a:p>
+          <a:p>
+            <a:r>
+              <a:rPr lang="en-US" dirty="0">
+                <a:latin typeface="Arial" panose="020B0604020202020204" pitchFamily="34" charset="0"/>
+                <a:cs typeface="Arial" panose="020B0604020202020204" pitchFamily="34" charset="0"/>
+              </a:rPr>
+              <a:t>	</a:t>
+            </a:r>
+            <a:r>
+              <a:rPr lang="en-US" dirty="0" smtClean="0">
+                <a:latin typeface="Arial" panose="020B0604020202020204" pitchFamily="34" charset="0"/>
+                <a:cs typeface="Arial" panose="020B0604020202020204" pitchFamily="34" charset="0"/>
+              </a:rPr>
+              <a:t>The counts are log-normalized according to the following formula</a:t>
+            </a:r>
+            <a:endParaRPr lang="en-US" dirty="0">
+              <a:latin typeface="Arial" panose="020B0604020202020204" pitchFamily="34" charset="0"/>
+              <a:cs typeface="Arial" panose="020B0604020202020204" pitchFamily="34" charset="0"/>
+            </a:endParaRPr>
+          </a:p>
+        </p:txBody>
+      </p:sp>
+      <p:pic>
+        <p:nvPicPr>
+          <p:cNvPr id="5" name="Picture 4"/>
+          <p:cNvPicPr>
+            <a:picLocks noChangeAspect="1"/>
+          </p:cNvPicPr>
+          <p:nvPr/>
+        </p:nvPicPr>
+        <p:blipFill>
+          <a:blip r:embed="rId2"/>
+          <a:stretch>
+            <a:fillRect/>
+          </a:stretch>
+        </p:blipFill>
+        <p:spPr>
+          <a:xfrm>
+            <a:off x="2300809" y="1970631"/>
+            <a:ext cx="5903739" cy="2676968"/>
+          </a:xfrm>
+          <a:prstGeom prst="rect">
+            <a:avLst/>
+          </a:prstGeom>
+        </p:spPr>
+      </p:pic>
+      <p:sp>
+        <p:nvSpPr>
+          <p:cNvPr id="6" name="Rectangle 5"/>
+          <p:cNvSpPr/>
+          <p:nvPr/>
+        </p:nvSpPr>
+        <p:spPr>
+          <a:xfrm>
+            <a:off x="5808099" y="4511562"/>
+            <a:ext cx="4696863" cy="369332"/>
+          </a:xfrm>
+          <a:prstGeom prst="rect">
+            <a:avLst/>
+          </a:prstGeom>
+        </p:spPr>
+        <p:txBody>
+          <a:bodyPr wrap="none">
+            <a:spAutoFit/>
+          </a:bodyPr>
+          <a:lstStyle/>
+          <a:p>
+            <a:r>
+              <a:rPr lang="en-US" dirty="0"/>
+              <a:t>https://www.nature.com/articles/ismej2013106</a:t>
+            </a:r>
+          </a:p>
+        </p:txBody>
+      </p:sp>
+    </p:spTree>
+    <p:extLst>
+      <p:ext uri="{BB962C8B-B14F-4D97-AF65-F5344CB8AC3E}">
+        <p14:creationId xmlns:p14="http://schemas.microsoft.com/office/powerpoint/2010/main" val="1180504084"/>
+      </p:ext>
+    </p:extLst>
+  </p:cSld>
+  <p:clrMapOvr>
+    <a:masterClrMapping/>
+  </p:clrMapOvr>
+  <p:timing>
+    <p:tnLst>
+      <p:par>
+        <p:cTn id="1" dur="indefinite" restart="never" nodeType="tmRoot"/>
+      </p:par>
+    </p:tnLst>
+  </p:timing>
+</p:sld>
+</file>
+
+<file path=ppt/slides/slide6.xml><?xml version="1.0" encoding="utf-8"?>
 <p:sld xmlns:a="http://schemas.openxmlformats.org/drawingml/2006/main" xmlns:r="http://schemas.openxmlformats.org/officeDocument/2006/relationships" xmlns:p="http://schemas.openxmlformats.org/presentationml/2006/main">
   <p:cSld>
     <p:spTree>

--- a/classes/ChapelHill2018/ch.pptx
+++ b/classes/ChapelHill2018/ch.pptx
@@ -5,7 +5,7 @@
     <p:sldMasterId id="2147483648" r:id="rId1"/>
   </p:sldMasterIdLst>
   <p:notesMasterIdLst>
-    <p:notesMasterId r:id="rId8"/>
+    <p:notesMasterId r:id="rId10"/>
   </p:notesMasterIdLst>
   <p:sldIdLst>
     <p:sldId id="256" r:id="rId2"/>
@@ -14,6 +14,8 @@
     <p:sldId id="260" r:id="rId5"/>
     <p:sldId id="261" r:id="rId6"/>
     <p:sldId id="257" r:id="rId7"/>
+    <p:sldId id="262" r:id="rId8"/>
+    <p:sldId id="263" r:id="rId9"/>
   </p:sldIdLst>
   <p:sldSz cx="12192000" cy="6858000"/>
   <p:notesSz cx="6858000" cy="9144000"/>
@@ -202,7 +204,7 @@
           <a:p>
             <a:fld id="{0BB994B0-15EB-4171-B4A2-60B7410CFA19}" type="datetimeFigureOut">
               <a:rPr lang="en-US" smtClean="0"/>
-              <a:t>10/12/2018</a:t>
+              <a:t>10/13/2018</a:t>
             </a:fld>
             <a:endParaRPr lang="en-US"/>
           </a:p>
@@ -685,7 +687,7 @@
           <a:p>
             <a:fld id="{A72D5121-EDCD-4BC3-8884-07E7433927A8}" type="datetimeFigureOut">
               <a:rPr lang="en-US" smtClean="0"/>
-              <a:t>10/12/2018</a:t>
+              <a:t>10/13/2018</a:t>
             </a:fld>
             <a:endParaRPr lang="en-US"/>
           </a:p>
@@ -855,7 +857,7 @@
           <a:p>
             <a:fld id="{A72D5121-EDCD-4BC3-8884-07E7433927A8}" type="datetimeFigureOut">
               <a:rPr lang="en-US" smtClean="0"/>
-              <a:t>10/12/2018</a:t>
+              <a:t>10/13/2018</a:t>
             </a:fld>
             <a:endParaRPr lang="en-US"/>
           </a:p>
@@ -1035,7 +1037,7 @@
           <a:p>
             <a:fld id="{A72D5121-EDCD-4BC3-8884-07E7433927A8}" type="datetimeFigureOut">
               <a:rPr lang="en-US" smtClean="0"/>
-              <a:t>10/12/2018</a:t>
+              <a:t>10/13/2018</a:t>
             </a:fld>
             <a:endParaRPr lang="en-US"/>
           </a:p>
@@ -1205,7 +1207,7 @@
           <a:p>
             <a:fld id="{A72D5121-EDCD-4BC3-8884-07E7433927A8}" type="datetimeFigureOut">
               <a:rPr lang="en-US" smtClean="0"/>
-              <a:t>10/12/2018</a:t>
+              <a:t>10/13/2018</a:t>
             </a:fld>
             <a:endParaRPr lang="en-US"/>
           </a:p>
@@ -1451,7 +1453,7 @@
           <a:p>
             <a:fld id="{A72D5121-EDCD-4BC3-8884-07E7433927A8}" type="datetimeFigureOut">
               <a:rPr lang="en-US" smtClean="0"/>
-              <a:t>10/12/2018</a:t>
+              <a:t>10/13/2018</a:t>
             </a:fld>
             <a:endParaRPr lang="en-US"/>
           </a:p>
@@ -1683,7 +1685,7 @@
           <a:p>
             <a:fld id="{A72D5121-EDCD-4BC3-8884-07E7433927A8}" type="datetimeFigureOut">
               <a:rPr lang="en-US" smtClean="0"/>
-              <a:t>10/12/2018</a:t>
+              <a:t>10/13/2018</a:t>
             </a:fld>
             <a:endParaRPr lang="en-US"/>
           </a:p>
@@ -2050,7 +2052,7 @@
           <a:p>
             <a:fld id="{A72D5121-EDCD-4BC3-8884-07E7433927A8}" type="datetimeFigureOut">
               <a:rPr lang="en-US" smtClean="0"/>
-              <a:t>10/12/2018</a:t>
+              <a:t>10/13/2018</a:t>
             </a:fld>
             <a:endParaRPr lang="en-US"/>
           </a:p>
@@ -2168,7 +2170,7 @@
           <a:p>
             <a:fld id="{A72D5121-EDCD-4BC3-8884-07E7433927A8}" type="datetimeFigureOut">
               <a:rPr lang="en-US" smtClean="0"/>
-              <a:t>10/12/2018</a:t>
+              <a:t>10/13/2018</a:t>
             </a:fld>
             <a:endParaRPr lang="en-US"/>
           </a:p>
@@ -2263,7 +2265,7 @@
           <a:p>
             <a:fld id="{A72D5121-EDCD-4BC3-8884-07E7433927A8}" type="datetimeFigureOut">
               <a:rPr lang="en-US" smtClean="0"/>
-              <a:t>10/12/2018</a:t>
+              <a:t>10/13/2018</a:t>
             </a:fld>
             <a:endParaRPr lang="en-US"/>
           </a:p>
@@ -2540,7 +2542,7 @@
           <a:p>
             <a:fld id="{A72D5121-EDCD-4BC3-8884-07E7433927A8}" type="datetimeFigureOut">
               <a:rPr lang="en-US" smtClean="0"/>
-              <a:t>10/12/2018</a:t>
+              <a:t>10/13/2018</a:t>
             </a:fld>
             <a:endParaRPr lang="en-US"/>
           </a:p>
@@ -2793,7 +2795,7 @@
           <a:p>
             <a:fld id="{A72D5121-EDCD-4BC3-8884-07E7433927A8}" type="datetimeFigureOut">
               <a:rPr lang="en-US" smtClean="0"/>
-              <a:t>10/12/2018</a:t>
+              <a:t>10/13/2018</a:t>
             </a:fld>
             <a:endParaRPr lang="en-US"/>
           </a:p>
@@ -3006,7 +3008,7 @@
           <a:p>
             <a:fld id="{A72D5121-EDCD-4BC3-8884-07E7433927A8}" type="datetimeFigureOut">
               <a:rPr lang="en-US" smtClean="0"/>
-              <a:t>10/12/2018</a:t>
+              <a:t>10/13/2018</a:t>
             </a:fld>
             <a:endParaRPr lang="en-US"/>
           </a:p>
@@ -3438,7 +3440,7 @@
                 <a:latin typeface="Arial" panose="020B0604020202020204" pitchFamily="34" charset="0"/>
                 <a:cs typeface="Arial" panose="020B0604020202020204" pitchFamily="34" charset="0"/>
               </a:rPr>
-              <a:t>Visualizing and building statistical models on multi-variate data in R</a:t>
+              <a:t>Visualizing and building statistical models on multivariate data in R</a:t>
             </a:r>
           </a:p>
           <a:p>
@@ -3481,18 +3483,11 @@
               <a:t>	</a:t>
             </a:r>
             <a:r>
-              <a:rPr lang="en-US" sz="2000" smtClean="0">
-                <a:latin typeface="Arial" panose="020B0604020202020204" pitchFamily="34" charset="0"/>
-                <a:cs typeface="Arial" panose="020B0604020202020204" pitchFamily="34" charset="0"/>
-              </a:rPr>
-              <a:t>	UNC </a:t>
-            </a:r>
-            <a:r>
               <a:rPr lang="en-US" sz="2000" dirty="0" smtClean="0">
                 <a:latin typeface="Arial" panose="020B0604020202020204" pitchFamily="34" charset="0"/>
                 <a:cs typeface="Arial" panose="020B0604020202020204" pitchFamily="34" charset="0"/>
               </a:rPr>
-              <a:t>Charlotte</a:t>
+              <a:t>	UNC Charlotte</a:t>
             </a:r>
           </a:p>
           <a:p>
@@ -3502,6 +3497,34 @@
                 <a:cs typeface="Arial" panose="020B0604020202020204" pitchFamily="34" charset="0"/>
               </a:rPr>
               <a:t>	</a:t>
+            </a:r>
+          </a:p>
+        </p:txBody>
+      </p:sp>
+      <p:sp>
+        <p:nvSpPr>
+          <p:cNvPr id="2" name="Rectangle 1"/>
+          <p:cNvSpPr/>
+          <p:nvPr/>
+        </p:nvSpPr>
+        <p:spPr>
+          <a:xfrm>
+            <a:off x="5955323" y="6294422"/>
+            <a:ext cx="5329344" cy="369332"/>
+          </a:xfrm>
+          <a:prstGeom prst="rect">
+            <a:avLst/>
+          </a:prstGeom>
+        </p:spPr>
+        <p:txBody>
+          <a:bodyPr wrap="none">
+            <a:spAutoFit/>
+          </a:bodyPr>
+          <a:lstStyle/>
+          <a:p>
+            <a:r>
+              <a:rPr lang="en-US" dirty="0"/>
+              <a:t>http://afodor.github.io/classes/ChapelHill2018/ch.pptx</a:t>
             </a:r>
           </a:p>
         </p:txBody>
@@ -4109,7 +4132,7 @@
         </p:blipFill>
         <p:spPr>
           <a:xfrm>
-            <a:off x="2300809" y="1970631"/>
+            <a:off x="2300809" y="1964844"/>
             <a:ext cx="5903739" cy="2676968"/>
           </a:xfrm>
           <a:prstGeom prst="rect">
@@ -4191,7 +4214,7 @@
         <p:spPr>
           <a:xfrm>
             <a:off x="557408" y="688932"/>
-            <a:ext cx="3365024" cy="369332"/>
+            <a:ext cx="7246536" cy="1477328"/>
           </a:xfrm>
           <a:prstGeom prst="rect">
             <a:avLst/>
@@ -4209,16 +4232,39 @@
                 <a:latin typeface="Arial" panose="020B0604020202020204" pitchFamily="34" charset="0"/>
                 <a:cs typeface="Arial" panose="020B0604020202020204" pitchFamily="34" charset="0"/>
               </a:rPr>
-              <a:t>If you have your </a:t>
-            </a:r>
-            <a:r>
-              <a:rPr lang="en-US" smtClean="0">
+              <a:t>If you have your own dataset…</a:t>
+            </a:r>
+          </a:p>
+          <a:p>
+            <a:endParaRPr lang="en-US" dirty="0">
+              <a:latin typeface="Arial" panose="020B0604020202020204" pitchFamily="34" charset="0"/>
+              <a:cs typeface="Arial" panose="020B0604020202020204" pitchFamily="34" charset="0"/>
+            </a:endParaRPr>
+          </a:p>
+          <a:p>
+            <a:r>
+              <a:rPr lang="en-US" dirty="0" smtClean="0">
                 <a:latin typeface="Arial" panose="020B0604020202020204" pitchFamily="34" charset="0"/>
                 <a:cs typeface="Arial" panose="020B0604020202020204" pitchFamily="34" charset="0"/>
               </a:rPr>
-              <a:t>own dataset…</a:t>
-            </a:r>
-            <a:endParaRPr lang="en-US">
+              <a:t>	We can work with you to get your data into the same format </a:t>
+            </a:r>
+          </a:p>
+          <a:p>
+            <a:endParaRPr lang="en-US" dirty="0">
+              <a:latin typeface="Arial" panose="020B0604020202020204" pitchFamily="34" charset="0"/>
+              <a:cs typeface="Arial" panose="020B0604020202020204" pitchFamily="34" charset="0"/>
+            </a:endParaRPr>
+          </a:p>
+          <a:p>
+            <a:r>
+              <a:rPr lang="en-US" dirty="0" smtClean="0">
+                <a:latin typeface="Arial" panose="020B0604020202020204" pitchFamily="34" charset="0"/>
+                <a:cs typeface="Arial" panose="020B0604020202020204" pitchFamily="34" charset="0"/>
+              </a:rPr>
+              <a:t>	(or to modify your R code to work with your table!)</a:t>
+            </a:r>
+            <a:endParaRPr lang="en-US" dirty="0">
               <a:latin typeface="Arial" panose="020B0604020202020204" pitchFamily="34" charset="0"/>
               <a:cs typeface="Arial" panose="020B0604020202020204" pitchFamily="34" charset="0"/>
             </a:endParaRPr>
@@ -4229,6 +4275,394 @@
     <p:extLst>
       <p:ext uri="{BB962C8B-B14F-4D97-AF65-F5344CB8AC3E}">
         <p14:creationId xmlns:p14="http://schemas.microsoft.com/office/powerpoint/2010/main" val="1587977548"/>
+      </p:ext>
+    </p:extLst>
+  </p:cSld>
+  <p:clrMapOvr>
+    <a:masterClrMapping/>
+  </p:clrMapOvr>
+  <p:timing>
+    <p:tnLst>
+      <p:par>
+        <p:cTn id="1" dur="indefinite" restart="never" nodeType="tmRoot"/>
+      </p:par>
+    </p:tnLst>
+  </p:timing>
+</p:sld>
+</file>
+
+<file path=ppt/slides/slide7.xml><?xml version="1.0" encoding="utf-8"?>
+<p:sld xmlns:a="http://schemas.openxmlformats.org/drawingml/2006/main" xmlns:r="http://schemas.openxmlformats.org/officeDocument/2006/relationships" xmlns:p="http://schemas.openxmlformats.org/presentationml/2006/main">
+  <p:cSld>
+    <p:spTree>
+      <p:nvGrpSpPr>
+        <p:cNvPr id="1" name=""/>
+        <p:cNvGrpSpPr/>
+        <p:nvPr/>
+      </p:nvGrpSpPr>
+      <p:grpSpPr>
+        <a:xfrm>
+          <a:off x="0" y="0"/>
+          <a:ext cx="0" cy="0"/>
+          <a:chOff x="0" y="0"/>
+          <a:chExt cx="0" cy="0"/>
+        </a:xfrm>
+      </p:grpSpPr>
+      <p:sp>
+        <p:nvSpPr>
+          <p:cNvPr id="4" name="TextBox 3"/>
+          <p:cNvSpPr txBox="1"/>
+          <p:nvPr/>
+        </p:nvSpPr>
+        <p:spPr>
+          <a:xfrm>
+            <a:off x="68894" y="12527"/>
+            <a:ext cx="8195513" cy="923330"/>
+          </a:xfrm>
+          <a:prstGeom prst="rect">
+            <a:avLst/>
+          </a:prstGeom>
+          <a:noFill/>
+        </p:spPr>
+        <p:txBody>
+          <a:bodyPr wrap="none" rtlCol="0">
+            <a:spAutoFit/>
+          </a:bodyPr>
+          <a:lstStyle/>
+          <a:p>
+            <a:r>
+              <a:rPr lang="en-US" dirty="0" smtClean="0">
+                <a:latin typeface="Arial" panose="020B0604020202020204" pitchFamily="34" charset="0"/>
+                <a:cs typeface="Arial" panose="020B0604020202020204" pitchFamily="34" charset="0"/>
+              </a:rPr>
+              <a:t>You will need to choose some normalization scheme..</a:t>
+            </a:r>
+          </a:p>
+          <a:p>
+            <a:endParaRPr lang="en-US" dirty="0">
+              <a:latin typeface="Arial" panose="020B0604020202020204" pitchFamily="34" charset="0"/>
+              <a:cs typeface="Arial" panose="020B0604020202020204" pitchFamily="34" charset="0"/>
+            </a:endParaRPr>
+          </a:p>
+          <a:p>
+            <a:r>
+              <a:rPr lang="en-US" dirty="0" smtClean="0">
+                <a:latin typeface="Arial" panose="020B0604020202020204" pitchFamily="34" charset="0"/>
+                <a:cs typeface="Arial" panose="020B0604020202020204" pitchFamily="34" charset="0"/>
+              </a:rPr>
+              <a:t>(Each sequence library will be of a different depth; you need to correct for that)</a:t>
+            </a:r>
+            <a:endParaRPr lang="en-US" dirty="0">
+              <a:latin typeface="Arial" panose="020B0604020202020204" pitchFamily="34" charset="0"/>
+              <a:cs typeface="Arial" panose="020B0604020202020204" pitchFamily="34" charset="0"/>
+            </a:endParaRPr>
+          </a:p>
+        </p:txBody>
+      </p:sp>
+      <p:pic>
+        <p:nvPicPr>
+          <p:cNvPr id="6" name="Picture 5"/>
+          <p:cNvPicPr>
+            <a:picLocks noChangeAspect="1"/>
+          </p:cNvPicPr>
+          <p:nvPr/>
+        </p:nvPicPr>
+        <p:blipFill>
+          <a:blip r:embed="rId2"/>
+          <a:stretch>
+            <a:fillRect/>
+          </a:stretch>
+        </p:blipFill>
+        <p:spPr>
+          <a:xfrm>
+            <a:off x="2830424" y="935857"/>
+            <a:ext cx="5934672" cy="4572000"/>
+          </a:xfrm>
+          <a:prstGeom prst="rect">
+            <a:avLst/>
+          </a:prstGeom>
+        </p:spPr>
+      </p:pic>
+      <p:sp>
+        <p:nvSpPr>
+          <p:cNvPr id="7" name="TextBox 6"/>
+          <p:cNvSpPr txBox="1"/>
+          <p:nvPr/>
+        </p:nvSpPr>
+        <p:spPr>
+          <a:xfrm>
+            <a:off x="338203" y="5549031"/>
+            <a:ext cx="11559575" cy="646331"/>
+          </a:xfrm>
+          <a:prstGeom prst="rect">
+            <a:avLst/>
+          </a:prstGeom>
+          <a:noFill/>
+        </p:spPr>
+        <p:txBody>
+          <a:bodyPr wrap="none" rtlCol="0">
+            <a:spAutoFit/>
+          </a:bodyPr>
+          <a:lstStyle/>
+          <a:p>
+            <a:r>
+              <a:rPr lang="en-US" dirty="0" smtClean="0">
+                <a:latin typeface="Arial" panose="020B0604020202020204" pitchFamily="34" charset="0"/>
+                <a:cs typeface="Arial" panose="020B0604020202020204" pitchFamily="34" charset="0"/>
+              </a:rPr>
+              <a:t>The easiest (not necessarily the best) approach is to divide each cell by the total # of sequences in that sample.</a:t>
+            </a:r>
+          </a:p>
+          <a:p>
+            <a:r>
+              <a:rPr lang="en-US" dirty="0" smtClean="0">
+                <a:latin typeface="Arial" panose="020B0604020202020204" pitchFamily="34" charset="0"/>
+                <a:cs typeface="Arial" panose="020B0604020202020204" pitchFamily="34" charset="0"/>
+              </a:rPr>
+              <a:t>This is relative abundance</a:t>
+            </a:r>
+            <a:endParaRPr lang="en-US" dirty="0">
+              <a:latin typeface="Arial" panose="020B0604020202020204" pitchFamily="34" charset="0"/>
+              <a:cs typeface="Arial" panose="020B0604020202020204" pitchFamily="34" charset="0"/>
+            </a:endParaRPr>
+          </a:p>
+        </p:txBody>
+      </p:sp>
+      <p:sp>
+        <p:nvSpPr>
+          <p:cNvPr id="8" name="TextBox 7"/>
+          <p:cNvSpPr txBox="1"/>
+          <p:nvPr/>
+        </p:nvSpPr>
+        <p:spPr>
+          <a:xfrm>
+            <a:off x="6469687" y="6538586"/>
+            <a:ext cx="5749651" cy="369332"/>
+          </a:xfrm>
+          <a:prstGeom prst="rect">
+            <a:avLst/>
+          </a:prstGeom>
+          <a:noFill/>
+        </p:spPr>
+        <p:txBody>
+          <a:bodyPr wrap="none" rtlCol="0">
+            <a:spAutoFit/>
+          </a:bodyPr>
+          <a:lstStyle/>
+          <a:p>
+            <a:r>
+              <a:rPr lang="en-US" dirty="0" smtClean="0"/>
+              <a:t>Table due to :Matthew </a:t>
+            </a:r>
+            <a:r>
+              <a:rPr lang="en-US" dirty="0"/>
+              <a:t>C. B. </a:t>
+            </a:r>
+            <a:r>
+              <a:rPr lang="en-US" dirty="0" err="1"/>
+              <a:t>Tsilimigras</a:t>
+            </a:r>
+            <a:r>
+              <a:rPr lang="en-US" dirty="0"/>
+              <a:t> (Matthew C. Brown)</a:t>
+            </a:r>
+          </a:p>
+        </p:txBody>
+      </p:sp>
+    </p:spTree>
+    <p:extLst>
+      <p:ext uri="{BB962C8B-B14F-4D97-AF65-F5344CB8AC3E}">
+        <p14:creationId xmlns:p14="http://schemas.microsoft.com/office/powerpoint/2010/main" val="3437254749"/>
+      </p:ext>
+    </p:extLst>
+  </p:cSld>
+  <p:clrMapOvr>
+    <a:masterClrMapping/>
+  </p:clrMapOvr>
+  <p:timing>
+    <p:tnLst>
+      <p:par>
+        <p:cTn id="1" dur="indefinite" restart="never" nodeType="tmRoot"/>
+      </p:par>
+    </p:tnLst>
+  </p:timing>
+</p:sld>
+</file>
+
+<file path=ppt/slides/slide8.xml><?xml version="1.0" encoding="utf-8"?>
+<p:sld xmlns:a="http://schemas.openxmlformats.org/drawingml/2006/main" xmlns:r="http://schemas.openxmlformats.org/officeDocument/2006/relationships" xmlns:p="http://schemas.openxmlformats.org/presentationml/2006/main">
+  <p:cSld>
+    <p:spTree>
+      <p:nvGrpSpPr>
+        <p:cNvPr id="1" name=""/>
+        <p:cNvGrpSpPr/>
+        <p:nvPr/>
+      </p:nvGrpSpPr>
+      <p:grpSpPr>
+        <a:xfrm>
+          <a:off x="0" y="0"/>
+          <a:ext cx="0" cy="0"/>
+          <a:chOff x="0" y="0"/>
+          <a:chExt cx="0" cy="0"/>
+        </a:xfrm>
+      </p:grpSpPr>
+      <p:sp>
+        <p:nvSpPr>
+          <p:cNvPr id="4" name="TextBox 3"/>
+          <p:cNvSpPr txBox="1"/>
+          <p:nvPr/>
+        </p:nvSpPr>
+        <p:spPr>
+          <a:xfrm>
+            <a:off x="95740" y="134873"/>
+            <a:ext cx="11157863" cy="1754326"/>
+          </a:xfrm>
+          <a:prstGeom prst="rect">
+            <a:avLst/>
+          </a:prstGeom>
+          <a:noFill/>
+        </p:spPr>
+        <p:txBody>
+          <a:bodyPr wrap="none" rtlCol="0">
+            <a:spAutoFit/>
+          </a:bodyPr>
+          <a:lstStyle/>
+          <a:p>
+            <a:r>
+              <a:rPr lang="en-US" dirty="0" smtClean="0">
+                <a:latin typeface="Arial" panose="020B0604020202020204" pitchFamily="34" charset="0"/>
+                <a:cs typeface="Arial" panose="020B0604020202020204" pitchFamily="34" charset="0"/>
+              </a:rPr>
+              <a:t>Let’s say you have a spreadsheet that is un-normalized and you want to change it to log relative abundance</a:t>
+            </a:r>
+          </a:p>
+          <a:p>
+            <a:endParaRPr lang="en-US" dirty="0">
+              <a:latin typeface="Arial" panose="020B0604020202020204" pitchFamily="34" charset="0"/>
+              <a:cs typeface="Arial" panose="020B0604020202020204" pitchFamily="34" charset="0"/>
+            </a:endParaRPr>
+          </a:p>
+          <a:p>
+            <a:r>
+              <a:rPr lang="en-US" dirty="0" smtClean="0">
+                <a:latin typeface="Arial" panose="020B0604020202020204" pitchFamily="34" charset="0"/>
+                <a:cs typeface="Arial" panose="020B0604020202020204" pitchFamily="34" charset="0"/>
+              </a:rPr>
+              <a:t> </a:t>
+            </a:r>
+          </a:p>
+          <a:p>
+            <a:endParaRPr lang="en-US" dirty="0">
+              <a:latin typeface="Arial" panose="020B0604020202020204" pitchFamily="34" charset="0"/>
+              <a:cs typeface="Arial" panose="020B0604020202020204" pitchFamily="34" charset="0"/>
+            </a:endParaRPr>
+          </a:p>
+          <a:p>
+            <a:endParaRPr lang="en-US" dirty="0" smtClean="0">
+              <a:latin typeface="Arial" panose="020B0604020202020204" pitchFamily="34" charset="0"/>
+              <a:cs typeface="Arial" panose="020B0604020202020204" pitchFamily="34" charset="0"/>
+            </a:endParaRPr>
+          </a:p>
+          <a:p>
+            <a:endParaRPr lang="en-US" dirty="0">
+              <a:latin typeface="Arial" panose="020B0604020202020204" pitchFamily="34" charset="0"/>
+              <a:cs typeface="Arial" panose="020B0604020202020204" pitchFamily="34" charset="0"/>
+            </a:endParaRPr>
+          </a:p>
+        </p:txBody>
+      </p:sp>
+      <p:sp>
+        <p:nvSpPr>
+          <p:cNvPr id="5" name="Rectangle 4"/>
+          <p:cNvSpPr/>
+          <p:nvPr/>
+        </p:nvSpPr>
+        <p:spPr>
+          <a:xfrm>
+            <a:off x="7227216" y="6126430"/>
+            <a:ext cx="2772554" cy="369332"/>
+          </a:xfrm>
+          <a:prstGeom prst="rect">
+            <a:avLst/>
+          </a:prstGeom>
+        </p:spPr>
+        <p:txBody>
+          <a:bodyPr wrap="none">
+            <a:spAutoFit/>
+          </a:bodyPr>
+          <a:lstStyle/>
+          <a:p>
+            <a:r>
+              <a:rPr lang="en-US" dirty="0"/>
+              <a:t>sweep(Y, 1, </a:t>
+            </a:r>
+            <a:r>
+              <a:rPr lang="en-US" dirty="0" err="1"/>
+              <a:t>rowSums</a:t>
+            </a:r>
+            <a:r>
+              <a:rPr lang="en-US" dirty="0"/>
+              <a:t>(Y), '/')</a:t>
+            </a:r>
+          </a:p>
+        </p:txBody>
+      </p:sp>
+      <p:pic>
+        <p:nvPicPr>
+          <p:cNvPr id="2" name="Picture 1"/>
+          <p:cNvPicPr>
+            <a:picLocks noChangeAspect="1"/>
+          </p:cNvPicPr>
+          <p:nvPr/>
+        </p:nvPicPr>
+        <p:blipFill>
+          <a:blip r:embed="rId2"/>
+          <a:stretch>
+            <a:fillRect/>
+          </a:stretch>
+        </p:blipFill>
+        <p:spPr>
+          <a:xfrm>
+            <a:off x="260392" y="734670"/>
+            <a:ext cx="11637847" cy="4294530"/>
+          </a:xfrm>
+          <a:prstGeom prst="rect">
+            <a:avLst/>
+          </a:prstGeom>
+        </p:spPr>
+      </p:pic>
+      <p:sp>
+        <p:nvSpPr>
+          <p:cNvPr id="3" name="Rectangle 2"/>
+          <p:cNvSpPr/>
+          <p:nvPr/>
+        </p:nvSpPr>
+        <p:spPr>
+          <a:xfrm>
+            <a:off x="1716910" y="5362898"/>
+            <a:ext cx="11350907" cy="369332"/>
+          </a:xfrm>
+          <a:prstGeom prst="rect">
+            <a:avLst/>
+          </a:prstGeom>
+        </p:spPr>
+        <p:txBody>
+          <a:bodyPr wrap="square">
+            <a:spAutoFit/>
+          </a:bodyPr>
+          <a:lstStyle/>
+          <a:p>
+            <a:r>
+              <a:rPr lang="en-US" dirty="0"/>
+              <a:t>https://github.com/kwinglee/UrbanRuralChina/blob/master/16SrRNA/inputData/RDP/genus_taxaAsColumns.txt</a:t>
+            </a:r>
+          </a:p>
+        </p:txBody>
+      </p:sp>
+    </p:spTree>
+    <p:extLst>
+      <p:ext uri="{BB962C8B-B14F-4D97-AF65-F5344CB8AC3E}">
+        <p14:creationId xmlns:p14="http://schemas.microsoft.com/office/powerpoint/2010/main" val="2817519161"/>
       </p:ext>
     </p:extLst>
   </p:cSld>

--- a/classes/ChapelHill2018/ch.pptx
+++ b/classes/ChapelHill2018/ch.pptx
@@ -5,17 +5,32 @@
     <p:sldMasterId id="2147483648" r:id="rId1"/>
   </p:sldMasterIdLst>
   <p:notesMasterIdLst>
-    <p:notesMasterId r:id="rId10"/>
+    <p:notesMasterId r:id="rId25"/>
   </p:notesMasterIdLst>
   <p:sldIdLst>
     <p:sldId id="256" r:id="rId2"/>
-    <p:sldId id="258" r:id="rId3"/>
-    <p:sldId id="259" r:id="rId4"/>
-    <p:sldId id="260" r:id="rId5"/>
-    <p:sldId id="261" r:id="rId6"/>
-    <p:sldId id="257" r:id="rId7"/>
-    <p:sldId id="262" r:id="rId8"/>
-    <p:sldId id="263" r:id="rId9"/>
+    <p:sldId id="264" r:id="rId3"/>
+    <p:sldId id="266" r:id="rId4"/>
+    <p:sldId id="258" r:id="rId5"/>
+    <p:sldId id="259" r:id="rId6"/>
+    <p:sldId id="260" r:id="rId7"/>
+    <p:sldId id="261" r:id="rId8"/>
+    <p:sldId id="257" r:id="rId9"/>
+    <p:sldId id="267" r:id="rId10"/>
+    <p:sldId id="262" r:id="rId11"/>
+    <p:sldId id="263" r:id="rId12"/>
+    <p:sldId id="265" r:id="rId13"/>
+    <p:sldId id="268" r:id="rId14"/>
+    <p:sldId id="269" r:id="rId15"/>
+    <p:sldId id="270" r:id="rId16"/>
+    <p:sldId id="271" r:id="rId17"/>
+    <p:sldId id="272" r:id="rId18"/>
+    <p:sldId id="273" r:id="rId19"/>
+    <p:sldId id="274" r:id="rId20"/>
+    <p:sldId id="275" r:id="rId21"/>
+    <p:sldId id="276" r:id="rId22"/>
+    <p:sldId id="277" r:id="rId23"/>
+    <p:sldId id="278" r:id="rId24"/>
   </p:sldIdLst>
   <p:sldSz cx="12192000" cy="6858000"/>
   <p:notesSz cx="6858000" cy="9144000"/>
@@ -537,7 +552,7 @@
           <a:p>
             <a:fld id="{6121FA07-61D2-4525-8ECC-C959FF2CBAEE}" type="slidenum">
               <a:rPr lang="en-US" smtClean="0"/>
-              <a:t>4</a:t>
+              <a:t>6</a:t>
             </a:fld>
             <a:endParaRPr lang="en-US"/>
           </a:p>
@@ -3549,6 +3564,1531 @@
 </p:sld>
 </file>
 
+<file path=ppt/slides/slide10.xml><?xml version="1.0" encoding="utf-8"?>
+<p:sld xmlns:a="http://schemas.openxmlformats.org/drawingml/2006/main" xmlns:r="http://schemas.openxmlformats.org/officeDocument/2006/relationships" xmlns:p="http://schemas.openxmlformats.org/presentationml/2006/main">
+  <p:cSld>
+    <p:spTree>
+      <p:nvGrpSpPr>
+        <p:cNvPr id="1" name=""/>
+        <p:cNvGrpSpPr/>
+        <p:nvPr/>
+      </p:nvGrpSpPr>
+      <p:grpSpPr>
+        <a:xfrm>
+          <a:off x="0" y="0"/>
+          <a:ext cx="0" cy="0"/>
+          <a:chOff x="0" y="0"/>
+          <a:chExt cx="0" cy="0"/>
+        </a:xfrm>
+      </p:grpSpPr>
+      <p:sp>
+        <p:nvSpPr>
+          <p:cNvPr id="4" name="TextBox 3"/>
+          <p:cNvSpPr txBox="1"/>
+          <p:nvPr/>
+        </p:nvSpPr>
+        <p:spPr>
+          <a:xfrm>
+            <a:off x="68894" y="12527"/>
+            <a:ext cx="8195513" cy="923330"/>
+          </a:xfrm>
+          <a:prstGeom prst="rect">
+            <a:avLst/>
+          </a:prstGeom>
+          <a:noFill/>
+        </p:spPr>
+        <p:txBody>
+          <a:bodyPr wrap="none" rtlCol="0">
+            <a:spAutoFit/>
+          </a:bodyPr>
+          <a:lstStyle/>
+          <a:p>
+            <a:r>
+              <a:rPr lang="en-US" dirty="0" smtClean="0">
+                <a:latin typeface="Arial" panose="020B0604020202020204" pitchFamily="34" charset="0"/>
+                <a:cs typeface="Arial" panose="020B0604020202020204" pitchFamily="34" charset="0"/>
+              </a:rPr>
+              <a:t>You will need to choose some normalization scheme..</a:t>
+            </a:r>
+          </a:p>
+          <a:p>
+            <a:endParaRPr lang="en-US" dirty="0">
+              <a:latin typeface="Arial" panose="020B0604020202020204" pitchFamily="34" charset="0"/>
+              <a:cs typeface="Arial" panose="020B0604020202020204" pitchFamily="34" charset="0"/>
+            </a:endParaRPr>
+          </a:p>
+          <a:p>
+            <a:r>
+              <a:rPr lang="en-US" dirty="0" smtClean="0">
+                <a:latin typeface="Arial" panose="020B0604020202020204" pitchFamily="34" charset="0"/>
+                <a:cs typeface="Arial" panose="020B0604020202020204" pitchFamily="34" charset="0"/>
+              </a:rPr>
+              <a:t>(Each sequence library will be of a different depth; you need to correct for that)</a:t>
+            </a:r>
+            <a:endParaRPr lang="en-US" dirty="0">
+              <a:latin typeface="Arial" panose="020B0604020202020204" pitchFamily="34" charset="0"/>
+              <a:cs typeface="Arial" panose="020B0604020202020204" pitchFamily="34" charset="0"/>
+            </a:endParaRPr>
+          </a:p>
+        </p:txBody>
+      </p:sp>
+      <p:pic>
+        <p:nvPicPr>
+          <p:cNvPr id="6" name="Picture 5"/>
+          <p:cNvPicPr>
+            <a:picLocks noChangeAspect="1"/>
+          </p:cNvPicPr>
+          <p:nvPr/>
+        </p:nvPicPr>
+        <p:blipFill>
+          <a:blip r:embed="rId2"/>
+          <a:stretch>
+            <a:fillRect/>
+          </a:stretch>
+        </p:blipFill>
+        <p:spPr>
+          <a:xfrm>
+            <a:off x="2830424" y="935857"/>
+            <a:ext cx="5934672" cy="4572000"/>
+          </a:xfrm>
+          <a:prstGeom prst="rect">
+            <a:avLst/>
+          </a:prstGeom>
+        </p:spPr>
+      </p:pic>
+      <p:sp>
+        <p:nvSpPr>
+          <p:cNvPr id="7" name="TextBox 6"/>
+          <p:cNvSpPr txBox="1"/>
+          <p:nvPr/>
+        </p:nvSpPr>
+        <p:spPr>
+          <a:xfrm>
+            <a:off x="338203" y="5549031"/>
+            <a:ext cx="11559575" cy="646331"/>
+          </a:xfrm>
+          <a:prstGeom prst="rect">
+            <a:avLst/>
+          </a:prstGeom>
+          <a:noFill/>
+        </p:spPr>
+        <p:txBody>
+          <a:bodyPr wrap="none" rtlCol="0">
+            <a:spAutoFit/>
+          </a:bodyPr>
+          <a:lstStyle/>
+          <a:p>
+            <a:r>
+              <a:rPr lang="en-US" dirty="0" smtClean="0">
+                <a:latin typeface="Arial" panose="020B0604020202020204" pitchFamily="34" charset="0"/>
+                <a:cs typeface="Arial" panose="020B0604020202020204" pitchFamily="34" charset="0"/>
+              </a:rPr>
+              <a:t>The easiest (not necessarily the best) approach is to divide each cell by the total # of sequences in that sample.</a:t>
+            </a:r>
+          </a:p>
+          <a:p>
+            <a:r>
+              <a:rPr lang="en-US" dirty="0" smtClean="0">
+                <a:latin typeface="Arial" panose="020B0604020202020204" pitchFamily="34" charset="0"/>
+                <a:cs typeface="Arial" panose="020B0604020202020204" pitchFamily="34" charset="0"/>
+              </a:rPr>
+              <a:t>This is relative abundance</a:t>
+            </a:r>
+            <a:endParaRPr lang="en-US" dirty="0">
+              <a:latin typeface="Arial" panose="020B0604020202020204" pitchFamily="34" charset="0"/>
+              <a:cs typeface="Arial" panose="020B0604020202020204" pitchFamily="34" charset="0"/>
+            </a:endParaRPr>
+          </a:p>
+        </p:txBody>
+      </p:sp>
+      <p:sp>
+        <p:nvSpPr>
+          <p:cNvPr id="8" name="TextBox 7"/>
+          <p:cNvSpPr txBox="1"/>
+          <p:nvPr/>
+        </p:nvSpPr>
+        <p:spPr>
+          <a:xfrm>
+            <a:off x="6469687" y="6538586"/>
+            <a:ext cx="5749651" cy="369332"/>
+          </a:xfrm>
+          <a:prstGeom prst="rect">
+            <a:avLst/>
+          </a:prstGeom>
+          <a:noFill/>
+        </p:spPr>
+        <p:txBody>
+          <a:bodyPr wrap="none" rtlCol="0">
+            <a:spAutoFit/>
+          </a:bodyPr>
+          <a:lstStyle/>
+          <a:p>
+            <a:r>
+              <a:rPr lang="en-US" dirty="0" smtClean="0"/>
+              <a:t>Table due to :Matthew </a:t>
+            </a:r>
+            <a:r>
+              <a:rPr lang="en-US" dirty="0"/>
+              <a:t>C. B. </a:t>
+            </a:r>
+            <a:r>
+              <a:rPr lang="en-US" dirty="0" err="1"/>
+              <a:t>Tsilimigras</a:t>
+            </a:r>
+            <a:r>
+              <a:rPr lang="en-US" dirty="0"/>
+              <a:t> (Matthew C. Brown)</a:t>
+            </a:r>
+          </a:p>
+        </p:txBody>
+      </p:sp>
+    </p:spTree>
+    <p:extLst>
+      <p:ext uri="{BB962C8B-B14F-4D97-AF65-F5344CB8AC3E}">
+        <p14:creationId xmlns:p14="http://schemas.microsoft.com/office/powerpoint/2010/main" val="3437254749"/>
+      </p:ext>
+    </p:extLst>
+  </p:cSld>
+  <p:clrMapOvr>
+    <a:masterClrMapping/>
+  </p:clrMapOvr>
+  <p:timing>
+    <p:tnLst>
+      <p:par>
+        <p:cTn id="1" dur="indefinite" restart="never" nodeType="tmRoot"/>
+      </p:par>
+    </p:tnLst>
+  </p:timing>
+</p:sld>
+</file>
+
+<file path=ppt/slides/slide11.xml><?xml version="1.0" encoding="utf-8"?>
+<p:sld xmlns:a="http://schemas.openxmlformats.org/drawingml/2006/main" xmlns:r="http://schemas.openxmlformats.org/officeDocument/2006/relationships" xmlns:p="http://schemas.openxmlformats.org/presentationml/2006/main">
+  <p:cSld>
+    <p:spTree>
+      <p:nvGrpSpPr>
+        <p:cNvPr id="1" name=""/>
+        <p:cNvGrpSpPr/>
+        <p:nvPr/>
+      </p:nvGrpSpPr>
+      <p:grpSpPr>
+        <a:xfrm>
+          <a:off x="0" y="0"/>
+          <a:ext cx="0" cy="0"/>
+          <a:chOff x="0" y="0"/>
+          <a:chExt cx="0" cy="0"/>
+        </a:xfrm>
+      </p:grpSpPr>
+      <p:sp>
+        <p:nvSpPr>
+          <p:cNvPr id="4" name="TextBox 3"/>
+          <p:cNvSpPr txBox="1"/>
+          <p:nvPr/>
+        </p:nvSpPr>
+        <p:spPr>
+          <a:xfrm>
+            <a:off x="95740" y="134873"/>
+            <a:ext cx="11157863" cy="1754326"/>
+          </a:xfrm>
+          <a:prstGeom prst="rect">
+            <a:avLst/>
+          </a:prstGeom>
+          <a:noFill/>
+        </p:spPr>
+        <p:txBody>
+          <a:bodyPr wrap="none" rtlCol="0">
+            <a:spAutoFit/>
+          </a:bodyPr>
+          <a:lstStyle/>
+          <a:p>
+            <a:r>
+              <a:rPr lang="en-US" dirty="0" smtClean="0">
+                <a:latin typeface="Arial" panose="020B0604020202020204" pitchFamily="34" charset="0"/>
+                <a:cs typeface="Arial" panose="020B0604020202020204" pitchFamily="34" charset="0"/>
+              </a:rPr>
+              <a:t>Let’s say you have a spreadsheet that is un-normalized and you want to change it to log relative abundance</a:t>
+            </a:r>
+          </a:p>
+          <a:p>
+            <a:endParaRPr lang="en-US" dirty="0">
+              <a:latin typeface="Arial" panose="020B0604020202020204" pitchFamily="34" charset="0"/>
+              <a:cs typeface="Arial" panose="020B0604020202020204" pitchFamily="34" charset="0"/>
+            </a:endParaRPr>
+          </a:p>
+          <a:p>
+            <a:r>
+              <a:rPr lang="en-US" dirty="0" smtClean="0">
+                <a:latin typeface="Arial" panose="020B0604020202020204" pitchFamily="34" charset="0"/>
+                <a:cs typeface="Arial" panose="020B0604020202020204" pitchFamily="34" charset="0"/>
+              </a:rPr>
+              <a:t> </a:t>
+            </a:r>
+          </a:p>
+          <a:p>
+            <a:endParaRPr lang="en-US" dirty="0">
+              <a:latin typeface="Arial" panose="020B0604020202020204" pitchFamily="34" charset="0"/>
+              <a:cs typeface="Arial" panose="020B0604020202020204" pitchFamily="34" charset="0"/>
+            </a:endParaRPr>
+          </a:p>
+          <a:p>
+            <a:endParaRPr lang="en-US" dirty="0" smtClean="0">
+              <a:latin typeface="Arial" panose="020B0604020202020204" pitchFamily="34" charset="0"/>
+              <a:cs typeface="Arial" panose="020B0604020202020204" pitchFamily="34" charset="0"/>
+            </a:endParaRPr>
+          </a:p>
+          <a:p>
+            <a:endParaRPr lang="en-US" dirty="0">
+              <a:latin typeface="Arial" panose="020B0604020202020204" pitchFamily="34" charset="0"/>
+              <a:cs typeface="Arial" panose="020B0604020202020204" pitchFamily="34" charset="0"/>
+            </a:endParaRPr>
+          </a:p>
+        </p:txBody>
+      </p:sp>
+      <p:pic>
+        <p:nvPicPr>
+          <p:cNvPr id="2" name="Picture 1"/>
+          <p:cNvPicPr>
+            <a:picLocks noChangeAspect="1"/>
+          </p:cNvPicPr>
+          <p:nvPr/>
+        </p:nvPicPr>
+        <p:blipFill>
+          <a:blip r:embed="rId2"/>
+          <a:stretch>
+            <a:fillRect/>
+          </a:stretch>
+        </p:blipFill>
+        <p:spPr>
+          <a:xfrm>
+            <a:off x="260392" y="734670"/>
+            <a:ext cx="11637847" cy="4294530"/>
+          </a:xfrm>
+          <a:prstGeom prst="rect">
+            <a:avLst/>
+          </a:prstGeom>
+        </p:spPr>
+      </p:pic>
+      <p:sp>
+        <p:nvSpPr>
+          <p:cNvPr id="3" name="Rectangle 2"/>
+          <p:cNvSpPr/>
+          <p:nvPr/>
+        </p:nvSpPr>
+        <p:spPr>
+          <a:xfrm>
+            <a:off x="1716910" y="5362898"/>
+            <a:ext cx="11350907" cy="369332"/>
+          </a:xfrm>
+          <a:prstGeom prst="rect">
+            <a:avLst/>
+          </a:prstGeom>
+        </p:spPr>
+        <p:txBody>
+          <a:bodyPr wrap="square">
+            <a:spAutoFit/>
+          </a:bodyPr>
+          <a:lstStyle/>
+          <a:p>
+            <a:r>
+              <a:rPr lang="en-US" dirty="0"/>
+              <a:t>https://github.com/kwinglee/UrbanRuralChina/blob/master/16SrRNA/inputData/RDP/genus_taxaAsColumns.txt</a:t>
+            </a:r>
+          </a:p>
+        </p:txBody>
+      </p:sp>
+    </p:spTree>
+    <p:extLst>
+      <p:ext uri="{BB962C8B-B14F-4D97-AF65-F5344CB8AC3E}">
+        <p14:creationId xmlns:p14="http://schemas.microsoft.com/office/powerpoint/2010/main" val="2817519161"/>
+      </p:ext>
+    </p:extLst>
+  </p:cSld>
+  <p:clrMapOvr>
+    <a:masterClrMapping/>
+  </p:clrMapOvr>
+  <p:timing>
+    <p:tnLst>
+      <p:par>
+        <p:cTn id="1" dur="indefinite" restart="never" nodeType="tmRoot"/>
+      </p:par>
+    </p:tnLst>
+  </p:timing>
+</p:sld>
+</file>
+
+<file path=ppt/slides/slide12.xml><?xml version="1.0" encoding="utf-8"?>
+<p:sld xmlns:a="http://schemas.openxmlformats.org/drawingml/2006/main" xmlns:r="http://schemas.openxmlformats.org/officeDocument/2006/relationships" xmlns:p="http://schemas.openxmlformats.org/presentationml/2006/main">
+  <p:cSld>
+    <p:spTree>
+      <p:nvGrpSpPr>
+        <p:cNvPr id="1" name=""/>
+        <p:cNvGrpSpPr/>
+        <p:nvPr/>
+      </p:nvGrpSpPr>
+      <p:grpSpPr>
+        <a:xfrm>
+          <a:off x="0" y="0"/>
+          <a:ext cx="0" cy="0"/>
+          <a:chOff x="0" y="0"/>
+          <a:chExt cx="0" cy="0"/>
+        </a:xfrm>
+      </p:grpSpPr>
+      <p:sp>
+        <p:nvSpPr>
+          <p:cNvPr id="4" name="TextBox 3"/>
+          <p:cNvSpPr txBox="1"/>
+          <p:nvPr/>
+        </p:nvSpPr>
+        <p:spPr>
+          <a:xfrm>
+            <a:off x="150472" y="144687"/>
+            <a:ext cx="10892726" cy="369332"/>
+          </a:xfrm>
+          <a:prstGeom prst="rect">
+            <a:avLst/>
+          </a:prstGeom>
+          <a:noFill/>
+        </p:spPr>
+        <p:txBody>
+          <a:bodyPr wrap="none" rtlCol="0">
+            <a:spAutoFit/>
+          </a:bodyPr>
+          <a:lstStyle/>
+          <a:p>
+            <a:r>
+              <a:rPr lang="en-US" dirty="0" smtClean="0">
+                <a:latin typeface="Arial" panose="020B0604020202020204" pitchFamily="34" charset="0"/>
+                <a:cs typeface="Arial" panose="020B0604020202020204" pitchFamily="34" charset="0"/>
+              </a:rPr>
+              <a:t>Here is a (complete) R script to convert a counts table to relative abundance and write the results to a file</a:t>
+            </a:r>
+            <a:endParaRPr lang="en-US" dirty="0">
+              <a:latin typeface="Arial" panose="020B0604020202020204" pitchFamily="34" charset="0"/>
+              <a:cs typeface="Arial" panose="020B0604020202020204" pitchFamily="34" charset="0"/>
+            </a:endParaRPr>
+          </a:p>
+        </p:txBody>
+      </p:sp>
+      <p:sp>
+        <p:nvSpPr>
+          <p:cNvPr id="5" name="Rectangle 4"/>
+          <p:cNvSpPr/>
+          <p:nvPr/>
+        </p:nvSpPr>
+        <p:spPr>
+          <a:xfrm>
+            <a:off x="3493616" y="6488668"/>
+            <a:ext cx="10818471" cy="307777"/>
+          </a:xfrm>
+          <a:prstGeom prst="rect">
+            <a:avLst/>
+          </a:prstGeom>
+        </p:spPr>
+        <p:txBody>
+          <a:bodyPr wrap="square">
+            <a:spAutoFit/>
+          </a:bodyPr>
+          <a:lstStyle/>
+          <a:p>
+            <a:r>
+              <a:rPr lang="en-US" sz="1400" dirty="0">
+                <a:latin typeface="Arial" panose="020B0604020202020204" pitchFamily="34" charset="0"/>
+                <a:cs typeface="Arial" panose="020B0604020202020204" pitchFamily="34" charset="0"/>
+              </a:rPr>
+              <a:t>https://github.com/afodor/metagenomicsTools/blob/master/src/classExamples/ch2018/quickNormalization.txt</a:t>
+            </a:r>
+          </a:p>
+        </p:txBody>
+      </p:sp>
+      <p:pic>
+        <p:nvPicPr>
+          <p:cNvPr id="6" name="Picture 5"/>
+          <p:cNvPicPr>
+            <a:picLocks noChangeAspect="1"/>
+          </p:cNvPicPr>
+          <p:nvPr/>
+        </p:nvPicPr>
+        <p:blipFill>
+          <a:blip r:embed="rId2"/>
+          <a:stretch>
+            <a:fillRect/>
+          </a:stretch>
+        </p:blipFill>
+        <p:spPr>
+          <a:xfrm>
+            <a:off x="851041" y="576503"/>
+            <a:ext cx="10310260" cy="5419183"/>
+          </a:xfrm>
+          <a:prstGeom prst="rect">
+            <a:avLst/>
+          </a:prstGeom>
+        </p:spPr>
+      </p:pic>
+    </p:spTree>
+    <p:extLst>
+      <p:ext uri="{BB962C8B-B14F-4D97-AF65-F5344CB8AC3E}">
+        <p14:creationId xmlns:p14="http://schemas.microsoft.com/office/powerpoint/2010/main" val="3076297033"/>
+      </p:ext>
+    </p:extLst>
+  </p:cSld>
+  <p:clrMapOvr>
+    <a:masterClrMapping/>
+  </p:clrMapOvr>
+  <p:timing>
+    <p:tnLst>
+      <p:par>
+        <p:cTn id="1" dur="indefinite" restart="never" nodeType="tmRoot"/>
+      </p:par>
+    </p:tnLst>
+  </p:timing>
+</p:sld>
+</file>
+
+<file path=ppt/slides/slide13.xml><?xml version="1.0" encoding="utf-8"?>
+<p:sld xmlns:a="http://schemas.openxmlformats.org/drawingml/2006/main" xmlns:r="http://schemas.openxmlformats.org/officeDocument/2006/relationships" xmlns:p="http://schemas.openxmlformats.org/presentationml/2006/main">
+  <p:cSld>
+    <p:spTree>
+      <p:nvGrpSpPr>
+        <p:cNvPr id="1" name=""/>
+        <p:cNvGrpSpPr/>
+        <p:nvPr/>
+      </p:nvGrpSpPr>
+      <p:grpSpPr>
+        <a:xfrm>
+          <a:off x="0" y="0"/>
+          <a:ext cx="0" cy="0"/>
+          <a:chOff x="0" y="0"/>
+          <a:chExt cx="0" cy="0"/>
+        </a:xfrm>
+      </p:grpSpPr>
+      <p:sp>
+        <p:nvSpPr>
+          <p:cNvPr id="4" name="TextBox 3"/>
+          <p:cNvSpPr txBox="1"/>
+          <p:nvPr/>
+        </p:nvSpPr>
+        <p:spPr>
+          <a:xfrm>
+            <a:off x="381966" y="144684"/>
+            <a:ext cx="5493812" cy="369332"/>
+          </a:xfrm>
+          <a:prstGeom prst="rect">
+            <a:avLst/>
+          </a:prstGeom>
+          <a:noFill/>
+        </p:spPr>
+        <p:txBody>
+          <a:bodyPr wrap="none" rtlCol="0">
+            <a:spAutoFit/>
+          </a:bodyPr>
+          <a:lstStyle/>
+          <a:p>
+            <a:r>
+              <a:rPr lang="en-US" dirty="0" smtClean="0">
+                <a:latin typeface="Arial" panose="020B0604020202020204" pitchFamily="34" charset="0"/>
+                <a:cs typeface="Arial" panose="020B0604020202020204" pitchFamily="34" charset="0"/>
+              </a:rPr>
+              <a:t>The first few lines input the file we wish to normalize</a:t>
+            </a:r>
+            <a:endParaRPr lang="en-US" dirty="0">
+              <a:latin typeface="Arial" panose="020B0604020202020204" pitchFamily="34" charset="0"/>
+              <a:cs typeface="Arial" panose="020B0604020202020204" pitchFamily="34" charset="0"/>
+            </a:endParaRPr>
+          </a:p>
+        </p:txBody>
+      </p:sp>
+      <p:pic>
+        <p:nvPicPr>
+          <p:cNvPr id="5" name="Picture 4"/>
+          <p:cNvPicPr>
+            <a:picLocks noChangeAspect="1"/>
+          </p:cNvPicPr>
+          <p:nvPr/>
+        </p:nvPicPr>
+        <p:blipFill>
+          <a:blip r:embed="rId2"/>
+          <a:stretch>
+            <a:fillRect/>
+          </a:stretch>
+        </p:blipFill>
+        <p:spPr>
+          <a:xfrm>
+            <a:off x="190982" y="908732"/>
+            <a:ext cx="12405528" cy="2502751"/>
+          </a:xfrm>
+          <a:prstGeom prst="rect">
+            <a:avLst/>
+          </a:prstGeom>
+        </p:spPr>
+      </p:pic>
+    </p:spTree>
+    <p:extLst>
+      <p:ext uri="{BB962C8B-B14F-4D97-AF65-F5344CB8AC3E}">
+        <p14:creationId xmlns:p14="http://schemas.microsoft.com/office/powerpoint/2010/main" val="944499620"/>
+      </p:ext>
+    </p:extLst>
+  </p:cSld>
+  <p:clrMapOvr>
+    <a:masterClrMapping/>
+  </p:clrMapOvr>
+  <p:timing>
+    <p:tnLst>
+      <p:par>
+        <p:cTn id="1" dur="indefinite" restart="never" nodeType="tmRoot"/>
+      </p:par>
+    </p:tnLst>
+  </p:timing>
+</p:sld>
+</file>
+
+<file path=ppt/slides/slide14.xml><?xml version="1.0" encoding="utf-8"?>
+<p:sld xmlns:a="http://schemas.openxmlformats.org/drawingml/2006/main" xmlns:r="http://schemas.openxmlformats.org/officeDocument/2006/relationships" xmlns:p="http://schemas.openxmlformats.org/presentationml/2006/main">
+  <p:cSld>
+    <p:spTree>
+      <p:nvGrpSpPr>
+        <p:cNvPr id="1" name=""/>
+        <p:cNvGrpSpPr/>
+        <p:nvPr/>
+      </p:nvGrpSpPr>
+      <p:grpSpPr>
+        <a:xfrm>
+          <a:off x="0" y="0"/>
+          <a:ext cx="0" cy="0"/>
+          <a:chOff x="0" y="0"/>
+          <a:chExt cx="0" cy="0"/>
+        </a:xfrm>
+      </p:grpSpPr>
+      <p:pic>
+        <p:nvPicPr>
+          <p:cNvPr id="5" name="Picture 4"/>
+          <p:cNvPicPr>
+            <a:picLocks noChangeAspect="1"/>
+          </p:cNvPicPr>
+          <p:nvPr/>
+        </p:nvPicPr>
+        <p:blipFill>
+          <a:blip r:embed="rId2"/>
+          <a:stretch>
+            <a:fillRect/>
+          </a:stretch>
+        </p:blipFill>
+        <p:spPr>
+          <a:xfrm>
+            <a:off x="358815" y="801764"/>
+            <a:ext cx="9126758" cy="5886351"/>
+          </a:xfrm>
+          <a:prstGeom prst="rect">
+            <a:avLst/>
+          </a:prstGeom>
+        </p:spPr>
+      </p:pic>
+      <p:sp>
+        <p:nvSpPr>
+          <p:cNvPr id="6" name="TextBox 5"/>
+          <p:cNvSpPr txBox="1"/>
+          <p:nvPr/>
+        </p:nvSpPr>
+        <p:spPr>
+          <a:xfrm>
+            <a:off x="682906" y="23151"/>
+            <a:ext cx="9110186" cy="646331"/>
+          </a:xfrm>
+          <a:prstGeom prst="rect">
+            <a:avLst/>
+          </a:prstGeom>
+          <a:noFill/>
+        </p:spPr>
+        <p:txBody>
+          <a:bodyPr wrap="none" rtlCol="0">
+            <a:spAutoFit/>
+          </a:bodyPr>
+          <a:lstStyle/>
+          <a:p>
+            <a:r>
+              <a:rPr lang="en-US" dirty="0" smtClean="0">
+                <a:latin typeface="Arial" panose="020B0604020202020204" pitchFamily="34" charset="0"/>
+                <a:cs typeface="Arial" panose="020B0604020202020204" pitchFamily="34" charset="0"/>
+              </a:rPr>
+              <a:t>On Windows (but not necessarily in Macs or in R-studio, I get this nice view when I type</a:t>
+            </a:r>
+          </a:p>
+          <a:p>
+            <a:r>
+              <a:rPr lang="en-US" dirty="0" smtClean="0">
+                <a:latin typeface="Arial" panose="020B0604020202020204" pitchFamily="34" charset="0"/>
+                <a:cs typeface="Arial" panose="020B0604020202020204" pitchFamily="34" charset="0"/>
+              </a:rPr>
+              <a:t>                                                                 </a:t>
+            </a:r>
+            <a:r>
+              <a:rPr lang="en-US" dirty="0" smtClean="0">
+                <a:solidFill>
+                  <a:srgbClr val="FF0000"/>
+                </a:solidFill>
+                <a:latin typeface="Arial" panose="020B0604020202020204" pitchFamily="34" charset="0"/>
+                <a:cs typeface="Arial" panose="020B0604020202020204" pitchFamily="34" charset="0"/>
+              </a:rPr>
+              <a:t>edit(</a:t>
+            </a:r>
+            <a:r>
+              <a:rPr lang="en-US" dirty="0" err="1" smtClean="0">
+                <a:solidFill>
+                  <a:srgbClr val="FF0000"/>
+                </a:solidFill>
+                <a:latin typeface="Arial" panose="020B0604020202020204" pitchFamily="34" charset="0"/>
+                <a:cs typeface="Arial" panose="020B0604020202020204" pitchFamily="34" charset="0"/>
+              </a:rPr>
+              <a:t>myT</a:t>
+            </a:r>
+            <a:r>
+              <a:rPr lang="en-US" dirty="0" smtClean="0">
+                <a:solidFill>
+                  <a:srgbClr val="FF0000"/>
+                </a:solidFill>
+                <a:latin typeface="Arial" panose="020B0604020202020204" pitchFamily="34" charset="0"/>
+                <a:cs typeface="Arial" panose="020B0604020202020204" pitchFamily="34" charset="0"/>
+              </a:rPr>
+              <a:t>)</a:t>
+            </a:r>
+            <a:endParaRPr lang="en-US" dirty="0">
+              <a:solidFill>
+                <a:srgbClr val="FF0000"/>
+              </a:solidFill>
+              <a:latin typeface="Arial" panose="020B0604020202020204" pitchFamily="34" charset="0"/>
+              <a:cs typeface="Arial" panose="020B0604020202020204" pitchFamily="34" charset="0"/>
+            </a:endParaRPr>
+          </a:p>
+        </p:txBody>
+      </p:sp>
+      <p:sp>
+        <p:nvSpPr>
+          <p:cNvPr id="7" name="TextBox 6"/>
+          <p:cNvSpPr txBox="1"/>
+          <p:nvPr/>
+        </p:nvSpPr>
+        <p:spPr>
+          <a:xfrm>
+            <a:off x="9630138" y="1452623"/>
+            <a:ext cx="2604111" cy="4247317"/>
+          </a:xfrm>
+          <a:prstGeom prst="rect">
+            <a:avLst/>
+          </a:prstGeom>
+          <a:noFill/>
+        </p:spPr>
+        <p:txBody>
+          <a:bodyPr wrap="none" rtlCol="0">
+            <a:spAutoFit/>
+          </a:bodyPr>
+          <a:lstStyle/>
+          <a:p>
+            <a:r>
+              <a:rPr lang="en-US" dirty="0" smtClean="0">
+                <a:latin typeface="Arial" panose="020B0604020202020204" pitchFamily="34" charset="0"/>
+                <a:cs typeface="Arial" panose="020B0604020202020204" pitchFamily="34" charset="0"/>
+              </a:rPr>
+              <a:t>Interestingly, changes I </a:t>
+            </a:r>
+          </a:p>
+          <a:p>
+            <a:r>
+              <a:rPr lang="en-US" dirty="0" smtClean="0">
+                <a:latin typeface="Arial" panose="020B0604020202020204" pitchFamily="34" charset="0"/>
+                <a:cs typeface="Arial" panose="020B0604020202020204" pitchFamily="34" charset="0"/>
+              </a:rPr>
+              <a:t>type here don’t persist.</a:t>
+            </a:r>
+          </a:p>
+          <a:p>
+            <a:endParaRPr lang="en-US" dirty="0">
+              <a:latin typeface="Arial" panose="020B0604020202020204" pitchFamily="34" charset="0"/>
+              <a:cs typeface="Arial" panose="020B0604020202020204" pitchFamily="34" charset="0"/>
+            </a:endParaRPr>
+          </a:p>
+          <a:p>
+            <a:r>
+              <a:rPr lang="en-US" dirty="0" smtClean="0">
+                <a:latin typeface="Arial" panose="020B0604020202020204" pitchFamily="34" charset="0"/>
+                <a:cs typeface="Arial" panose="020B0604020202020204" pitchFamily="34" charset="0"/>
+              </a:rPr>
+              <a:t>(I would have to type</a:t>
+            </a:r>
+          </a:p>
+          <a:p>
+            <a:endParaRPr lang="en-US" dirty="0">
+              <a:latin typeface="Arial" panose="020B0604020202020204" pitchFamily="34" charset="0"/>
+              <a:cs typeface="Arial" panose="020B0604020202020204" pitchFamily="34" charset="0"/>
+            </a:endParaRPr>
+          </a:p>
+          <a:p>
+            <a:r>
+              <a:rPr lang="en-US" dirty="0" err="1" smtClean="0">
+                <a:latin typeface="Arial" panose="020B0604020202020204" pitchFamily="34" charset="0"/>
+                <a:cs typeface="Arial" panose="020B0604020202020204" pitchFamily="34" charset="0"/>
+              </a:rPr>
+              <a:t>myT</a:t>
+            </a:r>
+            <a:r>
+              <a:rPr lang="en-US" dirty="0" smtClean="0">
+                <a:latin typeface="Arial" panose="020B0604020202020204" pitchFamily="34" charset="0"/>
+                <a:cs typeface="Arial" panose="020B0604020202020204" pitchFamily="34" charset="0"/>
+              </a:rPr>
+              <a:t> &lt;- edit(</a:t>
+            </a:r>
+            <a:r>
+              <a:rPr lang="en-US" dirty="0" err="1" smtClean="0">
+                <a:latin typeface="Arial" panose="020B0604020202020204" pitchFamily="34" charset="0"/>
+                <a:cs typeface="Arial" panose="020B0604020202020204" pitchFamily="34" charset="0"/>
+              </a:rPr>
+              <a:t>myT</a:t>
+            </a:r>
+            <a:r>
+              <a:rPr lang="en-US" dirty="0" smtClean="0">
+                <a:latin typeface="Arial" panose="020B0604020202020204" pitchFamily="34" charset="0"/>
+                <a:cs typeface="Arial" panose="020B0604020202020204" pitchFamily="34" charset="0"/>
+              </a:rPr>
+              <a:t>))</a:t>
+            </a:r>
+          </a:p>
+          <a:p>
+            <a:endParaRPr lang="en-US" dirty="0">
+              <a:latin typeface="Arial" panose="020B0604020202020204" pitchFamily="34" charset="0"/>
+              <a:cs typeface="Arial" panose="020B0604020202020204" pitchFamily="34" charset="0"/>
+            </a:endParaRPr>
+          </a:p>
+          <a:p>
+            <a:r>
+              <a:rPr lang="en-US" dirty="0" smtClean="0">
+                <a:latin typeface="Arial" panose="020B0604020202020204" pitchFamily="34" charset="0"/>
+                <a:cs typeface="Arial" panose="020B0604020202020204" pitchFamily="34" charset="0"/>
+              </a:rPr>
+              <a:t>to have the changes</a:t>
+            </a:r>
+          </a:p>
+          <a:p>
+            <a:r>
+              <a:rPr lang="en-US" dirty="0" smtClean="0">
+                <a:latin typeface="Arial" panose="020B0604020202020204" pitchFamily="34" charset="0"/>
+                <a:cs typeface="Arial" panose="020B0604020202020204" pitchFamily="34" charset="0"/>
+              </a:rPr>
+              <a:t>I type into the </a:t>
+            </a:r>
+          </a:p>
+          <a:p>
+            <a:r>
+              <a:rPr lang="en-US" dirty="0" smtClean="0">
+                <a:latin typeface="Arial" panose="020B0604020202020204" pitchFamily="34" charset="0"/>
+                <a:cs typeface="Arial" panose="020B0604020202020204" pitchFamily="34" charset="0"/>
+              </a:rPr>
+              <a:t>spreadsheet stick.</a:t>
+            </a:r>
+          </a:p>
+          <a:p>
+            <a:endParaRPr lang="en-US" dirty="0" smtClean="0">
+              <a:latin typeface="Arial" panose="020B0604020202020204" pitchFamily="34" charset="0"/>
+              <a:cs typeface="Arial" panose="020B0604020202020204" pitchFamily="34" charset="0"/>
+            </a:endParaRPr>
+          </a:p>
+          <a:p>
+            <a:r>
+              <a:rPr lang="en-US" dirty="0" smtClean="0">
+                <a:latin typeface="Arial" panose="020B0604020202020204" pitchFamily="34" charset="0"/>
+                <a:cs typeface="Arial" panose="020B0604020202020204" pitchFamily="34" charset="0"/>
+              </a:rPr>
+              <a:t>This is because data</a:t>
+            </a:r>
+          </a:p>
+          <a:p>
+            <a:r>
+              <a:rPr lang="en-US" dirty="0" smtClean="0">
+                <a:latin typeface="Arial" panose="020B0604020202020204" pitchFamily="34" charset="0"/>
+                <a:cs typeface="Arial" panose="020B0604020202020204" pitchFamily="34" charset="0"/>
+              </a:rPr>
+              <a:t>structures in R are </a:t>
+            </a:r>
+          </a:p>
+          <a:p>
+            <a:r>
+              <a:rPr lang="en-US" dirty="0" smtClean="0">
+                <a:latin typeface="Arial" panose="020B0604020202020204" pitchFamily="34" charset="0"/>
+                <a:cs typeface="Arial" panose="020B0604020202020204" pitchFamily="34" charset="0"/>
+              </a:rPr>
+              <a:t>Immutable!</a:t>
+            </a:r>
+          </a:p>
+          <a:p>
+            <a:endParaRPr lang="en-US" dirty="0" smtClean="0">
+              <a:latin typeface="Arial" panose="020B0604020202020204" pitchFamily="34" charset="0"/>
+              <a:cs typeface="Arial" panose="020B0604020202020204" pitchFamily="34" charset="0"/>
+            </a:endParaRPr>
+          </a:p>
+        </p:txBody>
+      </p:sp>
+    </p:spTree>
+    <p:extLst>
+      <p:ext uri="{BB962C8B-B14F-4D97-AF65-F5344CB8AC3E}">
+        <p14:creationId xmlns:p14="http://schemas.microsoft.com/office/powerpoint/2010/main" val="3192531913"/>
+      </p:ext>
+    </p:extLst>
+  </p:cSld>
+  <p:clrMapOvr>
+    <a:masterClrMapping/>
+  </p:clrMapOvr>
+  <p:timing>
+    <p:tnLst>
+      <p:par>
+        <p:cTn id="1" dur="indefinite" restart="never" nodeType="tmRoot"/>
+      </p:par>
+    </p:tnLst>
+  </p:timing>
+</p:sld>
+</file>
+
+<file path=ppt/slides/slide15.xml><?xml version="1.0" encoding="utf-8"?>
+<p:sld xmlns:a="http://schemas.openxmlformats.org/drawingml/2006/main" xmlns:r="http://schemas.openxmlformats.org/officeDocument/2006/relationships" xmlns:p="http://schemas.openxmlformats.org/presentationml/2006/main">
+  <p:cSld>
+    <p:spTree>
+      <p:nvGrpSpPr>
+        <p:cNvPr id="1" name=""/>
+        <p:cNvGrpSpPr/>
+        <p:nvPr/>
+      </p:nvGrpSpPr>
+      <p:grpSpPr>
+        <a:xfrm>
+          <a:off x="0" y="0"/>
+          <a:ext cx="0" cy="0"/>
+          <a:chOff x="0" y="0"/>
+          <a:chExt cx="0" cy="0"/>
+        </a:xfrm>
+      </p:grpSpPr>
+      <p:sp>
+        <p:nvSpPr>
+          <p:cNvPr id="4" name="TextBox 3"/>
+          <p:cNvSpPr txBox="1"/>
+          <p:nvPr/>
+        </p:nvSpPr>
+        <p:spPr>
+          <a:xfrm>
+            <a:off x="694481" y="486137"/>
+            <a:ext cx="4814138" cy="1200329"/>
+          </a:xfrm>
+          <a:prstGeom prst="rect">
+            <a:avLst/>
+          </a:prstGeom>
+          <a:noFill/>
+        </p:spPr>
+        <p:txBody>
+          <a:bodyPr wrap="none" rtlCol="0">
+            <a:spAutoFit/>
+          </a:bodyPr>
+          <a:lstStyle/>
+          <a:p>
+            <a:r>
+              <a:rPr lang="en-US" dirty="0" smtClean="0">
+                <a:latin typeface="Arial" panose="020B0604020202020204" pitchFamily="34" charset="0"/>
+                <a:cs typeface="Arial" panose="020B0604020202020204" pitchFamily="34" charset="0"/>
+              </a:rPr>
+              <a:t>If I type </a:t>
+            </a:r>
+          </a:p>
+          <a:p>
+            <a:r>
+              <a:rPr lang="en-US" dirty="0">
+                <a:latin typeface="Arial" panose="020B0604020202020204" pitchFamily="34" charset="0"/>
+                <a:cs typeface="Arial" panose="020B0604020202020204" pitchFamily="34" charset="0"/>
+              </a:rPr>
+              <a:t>	</a:t>
+            </a:r>
+            <a:r>
+              <a:rPr lang="en-US" dirty="0" err="1" smtClean="0">
+                <a:latin typeface="Arial" panose="020B0604020202020204" pitchFamily="34" charset="0"/>
+                <a:cs typeface="Arial" panose="020B0604020202020204" pitchFamily="34" charset="0"/>
+              </a:rPr>
+              <a:t>rowSums</a:t>
+            </a:r>
+            <a:r>
+              <a:rPr lang="en-US" dirty="0" smtClean="0">
+                <a:latin typeface="Arial" panose="020B0604020202020204" pitchFamily="34" charset="0"/>
+                <a:cs typeface="Arial" panose="020B0604020202020204" pitchFamily="34" charset="0"/>
+              </a:rPr>
+              <a:t>(</a:t>
+            </a:r>
+            <a:r>
+              <a:rPr lang="en-US" dirty="0" err="1" smtClean="0">
+                <a:latin typeface="Arial" panose="020B0604020202020204" pitchFamily="34" charset="0"/>
+                <a:cs typeface="Arial" panose="020B0604020202020204" pitchFamily="34" charset="0"/>
+              </a:rPr>
+              <a:t>myT</a:t>
+            </a:r>
+            <a:r>
+              <a:rPr lang="en-US" dirty="0" smtClean="0">
+                <a:latin typeface="Arial" panose="020B0604020202020204" pitchFamily="34" charset="0"/>
+                <a:cs typeface="Arial" panose="020B0604020202020204" pitchFamily="34" charset="0"/>
+              </a:rPr>
+              <a:t>)</a:t>
+            </a:r>
+          </a:p>
+          <a:p>
+            <a:endParaRPr lang="en-US" dirty="0">
+              <a:latin typeface="Arial" panose="020B0604020202020204" pitchFamily="34" charset="0"/>
+              <a:cs typeface="Arial" panose="020B0604020202020204" pitchFamily="34" charset="0"/>
+            </a:endParaRPr>
+          </a:p>
+          <a:p>
+            <a:r>
+              <a:rPr lang="en-US" dirty="0" smtClean="0">
+                <a:latin typeface="Arial" panose="020B0604020202020204" pitchFamily="34" charset="0"/>
+                <a:cs typeface="Arial" panose="020B0604020202020204" pitchFamily="34" charset="0"/>
+              </a:rPr>
+              <a:t>R gives me the sequencing depth per sample</a:t>
+            </a:r>
+            <a:endParaRPr lang="en-US" dirty="0">
+              <a:latin typeface="Arial" panose="020B0604020202020204" pitchFamily="34" charset="0"/>
+              <a:cs typeface="Arial" panose="020B0604020202020204" pitchFamily="34" charset="0"/>
+            </a:endParaRPr>
+          </a:p>
+        </p:txBody>
+      </p:sp>
+      <p:pic>
+        <p:nvPicPr>
+          <p:cNvPr id="5" name="Picture 4"/>
+          <p:cNvPicPr>
+            <a:picLocks noChangeAspect="1"/>
+          </p:cNvPicPr>
+          <p:nvPr/>
+        </p:nvPicPr>
+        <p:blipFill>
+          <a:blip r:embed="rId2"/>
+          <a:stretch>
+            <a:fillRect/>
+          </a:stretch>
+        </p:blipFill>
+        <p:spPr>
+          <a:xfrm>
+            <a:off x="1180617" y="1858733"/>
+            <a:ext cx="8979075" cy="4484193"/>
+          </a:xfrm>
+          <a:prstGeom prst="rect">
+            <a:avLst/>
+          </a:prstGeom>
+        </p:spPr>
+      </p:pic>
+    </p:spTree>
+    <p:extLst>
+      <p:ext uri="{BB962C8B-B14F-4D97-AF65-F5344CB8AC3E}">
+        <p14:creationId xmlns:p14="http://schemas.microsoft.com/office/powerpoint/2010/main" val="856042151"/>
+      </p:ext>
+    </p:extLst>
+  </p:cSld>
+  <p:clrMapOvr>
+    <a:masterClrMapping/>
+  </p:clrMapOvr>
+  <p:timing>
+    <p:tnLst>
+      <p:par>
+        <p:cTn id="1" dur="indefinite" restart="never" nodeType="tmRoot"/>
+      </p:par>
+    </p:tnLst>
+  </p:timing>
+</p:sld>
+</file>
+
+<file path=ppt/slides/slide16.xml><?xml version="1.0" encoding="utf-8"?>
+<p:sld xmlns:a="http://schemas.openxmlformats.org/drawingml/2006/main" xmlns:r="http://schemas.openxmlformats.org/officeDocument/2006/relationships" xmlns:p="http://schemas.openxmlformats.org/presentationml/2006/main">
+  <p:cSld>
+    <p:spTree>
+      <p:nvGrpSpPr>
+        <p:cNvPr id="1" name=""/>
+        <p:cNvGrpSpPr/>
+        <p:nvPr/>
+      </p:nvGrpSpPr>
+      <p:grpSpPr>
+        <a:xfrm>
+          <a:off x="0" y="0"/>
+          <a:ext cx="0" cy="0"/>
+          <a:chOff x="0" y="0"/>
+          <a:chExt cx="0" cy="0"/>
+        </a:xfrm>
+      </p:grpSpPr>
+      <p:sp>
+        <p:nvSpPr>
+          <p:cNvPr id="4" name="TextBox 3"/>
+          <p:cNvSpPr txBox="1"/>
+          <p:nvPr/>
+        </p:nvSpPr>
+        <p:spPr>
+          <a:xfrm>
+            <a:off x="219919" y="214133"/>
+            <a:ext cx="9105954" cy="1200329"/>
+          </a:xfrm>
+          <a:prstGeom prst="rect">
+            <a:avLst/>
+          </a:prstGeom>
+          <a:noFill/>
+        </p:spPr>
+        <p:txBody>
+          <a:bodyPr wrap="none" rtlCol="0">
+            <a:spAutoFit/>
+          </a:bodyPr>
+          <a:lstStyle/>
+          <a:p>
+            <a:r>
+              <a:rPr lang="en-US" dirty="0" smtClean="0">
+                <a:latin typeface="Arial" panose="020B0604020202020204" pitchFamily="34" charset="0"/>
+                <a:cs typeface="Arial" panose="020B0604020202020204" pitchFamily="34" charset="0"/>
+              </a:rPr>
+              <a:t>If I type  </a:t>
+            </a:r>
+          </a:p>
+          <a:p>
+            <a:r>
+              <a:rPr lang="en-US" dirty="0">
+                <a:latin typeface="Arial" panose="020B0604020202020204" pitchFamily="34" charset="0"/>
+                <a:cs typeface="Arial" panose="020B0604020202020204" pitchFamily="34" charset="0"/>
+              </a:rPr>
+              <a:t>	</a:t>
+            </a:r>
+            <a:r>
+              <a:rPr lang="en-US" dirty="0" err="1" smtClean="0">
+                <a:latin typeface="Arial" panose="020B0604020202020204" pitchFamily="34" charset="0"/>
+                <a:cs typeface="Arial" panose="020B0604020202020204" pitchFamily="34" charset="0"/>
+              </a:rPr>
+              <a:t>hist</a:t>
+            </a:r>
+            <a:r>
+              <a:rPr lang="en-US" dirty="0" smtClean="0">
+                <a:latin typeface="Arial" panose="020B0604020202020204" pitchFamily="34" charset="0"/>
+                <a:cs typeface="Arial" panose="020B0604020202020204" pitchFamily="34" charset="0"/>
+              </a:rPr>
+              <a:t>(</a:t>
+            </a:r>
+            <a:r>
+              <a:rPr lang="en-US" dirty="0" err="1" smtClean="0">
+                <a:latin typeface="Arial" panose="020B0604020202020204" pitchFamily="34" charset="0"/>
+                <a:cs typeface="Arial" panose="020B0604020202020204" pitchFamily="34" charset="0"/>
+              </a:rPr>
+              <a:t>rowSums</a:t>
+            </a:r>
+            <a:r>
+              <a:rPr lang="en-US" dirty="0" smtClean="0">
+                <a:latin typeface="Arial" panose="020B0604020202020204" pitchFamily="34" charset="0"/>
+                <a:cs typeface="Arial" panose="020B0604020202020204" pitchFamily="34" charset="0"/>
+              </a:rPr>
+              <a:t>(</a:t>
+            </a:r>
+            <a:r>
+              <a:rPr lang="en-US" dirty="0" err="1" smtClean="0">
+                <a:latin typeface="Arial" panose="020B0604020202020204" pitchFamily="34" charset="0"/>
+                <a:cs typeface="Arial" panose="020B0604020202020204" pitchFamily="34" charset="0"/>
+              </a:rPr>
+              <a:t>myT</a:t>
+            </a:r>
+            <a:r>
+              <a:rPr lang="en-US" dirty="0" smtClean="0">
+                <a:latin typeface="Arial" panose="020B0604020202020204" pitchFamily="34" charset="0"/>
+                <a:cs typeface="Arial" panose="020B0604020202020204" pitchFamily="34" charset="0"/>
+              </a:rPr>
+              <a:t>)) </a:t>
+            </a:r>
+          </a:p>
+          <a:p>
+            <a:endParaRPr lang="en-US" dirty="0">
+              <a:latin typeface="Arial" panose="020B0604020202020204" pitchFamily="34" charset="0"/>
+              <a:cs typeface="Arial" panose="020B0604020202020204" pitchFamily="34" charset="0"/>
+            </a:endParaRPr>
+          </a:p>
+          <a:p>
+            <a:r>
+              <a:rPr lang="en-US" dirty="0" smtClean="0">
+                <a:latin typeface="Arial" panose="020B0604020202020204" pitchFamily="34" charset="0"/>
+                <a:cs typeface="Arial" panose="020B0604020202020204" pitchFamily="34" charset="0"/>
+              </a:rPr>
+              <a:t>I get a nice graphic of my sequencing depth per sample.  Very easy, informative QA/QC</a:t>
+            </a:r>
+            <a:endParaRPr lang="en-US" dirty="0">
+              <a:latin typeface="Arial" panose="020B0604020202020204" pitchFamily="34" charset="0"/>
+              <a:cs typeface="Arial" panose="020B0604020202020204" pitchFamily="34" charset="0"/>
+            </a:endParaRPr>
+          </a:p>
+        </p:txBody>
+      </p:sp>
+      <p:pic>
+        <p:nvPicPr>
+          <p:cNvPr id="5" name="Picture 4"/>
+          <p:cNvPicPr>
+            <a:picLocks noChangeAspect="1"/>
+          </p:cNvPicPr>
+          <p:nvPr/>
+        </p:nvPicPr>
+        <p:blipFill>
+          <a:blip r:embed="rId2"/>
+          <a:stretch>
+            <a:fillRect/>
+          </a:stretch>
+        </p:blipFill>
+        <p:spPr>
+          <a:xfrm>
+            <a:off x="1941572" y="1701479"/>
+            <a:ext cx="7434043" cy="4582308"/>
+          </a:xfrm>
+          <a:prstGeom prst="rect">
+            <a:avLst/>
+          </a:prstGeom>
+        </p:spPr>
+      </p:pic>
+    </p:spTree>
+    <p:extLst>
+      <p:ext uri="{BB962C8B-B14F-4D97-AF65-F5344CB8AC3E}">
+        <p14:creationId xmlns:p14="http://schemas.microsoft.com/office/powerpoint/2010/main" val="2132430840"/>
+      </p:ext>
+    </p:extLst>
+  </p:cSld>
+  <p:clrMapOvr>
+    <a:masterClrMapping/>
+  </p:clrMapOvr>
+  <p:timing>
+    <p:tnLst>
+      <p:par>
+        <p:cTn id="1" dur="indefinite" restart="never" nodeType="tmRoot"/>
+      </p:par>
+    </p:tnLst>
+  </p:timing>
+</p:sld>
+</file>
+
+<file path=ppt/slides/slide17.xml><?xml version="1.0" encoding="utf-8"?>
+<p:sld xmlns:a="http://schemas.openxmlformats.org/drawingml/2006/main" xmlns:r="http://schemas.openxmlformats.org/officeDocument/2006/relationships" xmlns:p="http://schemas.openxmlformats.org/presentationml/2006/main">
+  <p:cSld>
+    <p:spTree>
+      <p:nvGrpSpPr>
+        <p:cNvPr id="1" name=""/>
+        <p:cNvGrpSpPr/>
+        <p:nvPr/>
+      </p:nvGrpSpPr>
+      <p:grpSpPr>
+        <a:xfrm>
+          <a:off x="0" y="0"/>
+          <a:ext cx="0" cy="0"/>
+          <a:chOff x="0" y="0"/>
+          <a:chExt cx="0" cy="0"/>
+        </a:xfrm>
+      </p:grpSpPr>
+      <p:pic>
+        <p:nvPicPr>
+          <p:cNvPr id="4" name="Picture 3"/>
+          <p:cNvPicPr>
+            <a:picLocks noChangeAspect="1"/>
+          </p:cNvPicPr>
+          <p:nvPr/>
+        </p:nvPicPr>
+        <p:blipFill>
+          <a:blip r:embed="rId2"/>
+          <a:stretch>
+            <a:fillRect/>
+          </a:stretch>
+        </p:blipFill>
+        <p:spPr>
+          <a:xfrm>
+            <a:off x="1006997" y="1355560"/>
+            <a:ext cx="8797000" cy="5070377"/>
+          </a:xfrm>
+          <a:prstGeom prst="rect">
+            <a:avLst/>
+          </a:prstGeom>
+        </p:spPr>
+      </p:pic>
+      <p:sp>
+        <p:nvSpPr>
+          <p:cNvPr id="5" name="TextBox 4"/>
+          <p:cNvSpPr txBox="1"/>
+          <p:nvPr/>
+        </p:nvSpPr>
+        <p:spPr>
+          <a:xfrm>
+            <a:off x="1238491" y="387753"/>
+            <a:ext cx="5027851" cy="369332"/>
+          </a:xfrm>
+          <a:prstGeom prst="rect">
+            <a:avLst/>
+          </a:prstGeom>
+          <a:noFill/>
+        </p:spPr>
+        <p:txBody>
+          <a:bodyPr wrap="none" rtlCol="0">
+            <a:spAutoFit/>
+          </a:bodyPr>
+          <a:lstStyle/>
+          <a:p>
+            <a:r>
+              <a:rPr lang="en-US" dirty="0" smtClean="0">
+                <a:latin typeface="Arial" panose="020B0604020202020204" pitchFamily="34" charset="0"/>
+                <a:cs typeface="Arial" panose="020B0604020202020204" pitchFamily="34" charset="0"/>
+              </a:rPr>
+              <a:t>Alternatively, I can easily switch to a log scale…</a:t>
+            </a:r>
+            <a:endParaRPr lang="en-US" dirty="0">
+              <a:latin typeface="Arial" panose="020B0604020202020204" pitchFamily="34" charset="0"/>
+              <a:cs typeface="Arial" panose="020B0604020202020204" pitchFamily="34" charset="0"/>
+            </a:endParaRPr>
+          </a:p>
+        </p:txBody>
+      </p:sp>
+    </p:spTree>
+    <p:extLst>
+      <p:ext uri="{BB962C8B-B14F-4D97-AF65-F5344CB8AC3E}">
+        <p14:creationId xmlns:p14="http://schemas.microsoft.com/office/powerpoint/2010/main" val="3164048424"/>
+      </p:ext>
+    </p:extLst>
+  </p:cSld>
+  <p:clrMapOvr>
+    <a:masterClrMapping/>
+  </p:clrMapOvr>
+  <p:timing>
+    <p:tnLst>
+      <p:par>
+        <p:cTn id="1" dur="indefinite" restart="never" nodeType="tmRoot"/>
+      </p:par>
+    </p:tnLst>
+  </p:timing>
+</p:sld>
+</file>
+
+<file path=ppt/slides/slide18.xml><?xml version="1.0" encoding="utf-8"?>
+<p:sld xmlns:a="http://schemas.openxmlformats.org/drawingml/2006/main" xmlns:r="http://schemas.openxmlformats.org/officeDocument/2006/relationships" xmlns:p="http://schemas.openxmlformats.org/presentationml/2006/main">
+  <p:cSld>
+    <p:spTree>
+      <p:nvGrpSpPr>
+        <p:cNvPr id="1" name=""/>
+        <p:cNvGrpSpPr/>
+        <p:nvPr/>
+      </p:nvGrpSpPr>
+      <p:grpSpPr>
+        <a:xfrm>
+          <a:off x="0" y="0"/>
+          <a:ext cx="0" cy="0"/>
+          <a:chOff x="0" y="0"/>
+          <a:chExt cx="0" cy="0"/>
+        </a:xfrm>
+      </p:grpSpPr>
+      <p:sp>
+        <p:nvSpPr>
+          <p:cNvPr id="4" name="TextBox 3"/>
+          <p:cNvSpPr txBox="1"/>
+          <p:nvPr/>
+        </p:nvSpPr>
+        <p:spPr>
+          <a:xfrm>
+            <a:off x="925980" y="144685"/>
+            <a:ext cx="6622326" cy="369332"/>
+          </a:xfrm>
+          <a:prstGeom prst="rect">
+            <a:avLst/>
+          </a:prstGeom>
+          <a:noFill/>
+        </p:spPr>
+        <p:txBody>
+          <a:bodyPr wrap="none" rtlCol="0">
+            <a:spAutoFit/>
+          </a:bodyPr>
+          <a:lstStyle/>
+          <a:p>
+            <a:r>
+              <a:rPr lang="en-US" dirty="0" smtClean="0">
+                <a:latin typeface="Arial" panose="020B0604020202020204" pitchFamily="34" charset="0"/>
+                <a:cs typeface="Arial" panose="020B0604020202020204" pitchFamily="34" charset="0"/>
+              </a:rPr>
+              <a:t>I can use the </a:t>
+            </a:r>
+            <a:r>
+              <a:rPr lang="en-US" dirty="0" err="1" smtClean="0">
+                <a:latin typeface="Arial" panose="020B0604020202020204" pitchFamily="34" charset="0"/>
+                <a:cs typeface="Arial" panose="020B0604020202020204" pitchFamily="34" charset="0"/>
+              </a:rPr>
+              <a:t>rowSums</a:t>
+            </a:r>
+            <a:r>
+              <a:rPr lang="en-US" dirty="0" smtClean="0">
+                <a:latin typeface="Arial" panose="020B0604020202020204" pitchFamily="34" charset="0"/>
+                <a:cs typeface="Arial" panose="020B0604020202020204" pitchFamily="34" charset="0"/>
+              </a:rPr>
+              <a:t> directly to switch to relative abundance </a:t>
+            </a:r>
+            <a:endParaRPr lang="en-US" dirty="0">
+              <a:latin typeface="Arial" panose="020B0604020202020204" pitchFamily="34" charset="0"/>
+              <a:cs typeface="Arial" panose="020B0604020202020204" pitchFamily="34" charset="0"/>
+            </a:endParaRPr>
+          </a:p>
+        </p:txBody>
+      </p:sp>
+      <p:pic>
+        <p:nvPicPr>
+          <p:cNvPr id="5" name="Picture 4"/>
+          <p:cNvPicPr>
+            <a:picLocks noChangeAspect="1"/>
+          </p:cNvPicPr>
+          <p:nvPr/>
+        </p:nvPicPr>
+        <p:blipFill>
+          <a:blip r:embed="rId2"/>
+          <a:stretch>
+            <a:fillRect/>
+          </a:stretch>
+        </p:blipFill>
+        <p:spPr>
+          <a:xfrm>
+            <a:off x="967992" y="724201"/>
+            <a:ext cx="9839325" cy="3476625"/>
+          </a:xfrm>
+          <a:prstGeom prst="rect">
+            <a:avLst/>
+          </a:prstGeom>
+        </p:spPr>
+      </p:pic>
+    </p:spTree>
+    <p:extLst>
+      <p:ext uri="{BB962C8B-B14F-4D97-AF65-F5344CB8AC3E}">
+        <p14:creationId xmlns:p14="http://schemas.microsoft.com/office/powerpoint/2010/main" val="2991187869"/>
+      </p:ext>
+    </p:extLst>
+  </p:cSld>
+  <p:clrMapOvr>
+    <a:masterClrMapping/>
+  </p:clrMapOvr>
+  <p:timing>
+    <p:tnLst>
+      <p:par>
+        <p:cTn id="1" dur="indefinite" restart="never" nodeType="tmRoot"/>
+      </p:par>
+    </p:tnLst>
+  </p:timing>
+</p:sld>
+</file>
+
+<file path=ppt/slides/slide19.xml><?xml version="1.0" encoding="utf-8"?>
+<p:sld xmlns:a="http://schemas.openxmlformats.org/drawingml/2006/main" xmlns:r="http://schemas.openxmlformats.org/officeDocument/2006/relationships" xmlns:p="http://schemas.openxmlformats.org/presentationml/2006/main">
+  <p:cSld>
+    <p:spTree>
+      <p:nvGrpSpPr>
+        <p:cNvPr id="1" name=""/>
+        <p:cNvGrpSpPr/>
+        <p:nvPr/>
+      </p:nvGrpSpPr>
+      <p:grpSpPr>
+        <a:xfrm>
+          <a:off x="0" y="0"/>
+          <a:ext cx="0" cy="0"/>
+          <a:chOff x="0" y="0"/>
+          <a:chExt cx="0" cy="0"/>
+        </a:xfrm>
+      </p:grpSpPr>
+      <p:pic>
+        <p:nvPicPr>
+          <p:cNvPr id="4" name="Picture 3"/>
+          <p:cNvPicPr>
+            <a:picLocks noChangeAspect="1"/>
+          </p:cNvPicPr>
+          <p:nvPr/>
+        </p:nvPicPr>
+        <p:blipFill>
+          <a:blip r:embed="rId2"/>
+          <a:stretch>
+            <a:fillRect/>
+          </a:stretch>
+        </p:blipFill>
+        <p:spPr>
+          <a:xfrm>
+            <a:off x="811687" y="1267430"/>
+            <a:ext cx="8697819" cy="4948116"/>
+          </a:xfrm>
+          <a:prstGeom prst="rect">
+            <a:avLst/>
+          </a:prstGeom>
+        </p:spPr>
+      </p:pic>
+      <p:sp>
+        <p:nvSpPr>
+          <p:cNvPr id="5" name="TextBox 4"/>
+          <p:cNvSpPr txBox="1"/>
+          <p:nvPr/>
+        </p:nvSpPr>
+        <p:spPr>
+          <a:xfrm>
+            <a:off x="1105382" y="364603"/>
+            <a:ext cx="6058069" cy="369332"/>
+          </a:xfrm>
+          <a:prstGeom prst="rect">
+            <a:avLst/>
+          </a:prstGeom>
+          <a:noFill/>
+        </p:spPr>
+        <p:txBody>
+          <a:bodyPr wrap="none" rtlCol="0">
+            <a:spAutoFit/>
+          </a:bodyPr>
+          <a:lstStyle/>
+          <a:p>
+            <a:r>
+              <a:rPr lang="en-US" dirty="0" smtClean="0">
+                <a:latin typeface="Arial" panose="020B0604020202020204" pitchFamily="34" charset="0"/>
+                <a:cs typeface="Arial" panose="020B0604020202020204" pitchFamily="34" charset="0"/>
+              </a:rPr>
+              <a:t>The </a:t>
+            </a:r>
+            <a:r>
+              <a:rPr lang="en-US" dirty="0" err="1" smtClean="0">
+                <a:latin typeface="Arial" panose="020B0604020202020204" pitchFamily="34" charset="0"/>
+                <a:cs typeface="Arial" panose="020B0604020202020204" pitchFamily="34" charset="0"/>
+              </a:rPr>
+              <a:t>rowSums</a:t>
+            </a:r>
+            <a:r>
+              <a:rPr lang="en-US" dirty="0" smtClean="0">
+                <a:latin typeface="Arial" panose="020B0604020202020204" pitchFamily="34" charset="0"/>
+                <a:cs typeface="Arial" panose="020B0604020202020204" pitchFamily="34" charset="0"/>
+              </a:rPr>
+              <a:t> on </a:t>
+            </a:r>
+            <a:r>
+              <a:rPr lang="en-US" dirty="0" err="1" smtClean="0">
+                <a:latin typeface="Arial" panose="020B0604020202020204" pitchFamily="34" charset="0"/>
+                <a:cs typeface="Arial" panose="020B0604020202020204" pitchFamily="34" charset="0"/>
+              </a:rPr>
+              <a:t>myTNorm</a:t>
+            </a:r>
+            <a:r>
+              <a:rPr lang="en-US" dirty="0" smtClean="0">
+                <a:latin typeface="Arial" panose="020B0604020202020204" pitchFamily="34" charset="0"/>
+                <a:cs typeface="Arial" panose="020B0604020202020204" pitchFamily="34" charset="0"/>
+              </a:rPr>
+              <a:t> should all be 1 (and they are)</a:t>
+            </a:r>
+            <a:endParaRPr lang="en-US" dirty="0">
+              <a:latin typeface="Arial" panose="020B0604020202020204" pitchFamily="34" charset="0"/>
+              <a:cs typeface="Arial" panose="020B0604020202020204" pitchFamily="34" charset="0"/>
+            </a:endParaRPr>
+          </a:p>
+        </p:txBody>
+      </p:sp>
+    </p:spTree>
+    <p:extLst>
+      <p:ext uri="{BB962C8B-B14F-4D97-AF65-F5344CB8AC3E}">
+        <p14:creationId xmlns:p14="http://schemas.microsoft.com/office/powerpoint/2010/main" val="117911369"/>
+      </p:ext>
+    </p:extLst>
+  </p:cSld>
+  <p:clrMapOvr>
+    <a:masterClrMapping/>
+  </p:clrMapOvr>
+  <p:timing>
+    <p:tnLst>
+      <p:par>
+        <p:cTn id="1" dur="indefinite" restart="never" nodeType="tmRoot"/>
+      </p:par>
+    </p:tnLst>
+  </p:timing>
+</p:sld>
+</file>
+
 <file path=ppt/slides/slide2.xml><?xml version="1.0" encoding="utf-8"?>
 <p:sld xmlns:a="http://schemas.openxmlformats.org/drawingml/2006/main" xmlns:r="http://schemas.openxmlformats.org/officeDocument/2006/relationships" xmlns:p="http://schemas.openxmlformats.org/presentationml/2006/main">
   <p:cSld>
@@ -3574,8 +5114,8 @@
         </p:nvSpPr>
         <p:spPr>
           <a:xfrm>
-            <a:off x="914400" y="319414"/>
-            <a:ext cx="4775666" cy="1477328"/>
+            <a:off x="763930" y="208346"/>
+            <a:ext cx="8699818" cy="1754326"/>
           </a:xfrm>
           <a:prstGeom prst="rect">
             <a:avLst/>
@@ -3593,31 +5133,134 @@
                 <a:latin typeface="Arial" panose="020B0604020202020204" pitchFamily="34" charset="0"/>
                 <a:cs typeface="Arial" panose="020B0604020202020204" pitchFamily="34" charset="0"/>
               </a:rPr>
-              <a:t>If you are following along with our datasets…</a:t>
-            </a:r>
-          </a:p>
-          <a:p>
-            <a:r>
-              <a:rPr lang="en-US" dirty="0" smtClean="0">
-                <a:latin typeface="Arial" panose="020B0604020202020204" pitchFamily="34" charset="0"/>
-                <a:cs typeface="Arial" panose="020B0604020202020204" pitchFamily="34" charset="0"/>
-              </a:rPr>
-              <a:t>We will be using the data from this paper…</a:t>
-            </a:r>
-          </a:p>
-          <a:p>
-            <a:endParaRPr lang="en-US" dirty="0" smtClean="0">
+              <a:t>I am assuming that you have installed…</a:t>
+            </a:r>
+          </a:p>
+          <a:p>
+            <a:endParaRPr lang="en-US" dirty="0">
               <a:latin typeface="Arial" panose="020B0604020202020204" pitchFamily="34" charset="0"/>
               <a:cs typeface="Arial" panose="020B0604020202020204" pitchFamily="34" charset="0"/>
             </a:endParaRPr>
           </a:p>
           <a:p>
-            <a:endParaRPr lang="en-US" dirty="0" smtClean="0">
+            <a:r>
+              <a:rPr lang="en-US" dirty="0" smtClean="0">
+                <a:latin typeface="Arial" panose="020B0604020202020204" pitchFamily="34" charset="0"/>
+                <a:cs typeface="Arial" panose="020B0604020202020204" pitchFamily="34" charset="0"/>
+              </a:rPr>
+              <a:t>	Some version of R	</a:t>
+            </a:r>
+          </a:p>
+          <a:p>
+            <a:r>
+              <a:rPr lang="en-US" dirty="0">
+                <a:latin typeface="Arial" panose="020B0604020202020204" pitchFamily="34" charset="0"/>
+                <a:cs typeface="Arial" panose="020B0604020202020204" pitchFamily="34" charset="0"/>
+              </a:rPr>
+              <a:t>	</a:t>
+            </a:r>
+            <a:r>
+              <a:rPr lang="en-US" dirty="0" smtClean="0">
+                <a:latin typeface="Arial" panose="020B0604020202020204" pitchFamily="34" charset="0"/>
+                <a:cs typeface="Arial" panose="020B0604020202020204" pitchFamily="34" charset="0"/>
+              </a:rPr>
+              <a:t>Some text editor (sublime is a very nice choice, or e-macs or vi or r-studio)</a:t>
+            </a:r>
+          </a:p>
+          <a:p>
+            <a:endParaRPr lang="en-US" dirty="0">
               <a:latin typeface="Arial" panose="020B0604020202020204" pitchFamily="34" charset="0"/>
               <a:cs typeface="Arial" panose="020B0604020202020204" pitchFamily="34" charset="0"/>
             </a:endParaRPr>
           </a:p>
           <a:p>
+            <a:r>
+              <a:rPr lang="en-US" dirty="0" smtClean="0">
+                <a:latin typeface="Arial" panose="020B0604020202020204" pitchFamily="34" charset="0"/>
+                <a:cs typeface="Arial" panose="020B0604020202020204" pitchFamily="34" charset="0"/>
+              </a:rPr>
+              <a:t>	 </a:t>
+            </a:r>
+            <a:endParaRPr lang="en-US" dirty="0">
+              <a:latin typeface="Arial" panose="020B0604020202020204" pitchFamily="34" charset="0"/>
+              <a:cs typeface="Arial" panose="020B0604020202020204" pitchFamily="34" charset="0"/>
+            </a:endParaRPr>
+          </a:p>
+        </p:txBody>
+      </p:sp>
+    </p:spTree>
+    <p:extLst>
+      <p:ext uri="{BB962C8B-B14F-4D97-AF65-F5344CB8AC3E}">
+        <p14:creationId xmlns:p14="http://schemas.microsoft.com/office/powerpoint/2010/main" val="3705469136"/>
+      </p:ext>
+    </p:extLst>
+  </p:cSld>
+  <p:clrMapOvr>
+    <a:masterClrMapping/>
+  </p:clrMapOvr>
+  <p:timing>
+    <p:tnLst>
+      <p:par>
+        <p:cTn id="1" dur="indefinite" restart="never" nodeType="tmRoot"/>
+      </p:par>
+    </p:tnLst>
+  </p:timing>
+</p:sld>
+</file>
+
+<file path=ppt/slides/slide20.xml><?xml version="1.0" encoding="utf-8"?>
+<p:sld xmlns:a="http://schemas.openxmlformats.org/drawingml/2006/main" xmlns:r="http://schemas.openxmlformats.org/officeDocument/2006/relationships" xmlns:p="http://schemas.openxmlformats.org/presentationml/2006/main">
+  <p:cSld>
+    <p:spTree>
+      <p:nvGrpSpPr>
+        <p:cNvPr id="1" name=""/>
+        <p:cNvGrpSpPr/>
+        <p:nvPr/>
+      </p:nvGrpSpPr>
+      <p:grpSpPr>
+        <a:xfrm>
+          <a:off x="0" y="0"/>
+          <a:ext cx="0" cy="0"/>
+          <a:chOff x="0" y="0"/>
+          <a:chExt cx="0" cy="0"/>
+        </a:xfrm>
+      </p:grpSpPr>
+      <p:sp>
+        <p:nvSpPr>
+          <p:cNvPr id="4" name="TextBox 3"/>
+          <p:cNvSpPr txBox="1"/>
+          <p:nvPr/>
+        </p:nvSpPr>
+        <p:spPr>
+          <a:xfrm>
+            <a:off x="792866" y="578734"/>
+            <a:ext cx="4172937" cy="369332"/>
+          </a:xfrm>
+          <a:prstGeom prst="rect">
+            <a:avLst/>
+          </a:prstGeom>
+          <a:noFill/>
+        </p:spPr>
+        <p:txBody>
+          <a:bodyPr wrap="none" rtlCol="0">
+            <a:spAutoFit/>
+          </a:bodyPr>
+          <a:lstStyle/>
+          <a:p>
+            <a:r>
+              <a:rPr lang="en-US" dirty="0" err="1" smtClean="0">
+                <a:latin typeface="Arial" panose="020B0604020202020204" pitchFamily="34" charset="0"/>
+                <a:cs typeface="Arial" panose="020B0604020202020204" pitchFamily="34" charset="0"/>
+              </a:rPr>
+              <a:t>myTNorm</a:t>
+            </a:r>
+            <a:r>
+              <a:rPr lang="en-US" dirty="0" smtClean="0">
+                <a:latin typeface="Arial" panose="020B0604020202020204" pitchFamily="34" charset="0"/>
+                <a:cs typeface="Arial" panose="020B0604020202020204" pitchFamily="34" charset="0"/>
+              </a:rPr>
+              <a:t> is now in relative abundance</a:t>
+            </a:r>
             <a:endParaRPr lang="en-US" dirty="0">
               <a:latin typeface="Arial" panose="020B0604020202020204" pitchFamily="34" charset="0"/>
               <a:cs typeface="Arial" panose="020B0604020202020204" pitchFamily="34" charset="0"/>
@@ -3641,46 +5284,506 @@
         </p:blipFill>
         <p:spPr>
           <a:xfrm>
-            <a:off x="914400" y="1216538"/>
-            <a:ext cx="10137562" cy="4620122"/>
+            <a:off x="989086" y="1390810"/>
+            <a:ext cx="7953434" cy="4645718"/>
           </a:xfrm>
           <a:prstGeom prst="rect">
             <a:avLst/>
           </a:prstGeom>
         </p:spPr>
       </p:pic>
-      <p:sp>
-        <p:nvSpPr>
-          <p:cNvPr id="6" name="Rectangle 5"/>
-          <p:cNvSpPr/>
+    </p:spTree>
+    <p:extLst>
+      <p:ext uri="{BB962C8B-B14F-4D97-AF65-F5344CB8AC3E}">
+        <p14:creationId xmlns:p14="http://schemas.microsoft.com/office/powerpoint/2010/main" val="2680610171"/>
+      </p:ext>
+    </p:extLst>
+  </p:cSld>
+  <p:clrMapOvr>
+    <a:masterClrMapping/>
+  </p:clrMapOvr>
+  <p:timing>
+    <p:tnLst>
+      <p:par>
+        <p:cTn id="1" dur="indefinite" restart="never" nodeType="tmRoot"/>
+      </p:par>
+    </p:tnLst>
+  </p:timing>
+</p:sld>
+</file>
+
+<file path=ppt/slides/slide21.xml><?xml version="1.0" encoding="utf-8"?>
+<p:sld xmlns:a="http://schemas.openxmlformats.org/drawingml/2006/main" xmlns:r="http://schemas.openxmlformats.org/officeDocument/2006/relationships" xmlns:p="http://schemas.openxmlformats.org/presentationml/2006/main">
+  <p:cSld>
+    <p:spTree>
+      <p:nvGrpSpPr>
+        <p:cNvPr id="1" name=""/>
+        <p:cNvGrpSpPr/>
+        <p:nvPr/>
+      </p:nvGrpSpPr>
+      <p:grpSpPr>
+        <a:xfrm>
+          <a:off x="0" y="0"/>
+          <a:ext cx="0" cy="0"/>
+          <a:chOff x="0" y="0"/>
+          <a:chExt cx="0" cy="0"/>
+        </a:xfrm>
+      </p:grpSpPr>
+      <p:sp>
+        <p:nvSpPr>
+          <p:cNvPr id="4" name="TextBox 3"/>
+          <p:cNvSpPr txBox="1"/>
           <p:nvPr/>
         </p:nvSpPr>
         <p:spPr>
           <a:xfrm>
-            <a:off x="3617935" y="6112505"/>
-            <a:ext cx="8920618" cy="369332"/>
+            <a:off x="416690" y="190984"/>
+            <a:ext cx="7413120" cy="923330"/>
           </a:xfrm>
           <a:prstGeom prst="rect">
             <a:avLst/>
           </a:prstGeom>
-        </p:spPr>
-        <p:txBody>
-          <a:bodyPr wrap="square">
+          <a:noFill/>
+        </p:spPr>
+        <p:txBody>
+          <a:bodyPr wrap="none" rtlCol="0">
             <a:spAutoFit/>
           </a:bodyPr>
           <a:lstStyle/>
           <a:p>
             <a:r>
-              <a:rPr lang="en-US"/>
-              <a:t>https://microbiomejournal.biomedcentral.com/articles/10.1186/s40168-017-0338-7</a:t>
-            </a:r>
+              <a:rPr lang="en-US" dirty="0" smtClean="0">
+                <a:latin typeface="Arial" panose="020B0604020202020204" pitchFamily="34" charset="0"/>
+                <a:cs typeface="Arial" panose="020B0604020202020204" pitchFamily="34" charset="0"/>
+              </a:rPr>
+              <a:t>Finally, we want to be able to write our normalized file to an output file. </a:t>
+            </a:r>
+          </a:p>
+          <a:p>
+            <a:r>
+              <a:rPr lang="en-US" dirty="0" smtClean="0">
+                <a:latin typeface="Arial" panose="020B0604020202020204" pitchFamily="34" charset="0"/>
+                <a:cs typeface="Arial" panose="020B0604020202020204" pitchFamily="34" charset="0"/>
+              </a:rPr>
+              <a:t>This is a little more involved than it seems like it should be </a:t>
+            </a:r>
+          </a:p>
+          <a:p>
+            <a:r>
+              <a:rPr lang="en-US" dirty="0" smtClean="0">
+                <a:latin typeface="Arial" panose="020B0604020202020204" pitchFamily="34" charset="0"/>
+                <a:cs typeface="Arial" panose="020B0604020202020204" pitchFamily="34" charset="0"/>
+              </a:rPr>
+              <a:t>(learning R is mostly learning stupid R tricks…)</a:t>
+            </a:r>
+            <a:endParaRPr lang="en-US" dirty="0">
+              <a:latin typeface="Arial" panose="020B0604020202020204" pitchFamily="34" charset="0"/>
+              <a:cs typeface="Arial" panose="020B0604020202020204" pitchFamily="34" charset="0"/>
+            </a:endParaRPr>
+          </a:p>
+        </p:txBody>
+      </p:sp>
+      <p:pic>
+        <p:nvPicPr>
+          <p:cNvPr id="5" name="Picture 4"/>
+          <p:cNvPicPr>
+            <a:picLocks noChangeAspect="1"/>
+          </p:cNvPicPr>
+          <p:nvPr/>
+        </p:nvPicPr>
+        <p:blipFill>
+          <a:blip r:embed="rId2"/>
+          <a:stretch>
+            <a:fillRect/>
+          </a:stretch>
+        </p:blipFill>
+        <p:spPr>
+          <a:xfrm>
+            <a:off x="208647" y="1062640"/>
+            <a:ext cx="10310260" cy="5419183"/>
+          </a:xfrm>
+          <a:prstGeom prst="rect">
+            <a:avLst/>
+          </a:prstGeom>
+        </p:spPr>
+      </p:pic>
+      <p:cxnSp>
+        <p:nvCxnSpPr>
+          <p:cNvPr id="7" name="Straight Arrow Connector 6"/>
+          <p:cNvCxnSpPr/>
+          <p:nvPr/>
+        </p:nvCxnSpPr>
+        <p:spPr>
+          <a:xfrm flipH="1">
+            <a:off x="5688957" y="4797706"/>
+            <a:ext cx="839165" cy="306729"/>
+          </a:xfrm>
+          <a:prstGeom prst="straightConnector1">
+            <a:avLst/>
+          </a:prstGeom>
+          <a:ln>
+            <a:tailEnd type="triangle"/>
+          </a:ln>
+        </p:spPr>
+        <p:style>
+          <a:lnRef idx="1">
+            <a:schemeClr val="accent1"/>
+          </a:lnRef>
+          <a:fillRef idx="0">
+            <a:schemeClr val="accent1"/>
+          </a:fillRef>
+          <a:effectRef idx="0">
+            <a:schemeClr val="accent1"/>
+          </a:effectRef>
+          <a:fontRef idx="minor">
+            <a:schemeClr val="tx1"/>
+          </a:fontRef>
+        </p:style>
+      </p:cxnSp>
+      <p:cxnSp>
+        <p:nvCxnSpPr>
+          <p:cNvPr id="9" name="Straight Arrow Connector 8"/>
+          <p:cNvCxnSpPr/>
+          <p:nvPr/>
+        </p:nvCxnSpPr>
+        <p:spPr>
+          <a:xfrm flipH="1">
+            <a:off x="5804704" y="5532699"/>
+            <a:ext cx="474562" cy="509286"/>
+          </a:xfrm>
+          <a:prstGeom prst="straightConnector1">
+            <a:avLst/>
+          </a:prstGeom>
+          <a:ln>
+            <a:tailEnd type="triangle"/>
+          </a:ln>
+        </p:spPr>
+        <p:style>
+          <a:lnRef idx="1">
+            <a:schemeClr val="accent1"/>
+          </a:lnRef>
+          <a:fillRef idx="0">
+            <a:schemeClr val="accent1"/>
+          </a:fillRef>
+          <a:effectRef idx="0">
+            <a:schemeClr val="accent1"/>
+          </a:effectRef>
+          <a:fontRef idx="minor">
+            <a:schemeClr val="tx1"/>
+          </a:fontRef>
+        </p:style>
+      </p:cxnSp>
+      <p:sp>
+        <p:nvSpPr>
+          <p:cNvPr id="10" name="TextBox 9"/>
+          <p:cNvSpPr txBox="1"/>
+          <p:nvPr/>
+        </p:nvSpPr>
+        <p:spPr>
+          <a:xfrm>
+            <a:off x="6528124" y="4664598"/>
+            <a:ext cx="4467890" cy="923330"/>
+          </a:xfrm>
+          <a:prstGeom prst="rect">
+            <a:avLst/>
+          </a:prstGeom>
+          <a:noFill/>
+        </p:spPr>
+        <p:txBody>
+          <a:bodyPr wrap="none" rtlCol="0">
+            <a:spAutoFit/>
+          </a:bodyPr>
+          <a:lstStyle/>
+          <a:p>
+            <a:r>
+              <a:rPr lang="en-US" dirty="0" smtClean="0">
+                <a:latin typeface="Arial" panose="020B0604020202020204" pitchFamily="34" charset="0"/>
+                <a:cs typeface="Arial" panose="020B0604020202020204" pitchFamily="34" charset="0"/>
+              </a:rPr>
+              <a:t>R by default will not give the </a:t>
+            </a:r>
+            <a:r>
+              <a:rPr lang="en-US" dirty="0" err="1" smtClean="0">
+                <a:latin typeface="Arial" panose="020B0604020202020204" pitchFamily="34" charset="0"/>
+                <a:cs typeface="Arial" panose="020B0604020202020204" pitchFamily="34" charset="0"/>
+              </a:rPr>
+              <a:t>sampleIDs</a:t>
+            </a:r>
+            <a:r>
+              <a:rPr lang="en-US" dirty="0" smtClean="0">
+                <a:latin typeface="Arial" panose="020B0604020202020204" pitchFamily="34" charset="0"/>
+                <a:cs typeface="Arial" panose="020B0604020202020204" pitchFamily="34" charset="0"/>
+              </a:rPr>
+              <a:t> a </a:t>
+            </a:r>
+          </a:p>
+          <a:p>
+            <a:r>
+              <a:rPr lang="en-US" dirty="0" smtClean="0">
+                <a:latin typeface="Arial" panose="020B0604020202020204" pitchFamily="34" charset="0"/>
+                <a:cs typeface="Arial" panose="020B0604020202020204" pitchFamily="34" charset="0"/>
+              </a:rPr>
+              <a:t>column header.</a:t>
+            </a:r>
+          </a:p>
+          <a:p>
+            <a:r>
+              <a:rPr lang="en-US" dirty="0" smtClean="0">
+                <a:latin typeface="Arial" panose="020B0604020202020204" pitchFamily="34" charset="0"/>
+                <a:cs typeface="Arial" panose="020B0604020202020204" pitchFamily="34" charset="0"/>
+              </a:rPr>
+              <a:t>This hacks around that default behavior</a:t>
+            </a:r>
+            <a:endParaRPr lang="en-US" dirty="0">
+              <a:latin typeface="Arial" panose="020B0604020202020204" pitchFamily="34" charset="0"/>
+              <a:cs typeface="Arial" panose="020B0604020202020204" pitchFamily="34" charset="0"/>
+            </a:endParaRPr>
           </a:p>
         </p:txBody>
       </p:sp>
     </p:spTree>
     <p:extLst>
       <p:ext uri="{BB962C8B-B14F-4D97-AF65-F5344CB8AC3E}">
-        <p14:creationId xmlns:p14="http://schemas.microsoft.com/office/powerpoint/2010/main" val="3696721597"/>
+        <p14:creationId xmlns:p14="http://schemas.microsoft.com/office/powerpoint/2010/main" val="3150779716"/>
+      </p:ext>
+    </p:extLst>
+  </p:cSld>
+  <p:clrMapOvr>
+    <a:masterClrMapping/>
+  </p:clrMapOvr>
+  <p:timing>
+    <p:tnLst>
+      <p:par>
+        <p:cTn id="1" dur="indefinite" restart="never" nodeType="tmRoot"/>
+      </p:par>
+    </p:tnLst>
+  </p:timing>
+</p:sld>
+</file>
+
+<file path=ppt/slides/slide22.xml><?xml version="1.0" encoding="utf-8"?>
+<p:sld xmlns:a="http://schemas.openxmlformats.org/drawingml/2006/main" xmlns:r="http://schemas.openxmlformats.org/officeDocument/2006/relationships" xmlns:p="http://schemas.openxmlformats.org/presentationml/2006/main">
+  <p:cSld>
+    <p:spTree>
+      <p:nvGrpSpPr>
+        <p:cNvPr id="1" name=""/>
+        <p:cNvGrpSpPr/>
+        <p:nvPr/>
+      </p:nvGrpSpPr>
+      <p:grpSpPr>
+        <a:xfrm>
+          <a:off x="0" y="0"/>
+          <a:ext cx="0" cy="0"/>
+          <a:chOff x="0" y="0"/>
+          <a:chExt cx="0" cy="0"/>
+        </a:xfrm>
+      </p:grpSpPr>
+      <p:sp>
+        <p:nvSpPr>
+          <p:cNvPr id="4" name="TextBox 3"/>
+          <p:cNvSpPr txBox="1"/>
+          <p:nvPr/>
+        </p:nvSpPr>
+        <p:spPr>
+          <a:xfrm>
+            <a:off x="972273" y="81024"/>
+            <a:ext cx="9939580" cy="369332"/>
+          </a:xfrm>
+          <a:prstGeom prst="rect">
+            <a:avLst/>
+          </a:prstGeom>
+          <a:noFill/>
+        </p:spPr>
+        <p:txBody>
+          <a:bodyPr wrap="none" rtlCol="0">
+            <a:spAutoFit/>
+          </a:bodyPr>
+          <a:lstStyle/>
+          <a:p>
+            <a:r>
+              <a:rPr lang="en-US" dirty="0" smtClean="0">
+                <a:latin typeface="Arial" panose="020B0604020202020204" pitchFamily="34" charset="0"/>
+                <a:cs typeface="Arial" panose="020B0604020202020204" pitchFamily="34" charset="0"/>
+              </a:rPr>
+              <a:t>We end up with a text file in our working directory that can be imported into Excel (or wherever) </a:t>
+            </a:r>
+            <a:endParaRPr lang="en-US" dirty="0">
+              <a:latin typeface="Arial" panose="020B0604020202020204" pitchFamily="34" charset="0"/>
+              <a:cs typeface="Arial" panose="020B0604020202020204" pitchFamily="34" charset="0"/>
+            </a:endParaRPr>
+          </a:p>
+        </p:txBody>
+      </p:sp>
+      <p:pic>
+        <p:nvPicPr>
+          <p:cNvPr id="5" name="Picture 4"/>
+          <p:cNvPicPr>
+            <a:picLocks noChangeAspect="1"/>
+          </p:cNvPicPr>
+          <p:nvPr/>
+        </p:nvPicPr>
+        <p:blipFill>
+          <a:blip r:embed="rId2"/>
+          <a:stretch>
+            <a:fillRect/>
+          </a:stretch>
+        </p:blipFill>
+        <p:spPr>
+          <a:xfrm>
+            <a:off x="214131" y="822275"/>
+            <a:ext cx="10970350" cy="5393330"/>
+          </a:xfrm>
+          <a:prstGeom prst="rect">
+            <a:avLst/>
+          </a:prstGeom>
+        </p:spPr>
+      </p:pic>
+    </p:spTree>
+    <p:extLst>
+      <p:ext uri="{BB962C8B-B14F-4D97-AF65-F5344CB8AC3E}">
+        <p14:creationId xmlns:p14="http://schemas.microsoft.com/office/powerpoint/2010/main" val="878226914"/>
+      </p:ext>
+    </p:extLst>
+  </p:cSld>
+  <p:clrMapOvr>
+    <a:masterClrMapping/>
+  </p:clrMapOvr>
+  <p:timing>
+    <p:tnLst>
+      <p:par>
+        <p:cTn id="1" dur="indefinite" restart="never" nodeType="tmRoot"/>
+      </p:par>
+    </p:tnLst>
+  </p:timing>
+</p:sld>
+</file>
+
+<file path=ppt/slides/slide23.xml><?xml version="1.0" encoding="utf-8"?>
+<p:sld xmlns:a="http://schemas.openxmlformats.org/drawingml/2006/main" xmlns:r="http://schemas.openxmlformats.org/officeDocument/2006/relationships" xmlns:p="http://schemas.openxmlformats.org/presentationml/2006/main">
+  <p:cSld>
+    <p:spTree>
+      <p:nvGrpSpPr>
+        <p:cNvPr id="1" name=""/>
+        <p:cNvGrpSpPr/>
+        <p:nvPr/>
+      </p:nvGrpSpPr>
+      <p:grpSpPr>
+        <a:xfrm>
+          <a:off x="0" y="0"/>
+          <a:ext cx="0" cy="0"/>
+          <a:chOff x="0" y="0"/>
+          <a:chExt cx="0" cy="0"/>
+        </a:xfrm>
+      </p:grpSpPr>
+      <p:sp>
+        <p:nvSpPr>
+          <p:cNvPr id="4" name="TextBox 3"/>
+          <p:cNvSpPr txBox="1"/>
+          <p:nvPr/>
+        </p:nvSpPr>
+        <p:spPr>
+          <a:xfrm>
+            <a:off x="810228" y="665544"/>
+            <a:ext cx="4467890" cy="1477328"/>
+          </a:xfrm>
+          <a:prstGeom prst="rect">
+            <a:avLst/>
+          </a:prstGeom>
+          <a:noFill/>
+        </p:spPr>
+        <p:txBody>
+          <a:bodyPr wrap="none" rtlCol="0">
+            <a:spAutoFit/>
+          </a:bodyPr>
+          <a:lstStyle/>
+          <a:p>
+            <a:r>
+              <a:rPr lang="en-US" dirty="0" smtClean="0">
+                <a:latin typeface="Arial" panose="020B0604020202020204" pitchFamily="34" charset="0"/>
+                <a:cs typeface="Arial" panose="020B0604020202020204" pitchFamily="34" charset="0"/>
+              </a:rPr>
+              <a:t>Normalizing your data</a:t>
+            </a:r>
+          </a:p>
+          <a:p>
+            <a:r>
+              <a:rPr lang="en-US" dirty="0" smtClean="0">
+                <a:latin typeface="Arial" panose="020B0604020202020204" pitchFamily="34" charset="0"/>
+                <a:cs typeface="Arial" panose="020B0604020202020204" pitchFamily="34" charset="0"/>
+              </a:rPr>
+              <a:t>PCA Ordination</a:t>
+            </a:r>
+          </a:p>
+          <a:p>
+            <a:r>
+              <a:rPr lang="en-US" dirty="0" smtClean="0">
+                <a:latin typeface="Arial" panose="020B0604020202020204" pitchFamily="34" charset="0"/>
+                <a:cs typeface="Arial" panose="020B0604020202020204" pitchFamily="34" charset="0"/>
+              </a:rPr>
+              <a:t>Graphing everything into one big PDF ball</a:t>
+            </a:r>
+          </a:p>
+          <a:p>
+            <a:r>
+              <a:rPr lang="en-US" dirty="0" smtClean="0">
+                <a:latin typeface="Arial" panose="020B0604020202020204" pitchFamily="34" charset="0"/>
+                <a:cs typeface="Arial" panose="020B0604020202020204" pitchFamily="34" charset="0"/>
+              </a:rPr>
+              <a:t>Some Simple Statistical Models</a:t>
+            </a:r>
+          </a:p>
+          <a:p>
+            <a:r>
+              <a:rPr lang="en-US" dirty="0" smtClean="0">
+                <a:latin typeface="Arial" panose="020B0604020202020204" pitchFamily="34" charset="0"/>
+                <a:cs typeface="Arial" panose="020B0604020202020204" pitchFamily="34" charset="0"/>
+              </a:rPr>
+              <a:t>Some Not So Simple Statistical Models</a:t>
+            </a:r>
+            <a:endParaRPr lang="en-US" dirty="0">
+              <a:latin typeface="Arial" panose="020B0604020202020204" pitchFamily="34" charset="0"/>
+              <a:cs typeface="Arial" panose="020B0604020202020204" pitchFamily="34" charset="0"/>
+            </a:endParaRPr>
+          </a:p>
+        </p:txBody>
+      </p:sp>
+      <p:cxnSp>
+        <p:nvCxnSpPr>
+          <p:cNvPr id="5" name="Straight Arrow Connector 4"/>
+          <p:cNvCxnSpPr/>
+          <p:nvPr/>
+        </p:nvCxnSpPr>
+        <p:spPr>
+          <a:xfrm flipH="1">
+            <a:off x="2604304" y="1099588"/>
+            <a:ext cx="1209555" cy="0"/>
+          </a:xfrm>
+          <a:prstGeom prst="straightConnector1">
+            <a:avLst/>
+          </a:prstGeom>
+          <a:ln>
+            <a:tailEnd type="triangle"/>
+          </a:ln>
+        </p:spPr>
+        <p:style>
+          <a:lnRef idx="1">
+            <a:schemeClr val="accent1"/>
+          </a:lnRef>
+          <a:fillRef idx="0">
+            <a:schemeClr val="accent1"/>
+          </a:fillRef>
+          <a:effectRef idx="0">
+            <a:schemeClr val="accent1"/>
+          </a:effectRef>
+          <a:fontRef idx="minor">
+            <a:schemeClr val="tx1"/>
+          </a:fontRef>
+        </p:style>
+      </p:cxnSp>
+    </p:spTree>
+    <p:extLst>
+      <p:ext uri="{BB962C8B-B14F-4D97-AF65-F5344CB8AC3E}">
+        <p14:creationId xmlns:p14="http://schemas.microsoft.com/office/powerpoint/2010/main" val="1755656137"/>
       </p:ext>
     </p:extLst>
   </p:cSld>
@@ -3716,14 +5819,14 @@
       </p:grpSpPr>
       <p:sp>
         <p:nvSpPr>
-          <p:cNvPr id="5" name="TextBox 4"/>
+          <p:cNvPr id="4" name="TextBox 3"/>
           <p:cNvSpPr txBox="1"/>
           <p:nvPr/>
         </p:nvSpPr>
         <p:spPr>
           <a:xfrm>
-            <a:off x="670142" y="306888"/>
-            <a:ext cx="9328323" cy="369332"/>
+            <a:off x="810228" y="665544"/>
+            <a:ext cx="4467890" cy="1477328"/>
           </a:xfrm>
           <a:prstGeom prst="rect">
             <a:avLst/>
@@ -3741,21 +5844,43 @@
                 <a:latin typeface="Arial" panose="020B0604020202020204" pitchFamily="34" charset="0"/>
                 <a:cs typeface="Arial" panose="020B0604020202020204" pitchFamily="34" charset="0"/>
               </a:rPr>
-              <a:t>Tables and r-scripts were nicely organized by Kathryn </a:t>
-            </a:r>
-            <a:r>
-              <a:rPr lang="en-US" dirty="0" err="1" smtClean="0">
-                <a:latin typeface="Arial" panose="020B0604020202020204" pitchFamily="34" charset="0"/>
-                <a:cs typeface="Arial" panose="020B0604020202020204" pitchFamily="34" charset="0"/>
-              </a:rPr>
-              <a:t>Winglee</a:t>
-            </a:r>
-            <a:r>
-              <a:rPr lang="en-US" dirty="0" smtClean="0">
-                <a:latin typeface="Arial" panose="020B0604020202020204" pitchFamily="34" charset="0"/>
-                <a:cs typeface="Arial" panose="020B0604020202020204" pitchFamily="34" charset="0"/>
-              </a:rPr>
-              <a:t> (now of the CDC in Atlanta)</a:t>
+              <a:t>Normalizing your data</a:t>
+            </a:r>
+          </a:p>
+          <a:p>
+            <a:r>
+              <a:rPr lang="en-US" dirty="0" smtClean="0">
+                <a:latin typeface="Arial" panose="020B0604020202020204" pitchFamily="34" charset="0"/>
+                <a:cs typeface="Arial" panose="020B0604020202020204" pitchFamily="34" charset="0"/>
+              </a:rPr>
+              <a:t>PCA Ordination</a:t>
+            </a:r>
+          </a:p>
+          <a:p>
+            <a:r>
+              <a:rPr lang="en-US" dirty="0" smtClean="0">
+                <a:latin typeface="Arial" panose="020B0604020202020204" pitchFamily="34" charset="0"/>
+                <a:cs typeface="Arial" panose="020B0604020202020204" pitchFamily="34" charset="0"/>
+              </a:rPr>
+              <a:t>Graphing everything into one big PDF ball</a:t>
+            </a:r>
+          </a:p>
+          <a:p>
+            <a:r>
+              <a:rPr lang="en-US" dirty="0" smtClean="0">
+                <a:latin typeface="Arial" panose="020B0604020202020204" pitchFamily="34" charset="0"/>
+                <a:cs typeface="Arial" panose="020B0604020202020204" pitchFamily="34" charset="0"/>
+              </a:rPr>
+              <a:t>Some Simple Statistical Models</a:t>
+            </a:r>
+          </a:p>
+          <a:p>
+            <a:r>
+              <a:rPr lang="en-US" dirty="0" smtClean="0">
+                <a:latin typeface="Arial" panose="020B0604020202020204" pitchFamily="34" charset="0"/>
+                <a:cs typeface="Arial" panose="020B0604020202020204" pitchFamily="34" charset="0"/>
+              </a:rPr>
+              <a:t>Some Not So Simple Statistical Models</a:t>
             </a:r>
             <a:endParaRPr lang="en-US" dirty="0">
               <a:latin typeface="Arial" panose="020B0604020202020204" pitchFamily="34" charset="0"/>
@@ -3764,103 +5889,10 @@
           </a:p>
         </p:txBody>
       </p:sp>
-      <p:sp>
-        <p:nvSpPr>
-          <p:cNvPr id="6" name="Rectangle 5"/>
-          <p:cNvSpPr/>
-          <p:nvPr/>
-        </p:nvSpPr>
-        <p:spPr>
-          <a:xfrm>
-            <a:off x="7475050" y="6263107"/>
-            <a:ext cx="4582152" cy="369332"/>
-          </a:xfrm>
-          <a:prstGeom prst="rect">
-            <a:avLst/>
-          </a:prstGeom>
-        </p:spPr>
-        <p:txBody>
-          <a:bodyPr wrap="none">
-            <a:spAutoFit/>
-          </a:bodyPr>
-          <a:lstStyle/>
-          <a:p>
-            <a:r>
-              <a:rPr lang="en-US" dirty="0"/>
-              <a:t>https://github.com/kwinglee/UrbanRuralChina</a:t>
-            </a:r>
-          </a:p>
-        </p:txBody>
-      </p:sp>
-      <p:pic>
-        <p:nvPicPr>
-          <p:cNvPr id="7" name="Picture 6"/>
-          <p:cNvPicPr>
-            <a:picLocks noChangeAspect="1"/>
-          </p:cNvPicPr>
-          <p:nvPr/>
-        </p:nvPicPr>
-        <p:blipFill>
-          <a:blip r:embed="rId2"/>
-          <a:stretch>
-            <a:fillRect/>
-          </a:stretch>
-        </p:blipFill>
-        <p:spPr>
-          <a:xfrm>
-            <a:off x="551234" y="1320892"/>
-            <a:ext cx="11264123" cy="2523269"/>
-          </a:xfrm>
-          <a:prstGeom prst="rect">
-            <a:avLst/>
-          </a:prstGeom>
-        </p:spPr>
-      </p:pic>
-      <p:pic>
-        <p:nvPicPr>
-          <p:cNvPr id="1026" name="Picture 2" descr="Winglee, Kathryn"/>
-          <p:cNvPicPr>
-            <a:picLocks noChangeAspect="1" noChangeArrowheads="1"/>
-          </p:cNvPicPr>
-          <p:nvPr/>
-        </p:nvPicPr>
-        <p:blipFill>
-          <a:blip r:embed="rId3">
-            <a:extLst>
-              <a:ext uri="{28A0092B-C50C-407E-A947-70E740481C1C}">
-                <a14:useLocalDpi xmlns:a14="http://schemas.microsoft.com/office/drawing/2010/main" val="0"/>
-              </a:ext>
-            </a:extLst>
-          </a:blip>
-          <a:srcRect/>
-          <a:stretch>
-            <a:fillRect/>
-          </a:stretch>
-        </p:blipFill>
-        <p:spPr bwMode="auto">
-          <a:xfrm>
-            <a:off x="670142" y="4543512"/>
-            <a:ext cx="2095500" cy="1962150"/>
-          </a:xfrm>
-          <a:prstGeom prst="rect">
-            <a:avLst/>
-          </a:prstGeom>
-          <a:noFill/>
-          <a:extLst>
-            <a:ext uri="{909E8E84-426E-40DD-AFC4-6F175D3DCCD1}">
-              <a14:hiddenFill xmlns:a14="http://schemas.microsoft.com/office/drawing/2010/main">
-                <a:solidFill>
-                  <a:srgbClr val="FFFFFF"/>
-                </a:solidFill>
-              </a14:hiddenFill>
-            </a:ext>
-          </a:extLst>
-        </p:spPr>
-      </p:pic>
     </p:spTree>
     <p:extLst>
       <p:ext uri="{BB962C8B-B14F-4D97-AF65-F5344CB8AC3E}">
-        <p14:creationId xmlns:p14="http://schemas.microsoft.com/office/powerpoint/2010/main" val="1962320976"/>
+        <p14:creationId xmlns:p14="http://schemas.microsoft.com/office/powerpoint/2010/main" val="1768941785"/>
       </p:ext>
     </p:extLst>
   </p:cSld>
@@ -3902,8 +5934,8 @@
         </p:nvSpPr>
         <p:spPr>
           <a:xfrm>
-            <a:off x="507304" y="400833"/>
-            <a:ext cx="5797421" cy="369332"/>
+            <a:off x="914400" y="319414"/>
+            <a:ext cx="4775666" cy="1477328"/>
           </a:xfrm>
           <a:prstGeom prst="rect">
             <a:avLst/>
@@ -3921,40 +5953,35 @@
                 <a:latin typeface="Arial" panose="020B0604020202020204" pitchFamily="34" charset="0"/>
                 <a:cs typeface="Arial" panose="020B0604020202020204" pitchFamily="34" charset="0"/>
               </a:rPr>
-              <a:t>We will use this spreadsheet as our base input into R…</a:t>
-            </a:r>
+              <a:t>If you are following along with our datasets…</a:t>
+            </a:r>
+          </a:p>
+          <a:p>
+            <a:r>
+              <a:rPr lang="en-US" dirty="0" smtClean="0">
+                <a:latin typeface="Arial" panose="020B0604020202020204" pitchFamily="34" charset="0"/>
+                <a:cs typeface="Arial" panose="020B0604020202020204" pitchFamily="34" charset="0"/>
+              </a:rPr>
+              <a:t>We will be using the data from this paper…</a:t>
+            </a:r>
+          </a:p>
+          <a:p>
+            <a:endParaRPr lang="en-US" dirty="0" smtClean="0">
+              <a:latin typeface="Arial" panose="020B0604020202020204" pitchFamily="34" charset="0"/>
+              <a:cs typeface="Arial" panose="020B0604020202020204" pitchFamily="34" charset="0"/>
+            </a:endParaRPr>
+          </a:p>
+          <a:p>
+            <a:endParaRPr lang="en-US" dirty="0" smtClean="0">
+              <a:latin typeface="Arial" panose="020B0604020202020204" pitchFamily="34" charset="0"/>
+              <a:cs typeface="Arial" panose="020B0604020202020204" pitchFamily="34" charset="0"/>
+            </a:endParaRPr>
+          </a:p>
+          <a:p>
             <a:endParaRPr lang="en-US" dirty="0">
               <a:latin typeface="Arial" panose="020B0604020202020204" pitchFamily="34" charset="0"/>
               <a:cs typeface="Arial" panose="020B0604020202020204" pitchFamily="34" charset="0"/>
             </a:endParaRPr>
-          </a:p>
-        </p:txBody>
-      </p:sp>
-      <p:sp>
-        <p:nvSpPr>
-          <p:cNvPr id="2" name="Rectangle 1"/>
-          <p:cNvSpPr/>
-          <p:nvPr/>
-        </p:nvSpPr>
-        <p:spPr>
-          <a:xfrm>
-            <a:off x="148224" y="6418255"/>
-            <a:ext cx="13536461" cy="338554"/>
-          </a:xfrm>
-          <a:prstGeom prst="rect">
-            <a:avLst/>
-          </a:prstGeom>
-        </p:spPr>
-        <p:txBody>
-          <a:bodyPr wrap="square">
-            <a:spAutoFit/>
-          </a:bodyPr>
-          <a:lstStyle/>
-          <a:p>
-            <a:r>
-              <a:rPr lang="en-US" sz="1600" dirty="0"/>
-              <a:t>https://github.com/kwinglee/UrbanRuralChina/blob/master/16SrRNA/inputData/RDP/genus_taxaAsColumnsLogNorm_WithMetadata.txt</a:t>
-            </a:r>
           </a:p>
         </p:txBody>
       </p:sp>
@@ -3967,25 +5994,53 @@
           <p:nvPr/>
         </p:nvPicPr>
         <p:blipFill>
-          <a:blip r:embed="rId3"/>
+          <a:blip r:embed="rId2"/>
           <a:stretch>
             <a:fillRect/>
           </a:stretch>
         </p:blipFill>
         <p:spPr>
           <a:xfrm>
-            <a:off x="344466" y="945385"/>
-            <a:ext cx="11360458" cy="3325989"/>
+            <a:off x="914400" y="1216538"/>
+            <a:ext cx="10137562" cy="4620122"/>
           </a:xfrm>
           <a:prstGeom prst="rect">
             <a:avLst/>
           </a:prstGeom>
         </p:spPr>
       </p:pic>
+      <p:sp>
+        <p:nvSpPr>
+          <p:cNvPr id="6" name="Rectangle 5"/>
+          <p:cNvSpPr/>
+          <p:nvPr/>
+        </p:nvSpPr>
+        <p:spPr>
+          <a:xfrm>
+            <a:off x="3617935" y="6112505"/>
+            <a:ext cx="8920618" cy="369332"/>
+          </a:xfrm>
+          <a:prstGeom prst="rect">
+            <a:avLst/>
+          </a:prstGeom>
+        </p:spPr>
+        <p:txBody>
+          <a:bodyPr wrap="square">
+            <a:spAutoFit/>
+          </a:bodyPr>
+          <a:lstStyle/>
+          <a:p>
+            <a:r>
+              <a:rPr lang="en-US"/>
+              <a:t>https://microbiomejournal.biomedcentral.com/articles/10.1186/s40168-017-0338-7</a:t>
+            </a:r>
+          </a:p>
+        </p:txBody>
+      </p:sp>
     </p:spTree>
     <p:extLst>
       <p:ext uri="{BB962C8B-B14F-4D97-AF65-F5344CB8AC3E}">
-        <p14:creationId xmlns:p14="http://schemas.microsoft.com/office/powerpoint/2010/main" val="1514337921"/>
+        <p14:creationId xmlns:p14="http://schemas.microsoft.com/office/powerpoint/2010/main" val="3696721597"/>
       </p:ext>
     </p:extLst>
   </p:cSld>
@@ -4021,14 +6076,14 @@
       </p:grpSpPr>
       <p:sp>
         <p:nvSpPr>
-          <p:cNvPr id="4" name="TextBox 3"/>
+          <p:cNvPr id="5" name="TextBox 4"/>
           <p:cNvSpPr txBox="1"/>
           <p:nvPr/>
         </p:nvSpPr>
         <p:spPr>
           <a:xfrm>
-            <a:off x="544882" y="444674"/>
-            <a:ext cx="10982494" cy="1477328"/>
+            <a:off x="670142" y="306888"/>
+            <a:ext cx="9328323" cy="369332"/>
           </a:xfrm>
           <a:prstGeom prst="rect">
             <a:avLst/>
@@ -4046,79 +6101,60 @@
                 <a:latin typeface="Arial" panose="020B0604020202020204" pitchFamily="34" charset="0"/>
                 <a:cs typeface="Arial" panose="020B0604020202020204" pitchFamily="34" charset="0"/>
               </a:rPr>
-              <a:t>This spreadsheet has the following features:</a:t>
-            </a:r>
-          </a:p>
-          <a:p>
+              <a:t>Tables and r-scripts were nicely organized by Kathryn </a:t>
+            </a:r>
+            <a:r>
+              <a:rPr lang="en-US" dirty="0" err="1" smtClean="0">
+                <a:latin typeface="Arial" panose="020B0604020202020204" pitchFamily="34" charset="0"/>
+                <a:cs typeface="Arial" panose="020B0604020202020204" pitchFamily="34" charset="0"/>
+              </a:rPr>
+              <a:t>Winglee</a:t>
+            </a:r>
+            <a:r>
+              <a:rPr lang="en-US" dirty="0" smtClean="0">
+                <a:latin typeface="Arial" panose="020B0604020202020204" pitchFamily="34" charset="0"/>
+                <a:cs typeface="Arial" panose="020B0604020202020204" pitchFamily="34" charset="0"/>
+              </a:rPr>
+              <a:t> (now of the CDC in Atlanta)</a:t>
+            </a:r>
             <a:endParaRPr lang="en-US" dirty="0">
               <a:latin typeface="Arial" panose="020B0604020202020204" pitchFamily="34" charset="0"/>
               <a:cs typeface="Arial" panose="020B0604020202020204" pitchFamily="34" charset="0"/>
             </a:endParaRPr>
           </a:p>
-          <a:p>
-            <a:r>
-              <a:rPr lang="en-US" dirty="0" smtClean="0">
-                <a:latin typeface="Arial" panose="020B0604020202020204" pitchFamily="34" charset="0"/>
-                <a:cs typeface="Arial" panose="020B0604020202020204" pitchFamily="34" charset="0"/>
-              </a:rPr>
-              <a:t>	The taxa are columns; the rows are samples</a:t>
-            </a:r>
-          </a:p>
-          <a:p>
-            <a:r>
-              <a:rPr lang="en-US" dirty="0">
-                <a:latin typeface="Arial" panose="020B0604020202020204" pitchFamily="34" charset="0"/>
-                <a:cs typeface="Arial" panose="020B0604020202020204" pitchFamily="34" charset="0"/>
-              </a:rPr>
-              <a:t>	</a:t>
-            </a:r>
-            <a:r>
-              <a:rPr lang="en-US" dirty="0" smtClean="0">
-                <a:latin typeface="Arial" panose="020B0604020202020204" pitchFamily="34" charset="0"/>
-                <a:cs typeface="Arial" panose="020B0604020202020204" pitchFamily="34" charset="0"/>
-              </a:rPr>
-              <a:t>The metadata (urban vs. rural, </a:t>
-            </a:r>
-            <a:r>
-              <a:rPr lang="en-US" dirty="0" err="1" smtClean="0">
-                <a:latin typeface="Arial" panose="020B0604020202020204" pitchFamily="34" charset="0"/>
-                <a:cs typeface="Arial" panose="020B0604020202020204" pitchFamily="34" charset="0"/>
-              </a:rPr>
-              <a:t>timepoint</a:t>
-            </a:r>
-            <a:r>
-              <a:rPr lang="en-US" dirty="0" smtClean="0">
-                <a:latin typeface="Arial" panose="020B0604020202020204" pitchFamily="34" charset="0"/>
-                <a:cs typeface="Arial" panose="020B0604020202020204" pitchFamily="34" charset="0"/>
-              </a:rPr>
-              <a:t>) are in the same spreadsheet as the relative abundance</a:t>
-            </a:r>
-          </a:p>
-          <a:p>
-            <a:r>
-              <a:rPr lang="en-US" dirty="0">
-                <a:latin typeface="Arial" panose="020B0604020202020204" pitchFamily="34" charset="0"/>
-                <a:cs typeface="Arial" panose="020B0604020202020204" pitchFamily="34" charset="0"/>
-              </a:rPr>
-              <a:t>	</a:t>
-            </a:r>
-            <a:r>
-              <a:rPr lang="en-US" dirty="0" smtClean="0">
-                <a:latin typeface="Arial" panose="020B0604020202020204" pitchFamily="34" charset="0"/>
-                <a:cs typeface="Arial" panose="020B0604020202020204" pitchFamily="34" charset="0"/>
-              </a:rPr>
-              <a:t>The counts are log-normalized according to the following formula</a:t>
-            </a:r>
-            <a:endParaRPr lang="en-US" dirty="0">
-              <a:latin typeface="Arial" panose="020B0604020202020204" pitchFamily="34" charset="0"/>
-              <a:cs typeface="Arial" panose="020B0604020202020204" pitchFamily="34" charset="0"/>
-            </a:endParaRPr>
+        </p:txBody>
+      </p:sp>
+      <p:sp>
+        <p:nvSpPr>
+          <p:cNvPr id="6" name="Rectangle 5"/>
+          <p:cNvSpPr/>
+          <p:nvPr/>
+        </p:nvSpPr>
+        <p:spPr>
+          <a:xfrm>
+            <a:off x="7475050" y="6263107"/>
+            <a:ext cx="4582152" cy="369332"/>
+          </a:xfrm>
+          <a:prstGeom prst="rect">
+            <a:avLst/>
+          </a:prstGeom>
+        </p:spPr>
+        <p:txBody>
+          <a:bodyPr wrap="none">
+            <a:spAutoFit/>
+          </a:bodyPr>
+          <a:lstStyle/>
+          <a:p>
+            <a:r>
+              <a:rPr lang="en-US" dirty="0"/>
+              <a:t>https://github.com/kwinglee/UrbanRuralChina</a:t>
+            </a:r>
           </a:p>
         </p:txBody>
       </p:sp>
       <p:pic>
         <p:nvPicPr>
-          <p:cNvPr id="5" name="Picture 4"/>
+          <p:cNvPr id="7" name="Picture 6"/>
           <p:cNvPicPr>
             <a:picLocks noChangeAspect="1"/>
           </p:cNvPicPr>
@@ -4132,46 +6168,59 @@
         </p:blipFill>
         <p:spPr>
           <a:xfrm>
-            <a:off x="2300809" y="1964844"/>
-            <a:ext cx="5903739" cy="2676968"/>
+            <a:off x="551234" y="1320892"/>
+            <a:ext cx="11264123" cy="2523269"/>
           </a:xfrm>
           <a:prstGeom prst="rect">
             <a:avLst/>
           </a:prstGeom>
         </p:spPr>
       </p:pic>
-      <p:sp>
-        <p:nvSpPr>
-          <p:cNvPr id="6" name="Rectangle 5"/>
-          <p:cNvSpPr/>
+      <p:pic>
+        <p:nvPicPr>
+          <p:cNvPr id="1026" name="Picture 2" descr="Winglee, Kathryn"/>
+          <p:cNvPicPr>
+            <a:picLocks noChangeAspect="1" noChangeArrowheads="1"/>
+          </p:cNvPicPr>
           <p:nvPr/>
-        </p:nvSpPr>
-        <p:spPr>
-          <a:xfrm>
-            <a:off x="5808099" y="4511562"/>
-            <a:ext cx="4696863" cy="369332"/>
+        </p:nvPicPr>
+        <p:blipFill>
+          <a:blip r:embed="rId3">
+            <a:extLst>
+              <a:ext uri="{28A0092B-C50C-407E-A947-70E740481C1C}">
+                <a14:useLocalDpi xmlns:a14="http://schemas.microsoft.com/office/drawing/2010/main" val="0"/>
+              </a:ext>
+            </a:extLst>
+          </a:blip>
+          <a:srcRect/>
+          <a:stretch>
+            <a:fillRect/>
+          </a:stretch>
+        </p:blipFill>
+        <p:spPr bwMode="auto">
+          <a:xfrm>
+            <a:off x="670142" y="4543512"/>
+            <a:ext cx="2095500" cy="1962150"/>
           </a:xfrm>
           <a:prstGeom prst="rect">
             <a:avLst/>
           </a:prstGeom>
-        </p:spPr>
-        <p:txBody>
-          <a:bodyPr wrap="none">
-            <a:spAutoFit/>
-          </a:bodyPr>
-          <a:lstStyle/>
-          <a:p>
-            <a:r>
-              <a:rPr lang="en-US" dirty="0"/>
-              <a:t>https://www.nature.com/articles/ismej2013106</a:t>
-            </a:r>
-          </a:p>
-        </p:txBody>
-      </p:sp>
+          <a:noFill/>
+          <a:extLst>
+            <a:ext uri="{909E8E84-426E-40DD-AFC4-6F175D3DCCD1}">
+              <a14:hiddenFill xmlns:a14="http://schemas.microsoft.com/office/drawing/2010/main">
+                <a:solidFill>
+                  <a:srgbClr val="FFFFFF"/>
+                </a:solidFill>
+              </a14:hiddenFill>
+            </a:ext>
+          </a:extLst>
+        </p:spPr>
+      </p:pic>
     </p:spTree>
     <p:extLst>
       <p:ext uri="{BB962C8B-B14F-4D97-AF65-F5344CB8AC3E}">
-        <p14:creationId xmlns:p14="http://schemas.microsoft.com/office/powerpoint/2010/main" val="1180504084"/>
+        <p14:creationId xmlns:p14="http://schemas.microsoft.com/office/powerpoint/2010/main" val="1962320976"/>
       </p:ext>
     </p:extLst>
   </p:cSld>
@@ -4213,8 +6262,8 @@
         </p:nvSpPr>
         <p:spPr>
           <a:xfrm>
-            <a:off x="557408" y="688932"/>
-            <a:ext cx="7246536" cy="1477328"/>
+            <a:off x="507304" y="400833"/>
+            <a:ext cx="5797421" cy="369332"/>
           </a:xfrm>
           <a:prstGeom prst="rect">
             <a:avLst/>
@@ -4232,49 +6281,71 @@
                 <a:latin typeface="Arial" panose="020B0604020202020204" pitchFamily="34" charset="0"/>
                 <a:cs typeface="Arial" panose="020B0604020202020204" pitchFamily="34" charset="0"/>
               </a:rPr>
-              <a:t>If you have your own dataset…</a:t>
-            </a:r>
-          </a:p>
-          <a:p>
+              <a:t>We will use this spreadsheet as our base input into R…</a:t>
+            </a:r>
             <a:endParaRPr lang="en-US" dirty="0">
               <a:latin typeface="Arial" panose="020B0604020202020204" pitchFamily="34" charset="0"/>
               <a:cs typeface="Arial" panose="020B0604020202020204" pitchFamily="34" charset="0"/>
             </a:endParaRPr>
           </a:p>
-          <a:p>
-            <a:r>
-              <a:rPr lang="en-US" dirty="0" smtClean="0">
-                <a:latin typeface="Arial" panose="020B0604020202020204" pitchFamily="34" charset="0"/>
-                <a:cs typeface="Arial" panose="020B0604020202020204" pitchFamily="34" charset="0"/>
-              </a:rPr>
-              <a:t>	We can work with you to get your data into the same format </a:t>
-            </a:r>
-          </a:p>
-          <a:p>
-            <a:endParaRPr lang="en-US" dirty="0">
-              <a:latin typeface="Arial" panose="020B0604020202020204" pitchFamily="34" charset="0"/>
-              <a:cs typeface="Arial" panose="020B0604020202020204" pitchFamily="34" charset="0"/>
-            </a:endParaRPr>
-          </a:p>
-          <a:p>
-            <a:r>
-              <a:rPr lang="en-US" dirty="0" smtClean="0">
-                <a:latin typeface="Arial" panose="020B0604020202020204" pitchFamily="34" charset="0"/>
-                <a:cs typeface="Arial" panose="020B0604020202020204" pitchFamily="34" charset="0"/>
-              </a:rPr>
-              <a:t>	(or to modify your R code to work with your table!)</a:t>
-            </a:r>
-            <a:endParaRPr lang="en-US" dirty="0">
-              <a:latin typeface="Arial" panose="020B0604020202020204" pitchFamily="34" charset="0"/>
-              <a:cs typeface="Arial" panose="020B0604020202020204" pitchFamily="34" charset="0"/>
-            </a:endParaRPr>
-          </a:p>
-        </p:txBody>
-      </p:sp>
+        </p:txBody>
+      </p:sp>
+      <p:sp>
+        <p:nvSpPr>
+          <p:cNvPr id="2" name="Rectangle 1"/>
+          <p:cNvSpPr/>
+          <p:nvPr/>
+        </p:nvSpPr>
+        <p:spPr>
+          <a:xfrm>
+            <a:off x="148224" y="6418255"/>
+            <a:ext cx="13536461" cy="338554"/>
+          </a:xfrm>
+          <a:prstGeom prst="rect">
+            <a:avLst/>
+          </a:prstGeom>
+        </p:spPr>
+        <p:txBody>
+          <a:bodyPr wrap="square">
+            <a:spAutoFit/>
+          </a:bodyPr>
+          <a:lstStyle/>
+          <a:p>
+            <a:r>
+              <a:rPr lang="en-US" sz="1600" dirty="0"/>
+              <a:t>https://github.com/kwinglee/UrbanRuralChina/blob/master/16SrRNA/inputData/RDP/genus_taxaAsColumnsLogNorm_WithMetadata.txt</a:t>
+            </a:r>
+          </a:p>
+        </p:txBody>
+      </p:sp>
+      <p:pic>
+        <p:nvPicPr>
+          <p:cNvPr id="5" name="Picture 4"/>
+          <p:cNvPicPr>
+            <a:picLocks noChangeAspect="1"/>
+          </p:cNvPicPr>
+          <p:nvPr/>
+        </p:nvPicPr>
+        <p:blipFill>
+          <a:blip r:embed="rId3"/>
+          <a:stretch>
+            <a:fillRect/>
+          </a:stretch>
+        </p:blipFill>
+        <p:spPr>
+          <a:xfrm>
+            <a:off x="344466" y="945385"/>
+            <a:ext cx="11360458" cy="3325989"/>
+          </a:xfrm>
+          <a:prstGeom prst="rect">
+            <a:avLst/>
+          </a:prstGeom>
+        </p:spPr>
+      </p:pic>
     </p:spTree>
     <p:extLst>
       <p:ext uri="{BB962C8B-B14F-4D97-AF65-F5344CB8AC3E}">
-        <p14:creationId xmlns:p14="http://schemas.microsoft.com/office/powerpoint/2010/main" val="1587977548"/>
+        <p14:creationId xmlns:p14="http://schemas.microsoft.com/office/powerpoint/2010/main" val="1514337921"/>
       </p:ext>
     </p:extLst>
   </p:cSld>
@@ -4316,8 +6387,8 @@
         </p:nvSpPr>
         <p:spPr>
           <a:xfrm>
-            <a:off x="68894" y="12527"/>
-            <a:ext cx="8195513" cy="923330"/>
+            <a:off x="544882" y="444674"/>
+            <a:ext cx="10982494" cy="1477328"/>
           </a:xfrm>
           <a:prstGeom prst="rect">
             <a:avLst/>
@@ -4335,7 +6406,7 @@
                 <a:latin typeface="Arial" panose="020B0604020202020204" pitchFamily="34" charset="0"/>
                 <a:cs typeface="Arial" panose="020B0604020202020204" pitchFamily="34" charset="0"/>
               </a:rPr>
-              <a:t>You will need to choose some normalization scheme..</a:t>
+              <a:t>This spreadsheet has the following features:</a:t>
             </a:r>
           </a:p>
           <a:p>
@@ -4350,7 +6421,53 @@
                 <a:latin typeface="Arial" panose="020B0604020202020204" pitchFamily="34" charset="0"/>
                 <a:cs typeface="Arial" panose="020B0604020202020204" pitchFamily="34" charset="0"/>
               </a:rPr>
-              <a:t>(Each sequence library will be of a different depth; you need to correct for that)</a:t>
+              <a:t>	The taxa are columns; the rows are samples</a:t>
+            </a:r>
+          </a:p>
+          <a:p>
+            <a:r>
+              <a:rPr lang="en-US" dirty="0">
+                <a:latin typeface="Arial" panose="020B0604020202020204" pitchFamily="34" charset="0"/>
+                <a:cs typeface="Arial" panose="020B0604020202020204" pitchFamily="34" charset="0"/>
+              </a:rPr>
+              <a:t>	</a:t>
+            </a:r>
+            <a:r>
+              <a:rPr lang="en-US" dirty="0" smtClean="0">
+                <a:latin typeface="Arial" panose="020B0604020202020204" pitchFamily="34" charset="0"/>
+                <a:cs typeface="Arial" panose="020B0604020202020204" pitchFamily="34" charset="0"/>
+              </a:rPr>
+              <a:t>The metadata (urban vs. rural, </a:t>
+            </a:r>
+            <a:r>
+              <a:rPr lang="en-US" dirty="0" err="1" smtClean="0">
+                <a:latin typeface="Arial" panose="020B0604020202020204" pitchFamily="34" charset="0"/>
+                <a:cs typeface="Arial" panose="020B0604020202020204" pitchFamily="34" charset="0"/>
+              </a:rPr>
+              <a:t>timepoint</a:t>
+            </a:r>
+            <a:r>
+              <a:rPr lang="en-US" dirty="0" smtClean="0">
+                <a:latin typeface="Arial" panose="020B0604020202020204" pitchFamily="34" charset="0"/>
+                <a:cs typeface="Arial" panose="020B0604020202020204" pitchFamily="34" charset="0"/>
+              </a:rPr>
+              <a:t>) are in the same spreadsheet as the relative abundance</a:t>
+            </a:r>
+          </a:p>
+          <a:p>
+            <a:r>
+              <a:rPr lang="en-US" dirty="0">
+                <a:latin typeface="Arial" panose="020B0604020202020204" pitchFamily="34" charset="0"/>
+                <a:cs typeface="Arial" panose="020B0604020202020204" pitchFamily="34" charset="0"/>
+              </a:rPr>
+              <a:t>	</a:t>
+            </a:r>
+            <a:r>
+              <a:rPr lang="en-US" dirty="0" smtClean="0">
+                <a:latin typeface="Arial" panose="020B0604020202020204" pitchFamily="34" charset="0"/>
+                <a:cs typeface="Arial" panose="020B0604020202020204" pitchFamily="34" charset="0"/>
+              </a:rPr>
+              <a:t>The counts are log-normalized according to the following formula</a:t>
             </a:r>
             <a:endParaRPr lang="en-US" dirty="0">
               <a:latin typeface="Arial" panose="020B0604020202020204" pitchFamily="34" charset="0"/>
@@ -4361,7 +6478,7 @@
       </p:sp>
       <p:pic>
         <p:nvPicPr>
-          <p:cNvPr id="6" name="Picture 5"/>
+          <p:cNvPr id="5" name="Picture 4"/>
           <p:cNvPicPr>
             <a:picLocks noChangeAspect="1"/>
           </p:cNvPicPr>
@@ -4375,8 +6492,8 @@
         </p:blipFill>
         <p:spPr>
           <a:xfrm>
-            <a:off x="2830424" y="935857"/>
-            <a:ext cx="5934672" cy="4572000"/>
+            <a:off x="2300809" y="1964844"/>
+            <a:ext cx="5903739" cy="2676968"/>
           </a:xfrm>
           <a:prstGeom prst="rect">
             <a:avLst/>
@@ -4385,86 +6502,28 @@
       </p:pic>
       <p:sp>
         <p:nvSpPr>
-          <p:cNvPr id="7" name="TextBox 6"/>
-          <p:cNvSpPr txBox="1"/>
+          <p:cNvPr id="6" name="Rectangle 5"/>
+          <p:cNvSpPr/>
           <p:nvPr/>
         </p:nvSpPr>
         <p:spPr>
           <a:xfrm>
-            <a:off x="338203" y="5549031"/>
-            <a:ext cx="11559575" cy="646331"/>
+            <a:off x="5808099" y="4511562"/>
+            <a:ext cx="4696863" cy="369332"/>
           </a:xfrm>
           <a:prstGeom prst="rect">
             <a:avLst/>
           </a:prstGeom>
-          <a:noFill/>
-        </p:spPr>
-        <p:txBody>
-          <a:bodyPr wrap="none" rtlCol="0">
+        </p:spPr>
+        <p:txBody>
+          <a:bodyPr wrap="none">
             <a:spAutoFit/>
           </a:bodyPr>
           <a:lstStyle/>
           <a:p>
             <a:r>
-              <a:rPr lang="en-US" dirty="0" smtClean="0">
-                <a:latin typeface="Arial" panose="020B0604020202020204" pitchFamily="34" charset="0"/>
-                <a:cs typeface="Arial" panose="020B0604020202020204" pitchFamily="34" charset="0"/>
-              </a:rPr>
-              <a:t>The easiest (not necessarily the best) approach is to divide each cell by the total # of sequences in that sample.</a:t>
-            </a:r>
-          </a:p>
-          <a:p>
-            <a:r>
-              <a:rPr lang="en-US" dirty="0" smtClean="0">
-                <a:latin typeface="Arial" panose="020B0604020202020204" pitchFamily="34" charset="0"/>
-                <a:cs typeface="Arial" panose="020B0604020202020204" pitchFamily="34" charset="0"/>
-              </a:rPr>
-              <a:t>This is relative abundance</a:t>
-            </a:r>
-            <a:endParaRPr lang="en-US" dirty="0">
-              <a:latin typeface="Arial" panose="020B0604020202020204" pitchFamily="34" charset="0"/>
-              <a:cs typeface="Arial" panose="020B0604020202020204" pitchFamily="34" charset="0"/>
-            </a:endParaRPr>
-          </a:p>
-        </p:txBody>
-      </p:sp>
-      <p:sp>
-        <p:nvSpPr>
-          <p:cNvPr id="8" name="TextBox 7"/>
-          <p:cNvSpPr txBox="1"/>
-          <p:nvPr/>
-        </p:nvSpPr>
-        <p:spPr>
-          <a:xfrm>
-            <a:off x="6469687" y="6538586"/>
-            <a:ext cx="5749651" cy="369332"/>
-          </a:xfrm>
-          <a:prstGeom prst="rect">
-            <a:avLst/>
-          </a:prstGeom>
-          <a:noFill/>
-        </p:spPr>
-        <p:txBody>
-          <a:bodyPr wrap="none" rtlCol="0">
-            <a:spAutoFit/>
-          </a:bodyPr>
-          <a:lstStyle/>
-          <a:p>
-            <a:r>
-              <a:rPr lang="en-US" dirty="0" smtClean="0"/>
-              <a:t>Table due to :Matthew </a:t>
-            </a:r>
-            <a:r>
               <a:rPr lang="en-US" dirty="0"/>
-              <a:t>C. B. </a:t>
-            </a:r>
-            <a:r>
-              <a:rPr lang="en-US" dirty="0" err="1"/>
-              <a:t>Tsilimigras</a:t>
-            </a:r>
-            <a:r>
-              <a:rPr lang="en-US" dirty="0"/>
-              <a:t> (Matthew C. Brown)</a:t>
+              <a:t>https://www.nature.com/articles/ismej2013106</a:t>
             </a:r>
           </a:p>
         </p:txBody>
@@ -4472,7 +6531,7 @@
     </p:spTree>
     <p:extLst>
       <p:ext uri="{BB962C8B-B14F-4D97-AF65-F5344CB8AC3E}">
-        <p14:creationId xmlns:p14="http://schemas.microsoft.com/office/powerpoint/2010/main" val="3437254749"/>
+        <p14:creationId xmlns:p14="http://schemas.microsoft.com/office/powerpoint/2010/main" val="1180504084"/>
       </p:ext>
     </p:extLst>
   </p:cSld>
@@ -4514,8 +6573,8 @@
         </p:nvSpPr>
         <p:spPr>
           <a:xfrm>
-            <a:off x="95740" y="134873"/>
-            <a:ext cx="11157863" cy="1754326"/>
+            <a:off x="557408" y="688932"/>
+            <a:ext cx="7246536" cy="1477328"/>
           </a:xfrm>
           <a:prstGeom prst="rect">
             <a:avLst/>
@@ -4533,7 +6592,7 @@
                 <a:latin typeface="Arial" panose="020B0604020202020204" pitchFamily="34" charset="0"/>
                 <a:cs typeface="Arial" panose="020B0604020202020204" pitchFamily="34" charset="0"/>
               </a:rPr>
-              <a:t>Let’s say you have a spreadsheet that is un-normalized and you want to change it to log relative abundance</a:t>
+              <a:t>If you have your own dataset…</a:t>
             </a:r>
           </a:p>
           <a:p>
@@ -4548,7 +6607,7 @@
                 <a:latin typeface="Arial" panose="020B0604020202020204" pitchFamily="34" charset="0"/>
                 <a:cs typeface="Arial" panose="020B0604020202020204" pitchFamily="34" charset="0"/>
               </a:rPr>
-              <a:t> </a:t>
+              <a:t>	We can work with you to get your data into the same format </a:t>
             </a:r>
           </a:p>
           <a:p>
@@ -4558,12 +6617,13 @@
             </a:endParaRPr>
           </a:p>
           <a:p>
-            <a:endParaRPr lang="en-US" dirty="0" smtClean="0">
-              <a:latin typeface="Arial" panose="020B0604020202020204" pitchFamily="34" charset="0"/>
-              <a:cs typeface="Arial" panose="020B0604020202020204" pitchFamily="34" charset="0"/>
-            </a:endParaRPr>
-          </a:p>
-          <a:p>
+            <a:r>
+              <a:rPr lang="en-US" dirty="0" smtClean="0">
+                <a:latin typeface="Arial" panose="020B0604020202020204" pitchFamily="34" charset="0"/>
+                <a:cs typeface="Arial" panose="020B0604020202020204" pitchFamily="34" charset="0"/>
+              </a:rPr>
+              <a:t>	(or to modify your R code to work with your table!)</a:t>
+            </a:r>
             <a:endParaRPr lang="en-US" dirty="0">
               <a:latin typeface="Arial" panose="020B0604020202020204" pitchFamily="34" charset="0"/>
               <a:cs typeface="Arial" panose="020B0604020202020204" pitchFamily="34" charset="0"/>
@@ -4571,98 +6631,152 @@
           </a:p>
         </p:txBody>
       </p:sp>
-      <p:sp>
-        <p:nvSpPr>
-          <p:cNvPr id="5" name="Rectangle 4"/>
-          <p:cNvSpPr/>
+    </p:spTree>
+    <p:extLst>
+      <p:ext uri="{BB962C8B-B14F-4D97-AF65-F5344CB8AC3E}">
+        <p14:creationId xmlns:p14="http://schemas.microsoft.com/office/powerpoint/2010/main" val="1587977548"/>
+      </p:ext>
+    </p:extLst>
+  </p:cSld>
+  <p:clrMapOvr>
+    <a:masterClrMapping/>
+  </p:clrMapOvr>
+  <p:timing>
+    <p:tnLst>
+      <p:par>
+        <p:cTn id="1" dur="indefinite" restart="never" nodeType="tmRoot"/>
+      </p:par>
+    </p:tnLst>
+  </p:timing>
+</p:sld>
+</file>
+
+<file path=ppt/slides/slide9.xml><?xml version="1.0" encoding="utf-8"?>
+<p:sld xmlns:a="http://schemas.openxmlformats.org/drawingml/2006/main" xmlns:r="http://schemas.openxmlformats.org/officeDocument/2006/relationships" xmlns:p="http://schemas.openxmlformats.org/presentationml/2006/main">
+  <p:cSld>
+    <p:spTree>
+      <p:nvGrpSpPr>
+        <p:cNvPr id="1" name=""/>
+        <p:cNvGrpSpPr/>
+        <p:nvPr/>
+      </p:nvGrpSpPr>
+      <p:grpSpPr>
+        <a:xfrm>
+          <a:off x="0" y="0"/>
+          <a:ext cx="0" cy="0"/>
+          <a:chOff x="0" y="0"/>
+          <a:chExt cx="0" cy="0"/>
+        </a:xfrm>
+      </p:grpSpPr>
+      <p:sp>
+        <p:nvSpPr>
+          <p:cNvPr id="4" name="TextBox 3"/>
+          <p:cNvSpPr txBox="1"/>
           <p:nvPr/>
         </p:nvSpPr>
         <p:spPr>
           <a:xfrm>
-            <a:off x="7227216" y="6126430"/>
-            <a:ext cx="2772554" cy="369332"/>
+            <a:off x="810228" y="665544"/>
+            <a:ext cx="4467890" cy="1477328"/>
           </a:xfrm>
           <a:prstGeom prst="rect">
             <a:avLst/>
           </a:prstGeom>
-        </p:spPr>
-        <p:txBody>
-          <a:bodyPr wrap="none">
+          <a:noFill/>
+        </p:spPr>
+        <p:txBody>
+          <a:bodyPr wrap="none" rtlCol="0">
             <a:spAutoFit/>
           </a:bodyPr>
           <a:lstStyle/>
           <a:p>
             <a:r>
-              <a:rPr lang="en-US" dirty="0"/>
-              <a:t>sweep(Y, 1, </a:t>
-            </a:r>
-            <a:r>
-              <a:rPr lang="en-US" dirty="0" err="1"/>
-              <a:t>rowSums</a:t>
-            </a:r>
-            <a:r>
-              <a:rPr lang="en-US" dirty="0"/>
-              <a:t>(Y), '/')</a:t>
-            </a:r>
-          </a:p>
-        </p:txBody>
-      </p:sp>
-      <p:pic>
-        <p:nvPicPr>
-          <p:cNvPr id="2" name="Picture 1"/>
-          <p:cNvPicPr>
-            <a:picLocks noChangeAspect="1"/>
-          </p:cNvPicPr>
+              <a:rPr lang="en-US" dirty="0" smtClean="0">
+                <a:latin typeface="Arial" panose="020B0604020202020204" pitchFamily="34" charset="0"/>
+                <a:cs typeface="Arial" panose="020B0604020202020204" pitchFamily="34" charset="0"/>
+              </a:rPr>
+              <a:t>Normalizing your data</a:t>
+            </a:r>
+          </a:p>
+          <a:p>
+            <a:r>
+              <a:rPr lang="en-US" dirty="0" smtClean="0">
+                <a:latin typeface="Arial" panose="020B0604020202020204" pitchFamily="34" charset="0"/>
+                <a:cs typeface="Arial" panose="020B0604020202020204" pitchFamily="34" charset="0"/>
+              </a:rPr>
+              <a:t>PCA Ordination</a:t>
+            </a:r>
+          </a:p>
+          <a:p>
+            <a:r>
+              <a:rPr lang="en-US" dirty="0" smtClean="0">
+                <a:latin typeface="Arial" panose="020B0604020202020204" pitchFamily="34" charset="0"/>
+                <a:cs typeface="Arial" panose="020B0604020202020204" pitchFamily="34" charset="0"/>
+              </a:rPr>
+              <a:t>Graphing everything into one big PDF ball</a:t>
+            </a:r>
+          </a:p>
+          <a:p>
+            <a:r>
+              <a:rPr lang="en-US" dirty="0" smtClean="0">
+                <a:latin typeface="Arial" panose="020B0604020202020204" pitchFamily="34" charset="0"/>
+                <a:cs typeface="Arial" panose="020B0604020202020204" pitchFamily="34" charset="0"/>
+              </a:rPr>
+              <a:t>Some Simple Statistical Models</a:t>
+            </a:r>
+          </a:p>
+          <a:p>
+            <a:r>
+              <a:rPr lang="en-US" dirty="0" smtClean="0">
+                <a:latin typeface="Arial" panose="020B0604020202020204" pitchFamily="34" charset="0"/>
+                <a:cs typeface="Arial" panose="020B0604020202020204" pitchFamily="34" charset="0"/>
+              </a:rPr>
+              <a:t>Some Not So Simple Statistical Models</a:t>
+            </a:r>
+            <a:endParaRPr lang="en-US" dirty="0">
+              <a:latin typeface="Arial" panose="020B0604020202020204" pitchFamily="34" charset="0"/>
+              <a:cs typeface="Arial" panose="020B0604020202020204" pitchFamily="34" charset="0"/>
+            </a:endParaRPr>
+          </a:p>
+        </p:txBody>
+      </p:sp>
+      <p:cxnSp>
+        <p:nvCxnSpPr>
+          <p:cNvPr id="6" name="Straight Arrow Connector 5"/>
+          <p:cNvCxnSpPr/>
           <p:nvPr/>
-        </p:nvPicPr>
-        <p:blipFill>
-          <a:blip r:embed="rId2"/>
-          <a:stretch>
-            <a:fillRect/>
-          </a:stretch>
-        </p:blipFill>
-        <p:spPr>
-          <a:xfrm>
-            <a:off x="260392" y="734670"/>
-            <a:ext cx="11637847" cy="4294530"/>
-          </a:xfrm>
-          <a:prstGeom prst="rect">
+        </p:nvCxnSpPr>
+        <p:spPr>
+          <a:xfrm flipH="1">
+            <a:off x="3252486" y="833372"/>
+            <a:ext cx="1209555" cy="0"/>
+          </a:xfrm>
+          <a:prstGeom prst="straightConnector1">
             <a:avLst/>
           </a:prstGeom>
-        </p:spPr>
-      </p:pic>
-      <p:sp>
-        <p:nvSpPr>
-          <p:cNvPr id="3" name="Rectangle 2"/>
-          <p:cNvSpPr/>
-          <p:nvPr/>
-        </p:nvSpPr>
-        <p:spPr>
-          <a:xfrm>
-            <a:off x="1716910" y="5362898"/>
-            <a:ext cx="11350907" cy="369332"/>
-          </a:xfrm>
-          <a:prstGeom prst="rect">
-            <a:avLst/>
-          </a:prstGeom>
-        </p:spPr>
-        <p:txBody>
-          <a:bodyPr wrap="square">
-            <a:spAutoFit/>
-          </a:bodyPr>
-          <a:lstStyle/>
-          <a:p>
-            <a:r>
-              <a:rPr lang="en-US" dirty="0"/>
-              <a:t>https://github.com/kwinglee/UrbanRuralChina/blob/master/16SrRNA/inputData/RDP/genus_taxaAsColumns.txt</a:t>
-            </a:r>
-          </a:p>
-        </p:txBody>
-      </p:sp>
+          <a:ln>
+            <a:tailEnd type="triangle"/>
+          </a:ln>
+        </p:spPr>
+        <p:style>
+          <a:lnRef idx="1">
+            <a:schemeClr val="accent1"/>
+          </a:lnRef>
+          <a:fillRef idx="0">
+            <a:schemeClr val="accent1"/>
+          </a:fillRef>
+          <a:effectRef idx="0">
+            <a:schemeClr val="accent1"/>
+          </a:effectRef>
+          <a:fontRef idx="minor">
+            <a:schemeClr val="tx1"/>
+          </a:fontRef>
+        </p:style>
+      </p:cxnSp>
     </p:spTree>
     <p:extLst>
       <p:ext uri="{BB962C8B-B14F-4D97-AF65-F5344CB8AC3E}">
-        <p14:creationId xmlns:p14="http://schemas.microsoft.com/office/powerpoint/2010/main" val="2817519161"/>
+        <p14:creationId xmlns:p14="http://schemas.microsoft.com/office/powerpoint/2010/main" val="2708516428"/>
       </p:ext>
     </p:extLst>
   </p:cSld>

--- a/classes/ChapelHill2018/ch.pptx
+++ b/classes/ChapelHill2018/ch.pptx
@@ -5,7 +5,7 @@
     <p:sldMasterId id="2147483648" r:id="rId1"/>
   </p:sldMasterIdLst>
   <p:notesMasterIdLst>
-    <p:notesMasterId r:id="rId25"/>
+    <p:notesMasterId r:id="rId47"/>
   </p:notesMasterIdLst>
   <p:sldIdLst>
     <p:sldId id="256" r:id="rId2"/>
@@ -31,6 +31,28 @@
     <p:sldId id="276" r:id="rId22"/>
     <p:sldId id="277" r:id="rId23"/>
     <p:sldId id="278" r:id="rId24"/>
+    <p:sldId id="280" r:id="rId25"/>
+    <p:sldId id="281" r:id="rId26"/>
+    <p:sldId id="282" r:id="rId27"/>
+    <p:sldId id="279" r:id="rId28"/>
+    <p:sldId id="283" r:id="rId29"/>
+    <p:sldId id="284" r:id="rId30"/>
+    <p:sldId id="285" r:id="rId31"/>
+    <p:sldId id="286" r:id="rId32"/>
+    <p:sldId id="287" r:id="rId33"/>
+    <p:sldId id="288" r:id="rId34"/>
+    <p:sldId id="289" r:id="rId35"/>
+    <p:sldId id="290" r:id="rId36"/>
+    <p:sldId id="291" r:id="rId37"/>
+    <p:sldId id="292" r:id="rId38"/>
+    <p:sldId id="293" r:id="rId39"/>
+    <p:sldId id="294" r:id="rId40"/>
+    <p:sldId id="295" r:id="rId41"/>
+    <p:sldId id="296" r:id="rId42"/>
+    <p:sldId id="297" r:id="rId43"/>
+    <p:sldId id="298" r:id="rId44"/>
+    <p:sldId id="299" r:id="rId45"/>
+    <p:sldId id="300" r:id="rId46"/>
   </p:sldIdLst>
   <p:sldSz cx="12192000" cy="6858000"/>
   <p:notesSz cx="6858000" cy="9144000"/>
@@ -219,7 +241,7 @@
           <a:p>
             <a:fld id="{0BB994B0-15EB-4171-B4A2-60B7410CFA19}" type="datetimeFigureOut">
               <a:rPr lang="en-US" smtClean="0"/>
-              <a:t>10/13/2018</a:t>
+              <a:t>10/14/2018</a:t>
             </a:fld>
             <a:endParaRPr lang="en-US"/>
           </a:p>
@@ -283,38 +305,37 @@
           <a:p>
             <a:pPr lvl="0"/>
             <a:r>
-              <a:rPr lang="en-US" smtClean="0"/>
+              <a:rPr lang="en-US"/>
               <a:t>Edit Master text styles</a:t>
             </a:r>
           </a:p>
           <a:p>
             <a:pPr lvl="1"/>
             <a:r>
-              <a:rPr lang="en-US" smtClean="0"/>
+              <a:rPr lang="en-US"/>
               <a:t>Second level</a:t>
             </a:r>
           </a:p>
           <a:p>
             <a:pPr lvl="2"/>
             <a:r>
-              <a:rPr lang="en-US" smtClean="0"/>
+              <a:rPr lang="en-US"/>
               <a:t>Third level</a:t>
             </a:r>
           </a:p>
           <a:p>
             <a:pPr lvl="3"/>
             <a:r>
-              <a:rPr lang="en-US" smtClean="0"/>
+              <a:rPr lang="en-US"/>
               <a:t>Fourth level</a:t>
             </a:r>
           </a:p>
           <a:p>
             <a:pPr lvl="4"/>
             <a:r>
-              <a:rPr lang="en-US" smtClean="0"/>
+              <a:rPr lang="en-US"/>
               <a:t>Fifth level</a:t>
             </a:r>
-            <a:endParaRPr lang="en-US"/>
           </a:p>
         </p:txBody>
       </p:sp>
@@ -613,10 +634,9 @@
           </a:lstStyle>
           <a:p>
             <a:r>
-              <a:rPr lang="en-US" smtClean="0"/>
+              <a:rPr lang="en-US"/>
               <a:t>Click to edit Master title style</a:t>
             </a:r>
-            <a:endParaRPr lang="en-US"/>
           </a:p>
         </p:txBody>
       </p:sp>
@@ -678,10 +698,9 @@
           </a:lstStyle>
           <a:p>
             <a:r>
-              <a:rPr lang="en-US" smtClean="0"/>
+              <a:rPr lang="en-US"/>
               <a:t>Click to edit Master subtitle style</a:t>
             </a:r>
-            <a:endParaRPr lang="en-US"/>
           </a:p>
         </p:txBody>
       </p:sp>
@@ -702,7 +721,7 @@
           <a:p>
             <a:fld id="{A72D5121-EDCD-4BC3-8884-07E7433927A8}" type="datetimeFigureOut">
               <a:rPr lang="en-US" smtClean="0"/>
-              <a:t>10/13/2018</a:t>
+              <a:t>10/14/2018</a:t>
             </a:fld>
             <a:endParaRPr lang="en-US"/>
           </a:p>
@@ -796,10 +815,9 @@
           <a:lstStyle/>
           <a:p>
             <a:r>
-              <a:rPr lang="en-US" smtClean="0"/>
+              <a:rPr lang="en-US"/>
               <a:t>Click to edit Master title style</a:t>
             </a:r>
-            <a:endParaRPr lang="en-US"/>
           </a:p>
         </p:txBody>
       </p:sp>
@@ -820,38 +838,37 @@
           <a:p>
             <a:pPr lvl="0"/>
             <a:r>
-              <a:rPr lang="en-US" smtClean="0"/>
+              <a:rPr lang="en-US"/>
               <a:t>Edit Master text styles</a:t>
             </a:r>
           </a:p>
           <a:p>
             <a:pPr lvl="1"/>
             <a:r>
-              <a:rPr lang="en-US" smtClean="0"/>
+              <a:rPr lang="en-US"/>
               <a:t>Second level</a:t>
             </a:r>
           </a:p>
           <a:p>
             <a:pPr lvl="2"/>
             <a:r>
-              <a:rPr lang="en-US" smtClean="0"/>
+              <a:rPr lang="en-US"/>
               <a:t>Third level</a:t>
             </a:r>
           </a:p>
           <a:p>
             <a:pPr lvl="3"/>
             <a:r>
-              <a:rPr lang="en-US" smtClean="0"/>
+              <a:rPr lang="en-US"/>
               <a:t>Fourth level</a:t>
             </a:r>
           </a:p>
           <a:p>
             <a:pPr lvl="4"/>
             <a:r>
-              <a:rPr lang="en-US" smtClean="0"/>
+              <a:rPr lang="en-US"/>
               <a:t>Fifth level</a:t>
             </a:r>
-            <a:endParaRPr lang="en-US"/>
           </a:p>
         </p:txBody>
       </p:sp>
@@ -872,7 +889,7 @@
           <a:p>
             <a:fld id="{A72D5121-EDCD-4BC3-8884-07E7433927A8}" type="datetimeFigureOut">
               <a:rPr lang="en-US" smtClean="0"/>
-              <a:t>10/13/2018</a:t>
+              <a:t>10/14/2018</a:t>
             </a:fld>
             <a:endParaRPr lang="en-US"/>
           </a:p>
@@ -971,10 +988,9 @@
           <a:lstStyle/>
           <a:p>
             <a:r>
-              <a:rPr lang="en-US" smtClean="0"/>
+              <a:rPr lang="en-US"/>
               <a:t>Click to edit Master title style</a:t>
             </a:r>
-            <a:endParaRPr lang="en-US"/>
           </a:p>
         </p:txBody>
       </p:sp>
@@ -1000,38 +1016,37 @@
           <a:p>
             <a:pPr lvl="0"/>
             <a:r>
-              <a:rPr lang="en-US" smtClean="0"/>
+              <a:rPr lang="en-US"/>
               <a:t>Edit Master text styles</a:t>
             </a:r>
           </a:p>
           <a:p>
             <a:pPr lvl="1"/>
             <a:r>
-              <a:rPr lang="en-US" smtClean="0"/>
+              <a:rPr lang="en-US"/>
               <a:t>Second level</a:t>
             </a:r>
           </a:p>
           <a:p>
             <a:pPr lvl="2"/>
             <a:r>
-              <a:rPr lang="en-US" smtClean="0"/>
+              <a:rPr lang="en-US"/>
               <a:t>Third level</a:t>
             </a:r>
           </a:p>
           <a:p>
             <a:pPr lvl="3"/>
             <a:r>
-              <a:rPr lang="en-US" smtClean="0"/>
+              <a:rPr lang="en-US"/>
               <a:t>Fourth level</a:t>
             </a:r>
           </a:p>
           <a:p>
             <a:pPr lvl="4"/>
             <a:r>
-              <a:rPr lang="en-US" smtClean="0"/>
+              <a:rPr lang="en-US"/>
               <a:t>Fifth level</a:t>
             </a:r>
-            <a:endParaRPr lang="en-US"/>
           </a:p>
         </p:txBody>
       </p:sp>
@@ -1052,7 +1067,7 @@
           <a:p>
             <a:fld id="{A72D5121-EDCD-4BC3-8884-07E7433927A8}" type="datetimeFigureOut">
               <a:rPr lang="en-US" smtClean="0"/>
-              <a:t>10/13/2018</a:t>
+              <a:t>10/14/2018</a:t>
             </a:fld>
             <a:endParaRPr lang="en-US"/>
           </a:p>
@@ -1146,10 +1161,9 @@
           <a:lstStyle/>
           <a:p>
             <a:r>
-              <a:rPr lang="en-US" smtClean="0"/>
+              <a:rPr lang="en-US"/>
               <a:t>Click to edit Master title style</a:t>
             </a:r>
-            <a:endParaRPr lang="en-US"/>
           </a:p>
         </p:txBody>
       </p:sp>
@@ -1170,38 +1184,37 @@
           <a:p>
             <a:pPr lvl="0"/>
             <a:r>
-              <a:rPr lang="en-US" smtClean="0"/>
+              <a:rPr lang="en-US"/>
               <a:t>Edit Master text styles</a:t>
             </a:r>
           </a:p>
           <a:p>
             <a:pPr lvl="1"/>
             <a:r>
-              <a:rPr lang="en-US" smtClean="0"/>
+              <a:rPr lang="en-US"/>
               <a:t>Second level</a:t>
             </a:r>
           </a:p>
           <a:p>
             <a:pPr lvl="2"/>
             <a:r>
-              <a:rPr lang="en-US" smtClean="0"/>
+              <a:rPr lang="en-US"/>
               <a:t>Third level</a:t>
             </a:r>
           </a:p>
           <a:p>
             <a:pPr lvl="3"/>
             <a:r>
-              <a:rPr lang="en-US" smtClean="0"/>
+              <a:rPr lang="en-US"/>
               <a:t>Fourth level</a:t>
             </a:r>
           </a:p>
           <a:p>
             <a:pPr lvl="4"/>
             <a:r>
-              <a:rPr lang="en-US" smtClean="0"/>
+              <a:rPr lang="en-US"/>
               <a:t>Fifth level</a:t>
             </a:r>
-            <a:endParaRPr lang="en-US"/>
           </a:p>
         </p:txBody>
       </p:sp>
@@ -1222,7 +1235,7 @@
           <a:p>
             <a:fld id="{A72D5121-EDCD-4BC3-8884-07E7433927A8}" type="datetimeFigureOut">
               <a:rPr lang="en-US" smtClean="0"/>
-              <a:t>10/13/2018</a:t>
+              <a:t>10/14/2018</a:t>
             </a:fld>
             <a:endParaRPr lang="en-US"/>
           </a:p>
@@ -1325,10 +1338,9 @@
           </a:lstStyle>
           <a:p>
             <a:r>
-              <a:rPr lang="en-US" smtClean="0"/>
+              <a:rPr lang="en-US"/>
               <a:t>Click to edit Master title style</a:t>
             </a:r>
-            <a:endParaRPr lang="en-US"/>
           </a:p>
         </p:txBody>
       </p:sp>
@@ -1445,7 +1457,7 @@
           <a:p>
             <a:pPr lvl="0"/>
             <a:r>
-              <a:rPr lang="en-US" smtClean="0"/>
+              <a:rPr lang="en-US"/>
               <a:t>Edit Master text styles</a:t>
             </a:r>
           </a:p>
@@ -1468,7 +1480,7 @@
           <a:p>
             <a:fld id="{A72D5121-EDCD-4BC3-8884-07E7433927A8}" type="datetimeFigureOut">
               <a:rPr lang="en-US" smtClean="0"/>
-              <a:t>10/13/2018</a:t>
+              <a:t>10/14/2018</a:t>
             </a:fld>
             <a:endParaRPr lang="en-US"/>
           </a:p>
@@ -1562,10 +1574,9 @@
           <a:lstStyle/>
           <a:p>
             <a:r>
-              <a:rPr lang="en-US" smtClean="0"/>
+              <a:rPr lang="en-US"/>
               <a:t>Click to edit Master title style</a:t>
             </a:r>
-            <a:endParaRPr lang="en-US"/>
           </a:p>
         </p:txBody>
       </p:sp>
@@ -1591,38 +1602,37 @@
           <a:p>
             <a:pPr lvl="0"/>
             <a:r>
-              <a:rPr lang="en-US" smtClean="0"/>
+              <a:rPr lang="en-US"/>
               <a:t>Edit Master text styles</a:t>
             </a:r>
           </a:p>
           <a:p>
             <a:pPr lvl="1"/>
             <a:r>
-              <a:rPr lang="en-US" smtClean="0"/>
+              <a:rPr lang="en-US"/>
               <a:t>Second level</a:t>
             </a:r>
           </a:p>
           <a:p>
             <a:pPr lvl="2"/>
             <a:r>
-              <a:rPr lang="en-US" smtClean="0"/>
+              <a:rPr lang="en-US"/>
               <a:t>Third level</a:t>
             </a:r>
           </a:p>
           <a:p>
             <a:pPr lvl="3"/>
             <a:r>
-              <a:rPr lang="en-US" smtClean="0"/>
+              <a:rPr lang="en-US"/>
               <a:t>Fourth level</a:t>
             </a:r>
           </a:p>
           <a:p>
             <a:pPr lvl="4"/>
             <a:r>
-              <a:rPr lang="en-US" smtClean="0"/>
+              <a:rPr lang="en-US"/>
               <a:t>Fifth level</a:t>
             </a:r>
-            <a:endParaRPr lang="en-US"/>
           </a:p>
         </p:txBody>
       </p:sp>
@@ -1648,38 +1658,37 @@
           <a:p>
             <a:pPr lvl="0"/>
             <a:r>
-              <a:rPr lang="en-US" smtClean="0"/>
+              <a:rPr lang="en-US"/>
               <a:t>Edit Master text styles</a:t>
             </a:r>
           </a:p>
           <a:p>
             <a:pPr lvl="1"/>
             <a:r>
-              <a:rPr lang="en-US" smtClean="0"/>
+              <a:rPr lang="en-US"/>
               <a:t>Second level</a:t>
             </a:r>
           </a:p>
           <a:p>
             <a:pPr lvl="2"/>
             <a:r>
-              <a:rPr lang="en-US" smtClean="0"/>
+              <a:rPr lang="en-US"/>
               <a:t>Third level</a:t>
             </a:r>
           </a:p>
           <a:p>
             <a:pPr lvl="3"/>
             <a:r>
-              <a:rPr lang="en-US" smtClean="0"/>
+              <a:rPr lang="en-US"/>
               <a:t>Fourth level</a:t>
             </a:r>
           </a:p>
           <a:p>
             <a:pPr lvl="4"/>
             <a:r>
-              <a:rPr lang="en-US" smtClean="0"/>
+              <a:rPr lang="en-US"/>
               <a:t>Fifth level</a:t>
             </a:r>
-            <a:endParaRPr lang="en-US"/>
           </a:p>
         </p:txBody>
       </p:sp>
@@ -1700,7 +1709,7 @@
           <a:p>
             <a:fld id="{A72D5121-EDCD-4BC3-8884-07E7433927A8}" type="datetimeFigureOut">
               <a:rPr lang="en-US" smtClean="0"/>
-              <a:t>10/13/2018</a:t>
+              <a:t>10/14/2018</a:t>
             </a:fld>
             <a:endParaRPr lang="en-US"/>
           </a:p>
@@ -1799,10 +1808,9 @@
           <a:lstStyle/>
           <a:p>
             <a:r>
-              <a:rPr lang="en-US" smtClean="0"/>
+              <a:rPr lang="en-US"/>
               <a:t>Click to edit Master title style</a:t>
             </a:r>
-            <a:endParaRPr lang="en-US"/>
           </a:p>
         </p:txBody>
       </p:sp>
@@ -1865,7 +1873,7 @@
           <a:p>
             <a:pPr lvl="0"/>
             <a:r>
-              <a:rPr lang="en-US" smtClean="0"/>
+              <a:rPr lang="en-US"/>
               <a:t>Edit Master text styles</a:t>
             </a:r>
           </a:p>
@@ -1893,38 +1901,37 @@
           <a:p>
             <a:pPr lvl="0"/>
             <a:r>
-              <a:rPr lang="en-US" smtClean="0"/>
+              <a:rPr lang="en-US"/>
               <a:t>Edit Master text styles</a:t>
             </a:r>
           </a:p>
           <a:p>
             <a:pPr lvl="1"/>
             <a:r>
-              <a:rPr lang="en-US" smtClean="0"/>
+              <a:rPr lang="en-US"/>
               <a:t>Second level</a:t>
             </a:r>
           </a:p>
           <a:p>
             <a:pPr lvl="2"/>
             <a:r>
-              <a:rPr lang="en-US" smtClean="0"/>
+              <a:rPr lang="en-US"/>
               <a:t>Third level</a:t>
             </a:r>
           </a:p>
           <a:p>
             <a:pPr lvl="3"/>
             <a:r>
-              <a:rPr lang="en-US" smtClean="0"/>
+              <a:rPr lang="en-US"/>
               <a:t>Fourth level</a:t>
             </a:r>
           </a:p>
           <a:p>
             <a:pPr lvl="4"/>
             <a:r>
-              <a:rPr lang="en-US" smtClean="0"/>
+              <a:rPr lang="en-US"/>
               <a:t>Fifth level</a:t>
             </a:r>
-            <a:endParaRPr lang="en-US"/>
           </a:p>
         </p:txBody>
       </p:sp>
@@ -1987,7 +1994,7 @@
           <a:p>
             <a:pPr lvl="0"/>
             <a:r>
-              <a:rPr lang="en-US" smtClean="0"/>
+              <a:rPr lang="en-US"/>
               <a:t>Edit Master text styles</a:t>
             </a:r>
           </a:p>
@@ -2015,38 +2022,37 @@
           <a:p>
             <a:pPr lvl="0"/>
             <a:r>
-              <a:rPr lang="en-US" smtClean="0"/>
+              <a:rPr lang="en-US"/>
               <a:t>Edit Master text styles</a:t>
             </a:r>
           </a:p>
           <a:p>
             <a:pPr lvl="1"/>
             <a:r>
-              <a:rPr lang="en-US" smtClean="0"/>
+              <a:rPr lang="en-US"/>
               <a:t>Second level</a:t>
             </a:r>
           </a:p>
           <a:p>
             <a:pPr lvl="2"/>
             <a:r>
-              <a:rPr lang="en-US" smtClean="0"/>
+              <a:rPr lang="en-US"/>
               <a:t>Third level</a:t>
             </a:r>
           </a:p>
           <a:p>
             <a:pPr lvl="3"/>
             <a:r>
-              <a:rPr lang="en-US" smtClean="0"/>
+              <a:rPr lang="en-US"/>
               <a:t>Fourth level</a:t>
             </a:r>
           </a:p>
           <a:p>
             <a:pPr lvl="4"/>
             <a:r>
-              <a:rPr lang="en-US" smtClean="0"/>
+              <a:rPr lang="en-US"/>
               <a:t>Fifth level</a:t>
             </a:r>
-            <a:endParaRPr lang="en-US"/>
           </a:p>
         </p:txBody>
       </p:sp>
@@ -2067,7 +2073,7 @@
           <a:p>
             <a:fld id="{A72D5121-EDCD-4BC3-8884-07E7433927A8}" type="datetimeFigureOut">
               <a:rPr lang="en-US" smtClean="0"/>
-              <a:t>10/13/2018</a:t>
+              <a:t>10/14/2018</a:t>
             </a:fld>
             <a:endParaRPr lang="en-US"/>
           </a:p>
@@ -2161,10 +2167,9 @@
           <a:lstStyle/>
           <a:p>
             <a:r>
-              <a:rPr lang="en-US" smtClean="0"/>
+              <a:rPr lang="en-US"/>
               <a:t>Click to edit Master title style</a:t>
             </a:r>
-            <a:endParaRPr lang="en-US"/>
           </a:p>
         </p:txBody>
       </p:sp>
@@ -2185,7 +2190,7 @@
           <a:p>
             <a:fld id="{A72D5121-EDCD-4BC3-8884-07E7433927A8}" type="datetimeFigureOut">
               <a:rPr lang="en-US" smtClean="0"/>
-              <a:t>10/13/2018</a:t>
+              <a:t>10/14/2018</a:t>
             </a:fld>
             <a:endParaRPr lang="en-US"/>
           </a:p>
@@ -2280,7 +2285,7 @@
           <a:p>
             <a:fld id="{A72D5121-EDCD-4BC3-8884-07E7433927A8}" type="datetimeFigureOut">
               <a:rPr lang="en-US" smtClean="0"/>
-              <a:t>10/13/2018</a:t>
+              <a:t>10/14/2018</a:t>
             </a:fld>
             <a:endParaRPr lang="en-US"/>
           </a:p>
@@ -2383,10 +2388,9 @@
           </a:lstStyle>
           <a:p>
             <a:r>
-              <a:rPr lang="en-US" smtClean="0"/>
+              <a:rPr lang="en-US"/>
               <a:t>Click to edit Master title style</a:t>
             </a:r>
-            <a:endParaRPr lang="en-US"/>
           </a:p>
         </p:txBody>
       </p:sp>
@@ -2440,38 +2444,37 @@
           <a:p>
             <a:pPr lvl="0"/>
             <a:r>
-              <a:rPr lang="en-US" smtClean="0"/>
+              <a:rPr lang="en-US"/>
               <a:t>Edit Master text styles</a:t>
             </a:r>
           </a:p>
           <a:p>
             <a:pPr lvl="1"/>
             <a:r>
-              <a:rPr lang="en-US" smtClean="0"/>
+              <a:rPr lang="en-US"/>
               <a:t>Second level</a:t>
             </a:r>
           </a:p>
           <a:p>
             <a:pPr lvl="2"/>
             <a:r>
-              <a:rPr lang="en-US" smtClean="0"/>
+              <a:rPr lang="en-US"/>
               <a:t>Third level</a:t>
             </a:r>
           </a:p>
           <a:p>
             <a:pPr lvl="3"/>
             <a:r>
-              <a:rPr lang="en-US" smtClean="0"/>
+              <a:rPr lang="en-US"/>
               <a:t>Fourth level</a:t>
             </a:r>
           </a:p>
           <a:p>
             <a:pPr lvl="4"/>
             <a:r>
-              <a:rPr lang="en-US" smtClean="0"/>
+              <a:rPr lang="en-US"/>
               <a:t>Fifth level</a:t>
             </a:r>
-            <a:endParaRPr lang="en-US"/>
           </a:p>
         </p:txBody>
       </p:sp>
@@ -2534,7 +2537,7 @@
           <a:p>
             <a:pPr lvl="0"/>
             <a:r>
-              <a:rPr lang="en-US" smtClean="0"/>
+              <a:rPr lang="en-US"/>
               <a:t>Edit Master text styles</a:t>
             </a:r>
           </a:p>
@@ -2557,7 +2560,7 @@
           <a:p>
             <a:fld id="{A72D5121-EDCD-4BC3-8884-07E7433927A8}" type="datetimeFigureOut">
               <a:rPr lang="en-US" smtClean="0"/>
-              <a:t>10/13/2018</a:t>
+              <a:t>10/14/2018</a:t>
             </a:fld>
             <a:endParaRPr lang="en-US"/>
           </a:p>
@@ -2660,10 +2663,9 @@
           </a:lstStyle>
           <a:p>
             <a:r>
-              <a:rPr lang="en-US" smtClean="0"/>
+              <a:rPr lang="en-US"/>
               <a:t>Click to edit Master title style</a:t>
             </a:r>
-            <a:endParaRPr lang="en-US"/>
           </a:p>
         </p:txBody>
       </p:sp>
@@ -2787,7 +2789,7 @@
           <a:p>
             <a:pPr lvl="0"/>
             <a:r>
-              <a:rPr lang="en-US" smtClean="0"/>
+              <a:rPr lang="en-US"/>
               <a:t>Edit Master text styles</a:t>
             </a:r>
           </a:p>
@@ -2810,7 +2812,7 @@
           <a:p>
             <a:fld id="{A72D5121-EDCD-4BC3-8884-07E7433927A8}" type="datetimeFigureOut">
               <a:rPr lang="en-US" smtClean="0"/>
-              <a:t>10/13/2018</a:t>
+              <a:t>10/14/2018</a:t>
             </a:fld>
             <a:endParaRPr lang="en-US"/>
           </a:p>
@@ -2919,10 +2921,9 @@
           <a:lstStyle/>
           <a:p>
             <a:r>
-              <a:rPr lang="en-US" smtClean="0"/>
+              <a:rPr lang="en-US"/>
               <a:t>Click to edit Master title style</a:t>
             </a:r>
-            <a:endParaRPr lang="en-US"/>
           </a:p>
         </p:txBody>
       </p:sp>
@@ -2953,38 +2954,37 @@
           <a:p>
             <a:pPr lvl="0"/>
             <a:r>
-              <a:rPr lang="en-US" smtClean="0"/>
+              <a:rPr lang="en-US"/>
               <a:t>Edit Master text styles</a:t>
             </a:r>
           </a:p>
           <a:p>
             <a:pPr lvl="1"/>
             <a:r>
-              <a:rPr lang="en-US" smtClean="0"/>
+              <a:rPr lang="en-US"/>
               <a:t>Second level</a:t>
             </a:r>
           </a:p>
           <a:p>
             <a:pPr lvl="2"/>
             <a:r>
-              <a:rPr lang="en-US" smtClean="0"/>
+              <a:rPr lang="en-US"/>
               <a:t>Third level</a:t>
             </a:r>
           </a:p>
           <a:p>
             <a:pPr lvl="3"/>
             <a:r>
-              <a:rPr lang="en-US" smtClean="0"/>
+              <a:rPr lang="en-US"/>
               <a:t>Fourth level</a:t>
             </a:r>
           </a:p>
           <a:p>
             <a:pPr lvl="4"/>
             <a:r>
-              <a:rPr lang="en-US" smtClean="0"/>
+              <a:rPr lang="en-US"/>
               <a:t>Fifth level</a:t>
             </a:r>
-            <a:endParaRPr lang="en-US"/>
           </a:p>
         </p:txBody>
       </p:sp>
@@ -3023,7 +3023,7 @@
           <a:p>
             <a:fld id="{A72D5121-EDCD-4BC3-8884-07E7433927A8}" type="datetimeFigureOut">
               <a:rPr lang="en-US" smtClean="0"/>
-              <a:t>10/13/2018</a:t>
+              <a:t>10/14/2018</a:t>
             </a:fld>
             <a:endParaRPr lang="en-US"/>
           </a:p>
@@ -3451,7 +3451,7 @@
           <a:lstStyle/>
           <a:p>
             <a:r>
-              <a:rPr lang="en-US" sz="2000" dirty="0" smtClean="0">
+              <a:rPr lang="en-US" sz="2000" dirty="0">
                 <a:latin typeface="Arial" panose="020B0604020202020204" pitchFamily="34" charset="0"/>
                 <a:cs typeface="Arial" panose="020B0604020202020204" pitchFamily="34" charset="0"/>
               </a:rPr>
@@ -3466,7 +3466,7 @@
           </a:p>
           <a:p>
             <a:r>
-              <a:rPr lang="en-US" sz="2000" dirty="0" smtClean="0">
+              <a:rPr lang="en-US" sz="2000" dirty="0">
                 <a:latin typeface="Arial" panose="020B0604020202020204" pitchFamily="34" charset="0"/>
                 <a:cs typeface="Arial" panose="020B0604020202020204" pitchFamily="34" charset="0"/>
               </a:rPr>
@@ -3479,14 +3479,7 @@
                 <a:latin typeface="Arial" panose="020B0604020202020204" pitchFamily="34" charset="0"/>
                 <a:cs typeface="Arial" panose="020B0604020202020204" pitchFamily="34" charset="0"/>
               </a:rPr>
-              <a:t>	</a:t>
-            </a:r>
-            <a:r>
-              <a:rPr lang="en-US" sz="2000" dirty="0" smtClean="0">
-                <a:latin typeface="Arial" panose="020B0604020202020204" pitchFamily="34" charset="0"/>
-                <a:cs typeface="Arial" panose="020B0604020202020204" pitchFamily="34" charset="0"/>
-              </a:rPr>
-              <a:t>	Bioinformatics and Genomics</a:t>
+              <a:t>		Bioinformatics and Genomics</a:t>
             </a:r>
           </a:p>
           <a:p>
@@ -3495,14 +3488,7 @@
                 <a:latin typeface="Arial" panose="020B0604020202020204" pitchFamily="34" charset="0"/>
                 <a:cs typeface="Arial" panose="020B0604020202020204" pitchFamily="34" charset="0"/>
               </a:rPr>
-              <a:t>	</a:t>
-            </a:r>
-            <a:r>
-              <a:rPr lang="en-US" sz="2000" dirty="0" smtClean="0">
-                <a:latin typeface="Arial" panose="020B0604020202020204" pitchFamily="34" charset="0"/>
-                <a:cs typeface="Arial" panose="020B0604020202020204" pitchFamily="34" charset="0"/>
-              </a:rPr>
-              <a:t>	UNC Charlotte</a:t>
+              <a:t>		UNC Charlotte</a:t>
             </a:r>
           </a:p>
           <a:p>
@@ -3554,13 +3540,6 @@
   <p:clrMapOvr>
     <a:masterClrMapping/>
   </p:clrMapOvr>
-  <p:timing>
-    <p:tnLst>
-      <p:par>
-        <p:cTn id="1" dur="indefinite" restart="never" nodeType="tmRoot"/>
-      </p:par>
-    </p:tnLst>
-  </p:timing>
 </p:sld>
 </file>
 
@@ -3604,7 +3583,7 @@
           <a:lstStyle/>
           <a:p>
             <a:r>
-              <a:rPr lang="en-US" dirty="0" smtClean="0">
+              <a:rPr lang="en-US" dirty="0">
                 <a:latin typeface="Arial" panose="020B0604020202020204" pitchFamily="34" charset="0"/>
                 <a:cs typeface="Arial" panose="020B0604020202020204" pitchFamily="34" charset="0"/>
               </a:rPr>
@@ -3619,16 +3598,12 @@
           </a:p>
           <a:p>
             <a:r>
-              <a:rPr lang="en-US" dirty="0" smtClean="0">
+              <a:rPr lang="en-US" dirty="0">
                 <a:latin typeface="Arial" panose="020B0604020202020204" pitchFamily="34" charset="0"/>
                 <a:cs typeface="Arial" panose="020B0604020202020204" pitchFamily="34" charset="0"/>
               </a:rPr>
               <a:t>(Each sequence library will be of a different depth; you need to correct for that)</a:t>
             </a:r>
-            <a:endParaRPr lang="en-US" dirty="0">
-              <a:latin typeface="Arial" panose="020B0604020202020204" pitchFamily="34" charset="0"/>
-              <a:cs typeface="Arial" panose="020B0604020202020204" pitchFamily="34" charset="0"/>
-            </a:endParaRPr>
           </a:p>
         </p:txBody>
       </p:sp>
@@ -3679,7 +3654,7 @@
           <a:lstStyle/>
           <a:p>
             <a:r>
-              <a:rPr lang="en-US" dirty="0" smtClean="0">
+              <a:rPr lang="en-US" dirty="0">
                 <a:latin typeface="Arial" panose="020B0604020202020204" pitchFamily="34" charset="0"/>
                 <a:cs typeface="Arial" panose="020B0604020202020204" pitchFamily="34" charset="0"/>
               </a:rPr>
@@ -3688,16 +3663,12 @@
           </a:p>
           <a:p>
             <a:r>
-              <a:rPr lang="en-US" dirty="0" smtClean="0">
+              <a:rPr lang="en-US" dirty="0">
                 <a:latin typeface="Arial" panose="020B0604020202020204" pitchFamily="34" charset="0"/>
                 <a:cs typeface="Arial" panose="020B0604020202020204" pitchFamily="34" charset="0"/>
               </a:rPr>
               <a:t>This is relative abundance</a:t>
             </a:r>
-            <a:endParaRPr lang="en-US" dirty="0">
-              <a:latin typeface="Arial" panose="020B0604020202020204" pitchFamily="34" charset="0"/>
-              <a:cs typeface="Arial" panose="020B0604020202020204" pitchFamily="34" charset="0"/>
-            </a:endParaRPr>
           </a:p>
         </p:txBody>
       </p:sp>
@@ -3724,12 +3695,8 @@
           <a:lstStyle/>
           <a:p>
             <a:r>
-              <a:rPr lang="en-US" dirty="0" smtClean="0"/>
-              <a:t>Table due to :Matthew </a:t>
-            </a:r>
-            <a:r>
               <a:rPr lang="en-US" dirty="0"/>
-              <a:t>C. B. </a:t>
+              <a:t>Table due to :Matthew C. B. </a:t>
             </a:r>
             <a:r>
               <a:rPr lang="en-US" dirty="0" err="1"/>
@@ -3752,13 +3719,6 @@
   <p:clrMapOvr>
     <a:masterClrMapping/>
   </p:clrMapOvr>
-  <p:timing>
-    <p:tnLst>
-      <p:par>
-        <p:cTn id="1" dur="indefinite" restart="never" nodeType="tmRoot"/>
-      </p:par>
-    </p:tnLst>
-  </p:timing>
 </p:sld>
 </file>
 
@@ -3802,7 +3762,7 @@
           <a:lstStyle/>
           <a:p>
             <a:r>
-              <a:rPr lang="en-US" dirty="0" smtClean="0">
+              <a:rPr lang="en-US" dirty="0">
                 <a:latin typeface="Arial" panose="020B0604020202020204" pitchFamily="34" charset="0"/>
                 <a:cs typeface="Arial" panose="020B0604020202020204" pitchFamily="34" charset="0"/>
               </a:rPr>
@@ -3817,7 +3777,7 @@
           </a:p>
           <a:p>
             <a:r>
-              <a:rPr lang="en-US" dirty="0" smtClean="0">
+              <a:rPr lang="en-US" dirty="0">
                 <a:latin typeface="Arial" panose="020B0604020202020204" pitchFamily="34" charset="0"/>
                 <a:cs typeface="Arial" panose="020B0604020202020204" pitchFamily="34" charset="0"/>
               </a:rPr>
@@ -3831,7 +3791,7 @@
             </a:endParaRPr>
           </a:p>
           <a:p>
-            <a:endParaRPr lang="en-US" dirty="0" smtClean="0">
+            <a:endParaRPr lang="en-US" dirty="0">
               <a:latin typeface="Arial" panose="020B0604020202020204" pitchFamily="34" charset="0"/>
               <a:cs typeface="Arial" panose="020B0604020202020204" pitchFamily="34" charset="0"/>
             </a:endParaRPr>
@@ -3906,13 +3866,6 @@
   <p:clrMapOvr>
     <a:masterClrMapping/>
   </p:clrMapOvr>
-  <p:timing>
-    <p:tnLst>
-      <p:par>
-        <p:cTn id="1" dur="indefinite" restart="never" nodeType="tmRoot"/>
-      </p:par>
-    </p:tnLst>
-  </p:timing>
 </p:sld>
 </file>
 
@@ -3956,16 +3909,12 @@
           <a:lstStyle/>
           <a:p>
             <a:r>
-              <a:rPr lang="en-US" dirty="0" smtClean="0">
+              <a:rPr lang="en-US" dirty="0">
                 <a:latin typeface="Arial" panose="020B0604020202020204" pitchFamily="34" charset="0"/>
                 <a:cs typeface="Arial" panose="020B0604020202020204" pitchFamily="34" charset="0"/>
               </a:rPr>
               <a:t>Here is a (complete) R script to convert a counts table to relative abundance and write the results to a file</a:t>
             </a:r>
-            <a:endParaRPr lang="en-US" dirty="0">
-              <a:latin typeface="Arial" panose="020B0604020202020204" pitchFamily="34" charset="0"/>
-              <a:cs typeface="Arial" panose="020B0604020202020204" pitchFamily="34" charset="0"/>
-            </a:endParaRPr>
           </a:p>
         </p:txBody>
       </p:sp>
@@ -4034,13 +3983,6 @@
   <p:clrMapOvr>
     <a:masterClrMapping/>
   </p:clrMapOvr>
-  <p:timing>
-    <p:tnLst>
-      <p:par>
-        <p:cTn id="1" dur="indefinite" restart="never" nodeType="tmRoot"/>
-      </p:par>
-    </p:tnLst>
-  </p:timing>
 </p:sld>
 </file>
 
@@ -4084,16 +4026,12 @@
           <a:lstStyle/>
           <a:p>
             <a:r>
-              <a:rPr lang="en-US" dirty="0" smtClean="0">
+              <a:rPr lang="en-US" dirty="0">
                 <a:latin typeface="Arial" panose="020B0604020202020204" pitchFamily="34" charset="0"/>
                 <a:cs typeface="Arial" panose="020B0604020202020204" pitchFamily="34" charset="0"/>
               </a:rPr>
               <a:t>The first few lines input the file we wish to normalize</a:t>
             </a:r>
-            <a:endParaRPr lang="en-US" dirty="0">
-              <a:latin typeface="Arial" panose="020B0604020202020204" pitchFamily="34" charset="0"/>
-              <a:cs typeface="Arial" panose="020B0604020202020204" pitchFamily="34" charset="0"/>
-            </a:endParaRPr>
           </a:p>
         </p:txBody>
       </p:sp>
@@ -4131,13 +4069,6 @@
   <p:clrMapOvr>
     <a:masterClrMapping/>
   </p:clrMapOvr>
-  <p:timing>
-    <p:tnLst>
-      <p:par>
-        <p:cTn id="1" dur="indefinite" restart="never" nodeType="tmRoot"/>
-      </p:par>
-    </p:tnLst>
-  </p:timing>
 </p:sld>
 </file>
 
@@ -4205,7 +4136,7 @@
           <a:lstStyle/>
           <a:p>
             <a:r>
-              <a:rPr lang="en-US" dirty="0" smtClean="0">
+              <a:rPr lang="en-US" dirty="0">
                 <a:latin typeface="Arial" panose="020B0604020202020204" pitchFamily="34" charset="0"/>
                 <a:cs typeface="Arial" panose="020B0604020202020204" pitchFamily="34" charset="0"/>
               </a:rPr>
@@ -4214,14 +4145,14 @@
           </a:p>
           <a:p>
             <a:r>
-              <a:rPr lang="en-US" dirty="0" smtClean="0">
+              <a:rPr lang="en-US" dirty="0">
                 <a:latin typeface="Arial" panose="020B0604020202020204" pitchFamily="34" charset="0"/>
                 <a:cs typeface="Arial" panose="020B0604020202020204" pitchFamily="34" charset="0"/>
               </a:rPr>
               <a:t>                                                                 </a:t>
             </a:r>
             <a:r>
-              <a:rPr lang="en-US" dirty="0" smtClean="0">
+              <a:rPr lang="en-US" dirty="0">
                 <a:solidFill>
                   <a:srgbClr val="FF0000"/>
                 </a:solidFill>
@@ -4231,7 +4162,7 @@
               <a:t>edit(</a:t>
             </a:r>
             <a:r>
-              <a:rPr lang="en-US" dirty="0" err="1" smtClean="0">
+              <a:rPr lang="en-US" dirty="0" err="1">
                 <a:solidFill>
                   <a:srgbClr val="FF0000"/>
                 </a:solidFill>
@@ -4241,7 +4172,7 @@
               <a:t>myT</a:t>
             </a:r>
             <a:r>
-              <a:rPr lang="en-US" dirty="0" smtClean="0">
+              <a:rPr lang="en-US" dirty="0">
                 <a:solidFill>
                   <a:srgbClr val="FF0000"/>
                 </a:solidFill>
@@ -4250,13 +4181,6 @@
               </a:rPr>
               <a:t>)</a:t>
             </a:r>
-            <a:endParaRPr lang="en-US" dirty="0">
-              <a:solidFill>
-                <a:srgbClr val="FF0000"/>
-              </a:solidFill>
-              <a:latin typeface="Arial" panose="020B0604020202020204" pitchFamily="34" charset="0"/>
-              <a:cs typeface="Arial" panose="020B0604020202020204" pitchFamily="34" charset="0"/>
-            </a:endParaRPr>
           </a:p>
         </p:txBody>
       </p:sp>
@@ -4283,7 +4207,7 @@
           <a:lstStyle/>
           <a:p>
             <a:r>
-              <a:rPr lang="en-US" dirty="0" smtClean="0">
+              <a:rPr lang="en-US" dirty="0">
                 <a:latin typeface="Arial" panose="020B0604020202020204" pitchFamily="34" charset="0"/>
                 <a:cs typeface="Arial" panose="020B0604020202020204" pitchFamily="34" charset="0"/>
               </a:rPr>
@@ -4292,7 +4216,7 @@
           </a:p>
           <a:p>
             <a:r>
-              <a:rPr lang="en-US" dirty="0" smtClean="0">
+              <a:rPr lang="en-US" dirty="0">
                 <a:latin typeface="Arial" panose="020B0604020202020204" pitchFamily="34" charset="0"/>
                 <a:cs typeface="Arial" panose="020B0604020202020204" pitchFamily="34" charset="0"/>
               </a:rPr>
@@ -4307,7 +4231,7 @@
           </a:p>
           <a:p>
             <a:r>
-              <a:rPr lang="en-US" dirty="0" smtClean="0">
+              <a:rPr lang="en-US" dirty="0">
                 <a:latin typeface="Arial" panose="020B0604020202020204" pitchFamily="34" charset="0"/>
                 <a:cs typeface="Arial" panose="020B0604020202020204" pitchFamily="34" charset="0"/>
               </a:rPr>
@@ -4322,28 +4246,28 @@
           </a:p>
           <a:p>
             <a:r>
-              <a:rPr lang="en-US" dirty="0" err="1" smtClean="0">
+              <a:rPr lang="en-US" dirty="0" err="1">
                 <a:latin typeface="Arial" panose="020B0604020202020204" pitchFamily="34" charset="0"/>
                 <a:cs typeface="Arial" panose="020B0604020202020204" pitchFamily="34" charset="0"/>
               </a:rPr>
               <a:t>myT</a:t>
             </a:r>
             <a:r>
-              <a:rPr lang="en-US" dirty="0" smtClean="0">
+              <a:rPr lang="en-US" dirty="0">
                 <a:latin typeface="Arial" panose="020B0604020202020204" pitchFamily="34" charset="0"/>
                 <a:cs typeface="Arial" panose="020B0604020202020204" pitchFamily="34" charset="0"/>
               </a:rPr>
               <a:t> &lt;- edit(</a:t>
             </a:r>
             <a:r>
-              <a:rPr lang="en-US" dirty="0" err="1" smtClean="0">
+              <a:rPr lang="en-US" dirty="0" err="1">
                 <a:latin typeface="Arial" panose="020B0604020202020204" pitchFamily="34" charset="0"/>
                 <a:cs typeface="Arial" panose="020B0604020202020204" pitchFamily="34" charset="0"/>
               </a:rPr>
               <a:t>myT</a:t>
             </a:r>
             <a:r>
-              <a:rPr lang="en-US" dirty="0" smtClean="0">
+              <a:rPr lang="en-US" dirty="0">
                 <a:latin typeface="Arial" panose="020B0604020202020204" pitchFamily="34" charset="0"/>
                 <a:cs typeface="Arial" panose="020B0604020202020204" pitchFamily="34" charset="0"/>
               </a:rPr>
@@ -4358,7 +4282,7 @@
           </a:p>
           <a:p>
             <a:r>
-              <a:rPr lang="en-US" dirty="0" smtClean="0">
+              <a:rPr lang="en-US" dirty="0">
                 <a:latin typeface="Arial" panose="020B0604020202020204" pitchFamily="34" charset="0"/>
                 <a:cs typeface="Arial" panose="020B0604020202020204" pitchFamily="34" charset="0"/>
               </a:rPr>
@@ -4367,7 +4291,7 @@
           </a:p>
           <a:p>
             <a:r>
-              <a:rPr lang="en-US" dirty="0" smtClean="0">
+              <a:rPr lang="en-US" dirty="0">
                 <a:latin typeface="Arial" panose="020B0604020202020204" pitchFamily="34" charset="0"/>
                 <a:cs typeface="Arial" panose="020B0604020202020204" pitchFamily="34" charset="0"/>
               </a:rPr>
@@ -4376,7 +4300,7 @@
           </a:p>
           <a:p>
             <a:r>
-              <a:rPr lang="en-US" dirty="0" smtClean="0">
+              <a:rPr lang="en-US" dirty="0">
                 <a:latin typeface="Arial" panose="020B0604020202020204" pitchFamily="34" charset="0"/>
                 <a:cs typeface="Arial" panose="020B0604020202020204" pitchFamily="34" charset="0"/>
               </a:rPr>
@@ -4384,14 +4308,14 @@
             </a:r>
           </a:p>
           <a:p>
-            <a:endParaRPr lang="en-US" dirty="0" smtClean="0">
+            <a:endParaRPr lang="en-US" dirty="0">
               <a:latin typeface="Arial" panose="020B0604020202020204" pitchFamily="34" charset="0"/>
               <a:cs typeface="Arial" panose="020B0604020202020204" pitchFamily="34" charset="0"/>
             </a:endParaRPr>
           </a:p>
           <a:p>
             <a:r>
-              <a:rPr lang="en-US" dirty="0" smtClean="0">
+              <a:rPr lang="en-US" dirty="0">
                 <a:latin typeface="Arial" panose="020B0604020202020204" pitchFamily="34" charset="0"/>
                 <a:cs typeface="Arial" panose="020B0604020202020204" pitchFamily="34" charset="0"/>
               </a:rPr>
@@ -4400,7 +4324,7 @@
           </a:p>
           <a:p>
             <a:r>
-              <a:rPr lang="en-US" dirty="0" smtClean="0">
+              <a:rPr lang="en-US" dirty="0">
                 <a:latin typeface="Arial" panose="020B0604020202020204" pitchFamily="34" charset="0"/>
                 <a:cs typeface="Arial" panose="020B0604020202020204" pitchFamily="34" charset="0"/>
               </a:rPr>
@@ -4409,7 +4333,7 @@
           </a:p>
           <a:p>
             <a:r>
-              <a:rPr lang="en-US" dirty="0" smtClean="0">
+              <a:rPr lang="en-US" dirty="0">
                 <a:latin typeface="Arial" panose="020B0604020202020204" pitchFamily="34" charset="0"/>
                 <a:cs typeface="Arial" panose="020B0604020202020204" pitchFamily="34" charset="0"/>
               </a:rPr>
@@ -4417,7 +4341,7 @@
             </a:r>
           </a:p>
           <a:p>
-            <a:endParaRPr lang="en-US" dirty="0" smtClean="0">
+            <a:endParaRPr lang="en-US" dirty="0">
               <a:latin typeface="Arial" panose="020B0604020202020204" pitchFamily="34" charset="0"/>
               <a:cs typeface="Arial" panose="020B0604020202020204" pitchFamily="34" charset="0"/>
             </a:endParaRPr>
@@ -4434,13 +4358,6 @@
   <p:clrMapOvr>
     <a:masterClrMapping/>
   </p:clrMapOvr>
-  <p:timing>
-    <p:tnLst>
-      <p:par>
-        <p:cTn id="1" dur="indefinite" restart="never" nodeType="tmRoot"/>
-      </p:par>
-    </p:tnLst>
-  </p:timing>
 </p:sld>
 </file>
 
@@ -4484,7 +4401,7 @@
           <a:lstStyle/>
           <a:p>
             <a:r>
-              <a:rPr lang="en-US" dirty="0" smtClean="0">
+              <a:rPr lang="en-US" dirty="0">
                 <a:latin typeface="Arial" panose="020B0604020202020204" pitchFamily="34" charset="0"/>
                 <a:cs typeface="Arial" panose="020B0604020202020204" pitchFamily="34" charset="0"/>
               </a:rPr>
@@ -4500,28 +4417,28 @@
               <a:t>	</a:t>
             </a:r>
             <a:r>
-              <a:rPr lang="en-US" dirty="0" err="1" smtClean="0">
+              <a:rPr lang="en-US" dirty="0" err="1">
                 <a:latin typeface="Arial" panose="020B0604020202020204" pitchFamily="34" charset="0"/>
                 <a:cs typeface="Arial" panose="020B0604020202020204" pitchFamily="34" charset="0"/>
               </a:rPr>
               <a:t>rowSums</a:t>
             </a:r>
             <a:r>
-              <a:rPr lang="en-US" dirty="0" smtClean="0">
+              <a:rPr lang="en-US" dirty="0">
                 <a:latin typeface="Arial" panose="020B0604020202020204" pitchFamily="34" charset="0"/>
                 <a:cs typeface="Arial" panose="020B0604020202020204" pitchFamily="34" charset="0"/>
               </a:rPr>
               <a:t>(</a:t>
             </a:r>
             <a:r>
-              <a:rPr lang="en-US" dirty="0" err="1" smtClean="0">
+              <a:rPr lang="en-US" dirty="0" err="1">
                 <a:latin typeface="Arial" panose="020B0604020202020204" pitchFamily="34" charset="0"/>
                 <a:cs typeface="Arial" panose="020B0604020202020204" pitchFamily="34" charset="0"/>
               </a:rPr>
               <a:t>myT</a:t>
             </a:r>
             <a:r>
-              <a:rPr lang="en-US" dirty="0" smtClean="0">
+              <a:rPr lang="en-US" dirty="0">
                 <a:latin typeface="Arial" panose="020B0604020202020204" pitchFamily="34" charset="0"/>
                 <a:cs typeface="Arial" panose="020B0604020202020204" pitchFamily="34" charset="0"/>
               </a:rPr>
@@ -4536,16 +4453,12 @@
           </a:p>
           <a:p>
             <a:r>
-              <a:rPr lang="en-US" dirty="0" smtClean="0">
+              <a:rPr lang="en-US" dirty="0">
                 <a:latin typeface="Arial" panose="020B0604020202020204" pitchFamily="34" charset="0"/>
                 <a:cs typeface="Arial" panose="020B0604020202020204" pitchFamily="34" charset="0"/>
               </a:rPr>
               <a:t>R gives me the sequencing depth per sample</a:t>
             </a:r>
-            <a:endParaRPr lang="en-US" dirty="0">
-              <a:latin typeface="Arial" panose="020B0604020202020204" pitchFamily="34" charset="0"/>
-              <a:cs typeface="Arial" panose="020B0604020202020204" pitchFamily="34" charset="0"/>
-            </a:endParaRPr>
           </a:p>
         </p:txBody>
       </p:sp>
@@ -4583,13 +4496,6 @@
   <p:clrMapOvr>
     <a:masterClrMapping/>
   </p:clrMapOvr>
-  <p:timing>
-    <p:tnLst>
-      <p:par>
-        <p:cTn id="1" dur="indefinite" restart="never" nodeType="tmRoot"/>
-      </p:par>
-    </p:tnLst>
-  </p:timing>
 </p:sld>
 </file>
 
@@ -4633,7 +4539,7 @@
           <a:lstStyle/>
           <a:p>
             <a:r>
-              <a:rPr lang="en-US" dirty="0" smtClean="0">
+              <a:rPr lang="en-US" dirty="0">
                 <a:latin typeface="Arial" panose="020B0604020202020204" pitchFamily="34" charset="0"/>
                 <a:cs typeface="Arial" panose="020B0604020202020204" pitchFamily="34" charset="0"/>
               </a:rPr>
@@ -4649,42 +4555,42 @@
               <a:t>	</a:t>
             </a:r>
             <a:r>
-              <a:rPr lang="en-US" dirty="0" err="1" smtClean="0">
+              <a:rPr lang="en-US" dirty="0" err="1">
                 <a:latin typeface="Arial" panose="020B0604020202020204" pitchFamily="34" charset="0"/>
                 <a:cs typeface="Arial" panose="020B0604020202020204" pitchFamily="34" charset="0"/>
               </a:rPr>
               <a:t>hist</a:t>
             </a:r>
             <a:r>
-              <a:rPr lang="en-US" dirty="0" smtClean="0">
+              <a:rPr lang="en-US" dirty="0">
                 <a:latin typeface="Arial" panose="020B0604020202020204" pitchFamily="34" charset="0"/>
                 <a:cs typeface="Arial" panose="020B0604020202020204" pitchFamily="34" charset="0"/>
               </a:rPr>
               <a:t>(</a:t>
             </a:r>
             <a:r>
-              <a:rPr lang="en-US" dirty="0" err="1" smtClean="0">
+              <a:rPr lang="en-US" dirty="0" err="1">
                 <a:latin typeface="Arial" panose="020B0604020202020204" pitchFamily="34" charset="0"/>
                 <a:cs typeface="Arial" panose="020B0604020202020204" pitchFamily="34" charset="0"/>
               </a:rPr>
               <a:t>rowSums</a:t>
             </a:r>
             <a:r>
-              <a:rPr lang="en-US" dirty="0" smtClean="0">
+              <a:rPr lang="en-US" dirty="0">
                 <a:latin typeface="Arial" panose="020B0604020202020204" pitchFamily="34" charset="0"/>
                 <a:cs typeface="Arial" panose="020B0604020202020204" pitchFamily="34" charset="0"/>
               </a:rPr>
               <a:t>(</a:t>
             </a:r>
             <a:r>
-              <a:rPr lang="en-US" dirty="0" err="1" smtClean="0">
+              <a:rPr lang="en-US" dirty="0" err="1">
                 <a:latin typeface="Arial" panose="020B0604020202020204" pitchFamily="34" charset="0"/>
                 <a:cs typeface="Arial" panose="020B0604020202020204" pitchFamily="34" charset="0"/>
               </a:rPr>
               <a:t>myT</a:t>
             </a:r>
             <a:r>
-              <a:rPr lang="en-US" dirty="0" smtClean="0">
+              <a:rPr lang="en-US" dirty="0">
                 <a:latin typeface="Arial" panose="020B0604020202020204" pitchFamily="34" charset="0"/>
                 <a:cs typeface="Arial" panose="020B0604020202020204" pitchFamily="34" charset="0"/>
               </a:rPr>
@@ -4699,16 +4605,12 @@
           </a:p>
           <a:p>
             <a:r>
-              <a:rPr lang="en-US" dirty="0" smtClean="0">
+              <a:rPr lang="en-US" dirty="0">
                 <a:latin typeface="Arial" panose="020B0604020202020204" pitchFamily="34" charset="0"/>
                 <a:cs typeface="Arial" panose="020B0604020202020204" pitchFamily="34" charset="0"/>
               </a:rPr>
               <a:t>I get a nice graphic of my sequencing depth per sample.  Very easy, informative QA/QC</a:t>
             </a:r>
-            <a:endParaRPr lang="en-US" dirty="0">
-              <a:latin typeface="Arial" panose="020B0604020202020204" pitchFamily="34" charset="0"/>
-              <a:cs typeface="Arial" panose="020B0604020202020204" pitchFamily="34" charset="0"/>
-            </a:endParaRPr>
           </a:p>
         </p:txBody>
       </p:sp>
@@ -4746,13 +4648,6 @@
   <p:clrMapOvr>
     <a:masterClrMapping/>
   </p:clrMapOvr>
-  <p:timing>
-    <p:tnLst>
-      <p:par>
-        <p:cTn id="1" dur="indefinite" restart="never" nodeType="tmRoot"/>
-      </p:par>
-    </p:tnLst>
-  </p:timing>
 </p:sld>
 </file>
 
@@ -4820,16 +4715,12 @@
           <a:lstStyle/>
           <a:p>
             <a:r>
-              <a:rPr lang="en-US" dirty="0" smtClean="0">
+              <a:rPr lang="en-US" dirty="0">
                 <a:latin typeface="Arial" panose="020B0604020202020204" pitchFamily="34" charset="0"/>
                 <a:cs typeface="Arial" panose="020B0604020202020204" pitchFamily="34" charset="0"/>
               </a:rPr>
               <a:t>Alternatively, I can easily switch to a log scale…</a:t>
             </a:r>
-            <a:endParaRPr lang="en-US" dirty="0">
-              <a:latin typeface="Arial" panose="020B0604020202020204" pitchFamily="34" charset="0"/>
-              <a:cs typeface="Arial" panose="020B0604020202020204" pitchFamily="34" charset="0"/>
-            </a:endParaRPr>
           </a:p>
         </p:txBody>
       </p:sp>
@@ -4843,13 +4734,6 @@
   <p:clrMapOvr>
     <a:masterClrMapping/>
   </p:clrMapOvr>
-  <p:timing>
-    <p:tnLst>
-      <p:par>
-        <p:cTn id="1" dur="indefinite" restart="never" nodeType="tmRoot"/>
-      </p:par>
-    </p:tnLst>
-  </p:timing>
 </p:sld>
 </file>
 
@@ -4893,30 +4777,26 @@
           <a:lstStyle/>
           <a:p>
             <a:r>
-              <a:rPr lang="en-US" dirty="0" smtClean="0">
+              <a:rPr lang="en-US" dirty="0">
                 <a:latin typeface="Arial" panose="020B0604020202020204" pitchFamily="34" charset="0"/>
                 <a:cs typeface="Arial" panose="020B0604020202020204" pitchFamily="34" charset="0"/>
               </a:rPr>
               <a:t>I can use the </a:t>
             </a:r>
             <a:r>
-              <a:rPr lang="en-US" dirty="0" err="1" smtClean="0">
+              <a:rPr lang="en-US" dirty="0" err="1">
                 <a:latin typeface="Arial" panose="020B0604020202020204" pitchFamily="34" charset="0"/>
                 <a:cs typeface="Arial" panose="020B0604020202020204" pitchFamily="34" charset="0"/>
               </a:rPr>
               <a:t>rowSums</a:t>
             </a:r>
             <a:r>
-              <a:rPr lang="en-US" dirty="0" smtClean="0">
+              <a:rPr lang="en-US" dirty="0">
                 <a:latin typeface="Arial" panose="020B0604020202020204" pitchFamily="34" charset="0"/>
                 <a:cs typeface="Arial" panose="020B0604020202020204" pitchFamily="34" charset="0"/>
               </a:rPr>
               <a:t> directly to switch to relative abundance </a:t>
             </a:r>
-            <a:endParaRPr lang="en-US" dirty="0">
-              <a:latin typeface="Arial" panose="020B0604020202020204" pitchFamily="34" charset="0"/>
-              <a:cs typeface="Arial" panose="020B0604020202020204" pitchFamily="34" charset="0"/>
-            </a:endParaRPr>
           </a:p>
         </p:txBody>
       </p:sp>
@@ -4954,13 +4834,6 @@
   <p:clrMapOvr>
     <a:masterClrMapping/>
   </p:clrMapOvr>
-  <p:timing>
-    <p:tnLst>
-      <p:par>
-        <p:cTn id="1" dur="indefinite" restart="never" nodeType="tmRoot"/>
-      </p:par>
-    </p:tnLst>
-  </p:timing>
 </p:sld>
 </file>
 
@@ -5028,44 +4901,40 @@
           <a:lstStyle/>
           <a:p>
             <a:r>
-              <a:rPr lang="en-US" dirty="0" smtClean="0">
+              <a:rPr lang="en-US" dirty="0">
                 <a:latin typeface="Arial" panose="020B0604020202020204" pitchFamily="34" charset="0"/>
                 <a:cs typeface="Arial" panose="020B0604020202020204" pitchFamily="34" charset="0"/>
               </a:rPr>
               <a:t>The </a:t>
             </a:r>
             <a:r>
-              <a:rPr lang="en-US" dirty="0" err="1" smtClean="0">
+              <a:rPr lang="en-US" dirty="0" err="1">
                 <a:latin typeface="Arial" panose="020B0604020202020204" pitchFamily="34" charset="0"/>
                 <a:cs typeface="Arial" panose="020B0604020202020204" pitchFamily="34" charset="0"/>
               </a:rPr>
               <a:t>rowSums</a:t>
             </a:r>
             <a:r>
-              <a:rPr lang="en-US" dirty="0" smtClean="0">
+              <a:rPr lang="en-US" dirty="0">
                 <a:latin typeface="Arial" panose="020B0604020202020204" pitchFamily="34" charset="0"/>
                 <a:cs typeface="Arial" panose="020B0604020202020204" pitchFamily="34" charset="0"/>
               </a:rPr>
               <a:t> on </a:t>
             </a:r>
             <a:r>
-              <a:rPr lang="en-US" dirty="0" err="1" smtClean="0">
+              <a:rPr lang="en-US" dirty="0" err="1">
                 <a:latin typeface="Arial" panose="020B0604020202020204" pitchFamily="34" charset="0"/>
                 <a:cs typeface="Arial" panose="020B0604020202020204" pitchFamily="34" charset="0"/>
               </a:rPr>
               <a:t>myTNorm</a:t>
             </a:r>
             <a:r>
-              <a:rPr lang="en-US" dirty="0" smtClean="0">
+              <a:rPr lang="en-US" dirty="0">
                 <a:latin typeface="Arial" panose="020B0604020202020204" pitchFamily="34" charset="0"/>
                 <a:cs typeface="Arial" panose="020B0604020202020204" pitchFamily="34" charset="0"/>
               </a:rPr>
               <a:t> should all be 1 (and they are)</a:t>
             </a:r>
-            <a:endParaRPr lang="en-US" dirty="0">
-              <a:latin typeface="Arial" panose="020B0604020202020204" pitchFamily="34" charset="0"/>
-              <a:cs typeface="Arial" panose="020B0604020202020204" pitchFamily="34" charset="0"/>
-            </a:endParaRPr>
           </a:p>
         </p:txBody>
       </p:sp>
@@ -5079,13 +4948,6 @@
   <p:clrMapOvr>
     <a:masterClrMapping/>
   </p:clrMapOvr>
-  <p:timing>
-    <p:tnLst>
-      <p:par>
-        <p:cTn id="1" dur="indefinite" restart="never" nodeType="tmRoot"/>
-      </p:par>
-    </p:tnLst>
-  </p:timing>
 </p:sld>
 </file>
 
@@ -5129,7 +4991,7 @@
           <a:lstStyle/>
           <a:p>
             <a:r>
-              <a:rPr lang="en-US" dirty="0" smtClean="0">
+              <a:rPr lang="en-US" dirty="0">
                 <a:latin typeface="Arial" panose="020B0604020202020204" pitchFamily="34" charset="0"/>
                 <a:cs typeface="Arial" panose="020B0604020202020204" pitchFamily="34" charset="0"/>
               </a:rPr>
@@ -5144,7 +5006,7 @@
           </a:p>
           <a:p>
             <a:r>
-              <a:rPr lang="en-US" dirty="0" smtClean="0">
+              <a:rPr lang="en-US" dirty="0">
                 <a:latin typeface="Arial" panose="020B0604020202020204" pitchFamily="34" charset="0"/>
                 <a:cs typeface="Arial" panose="020B0604020202020204" pitchFamily="34" charset="0"/>
               </a:rPr>
@@ -5157,14 +5019,7 @@
                 <a:latin typeface="Arial" panose="020B0604020202020204" pitchFamily="34" charset="0"/>
                 <a:cs typeface="Arial" panose="020B0604020202020204" pitchFamily="34" charset="0"/>
               </a:rPr>
-              <a:t>	</a:t>
-            </a:r>
-            <a:r>
-              <a:rPr lang="en-US" dirty="0" smtClean="0">
-                <a:latin typeface="Arial" panose="020B0604020202020204" pitchFamily="34" charset="0"/>
-                <a:cs typeface="Arial" panose="020B0604020202020204" pitchFamily="34" charset="0"/>
-              </a:rPr>
-              <a:t>Some text editor (sublime is a very nice choice, or e-macs or vi or r-studio)</a:t>
+              <a:t>	Some text editor (sublime is a very nice choice, or e-macs or vi or r-studio)</a:t>
             </a:r>
           </a:p>
           <a:p>
@@ -5175,16 +5030,12 @@
           </a:p>
           <a:p>
             <a:r>
-              <a:rPr lang="en-US" dirty="0" smtClean="0">
+              <a:rPr lang="en-US" dirty="0">
                 <a:latin typeface="Arial" panose="020B0604020202020204" pitchFamily="34" charset="0"/>
                 <a:cs typeface="Arial" panose="020B0604020202020204" pitchFamily="34" charset="0"/>
               </a:rPr>
               <a:t>	 </a:t>
             </a:r>
-            <a:endParaRPr lang="en-US" dirty="0">
-              <a:latin typeface="Arial" panose="020B0604020202020204" pitchFamily="34" charset="0"/>
-              <a:cs typeface="Arial" panose="020B0604020202020204" pitchFamily="34" charset="0"/>
-            </a:endParaRPr>
           </a:p>
         </p:txBody>
       </p:sp>
@@ -5198,13 +5049,6 @@
   <p:clrMapOvr>
     <a:masterClrMapping/>
   </p:clrMapOvr>
-  <p:timing>
-    <p:tnLst>
-      <p:par>
-        <p:cTn id="1" dur="indefinite" restart="never" nodeType="tmRoot"/>
-      </p:par>
-    </p:tnLst>
-  </p:timing>
 </p:sld>
 </file>
 
@@ -5248,23 +5092,19 @@
           <a:lstStyle/>
           <a:p>
             <a:r>
-              <a:rPr lang="en-US" dirty="0" err="1" smtClean="0">
+              <a:rPr lang="en-US" dirty="0" err="1">
                 <a:latin typeface="Arial" panose="020B0604020202020204" pitchFamily="34" charset="0"/>
                 <a:cs typeface="Arial" panose="020B0604020202020204" pitchFamily="34" charset="0"/>
               </a:rPr>
               <a:t>myTNorm</a:t>
             </a:r>
             <a:r>
-              <a:rPr lang="en-US" dirty="0" smtClean="0">
+              <a:rPr lang="en-US" dirty="0">
                 <a:latin typeface="Arial" panose="020B0604020202020204" pitchFamily="34" charset="0"/>
                 <a:cs typeface="Arial" panose="020B0604020202020204" pitchFamily="34" charset="0"/>
               </a:rPr>
               <a:t> is now in relative abundance</a:t>
             </a:r>
-            <a:endParaRPr lang="en-US" dirty="0">
-              <a:latin typeface="Arial" panose="020B0604020202020204" pitchFamily="34" charset="0"/>
-              <a:cs typeface="Arial" panose="020B0604020202020204" pitchFamily="34" charset="0"/>
-            </a:endParaRPr>
           </a:p>
         </p:txBody>
       </p:sp>
@@ -5302,13 +5142,6 @@
   <p:clrMapOvr>
     <a:masterClrMapping/>
   </p:clrMapOvr>
-  <p:timing>
-    <p:tnLst>
-      <p:par>
-        <p:cTn id="1" dur="indefinite" restart="never" nodeType="tmRoot"/>
-      </p:par>
-    </p:tnLst>
-  </p:timing>
 </p:sld>
 </file>
 
@@ -5352,7 +5185,7 @@
           <a:lstStyle/>
           <a:p>
             <a:r>
-              <a:rPr lang="en-US" dirty="0" smtClean="0">
+              <a:rPr lang="en-US" dirty="0">
                 <a:latin typeface="Arial" panose="020B0604020202020204" pitchFamily="34" charset="0"/>
                 <a:cs typeface="Arial" panose="020B0604020202020204" pitchFamily="34" charset="0"/>
               </a:rPr>
@@ -5361,7 +5194,7 @@
           </a:p>
           <a:p>
             <a:r>
-              <a:rPr lang="en-US" dirty="0" smtClean="0">
+              <a:rPr lang="en-US" dirty="0">
                 <a:latin typeface="Arial" panose="020B0604020202020204" pitchFamily="34" charset="0"/>
                 <a:cs typeface="Arial" panose="020B0604020202020204" pitchFamily="34" charset="0"/>
               </a:rPr>
@@ -5370,16 +5203,12 @@
           </a:p>
           <a:p>
             <a:r>
-              <a:rPr lang="en-US" dirty="0" smtClean="0">
+              <a:rPr lang="en-US" dirty="0">
                 <a:latin typeface="Arial" panose="020B0604020202020204" pitchFamily="34" charset="0"/>
                 <a:cs typeface="Arial" panose="020B0604020202020204" pitchFamily="34" charset="0"/>
               </a:rPr>
               <a:t>(learning R is mostly learning stupid R tricks…)</a:t>
             </a:r>
-            <a:endParaRPr lang="en-US" dirty="0">
-              <a:latin typeface="Arial" panose="020B0604020202020204" pitchFamily="34" charset="0"/>
-              <a:cs typeface="Arial" panose="020B0604020202020204" pitchFamily="34" charset="0"/>
-            </a:endParaRPr>
           </a:p>
         </p:txBody>
       </p:sp>
@@ -5496,21 +5325,21 @@
           <a:lstStyle/>
           <a:p>
             <a:r>
-              <a:rPr lang="en-US" dirty="0" smtClean="0">
+              <a:rPr lang="en-US" dirty="0">
                 <a:latin typeface="Arial" panose="020B0604020202020204" pitchFamily="34" charset="0"/>
                 <a:cs typeface="Arial" panose="020B0604020202020204" pitchFamily="34" charset="0"/>
               </a:rPr>
               <a:t>R by default will not give the </a:t>
             </a:r>
             <a:r>
-              <a:rPr lang="en-US" dirty="0" err="1" smtClean="0">
+              <a:rPr lang="en-US" dirty="0" err="1">
                 <a:latin typeface="Arial" panose="020B0604020202020204" pitchFamily="34" charset="0"/>
                 <a:cs typeface="Arial" panose="020B0604020202020204" pitchFamily="34" charset="0"/>
               </a:rPr>
               <a:t>sampleIDs</a:t>
             </a:r>
             <a:r>
-              <a:rPr lang="en-US" dirty="0" smtClean="0">
+              <a:rPr lang="en-US" dirty="0">
                 <a:latin typeface="Arial" panose="020B0604020202020204" pitchFamily="34" charset="0"/>
                 <a:cs typeface="Arial" panose="020B0604020202020204" pitchFamily="34" charset="0"/>
               </a:rPr>
@@ -5519,7 +5348,7 @@
           </a:p>
           <a:p>
             <a:r>
-              <a:rPr lang="en-US" dirty="0" smtClean="0">
+              <a:rPr lang="en-US" dirty="0">
                 <a:latin typeface="Arial" panose="020B0604020202020204" pitchFamily="34" charset="0"/>
                 <a:cs typeface="Arial" panose="020B0604020202020204" pitchFamily="34" charset="0"/>
               </a:rPr>
@@ -5528,16 +5357,12 @@
           </a:p>
           <a:p>
             <a:r>
-              <a:rPr lang="en-US" dirty="0" smtClean="0">
+              <a:rPr lang="en-US" dirty="0">
                 <a:latin typeface="Arial" panose="020B0604020202020204" pitchFamily="34" charset="0"/>
                 <a:cs typeface="Arial" panose="020B0604020202020204" pitchFamily="34" charset="0"/>
               </a:rPr>
               <a:t>This hacks around that default behavior</a:t>
             </a:r>
-            <a:endParaRPr lang="en-US" dirty="0">
-              <a:latin typeface="Arial" panose="020B0604020202020204" pitchFamily="34" charset="0"/>
-              <a:cs typeface="Arial" panose="020B0604020202020204" pitchFamily="34" charset="0"/>
-            </a:endParaRPr>
           </a:p>
         </p:txBody>
       </p:sp>
@@ -5551,13 +5376,6 @@
   <p:clrMapOvr>
     <a:masterClrMapping/>
   </p:clrMapOvr>
-  <p:timing>
-    <p:tnLst>
-      <p:par>
-        <p:cTn id="1" dur="indefinite" restart="never" nodeType="tmRoot"/>
-      </p:par>
-    </p:tnLst>
-  </p:timing>
 </p:sld>
 </file>
 
@@ -5601,16 +5419,12 @@
           <a:lstStyle/>
           <a:p>
             <a:r>
-              <a:rPr lang="en-US" dirty="0" smtClean="0">
+              <a:rPr lang="en-US" dirty="0">
                 <a:latin typeface="Arial" panose="020B0604020202020204" pitchFamily="34" charset="0"/>
                 <a:cs typeface="Arial" panose="020B0604020202020204" pitchFamily="34" charset="0"/>
               </a:rPr>
               <a:t>We end up with a text file in our working directory that can be imported into Excel (or wherever) </a:t>
             </a:r>
-            <a:endParaRPr lang="en-US" dirty="0">
-              <a:latin typeface="Arial" panose="020B0604020202020204" pitchFamily="34" charset="0"/>
-              <a:cs typeface="Arial" panose="020B0604020202020204" pitchFamily="34" charset="0"/>
-            </a:endParaRPr>
           </a:p>
         </p:txBody>
       </p:sp>
@@ -5648,13 +5462,6 @@
   <p:clrMapOvr>
     <a:masterClrMapping/>
   </p:clrMapOvr>
-  <p:timing>
-    <p:tnLst>
-      <p:par>
-        <p:cTn id="1" dur="indefinite" restart="never" nodeType="tmRoot"/>
-      </p:par>
-    </p:tnLst>
-  </p:timing>
 </p:sld>
 </file>
 
@@ -5698,7 +5505,7 @@
           <a:lstStyle/>
           <a:p>
             <a:r>
-              <a:rPr lang="en-US" dirty="0" smtClean="0">
+              <a:rPr lang="en-US" dirty="0">
                 <a:latin typeface="Arial" panose="020B0604020202020204" pitchFamily="34" charset="0"/>
                 <a:cs typeface="Arial" panose="020B0604020202020204" pitchFamily="34" charset="0"/>
               </a:rPr>
@@ -5707,7 +5514,7 @@
           </a:p>
           <a:p>
             <a:r>
-              <a:rPr lang="en-US" dirty="0" smtClean="0">
+              <a:rPr lang="en-US" dirty="0">
                 <a:latin typeface="Arial" panose="020B0604020202020204" pitchFamily="34" charset="0"/>
                 <a:cs typeface="Arial" panose="020B0604020202020204" pitchFamily="34" charset="0"/>
               </a:rPr>
@@ -5716,7 +5523,7 @@
           </a:p>
           <a:p>
             <a:r>
-              <a:rPr lang="en-US" dirty="0" smtClean="0">
+              <a:rPr lang="en-US" dirty="0">
                 <a:latin typeface="Arial" panose="020B0604020202020204" pitchFamily="34" charset="0"/>
                 <a:cs typeface="Arial" panose="020B0604020202020204" pitchFamily="34" charset="0"/>
               </a:rPr>
@@ -5725,7 +5532,7 @@
           </a:p>
           <a:p>
             <a:r>
-              <a:rPr lang="en-US" dirty="0" smtClean="0">
+              <a:rPr lang="en-US" dirty="0">
                 <a:latin typeface="Arial" panose="020B0604020202020204" pitchFamily="34" charset="0"/>
                 <a:cs typeface="Arial" panose="020B0604020202020204" pitchFamily="34" charset="0"/>
               </a:rPr>
@@ -5734,16 +5541,12 @@
           </a:p>
           <a:p>
             <a:r>
-              <a:rPr lang="en-US" dirty="0" smtClean="0">
+              <a:rPr lang="en-US" dirty="0">
                 <a:latin typeface="Arial" panose="020B0604020202020204" pitchFamily="34" charset="0"/>
                 <a:cs typeface="Arial" panose="020B0604020202020204" pitchFamily="34" charset="0"/>
               </a:rPr>
               <a:t>Some Not So Simple Statistical Models</a:t>
             </a:r>
-            <a:endParaRPr lang="en-US" dirty="0">
-              <a:latin typeface="Arial" panose="020B0604020202020204" pitchFamily="34" charset="0"/>
-              <a:cs typeface="Arial" panose="020B0604020202020204" pitchFamily="34" charset="0"/>
-            </a:endParaRPr>
           </a:p>
         </p:txBody>
       </p:sp>
@@ -5790,13 +5593,1097 @@
   <p:clrMapOvr>
     <a:masterClrMapping/>
   </p:clrMapOvr>
-  <p:timing>
-    <p:tnLst>
-      <p:par>
-        <p:cTn id="1" dur="indefinite" restart="never" nodeType="tmRoot"/>
-      </p:par>
-    </p:tnLst>
-  </p:timing>
+</p:sld>
+</file>
+
+<file path=ppt/slides/slide24.xml><?xml version="1.0" encoding="utf-8"?>
+<p:sld xmlns:a="http://schemas.openxmlformats.org/drawingml/2006/main" xmlns:r="http://schemas.openxmlformats.org/officeDocument/2006/relationships" xmlns:p="http://schemas.openxmlformats.org/presentationml/2006/main">
+  <p:cSld>
+    <p:spTree>
+      <p:nvGrpSpPr>
+        <p:cNvPr id="1" name=""/>
+        <p:cNvGrpSpPr/>
+        <p:nvPr/>
+      </p:nvGrpSpPr>
+      <p:grpSpPr>
+        <a:xfrm>
+          <a:off x="0" y="0"/>
+          <a:ext cx="0" cy="0"/>
+          <a:chOff x="0" y="0"/>
+          <a:chExt cx="0" cy="0"/>
+        </a:xfrm>
+      </p:grpSpPr>
+      <p:pic>
+        <p:nvPicPr>
+          <p:cNvPr id="13" name="Picture 12">
+            <a:extLst>
+              <a:ext uri="{FF2B5EF4-FFF2-40B4-BE49-F238E27FC236}">
+                <a16:creationId xmlns:a16="http://schemas.microsoft.com/office/drawing/2014/main" id="{861BF19F-1EB0-45B6-B089-948953DD5D49}"/>
+              </a:ext>
+            </a:extLst>
+          </p:cNvPr>
+          <p:cNvPicPr>
+            <a:picLocks noChangeAspect="1"/>
+          </p:cNvPicPr>
+          <p:nvPr/>
+        </p:nvPicPr>
+        <p:blipFill>
+          <a:blip r:embed="rId2"/>
+          <a:stretch>
+            <a:fillRect/>
+          </a:stretch>
+        </p:blipFill>
+        <p:spPr>
+          <a:xfrm>
+            <a:off x="191143" y="1500930"/>
+            <a:ext cx="11360458" cy="3325989"/>
+          </a:xfrm>
+          <a:prstGeom prst="rect">
+            <a:avLst/>
+          </a:prstGeom>
+        </p:spPr>
+      </p:pic>
+      <p:cxnSp>
+        <p:nvCxnSpPr>
+          <p:cNvPr id="3" name="Straight Arrow Connector 2">
+            <a:extLst>
+              <a:ext uri="{FF2B5EF4-FFF2-40B4-BE49-F238E27FC236}">
+                <a16:creationId xmlns:a16="http://schemas.microsoft.com/office/drawing/2014/main" id="{149BFB8E-2A25-402C-9FA7-3B466AA46606}"/>
+              </a:ext>
+            </a:extLst>
+          </p:cNvPr>
+          <p:cNvCxnSpPr/>
+          <p:nvPr/>
+        </p:nvCxnSpPr>
+        <p:spPr>
+          <a:xfrm>
+            <a:off x="4168239" y="1140031"/>
+            <a:ext cx="7327075" cy="0"/>
+          </a:xfrm>
+          <a:prstGeom prst="straightConnector1">
+            <a:avLst/>
+          </a:prstGeom>
+          <a:ln>
+            <a:tailEnd type="triangle"/>
+          </a:ln>
+        </p:spPr>
+        <p:style>
+          <a:lnRef idx="1">
+            <a:schemeClr val="accent1"/>
+          </a:lnRef>
+          <a:fillRef idx="0">
+            <a:schemeClr val="accent1"/>
+          </a:fillRef>
+          <a:effectRef idx="0">
+            <a:schemeClr val="accent1"/>
+          </a:effectRef>
+          <a:fontRef idx="minor">
+            <a:schemeClr val="tx1"/>
+          </a:fontRef>
+        </p:style>
+      </p:cxnSp>
+      <p:sp>
+        <p:nvSpPr>
+          <p:cNvPr id="4" name="TextBox 3">
+            <a:extLst>
+              <a:ext uri="{FF2B5EF4-FFF2-40B4-BE49-F238E27FC236}">
+                <a16:creationId xmlns:a16="http://schemas.microsoft.com/office/drawing/2014/main" id="{062A75D9-CED7-4ACB-9A87-E42C520A3664}"/>
+              </a:ext>
+            </a:extLst>
+          </p:cNvPr>
+          <p:cNvSpPr txBox="1"/>
+          <p:nvPr/>
+        </p:nvSpPr>
+        <p:spPr>
+          <a:xfrm>
+            <a:off x="4833256" y="320634"/>
+            <a:ext cx="4814138" cy="646331"/>
+          </a:xfrm>
+          <a:prstGeom prst="rect">
+            <a:avLst/>
+          </a:prstGeom>
+          <a:noFill/>
+        </p:spPr>
+        <p:txBody>
+          <a:bodyPr wrap="none" rtlCol="0">
+            <a:spAutoFit/>
+          </a:bodyPr>
+          <a:lstStyle/>
+          <a:p>
+            <a:r>
+              <a:rPr lang="en-US" dirty="0">
+                <a:latin typeface="Arial" panose="020B0604020202020204" pitchFamily="34" charset="0"/>
+                <a:cs typeface="Arial" panose="020B0604020202020204" pitchFamily="34" charset="0"/>
+              </a:rPr>
+              <a:t>There are about 340 taxa in our spreadsheet.</a:t>
+            </a:r>
+          </a:p>
+          <a:p>
+            <a:r>
+              <a:rPr lang="en-US" dirty="0">
+                <a:latin typeface="Arial" panose="020B0604020202020204" pitchFamily="34" charset="0"/>
+                <a:cs typeface="Arial" panose="020B0604020202020204" pitchFamily="34" charset="0"/>
+              </a:rPr>
+              <a:t>We can’t make a 340 dimensional graph</a:t>
+            </a:r>
+          </a:p>
+        </p:txBody>
+      </p:sp>
+      <p:sp>
+        <p:nvSpPr>
+          <p:cNvPr id="8" name="TextBox 7">
+            <a:extLst>
+              <a:ext uri="{FF2B5EF4-FFF2-40B4-BE49-F238E27FC236}">
+                <a16:creationId xmlns:a16="http://schemas.microsoft.com/office/drawing/2014/main" id="{872D37BF-3878-40F5-807F-FD4643143FA2}"/>
+              </a:ext>
+            </a:extLst>
+          </p:cNvPr>
+          <p:cNvSpPr txBox="1"/>
+          <p:nvPr/>
+        </p:nvSpPr>
+        <p:spPr>
+          <a:xfrm>
+            <a:off x="1591294" y="5106390"/>
+            <a:ext cx="8644354" cy="369332"/>
+          </a:xfrm>
+          <a:prstGeom prst="rect">
+            <a:avLst/>
+          </a:prstGeom>
+          <a:noFill/>
+        </p:spPr>
+        <p:txBody>
+          <a:bodyPr wrap="none" rtlCol="0">
+            <a:spAutoFit/>
+          </a:bodyPr>
+          <a:lstStyle/>
+          <a:p>
+            <a:r>
+              <a:rPr lang="en-US" dirty="0">
+                <a:latin typeface="Arial" panose="020B0604020202020204" pitchFamily="34" charset="0"/>
+                <a:cs typeface="Arial" panose="020B0604020202020204" pitchFamily="34" charset="0"/>
+              </a:rPr>
+              <a:t>We can use ordination to reduce the dimensionality (and complexity of our dataset)</a:t>
+            </a:r>
+          </a:p>
+        </p:txBody>
+      </p:sp>
+    </p:spTree>
+    <p:extLst>
+      <p:ext uri="{BB962C8B-B14F-4D97-AF65-F5344CB8AC3E}">
+        <p14:creationId xmlns:p14="http://schemas.microsoft.com/office/powerpoint/2010/main" val="2918938680"/>
+      </p:ext>
+    </p:extLst>
+  </p:cSld>
+  <p:clrMapOvr>
+    <a:masterClrMapping/>
+  </p:clrMapOvr>
+</p:sld>
+</file>
+
+<file path=ppt/slides/slide25.xml><?xml version="1.0" encoding="utf-8"?>
+<p:sld xmlns:a="http://schemas.openxmlformats.org/drawingml/2006/main" xmlns:r="http://schemas.openxmlformats.org/officeDocument/2006/relationships" xmlns:p="http://schemas.openxmlformats.org/presentationml/2006/main">
+  <p:cSld>
+    <p:spTree>
+      <p:nvGrpSpPr>
+        <p:cNvPr id="1" name=""/>
+        <p:cNvGrpSpPr/>
+        <p:nvPr/>
+      </p:nvGrpSpPr>
+      <p:grpSpPr>
+        <a:xfrm>
+          <a:off x="0" y="0"/>
+          <a:ext cx="0" cy="0"/>
+          <a:chOff x="0" y="0"/>
+          <a:chExt cx="0" cy="0"/>
+        </a:xfrm>
+      </p:grpSpPr>
+      <p:sp>
+        <p:nvSpPr>
+          <p:cNvPr id="4" name="TextBox 3"/>
+          <p:cNvSpPr txBox="1"/>
+          <p:nvPr/>
+        </p:nvSpPr>
+        <p:spPr>
+          <a:xfrm>
+            <a:off x="713984" y="263047"/>
+            <a:ext cx="7785145" cy="1477328"/>
+          </a:xfrm>
+          <a:prstGeom prst="rect">
+            <a:avLst/>
+          </a:prstGeom>
+          <a:noFill/>
+        </p:spPr>
+        <p:txBody>
+          <a:bodyPr wrap="none" rtlCol="0">
+            <a:spAutoFit/>
+          </a:bodyPr>
+          <a:lstStyle/>
+          <a:p>
+            <a:r>
+              <a:rPr lang="en-US" dirty="0">
+                <a:latin typeface="Arial" panose="020B0604020202020204" pitchFamily="34" charset="0"/>
+                <a:cs typeface="Arial" panose="020B0604020202020204" pitchFamily="34" charset="0"/>
+              </a:rPr>
+              <a:t>We can use </a:t>
+            </a:r>
+            <a:r>
+              <a:rPr lang="en-US" dirty="0">
+                <a:solidFill>
+                  <a:srgbClr val="FF0000"/>
+                </a:solidFill>
+                <a:latin typeface="Arial" panose="020B0604020202020204" pitchFamily="34" charset="0"/>
+                <a:cs typeface="Arial" panose="020B0604020202020204" pitchFamily="34" charset="0"/>
+              </a:rPr>
+              <a:t>ordination</a:t>
+            </a:r>
+            <a:r>
+              <a:rPr lang="en-US" dirty="0">
+                <a:latin typeface="Arial" panose="020B0604020202020204" pitchFamily="34" charset="0"/>
+                <a:cs typeface="Arial" panose="020B0604020202020204" pitchFamily="34" charset="0"/>
+              </a:rPr>
+              <a:t> to reduce the dimensionality of our complex data</a:t>
+            </a:r>
+          </a:p>
+          <a:p>
+            <a:endParaRPr lang="en-US" dirty="0">
+              <a:latin typeface="Arial" panose="020B0604020202020204" pitchFamily="34" charset="0"/>
+              <a:cs typeface="Arial" panose="020B0604020202020204" pitchFamily="34" charset="0"/>
+            </a:endParaRPr>
+          </a:p>
+          <a:p>
+            <a:r>
+              <a:rPr lang="en-US" dirty="0">
+                <a:latin typeface="Arial" panose="020B0604020202020204" pitchFamily="34" charset="0"/>
+                <a:cs typeface="Arial" panose="020B0604020202020204" pitchFamily="34" charset="0"/>
+              </a:rPr>
+              <a:t>We can go from a  (20 * 340 ) spreadsheet to a ( 20* 2 ) spreadsheet.</a:t>
+            </a:r>
+          </a:p>
+          <a:p>
+            <a:endParaRPr lang="en-US" dirty="0">
+              <a:latin typeface="Arial" panose="020B0604020202020204" pitchFamily="34" charset="0"/>
+              <a:cs typeface="Arial" panose="020B0604020202020204" pitchFamily="34" charset="0"/>
+            </a:endParaRPr>
+          </a:p>
+          <a:p>
+            <a:r>
+              <a:rPr lang="en-US" dirty="0">
+                <a:latin typeface="Arial" panose="020B0604020202020204" pitchFamily="34" charset="0"/>
+                <a:cs typeface="Arial" panose="020B0604020202020204" pitchFamily="34" charset="0"/>
+              </a:rPr>
+              <a:t>This will allow us to better </a:t>
+            </a:r>
+            <a:r>
+              <a:rPr lang="en-US" dirty="0">
+                <a:solidFill>
+                  <a:srgbClr val="FF0000"/>
+                </a:solidFill>
+                <a:latin typeface="Arial" panose="020B0604020202020204" pitchFamily="34" charset="0"/>
+                <a:cs typeface="Arial" panose="020B0604020202020204" pitchFamily="34" charset="0"/>
+              </a:rPr>
+              <a:t>see</a:t>
+            </a:r>
+            <a:r>
+              <a:rPr lang="en-US" dirty="0">
+                <a:latin typeface="Arial" panose="020B0604020202020204" pitchFamily="34" charset="0"/>
+                <a:cs typeface="Arial" panose="020B0604020202020204" pitchFamily="34" charset="0"/>
+              </a:rPr>
+              <a:t> what is going on with our data… </a:t>
+            </a:r>
+          </a:p>
+        </p:txBody>
+      </p:sp>
+    </p:spTree>
+    <p:extLst>
+      <p:ext uri="{BB962C8B-B14F-4D97-AF65-F5344CB8AC3E}">
+        <p14:creationId xmlns:p14="http://schemas.microsoft.com/office/powerpoint/2010/main" val="1531458552"/>
+      </p:ext>
+    </p:extLst>
+  </p:cSld>
+  <p:clrMapOvr>
+    <a:masterClrMapping/>
+  </p:clrMapOvr>
+</p:sld>
+</file>
+
+<file path=ppt/slides/slide26.xml><?xml version="1.0" encoding="utf-8"?>
+<p:sld xmlns:a="http://schemas.openxmlformats.org/drawingml/2006/main" xmlns:r="http://schemas.openxmlformats.org/officeDocument/2006/relationships" xmlns:p="http://schemas.openxmlformats.org/presentationml/2006/main">
+  <p:cSld>
+    <p:spTree>
+      <p:nvGrpSpPr>
+        <p:cNvPr id="1" name=""/>
+        <p:cNvGrpSpPr/>
+        <p:nvPr/>
+      </p:nvGrpSpPr>
+      <p:grpSpPr>
+        <a:xfrm>
+          <a:off x="0" y="0"/>
+          <a:ext cx="0" cy="0"/>
+          <a:chOff x="0" y="0"/>
+          <a:chExt cx="0" cy="0"/>
+        </a:xfrm>
+      </p:grpSpPr>
+      <p:sp>
+        <p:nvSpPr>
+          <p:cNvPr id="4" name="TextBox 3"/>
+          <p:cNvSpPr txBox="1"/>
+          <p:nvPr/>
+        </p:nvSpPr>
+        <p:spPr>
+          <a:xfrm>
+            <a:off x="970767" y="419622"/>
+            <a:ext cx="5605061" cy="923330"/>
+          </a:xfrm>
+          <a:prstGeom prst="rect">
+            <a:avLst/>
+          </a:prstGeom>
+          <a:noFill/>
+        </p:spPr>
+        <p:txBody>
+          <a:bodyPr wrap="none" rtlCol="0">
+            <a:spAutoFit/>
+          </a:bodyPr>
+          <a:lstStyle/>
+          <a:p>
+            <a:r>
+              <a:rPr lang="en-US" dirty="0">
+                <a:latin typeface="Arial" panose="020B0604020202020204" pitchFamily="34" charset="0"/>
+                <a:cs typeface="Arial" panose="020B0604020202020204" pitchFamily="34" charset="0"/>
+              </a:rPr>
+              <a:t>Ordination is a form of </a:t>
+            </a:r>
+            <a:r>
+              <a:rPr lang="en-US" dirty="0">
+                <a:solidFill>
+                  <a:srgbClr val="FF0000"/>
+                </a:solidFill>
+                <a:latin typeface="Arial" panose="020B0604020202020204" pitchFamily="34" charset="0"/>
+                <a:cs typeface="Arial" panose="020B0604020202020204" pitchFamily="34" charset="0"/>
+              </a:rPr>
+              <a:t>data compression</a:t>
+            </a:r>
+          </a:p>
+          <a:p>
+            <a:endParaRPr lang="en-US" dirty="0">
+              <a:latin typeface="Arial" panose="020B0604020202020204" pitchFamily="34" charset="0"/>
+              <a:cs typeface="Arial" panose="020B0604020202020204" pitchFamily="34" charset="0"/>
+            </a:endParaRPr>
+          </a:p>
+          <a:p>
+            <a:r>
+              <a:rPr lang="en-US" dirty="0">
+                <a:latin typeface="Arial" panose="020B0604020202020204" pitchFamily="34" charset="0"/>
+                <a:cs typeface="Arial" panose="020B0604020202020204" pitchFamily="34" charset="0"/>
+              </a:rPr>
+              <a:t>We know data compression from music and photos…</a:t>
+            </a:r>
+          </a:p>
+        </p:txBody>
+      </p:sp>
+      <p:sp>
+        <p:nvSpPr>
+          <p:cNvPr id="5" name="TextBox 4"/>
+          <p:cNvSpPr txBox="1"/>
+          <p:nvPr/>
+        </p:nvSpPr>
+        <p:spPr>
+          <a:xfrm>
+            <a:off x="801666" y="2022953"/>
+            <a:ext cx="10969670" cy="3693319"/>
+          </a:xfrm>
+          <a:prstGeom prst="rect">
+            <a:avLst/>
+          </a:prstGeom>
+          <a:noFill/>
+        </p:spPr>
+        <p:txBody>
+          <a:bodyPr wrap="none" rtlCol="0">
+            <a:spAutoFit/>
+          </a:bodyPr>
+          <a:lstStyle/>
+          <a:p>
+            <a:r>
+              <a:rPr lang="en-US" dirty="0">
+                <a:latin typeface="Arial" panose="020B0604020202020204" pitchFamily="34" charset="0"/>
+                <a:cs typeface="Arial" panose="020B0604020202020204" pitchFamily="34" charset="0"/>
+              </a:rPr>
+              <a:t>A song on a CD might be 350 MB (megabytes) big.</a:t>
+            </a:r>
+          </a:p>
+          <a:p>
+            <a:endParaRPr lang="en-US" dirty="0">
+              <a:latin typeface="Arial" panose="020B0604020202020204" pitchFamily="34" charset="0"/>
+              <a:cs typeface="Arial" panose="020B0604020202020204" pitchFamily="34" charset="0"/>
+            </a:endParaRPr>
+          </a:p>
+          <a:p>
+            <a:r>
+              <a:rPr lang="en-US" dirty="0">
+                <a:latin typeface="Arial" panose="020B0604020202020204" pitchFamily="34" charset="0"/>
+                <a:cs typeface="Arial" panose="020B0604020202020204" pitchFamily="34" charset="0"/>
+              </a:rPr>
+              <a:t>But we compress the song to an MP3 for our phone so that is only, maybe 6 MB big.</a:t>
+            </a:r>
+          </a:p>
+          <a:p>
+            <a:endParaRPr lang="en-US" dirty="0">
+              <a:latin typeface="Arial" panose="020B0604020202020204" pitchFamily="34" charset="0"/>
+              <a:cs typeface="Arial" panose="020B0604020202020204" pitchFamily="34" charset="0"/>
+            </a:endParaRPr>
+          </a:p>
+          <a:p>
+            <a:r>
+              <a:rPr lang="en-US" dirty="0">
+                <a:latin typeface="Arial" panose="020B0604020202020204" pitchFamily="34" charset="0"/>
+                <a:cs typeface="Arial" panose="020B0604020202020204" pitchFamily="34" charset="0"/>
+              </a:rPr>
+              <a:t>The compression captures what is essential about the song, but in less space.</a:t>
+            </a:r>
+          </a:p>
+          <a:p>
+            <a:r>
+              <a:rPr lang="en-US" dirty="0">
+                <a:latin typeface="Arial" panose="020B0604020202020204" pitchFamily="34" charset="0"/>
+                <a:cs typeface="Arial" panose="020B0604020202020204" pitchFamily="34" charset="0"/>
+              </a:rPr>
+              <a:t>Potentially, the more we compress, the worse the song sounds!</a:t>
+            </a:r>
+          </a:p>
+          <a:p>
+            <a:endParaRPr lang="en-US" dirty="0">
+              <a:latin typeface="Arial" panose="020B0604020202020204" pitchFamily="34" charset="0"/>
+              <a:cs typeface="Arial" panose="020B0604020202020204" pitchFamily="34" charset="0"/>
+            </a:endParaRPr>
+          </a:p>
+          <a:p>
+            <a:r>
+              <a:rPr lang="en-US" dirty="0">
+                <a:latin typeface="Arial" panose="020B0604020202020204" pitchFamily="34" charset="0"/>
+                <a:cs typeface="Arial" panose="020B0604020202020204" pitchFamily="34" charset="0"/>
+              </a:rPr>
+              <a:t>Our ordination attempts to capture what is essential in our ~340 taxa, but in 2 columns.</a:t>
+            </a:r>
+          </a:p>
+          <a:p>
+            <a:endParaRPr lang="en-US" dirty="0">
+              <a:latin typeface="Arial" panose="020B0604020202020204" pitchFamily="34" charset="0"/>
+              <a:cs typeface="Arial" panose="020B0604020202020204" pitchFamily="34" charset="0"/>
+            </a:endParaRPr>
+          </a:p>
+          <a:p>
+            <a:r>
+              <a:rPr lang="en-US" dirty="0">
+                <a:latin typeface="Arial" panose="020B0604020202020204" pitchFamily="34" charset="0"/>
+                <a:cs typeface="Arial" panose="020B0604020202020204" pitchFamily="34" charset="0"/>
+              </a:rPr>
+              <a:t>We can do this by taking advantage of duplicate information.</a:t>
+            </a:r>
+          </a:p>
+          <a:p>
+            <a:endParaRPr lang="en-US" dirty="0">
+              <a:latin typeface="Arial" panose="020B0604020202020204" pitchFamily="34" charset="0"/>
+              <a:cs typeface="Arial" panose="020B0604020202020204" pitchFamily="34" charset="0"/>
+            </a:endParaRPr>
+          </a:p>
+          <a:p>
+            <a:r>
+              <a:rPr lang="en-US" dirty="0">
+                <a:latin typeface="Arial" panose="020B0604020202020204" pitchFamily="34" charset="0"/>
+                <a:cs typeface="Arial" panose="020B0604020202020204" pitchFamily="34" charset="0"/>
+              </a:rPr>
+              <a:t>Imagine all the 340 taxa are highly correlated.  We could remove the extra information </a:t>
+            </a:r>
+          </a:p>
+          <a:p>
+            <a:r>
+              <a:rPr lang="en-US" dirty="0">
+                <a:latin typeface="Arial" panose="020B0604020202020204" pitchFamily="34" charset="0"/>
+                <a:cs typeface="Arial" panose="020B0604020202020204" pitchFamily="34" charset="0"/>
+              </a:rPr>
+              <a:t>from those columns and still have all the important information in the spreadsheet with much less space…</a:t>
+            </a:r>
+          </a:p>
+        </p:txBody>
+      </p:sp>
+      <p:sp>
+        <p:nvSpPr>
+          <p:cNvPr id="6" name="TextBox 5"/>
+          <p:cNvSpPr txBox="1"/>
+          <p:nvPr/>
+        </p:nvSpPr>
+        <p:spPr>
+          <a:xfrm>
+            <a:off x="970767" y="5824603"/>
+            <a:ext cx="8289513" cy="646331"/>
+          </a:xfrm>
+          <a:prstGeom prst="rect">
+            <a:avLst/>
+          </a:prstGeom>
+          <a:noFill/>
+        </p:spPr>
+        <p:txBody>
+          <a:bodyPr wrap="none" rtlCol="0">
+            <a:spAutoFit/>
+          </a:bodyPr>
+          <a:lstStyle/>
+          <a:p>
+            <a:r>
+              <a:rPr lang="en-US" dirty="0">
+                <a:latin typeface="Arial" panose="020B0604020202020204" pitchFamily="34" charset="0"/>
+                <a:cs typeface="Arial" panose="020B0604020202020204" pitchFamily="34" charset="0"/>
+              </a:rPr>
+              <a:t>( A more mathematical treatment describing the</a:t>
+            </a:r>
+          </a:p>
+          <a:p>
+            <a:r>
+              <a:rPr lang="en-US" dirty="0">
+                <a:latin typeface="Arial" panose="020B0604020202020204" pitchFamily="34" charset="0"/>
+                <a:cs typeface="Arial" panose="020B0604020202020204" pitchFamily="34" charset="0"/>
+              </a:rPr>
+              <a:t>compression is here:  </a:t>
+            </a:r>
+            <a:r>
+              <a:rPr lang="en-US" dirty="0">
+                <a:latin typeface="Arial" panose="020B0604020202020204" pitchFamily="34" charset="0"/>
+                <a:cs typeface="Arial" panose="020B0604020202020204" pitchFamily="34" charset="0"/>
+                <a:hlinkClick r:id="rId2"/>
+              </a:rPr>
+              <a:t>http://afodor.github.io/classes/stats2015/Lecture19.pptx</a:t>
+            </a:r>
+            <a:r>
+              <a:rPr lang="en-US" dirty="0">
+                <a:latin typeface="Arial" panose="020B0604020202020204" pitchFamily="34" charset="0"/>
+                <a:cs typeface="Arial" panose="020B0604020202020204" pitchFamily="34" charset="0"/>
+              </a:rPr>
+              <a:t> ) </a:t>
+            </a:r>
+          </a:p>
+        </p:txBody>
+      </p:sp>
+    </p:spTree>
+    <p:extLst>
+      <p:ext uri="{BB962C8B-B14F-4D97-AF65-F5344CB8AC3E}">
+        <p14:creationId xmlns:p14="http://schemas.microsoft.com/office/powerpoint/2010/main" val="3772308476"/>
+      </p:ext>
+    </p:extLst>
+  </p:cSld>
+  <p:clrMapOvr>
+    <a:masterClrMapping/>
+  </p:clrMapOvr>
+</p:sld>
+</file>
+
+<file path=ppt/slides/slide27.xml><?xml version="1.0" encoding="utf-8"?>
+<p:sld xmlns:a="http://schemas.openxmlformats.org/drawingml/2006/main" xmlns:r="http://schemas.openxmlformats.org/officeDocument/2006/relationships" xmlns:p="http://schemas.openxmlformats.org/presentationml/2006/main">
+  <p:cSld>
+    <p:spTree>
+      <p:nvGrpSpPr>
+        <p:cNvPr id="1" name=""/>
+        <p:cNvGrpSpPr/>
+        <p:nvPr/>
+      </p:nvGrpSpPr>
+      <p:grpSpPr>
+        <a:xfrm>
+          <a:off x="0" y="0"/>
+          <a:ext cx="0" cy="0"/>
+          <a:chOff x="0" y="0"/>
+          <a:chExt cx="0" cy="0"/>
+        </a:xfrm>
+      </p:grpSpPr>
+      <p:pic>
+        <p:nvPicPr>
+          <p:cNvPr id="4" name="Picture 3">
+            <a:extLst>
+              <a:ext uri="{FF2B5EF4-FFF2-40B4-BE49-F238E27FC236}">
+                <a16:creationId xmlns:a16="http://schemas.microsoft.com/office/drawing/2014/main" id="{C853CFFA-4F98-4623-8B7A-F8A1B3F053F7}"/>
+              </a:ext>
+            </a:extLst>
+          </p:cNvPr>
+          <p:cNvPicPr>
+            <a:picLocks noChangeAspect="1"/>
+          </p:cNvPicPr>
+          <p:nvPr/>
+        </p:nvPicPr>
+        <p:blipFill>
+          <a:blip r:embed="rId2"/>
+          <a:stretch>
+            <a:fillRect/>
+          </a:stretch>
+        </p:blipFill>
+        <p:spPr>
+          <a:xfrm>
+            <a:off x="322932" y="1031620"/>
+            <a:ext cx="9201077" cy="4628505"/>
+          </a:xfrm>
+          <a:prstGeom prst="rect">
+            <a:avLst/>
+          </a:prstGeom>
+        </p:spPr>
+      </p:pic>
+      <p:sp>
+        <p:nvSpPr>
+          <p:cNvPr id="5" name="TextBox 4">
+            <a:extLst>
+              <a:ext uri="{FF2B5EF4-FFF2-40B4-BE49-F238E27FC236}">
+                <a16:creationId xmlns:a16="http://schemas.microsoft.com/office/drawing/2014/main" id="{05280C1C-5893-4B4D-AD50-04B48D643ADE}"/>
+              </a:ext>
+            </a:extLst>
+          </p:cNvPr>
+          <p:cNvSpPr txBox="1"/>
+          <p:nvPr/>
+        </p:nvSpPr>
+        <p:spPr>
+          <a:xfrm>
+            <a:off x="605641" y="296883"/>
+            <a:ext cx="9417963" cy="369332"/>
+          </a:xfrm>
+          <a:prstGeom prst="rect">
+            <a:avLst/>
+          </a:prstGeom>
+          <a:noFill/>
+        </p:spPr>
+        <p:txBody>
+          <a:bodyPr wrap="none" rtlCol="0">
+            <a:spAutoFit/>
+          </a:bodyPr>
+          <a:lstStyle/>
+          <a:p>
+            <a:r>
+              <a:rPr lang="en-US" dirty="0">
+                <a:latin typeface="Arial" panose="020B0604020202020204" pitchFamily="34" charset="0"/>
+                <a:cs typeface="Arial" panose="020B0604020202020204" pitchFamily="34" charset="0"/>
+              </a:rPr>
+              <a:t>Here is a complete script for data ordination from a (in this case) log-normalized data file…</a:t>
+            </a:r>
+          </a:p>
+        </p:txBody>
+      </p:sp>
+      <p:pic>
+        <p:nvPicPr>
+          <p:cNvPr id="6" name="Picture 5">
+            <a:extLst>
+              <a:ext uri="{FF2B5EF4-FFF2-40B4-BE49-F238E27FC236}">
+                <a16:creationId xmlns:a16="http://schemas.microsoft.com/office/drawing/2014/main" id="{EABE0071-5993-46D0-82BA-12E144A1CC7B}"/>
+              </a:ext>
+            </a:extLst>
+          </p:cNvPr>
+          <p:cNvPicPr>
+            <a:picLocks noChangeAspect="1"/>
+          </p:cNvPicPr>
+          <p:nvPr/>
+        </p:nvPicPr>
+        <p:blipFill>
+          <a:blip r:embed="rId3"/>
+          <a:stretch>
+            <a:fillRect/>
+          </a:stretch>
+        </p:blipFill>
+        <p:spPr>
+          <a:xfrm>
+            <a:off x="7690227" y="1031620"/>
+            <a:ext cx="4305461" cy="3696328"/>
+          </a:xfrm>
+          <a:prstGeom prst="rect">
+            <a:avLst/>
+          </a:prstGeom>
+        </p:spPr>
+      </p:pic>
+      <p:sp>
+        <p:nvSpPr>
+          <p:cNvPr id="7" name="Rectangle 6">
+            <a:extLst>
+              <a:ext uri="{FF2B5EF4-FFF2-40B4-BE49-F238E27FC236}">
+                <a16:creationId xmlns:a16="http://schemas.microsoft.com/office/drawing/2014/main" id="{771D3E89-52F0-4A9A-AFFD-FEC402D18F11}"/>
+              </a:ext>
+            </a:extLst>
+          </p:cNvPr>
+          <p:cNvSpPr/>
+          <p:nvPr/>
+        </p:nvSpPr>
+        <p:spPr>
+          <a:xfrm>
+            <a:off x="1917700" y="6488668"/>
+            <a:ext cx="10566400" cy="369332"/>
+          </a:xfrm>
+          <a:prstGeom prst="rect">
+            <a:avLst/>
+          </a:prstGeom>
+        </p:spPr>
+        <p:txBody>
+          <a:bodyPr wrap="square">
+            <a:spAutoFit/>
+          </a:bodyPr>
+          <a:lstStyle/>
+          <a:p>
+            <a:r>
+              <a:rPr lang="en-US" dirty="0"/>
+              <a:t>https://github.com/afodor/metagenomicsTools/blob/master/src/classExamples/ch2018/quickOrdination.txt</a:t>
+            </a:r>
+          </a:p>
+        </p:txBody>
+      </p:sp>
+    </p:spTree>
+    <p:extLst>
+      <p:ext uri="{BB962C8B-B14F-4D97-AF65-F5344CB8AC3E}">
+        <p14:creationId xmlns:p14="http://schemas.microsoft.com/office/powerpoint/2010/main" val="3215393108"/>
+      </p:ext>
+    </p:extLst>
+  </p:cSld>
+  <p:clrMapOvr>
+    <a:masterClrMapping/>
+  </p:clrMapOvr>
+</p:sld>
+</file>
+
+<file path=ppt/slides/slide28.xml><?xml version="1.0" encoding="utf-8"?>
+<p:sld xmlns:a="http://schemas.openxmlformats.org/drawingml/2006/main" xmlns:r="http://schemas.openxmlformats.org/officeDocument/2006/relationships" xmlns:p="http://schemas.openxmlformats.org/presentationml/2006/main">
+  <p:cSld>
+    <p:spTree>
+      <p:nvGrpSpPr>
+        <p:cNvPr id="1" name=""/>
+        <p:cNvGrpSpPr/>
+        <p:nvPr/>
+      </p:nvGrpSpPr>
+      <p:grpSpPr>
+        <a:xfrm>
+          <a:off x="0" y="0"/>
+          <a:ext cx="0" cy="0"/>
+          <a:chOff x="0" y="0"/>
+          <a:chExt cx="0" cy="0"/>
+        </a:xfrm>
+      </p:grpSpPr>
+      <p:pic>
+        <p:nvPicPr>
+          <p:cNvPr id="4" name="Picture 3">
+            <a:extLst>
+              <a:ext uri="{FF2B5EF4-FFF2-40B4-BE49-F238E27FC236}">
+                <a16:creationId xmlns:a16="http://schemas.microsoft.com/office/drawing/2014/main" id="{EBA6CE36-AE4B-494D-8AA9-BBECC4F4B36E}"/>
+              </a:ext>
+            </a:extLst>
+          </p:cNvPr>
+          <p:cNvPicPr>
+            <a:picLocks noChangeAspect="1"/>
+          </p:cNvPicPr>
+          <p:nvPr/>
+        </p:nvPicPr>
+        <p:blipFill>
+          <a:blip r:embed="rId2"/>
+          <a:stretch>
+            <a:fillRect/>
+          </a:stretch>
+        </p:blipFill>
+        <p:spPr>
+          <a:xfrm>
+            <a:off x="322932" y="1031620"/>
+            <a:ext cx="9201077" cy="4628505"/>
+          </a:xfrm>
+          <a:prstGeom prst="rect">
+            <a:avLst/>
+          </a:prstGeom>
+        </p:spPr>
+      </p:pic>
+      <p:cxnSp>
+        <p:nvCxnSpPr>
+          <p:cNvPr id="6" name="Straight Arrow Connector 5">
+            <a:extLst>
+              <a:ext uri="{FF2B5EF4-FFF2-40B4-BE49-F238E27FC236}">
+                <a16:creationId xmlns:a16="http://schemas.microsoft.com/office/drawing/2014/main" id="{00FA5AB0-3E12-4B4B-ABFC-10B3ED508D95}"/>
+              </a:ext>
+            </a:extLst>
+          </p:cNvPr>
+          <p:cNvCxnSpPr/>
+          <p:nvPr/>
+        </p:nvCxnSpPr>
+        <p:spPr>
+          <a:xfrm flipH="1">
+            <a:off x="3053166" y="1301858"/>
+            <a:ext cx="1689315" cy="0"/>
+          </a:xfrm>
+          <a:prstGeom prst="straightConnector1">
+            <a:avLst/>
+          </a:prstGeom>
+          <a:ln>
+            <a:tailEnd type="triangle"/>
+          </a:ln>
+        </p:spPr>
+        <p:style>
+          <a:lnRef idx="1">
+            <a:schemeClr val="accent1"/>
+          </a:lnRef>
+          <a:fillRef idx="0">
+            <a:schemeClr val="accent1"/>
+          </a:fillRef>
+          <a:effectRef idx="0">
+            <a:schemeClr val="accent1"/>
+          </a:effectRef>
+          <a:fontRef idx="minor">
+            <a:schemeClr val="tx1"/>
+          </a:fontRef>
+        </p:style>
+      </p:cxnSp>
+      <p:sp>
+        <p:nvSpPr>
+          <p:cNvPr id="7" name="TextBox 6">
+            <a:extLst>
+              <a:ext uri="{FF2B5EF4-FFF2-40B4-BE49-F238E27FC236}">
+                <a16:creationId xmlns:a16="http://schemas.microsoft.com/office/drawing/2014/main" id="{A9FF7A82-3186-4B77-8113-AA3BC9541748}"/>
+              </a:ext>
+            </a:extLst>
+          </p:cNvPr>
+          <p:cNvSpPr txBox="1"/>
+          <p:nvPr/>
+        </p:nvSpPr>
+        <p:spPr>
+          <a:xfrm>
+            <a:off x="4821383" y="997527"/>
+            <a:ext cx="7160935" cy="646331"/>
+          </a:xfrm>
+          <a:prstGeom prst="rect">
+            <a:avLst/>
+          </a:prstGeom>
+          <a:noFill/>
+        </p:spPr>
+        <p:txBody>
+          <a:bodyPr wrap="none" rtlCol="0">
+            <a:spAutoFit/>
+          </a:bodyPr>
+          <a:lstStyle/>
+          <a:p>
+            <a:r>
+              <a:rPr lang="en-US" dirty="0">
+                <a:latin typeface="Arial" panose="020B0604020202020204" pitchFamily="34" charset="0"/>
+                <a:cs typeface="Arial" panose="020B0604020202020204" pitchFamily="34" charset="0"/>
+              </a:rPr>
+              <a:t>The library that will run our ordination.  Uncomment this the first time</a:t>
+            </a:r>
+          </a:p>
+          <a:p>
+            <a:r>
+              <a:rPr lang="en-US" dirty="0">
+                <a:latin typeface="Arial" panose="020B0604020202020204" pitchFamily="34" charset="0"/>
+                <a:cs typeface="Arial" panose="020B0604020202020204" pitchFamily="34" charset="0"/>
+              </a:rPr>
+              <a:t>you run your program to download and install the program </a:t>
+            </a:r>
+          </a:p>
+        </p:txBody>
+      </p:sp>
+      <p:sp>
+        <p:nvSpPr>
+          <p:cNvPr id="8" name="Rectangle 7">
+            <a:extLst>
+              <a:ext uri="{FF2B5EF4-FFF2-40B4-BE49-F238E27FC236}">
+                <a16:creationId xmlns:a16="http://schemas.microsoft.com/office/drawing/2014/main" id="{7BC60F8E-A4A5-4D06-88F2-572E1FAAABEE}"/>
+              </a:ext>
+            </a:extLst>
+          </p:cNvPr>
+          <p:cNvSpPr/>
+          <p:nvPr/>
+        </p:nvSpPr>
+        <p:spPr>
+          <a:xfrm>
+            <a:off x="1917700" y="6488668"/>
+            <a:ext cx="10566400" cy="369332"/>
+          </a:xfrm>
+          <a:prstGeom prst="rect">
+            <a:avLst/>
+          </a:prstGeom>
+        </p:spPr>
+        <p:txBody>
+          <a:bodyPr wrap="square">
+            <a:spAutoFit/>
+          </a:bodyPr>
+          <a:lstStyle/>
+          <a:p>
+            <a:r>
+              <a:rPr lang="en-US" dirty="0"/>
+              <a:t>https://github.com/afodor/metagenomicsTools/blob/master/src/classExamples/ch2018/quickOrdination.txt</a:t>
+            </a:r>
+          </a:p>
+        </p:txBody>
+      </p:sp>
+    </p:spTree>
+    <p:extLst>
+      <p:ext uri="{BB962C8B-B14F-4D97-AF65-F5344CB8AC3E}">
+        <p14:creationId xmlns:p14="http://schemas.microsoft.com/office/powerpoint/2010/main" val="3128492289"/>
+      </p:ext>
+    </p:extLst>
+  </p:cSld>
+  <p:clrMapOvr>
+    <a:masterClrMapping/>
+  </p:clrMapOvr>
+</p:sld>
+</file>
+
+<file path=ppt/slides/slide29.xml><?xml version="1.0" encoding="utf-8"?>
+<p:sld xmlns:a="http://schemas.openxmlformats.org/drawingml/2006/main" xmlns:r="http://schemas.openxmlformats.org/officeDocument/2006/relationships" xmlns:p="http://schemas.openxmlformats.org/presentationml/2006/main">
+  <p:cSld>
+    <p:spTree>
+      <p:nvGrpSpPr>
+        <p:cNvPr id="1" name=""/>
+        <p:cNvGrpSpPr/>
+        <p:nvPr/>
+      </p:nvGrpSpPr>
+      <p:grpSpPr>
+        <a:xfrm>
+          <a:off x="0" y="0"/>
+          <a:ext cx="0" cy="0"/>
+          <a:chOff x="0" y="0"/>
+          <a:chExt cx="0" cy="0"/>
+        </a:xfrm>
+      </p:grpSpPr>
+      <p:pic>
+        <p:nvPicPr>
+          <p:cNvPr id="4" name="Picture 3">
+            <a:extLst>
+              <a:ext uri="{FF2B5EF4-FFF2-40B4-BE49-F238E27FC236}">
+                <a16:creationId xmlns:a16="http://schemas.microsoft.com/office/drawing/2014/main" id="{80A03C80-8DD9-43FB-ACF1-57338C261727}"/>
+              </a:ext>
+            </a:extLst>
+          </p:cNvPr>
+          <p:cNvPicPr>
+            <a:picLocks noChangeAspect="1"/>
+          </p:cNvPicPr>
+          <p:nvPr/>
+        </p:nvPicPr>
+        <p:blipFill>
+          <a:blip r:embed="rId2"/>
+          <a:stretch>
+            <a:fillRect/>
+          </a:stretch>
+        </p:blipFill>
+        <p:spPr>
+          <a:xfrm>
+            <a:off x="322932" y="1031620"/>
+            <a:ext cx="9201077" cy="4628505"/>
+          </a:xfrm>
+          <a:prstGeom prst="rect">
+            <a:avLst/>
+          </a:prstGeom>
+        </p:spPr>
+      </p:pic>
+      <p:cxnSp>
+        <p:nvCxnSpPr>
+          <p:cNvPr id="5" name="Straight Arrow Connector 4">
+            <a:extLst>
+              <a:ext uri="{FF2B5EF4-FFF2-40B4-BE49-F238E27FC236}">
+                <a16:creationId xmlns:a16="http://schemas.microsoft.com/office/drawing/2014/main" id="{6AFD45F8-6E22-4129-B350-641A28741897}"/>
+              </a:ext>
+            </a:extLst>
+          </p:cNvPr>
+          <p:cNvCxnSpPr/>
+          <p:nvPr/>
+        </p:nvCxnSpPr>
+        <p:spPr>
+          <a:xfrm flipH="1">
+            <a:off x="2055639" y="1598740"/>
+            <a:ext cx="1689315" cy="0"/>
+          </a:xfrm>
+          <a:prstGeom prst="straightConnector1">
+            <a:avLst/>
+          </a:prstGeom>
+          <a:ln>
+            <a:tailEnd type="triangle"/>
+          </a:ln>
+        </p:spPr>
+        <p:style>
+          <a:lnRef idx="1">
+            <a:schemeClr val="accent1"/>
+          </a:lnRef>
+          <a:fillRef idx="0">
+            <a:schemeClr val="accent1"/>
+          </a:fillRef>
+          <a:effectRef idx="0">
+            <a:schemeClr val="accent1"/>
+          </a:effectRef>
+          <a:fontRef idx="minor">
+            <a:schemeClr val="tx1"/>
+          </a:fontRef>
+        </p:style>
+      </p:cxnSp>
+      <p:sp>
+        <p:nvSpPr>
+          <p:cNvPr id="7" name="TextBox 6">
+            <a:extLst>
+              <a:ext uri="{FF2B5EF4-FFF2-40B4-BE49-F238E27FC236}">
+                <a16:creationId xmlns:a16="http://schemas.microsoft.com/office/drawing/2014/main" id="{7165CB7F-CDF0-4134-917A-0401CC9B9895}"/>
+              </a:ext>
+            </a:extLst>
+          </p:cNvPr>
+          <p:cNvSpPr txBox="1"/>
+          <p:nvPr/>
+        </p:nvSpPr>
+        <p:spPr>
+          <a:xfrm>
+            <a:off x="3835728" y="1438697"/>
+            <a:ext cx="6935191" cy="369332"/>
+          </a:xfrm>
+          <a:prstGeom prst="rect">
+            <a:avLst/>
+          </a:prstGeom>
+          <a:noFill/>
+        </p:spPr>
+        <p:txBody>
+          <a:bodyPr wrap="square" rtlCol="0">
+            <a:spAutoFit/>
+          </a:bodyPr>
+          <a:lstStyle/>
+          <a:p>
+            <a:r>
+              <a:rPr lang="en-US" dirty="0">
+                <a:latin typeface="Arial" panose="020B0604020202020204" pitchFamily="34" charset="0"/>
+                <a:cs typeface="Arial" panose="020B0604020202020204" pitchFamily="34" charset="0"/>
+              </a:rPr>
+              <a:t>This line tells R to load the “vegan” library into memory </a:t>
+            </a:r>
+          </a:p>
+        </p:txBody>
+      </p:sp>
+      <p:sp>
+        <p:nvSpPr>
+          <p:cNvPr id="8" name="Rectangle 7">
+            <a:extLst>
+              <a:ext uri="{FF2B5EF4-FFF2-40B4-BE49-F238E27FC236}">
+                <a16:creationId xmlns:a16="http://schemas.microsoft.com/office/drawing/2014/main" id="{C5676EFD-5F46-43F5-A255-A1E541B8DBCB}"/>
+              </a:ext>
+            </a:extLst>
+          </p:cNvPr>
+          <p:cNvSpPr/>
+          <p:nvPr/>
+        </p:nvSpPr>
+        <p:spPr>
+          <a:xfrm>
+            <a:off x="1917700" y="6488668"/>
+            <a:ext cx="10566400" cy="369332"/>
+          </a:xfrm>
+          <a:prstGeom prst="rect">
+            <a:avLst/>
+          </a:prstGeom>
+        </p:spPr>
+        <p:txBody>
+          <a:bodyPr wrap="square">
+            <a:spAutoFit/>
+          </a:bodyPr>
+          <a:lstStyle/>
+          <a:p>
+            <a:r>
+              <a:rPr lang="en-US" dirty="0"/>
+              <a:t>https://github.com/afodor/metagenomicsTools/blob/master/src/classExamples/ch2018/quickOrdination.txt</a:t>
+            </a:r>
+          </a:p>
+        </p:txBody>
+      </p:sp>
+    </p:spTree>
+    <p:extLst>
+      <p:ext uri="{BB962C8B-B14F-4D97-AF65-F5344CB8AC3E}">
+        <p14:creationId xmlns:p14="http://schemas.microsoft.com/office/powerpoint/2010/main" val="557235905"/>
+      </p:ext>
+    </p:extLst>
+  </p:cSld>
+  <p:clrMapOvr>
+    <a:masterClrMapping/>
+  </p:clrMapOvr>
 </p:sld>
 </file>
 
@@ -5840,7 +6727,7 @@
           <a:lstStyle/>
           <a:p>
             <a:r>
-              <a:rPr lang="en-US" dirty="0" smtClean="0">
+              <a:rPr lang="en-US" dirty="0">
                 <a:latin typeface="Arial" panose="020B0604020202020204" pitchFamily="34" charset="0"/>
                 <a:cs typeface="Arial" panose="020B0604020202020204" pitchFamily="34" charset="0"/>
               </a:rPr>
@@ -5849,7 +6736,7 @@
           </a:p>
           <a:p>
             <a:r>
-              <a:rPr lang="en-US" dirty="0" smtClean="0">
+              <a:rPr lang="en-US" dirty="0">
                 <a:latin typeface="Arial" panose="020B0604020202020204" pitchFamily="34" charset="0"/>
                 <a:cs typeface="Arial" panose="020B0604020202020204" pitchFamily="34" charset="0"/>
               </a:rPr>
@@ -5858,7 +6745,7 @@
           </a:p>
           <a:p>
             <a:r>
-              <a:rPr lang="en-US" dirty="0" smtClean="0">
+              <a:rPr lang="en-US" dirty="0">
                 <a:latin typeface="Arial" panose="020B0604020202020204" pitchFamily="34" charset="0"/>
                 <a:cs typeface="Arial" panose="020B0604020202020204" pitchFamily="34" charset="0"/>
               </a:rPr>
@@ -5867,7 +6754,7 @@
           </a:p>
           <a:p>
             <a:r>
-              <a:rPr lang="en-US" dirty="0" smtClean="0">
+              <a:rPr lang="en-US" dirty="0">
                 <a:latin typeface="Arial" panose="020B0604020202020204" pitchFamily="34" charset="0"/>
                 <a:cs typeface="Arial" panose="020B0604020202020204" pitchFamily="34" charset="0"/>
               </a:rPr>
@@ -5876,16 +6763,12 @@
           </a:p>
           <a:p>
             <a:r>
-              <a:rPr lang="en-US" dirty="0" smtClean="0">
+              <a:rPr lang="en-US" dirty="0">
                 <a:latin typeface="Arial" panose="020B0604020202020204" pitchFamily="34" charset="0"/>
                 <a:cs typeface="Arial" panose="020B0604020202020204" pitchFamily="34" charset="0"/>
               </a:rPr>
               <a:t>Some Not So Simple Statistical Models</a:t>
             </a:r>
-            <a:endParaRPr lang="en-US" dirty="0">
-              <a:latin typeface="Arial" panose="020B0604020202020204" pitchFamily="34" charset="0"/>
-              <a:cs typeface="Arial" panose="020B0604020202020204" pitchFamily="34" charset="0"/>
-            </a:endParaRPr>
           </a:p>
         </p:txBody>
       </p:sp>
@@ -5899,13 +6782,1788 @@
   <p:clrMapOvr>
     <a:masterClrMapping/>
   </p:clrMapOvr>
-  <p:timing>
-    <p:tnLst>
-      <p:par>
-        <p:cTn id="1" dur="indefinite" restart="never" nodeType="tmRoot"/>
-      </p:par>
-    </p:tnLst>
-  </p:timing>
+</p:sld>
+</file>
+
+<file path=ppt/slides/slide30.xml><?xml version="1.0" encoding="utf-8"?>
+<p:sld xmlns:a="http://schemas.openxmlformats.org/drawingml/2006/main" xmlns:r="http://schemas.openxmlformats.org/officeDocument/2006/relationships" xmlns:p="http://schemas.openxmlformats.org/presentationml/2006/main">
+  <p:cSld>
+    <p:spTree>
+      <p:nvGrpSpPr>
+        <p:cNvPr id="1" name=""/>
+        <p:cNvGrpSpPr/>
+        <p:nvPr/>
+      </p:nvGrpSpPr>
+      <p:grpSpPr>
+        <a:xfrm>
+          <a:off x="0" y="0"/>
+          <a:ext cx="0" cy="0"/>
+          <a:chOff x="0" y="0"/>
+          <a:chExt cx="0" cy="0"/>
+        </a:xfrm>
+      </p:grpSpPr>
+      <p:pic>
+        <p:nvPicPr>
+          <p:cNvPr id="4" name="Picture 3">
+            <a:extLst>
+              <a:ext uri="{FF2B5EF4-FFF2-40B4-BE49-F238E27FC236}">
+                <a16:creationId xmlns:a16="http://schemas.microsoft.com/office/drawing/2014/main" id="{29AB448D-7722-4E28-8DCF-D3277ABFAADB}"/>
+              </a:ext>
+            </a:extLst>
+          </p:cNvPr>
+          <p:cNvPicPr>
+            <a:picLocks noChangeAspect="1"/>
+          </p:cNvPicPr>
+          <p:nvPr/>
+        </p:nvPicPr>
+        <p:blipFill>
+          <a:blip r:embed="rId2"/>
+          <a:stretch>
+            <a:fillRect/>
+          </a:stretch>
+        </p:blipFill>
+        <p:spPr>
+          <a:xfrm>
+            <a:off x="171450" y="1350508"/>
+            <a:ext cx="11849100" cy="3895725"/>
+          </a:xfrm>
+          <a:prstGeom prst="rect">
+            <a:avLst/>
+          </a:prstGeom>
+        </p:spPr>
+      </p:pic>
+      <p:sp>
+        <p:nvSpPr>
+          <p:cNvPr id="5" name="TextBox 4">
+            <a:extLst>
+              <a:ext uri="{FF2B5EF4-FFF2-40B4-BE49-F238E27FC236}">
+                <a16:creationId xmlns:a16="http://schemas.microsoft.com/office/drawing/2014/main" id="{684549D9-1E12-4920-96C0-D53BF6450422}"/>
+              </a:ext>
+            </a:extLst>
+          </p:cNvPr>
+          <p:cNvSpPr txBox="1"/>
+          <p:nvPr/>
+        </p:nvSpPr>
+        <p:spPr>
+          <a:xfrm>
+            <a:off x="819397" y="296884"/>
+            <a:ext cx="8186857" cy="646331"/>
+          </a:xfrm>
+          <a:prstGeom prst="rect">
+            <a:avLst/>
+          </a:prstGeom>
+          <a:noFill/>
+        </p:spPr>
+        <p:txBody>
+          <a:bodyPr wrap="none" rtlCol="0">
+            <a:spAutoFit/>
+          </a:bodyPr>
+          <a:lstStyle/>
+          <a:p>
+            <a:r>
+              <a:rPr lang="en-US" dirty="0">
+                <a:latin typeface="Arial" panose="020B0604020202020204" pitchFamily="34" charset="0"/>
+                <a:cs typeface="Arial" panose="020B0604020202020204" pitchFamily="34" charset="0"/>
+              </a:rPr>
+              <a:t>The vegan package has many useful tools for dealing with ecology count data </a:t>
+            </a:r>
+          </a:p>
+          <a:p>
+            <a:r>
+              <a:rPr lang="en-US" dirty="0">
+                <a:latin typeface="Arial" panose="020B0604020202020204" pitchFamily="34" charset="0"/>
+                <a:cs typeface="Arial" panose="020B0604020202020204" pitchFamily="34" charset="0"/>
+              </a:rPr>
+              <a:t>(like sequencing data from metagenomics)</a:t>
+            </a:r>
+          </a:p>
+        </p:txBody>
+      </p:sp>
+    </p:spTree>
+    <p:extLst>
+      <p:ext uri="{BB962C8B-B14F-4D97-AF65-F5344CB8AC3E}">
+        <p14:creationId xmlns:p14="http://schemas.microsoft.com/office/powerpoint/2010/main" val="49429222"/>
+      </p:ext>
+    </p:extLst>
+  </p:cSld>
+  <p:clrMapOvr>
+    <a:masterClrMapping/>
+  </p:clrMapOvr>
+</p:sld>
+</file>
+
+<file path=ppt/slides/slide31.xml><?xml version="1.0" encoding="utf-8"?>
+<p:sld xmlns:a="http://schemas.openxmlformats.org/drawingml/2006/main" xmlns:r="http://schemas.openxmlformats.org/officeDocument/2006/relationships" xmlns:p="http://schemas.openxmlformats.org/presentationml/2006/main">
+  <p:cSld>
+    <p:spTree>
+      <p:nvGrpSpPr>
+        <p:cNvPr id="1" name=""/>
+        <p:cNvGrpSpPr/>
+        <p:nvPr/>
+      </p:nvGrpSpPr>
+      <p:grpSpPr>
+        <a:xfrm>
+          <a:off x="0" y="0"/>
+          <a:ext cx="0" cy="0"/>
+          <a:chOff x="0" y="0"/>
+          <a:chExt cx="0" cy="0"/>
+        </a:xfrm>
+      </p:grpSpPr>
+      <p:pic>
+        <p:nvPicPr>
+          <p:cNvPr id="4" name="Picture 3">
+            <a:extLst>
+              <a:ext uri="{FF2B5EF4-FFF2-40B4-BE49-F238E27FC236}">
+                <a16:creationId xmlns:a16="http://schemas.microsoft.com/office/drawing/2014/main" id="{FED59CAB-276D-409E-BB50-FDB887811E6F}"/>
+              </a:ext>
+            </a:extLst>
+          </p:cNvPr>
+          <p:cNvPicPr>
+            <a:picLocks noChangeAspect="1"/>
+          </p:cNvPicPr>
+          <p:nvPr/>
+        </p:nvPicPr>
+        <p:blipFill>
+          <a:blip r:embed="rId2"/>
+          <a:stretch>
+            <a:fillRect/>
+          </a:stretch>
+        </p:blipFill>
+        <p:spPr>
+          <a:xfrm>
+            <a:off x="322932" y="1031620"/>
+            <a:ext cx="9201077" cy="4628505"/>
+          </a:xfrm>
+          <a:prstGeom prst="rect">
+            <a:avLst/>
+          </a:prstGeom>
+        </p:spPr>
+      </p:pic>
+      <p:cxnSp>
+        <p:nvCxnSpPr>
+          <p:cNvPr id="8" name="Straight Arrow Connector 7">
+            <a:extLst>
+              <a:ext uri="{FF2B5EF4-FFF2-40B4-BE49-F238E27FC236}">
+                <a16:creationId xmlns:a16="http://schemas.microsoft.com/office/drawing/2014/main" id="{694FD395-1EAD-4795-9590-6C004FC24674}"/>
+              </a:ext>
+            </a:extLst>
+          </p:cNvPr>
+          <p:cNvCxnSpPr/>
+          <p:nvPr/>
+        </p:nvCxnSpPr>
+        <p:spPr>
+          <a:xfrm flipH="1">
+            <a:off x="1769432" y="2161309"/>
+            <a:ext cx="1092530" cy="0"/>
+          </a:xfrm>
+          <a:prstGeom prst="straightConnector1">
+            <a:avLst/>
+          </a:prstGeom>
+          <a:ln>
+            <a:tailEnd type="triangle"/>
+          </a:ln>
+        </p:spPr>
+        <p:style>
+          <a:lnRef idx="1">
+            <a:schemeClr val="accent1"/>
+          </a:lnRef>
+          <a:fillRef idx="0">
+            <a:schemeClr val="accent1"/>
+          </a:fillRef>
+          <a:effectRef idx="0">
+            <a:schemeClr val="accent1"/>
+          </a:effectRef>
+          <a:fontRef idx="minor">
+            <a:schemeClr val="tx1"/>
+          </a:fontRef>
+        </p:style>
+      </p:cxnSp>
+      <p:sp>
+        <p:nvSpPr>
+          <p:cNvPr id="9" name="TextBox 8">
+            <a:extLst>
+              <a:ext uri="{FF2B5EF4-FFF2-40B4-BE49-F238E27FC236}">
+                <a16:creationId xmlns:a16="http://schemas.microsoft.com/office/drawing/2014/main" id="{05A6795E-8A45-4F2E-9302-9CC926202F20}"/>
+              </a:ext>
+            </a:extLst>
+          </p:cNvPr>
+          <p:cNvSpPr txBox="1"/>
+          <p:nvPr/>
+        </p:nvSpPr>
+        <p:spPr>
+          <a:xfrm>
+            <a:off x="2885707" y="1983179"/>
+            <a:ext cx="9469259" cy="369332"/>
+          </a:xfrm>
+          <a:prstGeom prst="rect">
+            <a:avLst/>
+          </a:prstGeom>
+          <a:noFill/>
+        </p:spPr>
+        <p:txBody>
+          <a:bodyPr wrap="none" rtlCol="0">
+            <a:spAutoFit/>
+          </a:bodyPr>
+          <a:lstStyle/>
+          <a:p>
+            <a:r>
+              <a:rPr lang="en-US" dirty="0">
+                <a:latin typeface="Arial" panose="020B0604020202020204" pitchFamily="34" charset="0"/>
+                <a:cs typeface="Arial" panose="020B0604020202020204" pitchFamily="34" charset="0"/>
+              </a:rPr>
+              <a:t>As before we start R in a clean state (we would not do this if this were part of a larger suite) </a:t>
+            </a:r>
+          </a:p>
+        </p:txBody>
+      </p:sp>
+      <p:sp>
+        <p:nvSpPr>
+          <p:cNvPr id="10" name="Rectangle 9">
+            <a:extLst>
+              <a:ext uri="{FF2B5EF4-FFF2-40B4-BE49-F238E27FC236}">
+                <a16:creationId xmlns:a16="http://schemas.microsoft.com/office/drawing/2014/main" id="{7186D873-1E92-42AC-A39D-E360DBCD4F50}"/>
+              </a:ext>
+            </a:extLst>
+          </p:cNvPr>
+          <p:cNvSpPr/>
+          <p:nvPr/>
+        </p:nvSpPr>
+        <p:spPr>
+          <a:xfrm>
+            <a:off x="1917700" y="6488668"/>
+            <a:ext cx="10566400" cy="369332"/>
+          </a:xfrm>
+          <a:prstGeom prst="rect">
+            <a:avLst/>
+          </a:prstGeom>
+        </p:spPr>
+        <p:txBody>
+          <a:bodyPr wrap="square">
+            <a:spAutoFit/>
+          </a:bodyPr>
+          <a:lstStyle/>
+          <a:p>
+            <a:r>
+              <a:rPr lang="en-US" dirty="0"/>
+              <a:t>https://github.com/afodor/metagenomicsTools/blob/master/src/classExamples/ch2018/quickOrdination.txt</a:t>
+            </a:r>
+          </a:p>
+        </p:txBody>
+      </p:sp>
+    </p:spTree>
+    <p:extLst>
+      <p:ext uri="{BB962C8B-B14F-4D97-AF65-F5344CB8AC3E}">
+        <p14:creationId xmlns:p14="http://schemas.microsoft.com/office/powerpoint/2010/main" val="386287466"/>
+      </p:ext>
+    </p:extLst>
+  </p:cSld>
+  <p:clrMapOvr>
+    <a:masterClrMapping/>
+  </p:clrMapOvr>
+</p:sld>
+</file>
+
+<file path=ppt/slides/slide32.xml><?xml version="1.0" encoding="utf-8"?>
+<p:sld xmlns:a="http://schemas.openxmlformats.org/drawingml/2006/main" xmlns:r="http://schemas.openxmlformats.org/officeDocument/2006/relationships" xmlns:p="http://schemas.openxmlformats.org/presentationml/2006/main">
+  <p:cSld>
+    <p:spTree>
+      <p:nvGrpSpPr>
+        <p:cNvPr id="1" name=""/>
+        <p:cNvGrpSpPr/>
+        <p:nvPr/>
+      </p:nvGrpSpPr>
+      <p:grpSpPr>
+        <a:xfrm>
+          <a:off x="0" y="0"/>
+          <a:ext cx="0" cy="0"/>
+          <a:chOff x="0" y="0"/>
+          <a:chExt cx="0" cy="0"/>
+        </a:xfrm>
+      </p:grpSpPr>
+      <p:pic>
+        <p:nvPicPr>
+          <p:cNvPr id="7" name="Picture 6">
+            <a:extLst>
+              <a:ext uri="{FF2B5EF4-FFF2-40B4-BE49-F238E27FC236}">
+                <a16:creationId xmlns:a16="http://schemas.microsoft.com/office/drawing/2014/main" id="{84359179-6390-42F6-B604-C1DFAA404A5B}"/>
+              </a:ext>
+            </a:extLst>
+          </p:cNvPr>
+          <p:cNvPicPr>
+            <a:picLocks noChangeAspect="1"/>
+          </p:cNvPicPr>
+          <p:nvPr/>
+        </p:nvPicPr>
+        <p:blipFill>
+          <a:blip r:embed="rId2"/>
+          <a:stretch>
+            <a:fillRect/>
+          </a:stretch>
+        </p:blipFill>
+        <p:spPr>
+          <a:xfrm>
+            <a:off x="322932" y="1031620"/>
+            <a:ext cx="9201077" cy="4628505"/>
+          </a:xfrm>
+          <a:prstGeom prst="rect">
+            <a:avLst/>
+          </a:prstGeom>
+        </p:spPr>
+      </p:pic>
+      <p:cxnSp>
+        <p:nvCxnSpPr>
+          <p:cNvPr id="8" name="Straight Arrow Connector 7">
+            <a:extLst>
+              <a:ext uri="{FF2B5EF4-FFF2-40B4-BE49-F238E27FC236}">
+                <a16:creationId xmlns:a16="http://schemas.microsoft.com/office/drawing/2014/main" id="{76812401-D4CC-46B2-B33C-B34464E6DD14}"/>
+              </a:ext>
+            </a:extLst>
+          </p:cNvPr>
+          <p:cNvCxnSpPr/>
+          <p:nvPr/>
+        </p:nvCxnSpPr>
+        <p:spPr>
+          <a:xfrm flipH="1">
+            <a:off x="7315209" y="2707574"/>
+            <a:ext cx="1092530" cy="0"/>
+          </a:xfrm>
+          <a:prstGeom prst="straightConnector1">
+            <a:avLst/>
+          </a:prstGeom>
+          <a:ln>
+            <a:tailEnd type="triangle"/>
+          </a:ln>
+        </p:spPr>
+        <p:style>
+          <a:lnRef idx="1">
+            <a:schemeClr val="accent1"/>
+          </a:lnRef>
+          <a:fillRef idx="0">
+            <a:schemeClr val="accent1"/>
+          </a:fillRef>
+          <a:effectRef idx="0">
+            <a:schemeClr val="accent1"/>
+          </a:effectRef>
+          <a:fontRef idx="minor">
+            <a:schemeClr val="tx1"/>
+          </a:fontRef>
+        </p:style>
+      </p:cxnSp>
+      <p:sp>
+        <p:nvSpPr>
+          <p:cNvPr id="10" name="TextBox 9">
+            <a:extLst>
+              <a:ext uri="{FF2B5EF4-FFF2-40B4-BE49-F238E27FC236}">
+                <a16:creationId xmlns:a16="http://schemas.microsoft.com/office/drawing/2014/main" id="{0CFF7E8E-410A-4E3B-8AE3-7054F0519264}"/>
+              </a:ext>
+            </a:extLst>
+          </p:cNvPr>
+          <p:cNvSpPr txBox="1"/>
+          <p:nvPr/>
+        </p:nvSpPr>
+        <p:spPr>
+          <a:xfrm>
+            <a:off x="7515885" y="2398816"/>
+            <a:ext cx="4121705" cy="646331"/>
+          </a:xfrm>
+          <a:prstGeom prst="rect">
+            <a:avLst/>
+          </a:prstGeom>
+          <a:noFill/>
+        </p:spPr>
+        <p:txBody>
+          <a:bodyPr wrap="none" rtlCol="0">
+            <a:spAutoFit/>
+          </a:bodyPr>
+          <a:lstStyle/>
+          <a:p>
+            <a:pPr algn="r"/>
+            <a:r>
+              <a:rPr lang="en-US" dirty="0">
+                <a:latin typeface="Arial" panose="020B0604020202020204" pitchFamily="34" charset="0"/>
+                <a:cs typeface="Arial" panose="020B0604020202020204" pitchFamily="34" charset="0"/>
+              </a:rPr>
+              <a:t>And we tell R where we have the data </a:t>
+            </a:r>
+          </a:p>
+          <a:p>
+            <a:pPr algn="r"/>
+            <a:r>
+              <a:rPr lang="en-US" dirty="0">
+                <a:latin typeface="Arial" panose="020B0604020202020204" pitchFamily="34" charset="0"/>
+                <a:cs typeface="Arial" panose="020B0604020202020204" pitchFamily="34" charset="0"/>
+              </a:rPr>
+              <a:t>(this can alternatively be a URL)</a:t>
+            </a:r>
+          </a:p>
+        </p:txBody>
+      </p:sp>
+      <p:sp>
+        <p:nvSpPr>
+          <p:cNvPr id="11" name="Rectangle 10">
+            <a:extLst>
+              <a:ext uri="{FF2B5EF4-FFF2-40B4-BE49-F238E27FC236}">
+                <a16:creationId xmlns:a16="http://schemas.microsoft.com/office/drawing/2014/main" id="{82664CA9-E07D-4E92-AC55-96A1BC744B63}"/>
+              </a:ext>
+            </a:extLst>
+          </p:cNvPr>
+          <p:cNvSpPr/>
+          <p:nvPr/>
+        </p:nvSpPr>
+        <p:spPr>
+          <a:xfrm>
+            <a:off x="1917700" y="6488668"/>
+            <a:ext cx="10566400" cy="369332"/>
+          </a:xfrm>
+          <a:prstGeom prst="rect">
+            <a:avLst/>
+          </a:prstGeom>
+        </p:spPr>
+        <p:txBody>
+          <a:bodyPr wrap="square">
+            <a:spAutoFit/>
+          </a:bodyPr>
+          <a:lstStyle/>
+          <a:p>
+            <a:r>
+              <a:rPr lang="en-US" dirty="0"/>
+              <a:t>https://github.com/afodor/metagenomicsTools/blob/master/src/classExamples/ch2018/quickOrdination.txt</a:t>
+            </a:r>
+          </a:p>
+        </p:txBody>
+      </p:sp>
+    </p:spTree>
+    <p:extLst>
+      <p:ext uri="{BB962C8B-B14F-4D97-AF65-F5344CB8AC3E}">
+        <p14:creationId xmlns:p14="http://schemas.microsoft.com/office/powerpoint/2010/main" val="3235562557"/>
+      </p:ext>
+    </p:extLst>
+  </p:cSld>
+  <p:clrMapOvr>
+    <a:masterClrMapping/>
+  </p:clrMapOvr>
+</p:sld>
+</file>
+
+<file path=ppt/slides/slide33.xml><?xml version="1.0" encoding="utf-8"?>
+<p:sld xmlns:a="http://schemas.openxmlformats.org/drawingml/2006/main" xmlns:r="http://schemas.openxmlformats.org/officeDocument/2006/relationships" xmlns:p="http://schemas.openxmlformats.org/presentationml/2006/main">
+  <p:cSld>
+    <p:spTree>
+      <p:nvGrpSpPr>
+        <p:cNvPr id="1" name=""/>
+        <p:cNvGrpSpPr/>
+        <p:nvPr/>
+      </p:nvGrpSpPr>
+      <p:grpSpPr>
+        <a:xfrm>
+          <a:off x="0" y="0"/>
+          <a:ext cx="0" cy="0"/>
+          <a:chOff x="0" y="0"/>
+          <a:chExt cx="0" cy="0"/>
+        </a:xfrm>
+      </p:grpSpPr>
+      <p:pic>
+        <p:nvPicPr>
+          <p:cNvPr id="4" name="Picture 3">
+            <a:extLst>
+              <a:ext uri="{FF2B5EF4-FFF2-40B4-BE49-F238E27FC236}">
+                <a16:creationId xmlns:a16="http://schemas.microsoft.com/office/drawing/2014/main" id="{71128744-06F7-44B2-A32A-49C718B467ED}"/>
+              </a:ext>
+            </a:extLst>
+          </p:cNvPr>
+          <p:cNvPicPr>
+            <a:picLocks noChangeAspect="1"/>
+          </p:cNvPicPr>
+          <p:nvPr/>
+        </p:nvPicPr>
+        <p:blipFill>
+          <a:blip r:embed="rId2"/>
+          <a:stretch>
+            <a:fillRect/>
+          </a:stretch>
+        </p:blipFill>
+        <p:spPr>
+          <a:xfrm>
+            <a:off x="322932" y="1031620"/>
+            <a:ext cx="9201077" cy="4628505"/>
+          </a:xfrm>
+          <a:prstGeom prst="rect">
+            <a:avLst/>
+          </a:prstGeom>
+        </p:spPr>
+      </p:pic>
+      <p:cxnSp>
+        <p:nvCxnSpPr>
+          <p:cNvPr id="5" name="Straight Arrow Connector 4">
+            <a:extLst>
+              <a:ext uri="{FF2B5EF4-FFF2-40B4-BE49-F238E27FC236}">
+                <a16:creationId xmlns:a16="http://schemas.microsoft.com/office/drawing/2014/main" id="{251DBED8-1622-4088-87A7-1BADADFA2DDE}"/>
+              </a:ext>
+            </a:extLst>
+          </p:cNvPr>
+          <p:cNvCxnSpPr/>
+          <p:nvPr/>
+        </p:nvCxnSpPr>
+        <p:spPr>
+          <a:xfrm flipH="1">
+            <a:off x="7315209" y="3291774"/>
+            <a:ext cx="1092530" cy="0"/>
+          </a:xfrm>
+          <a:prstGeom prst="straightConnector1">
+            <a:avLst/>
+          </a:prstGeom>
+          <a:ln>
+            <a:tailEnd type="triangle"/>
+          </a:ln>
+        </p:spPr>
+        <p:style>
+          <a:lnRef idx="1">
+            <a:schemeClr val="accent1"/>
+          </a:lnRef>
+          <a:fillRef idx="0">
+            <a:schemeClr val="accent1"/>
+          </a:fillRef>
+          <a:effectRef idx="0">
+            <a:schemeClr val="accent1"/>
+          </a:effectRef>
+          <a:fontRef idx="minor">
+            <a:schemeClr val="tx1"/>
+          </a:fontRef>
+        </p:style>
+      </p:cxnSp>
+      <p:sp>
+        <p:nvSpPr>
+          <p:cNvPr id="6" name="TextBox 5">
+            <a:extLst>
+              <a:ext uri="{FF2B5EF4-FFF2-40B4-BE49-F238E27FC236}">
+                <a16:creationId xmlns:a16="http://schemas.microsoft.com/office/drawing/2014/main" id="{618C4E0D-48D8-4C40-9F7D-9A6EC61F7471}"/>
+              </a:ext>
+            </a:extLst>
+          </p:cNvPr>
+          <p:cNvSpPr txBox="1"/>
+          <p:nvPr/>
+        </p:nvSpPr>
+        <p:spPr>
+          <a:xfrm>
+            <a:off x="7711161" y="2995716"/>
+            <a:ext cx="3634329" cy="369332"/>
+          </a:xfrm>
+          <a:prstGeom prst="rect">
+            <a:avLst/>
+          </a:prstGeom>
+          <a:noFill/>
+        </p:spPr>
+        <p:txBody>
+          <a:bodyPr wrap="none" rtlCol="0">
+            <a:spAutoFit/>
+          </a:bodyPr>
+          <a:lstStyle/>
+          <a:p>
+            <a:pPr algn="r"/>
+            <a:r>
+              <a:rPr lang="en-US">
+                <a:latin typeface="Arial" panose="020B0604020202020204" pitchFamily="34" charset="0"/>
+                <a:cs typeface="Arial" panose="020B0604020202020204" pitchFamily="34" charset="0"/>
+              </a:rPr>
+              <a:t>As before we read our data into R</a:t>
+            </a:r>
+            <a:endParaRPr lang="en-US" dirty="0">
+              <a:latin typeface="Arial" panose="020B0604020202020204" pitchFamily="34" charset="0"/>
+              <a:cs typeface="Arial" panose="020B0604020202020204" pitchFamily="34" charset="0"/>
+            </a:endParaRPr>
+          </a:p>
+        </p:txBody>
+      </p:sp>
+      <p:sp>
+        <p:nvSpPr>
+          <p:cNvPr id="7" name="Rectangle 6">
+            <a:extLst>
+              <a:ext uri="{FF2B5EF4-FFF2-40B4-BE49-F238E27FC236}">
+                <a16:creationId xmlns:a16="http://schemas.microsoft.com/office/drawing/2014/main" id="{A0E2DB94-17BB-4921-94DA-990E9D760A0D}"/>
+              </a:ext>
+            </a:extLst>
+          </p:cNvPr>
+          <p:cNvSpPr/>
+          <p:nvPr/>
+        </p:nvSpPr>
+        <p:spPr>
+          <a:xfrm>
+            <a:off x="1917700" y="6488668"/>
+            <a:ext cx="10566400" cy="369332"/>
+          </a:xfrm>
+          <a:prstGeom prst="rect">
+            <a:avLst/>
+          </a:prstGeom>
+        </p:spPr>
+        <p:txBody>
+          <a:bodyPr wrap="square">
+            <a:spAutoFit/>
+          </a:bodyPr>
+          <a:lstStyle/>
+          <a:p>
+            <a:r>
+              <a:rPr lang="en-US" dirty="0"/>
+              <a:t>https://github.com/afodor/metagenomicsTools/blob/master/src/classExamples/ch2018/quickOrdination.txt</a:t>
+            </a:r>
+          </a:p>
+        </p:txBody>
+      </p:sp>
+    </p:spTree>
+    <p:extLst>
+      <p:ext uri="{BB962C8B-B14F-4D97-AF65-F5344CB8AC3E}">
+        <p14:creationId xmlns:p14="http://schemas.microsoft.com/office/powerpoint/2010/main" val="3215133828"/>
+      </p:ext>
+    </p:extLst>
+  </p:cSld>
+  <p:clrMapOvr>
+    <a:masterClrMapping/>
+  </p:clrMapOvr>
+</p:sld>
+</file>
+
+<file path=ppt/slides/slide34.xml><?xml version="1.0" encoding="utf-8"?>
+<p:sld xmlns:a="http://schemas.openxmlformats.org/drawingml/2006/main" xmlns:r="http://schemas.openxmlformats.org/officeDocument/2006/relationships" xmlns:p="http://schemas.openxmlformats.org/presentationml/2006/main">
+  <p:cSld>
+    <p:spTree>
+      <p:nvGrpSpPr>
+        <p:cNvPr id="1" name=""/>
+        <p:cNvGrpSpPr/>
+        <p:nvPr/>
+      </p:nvGrpSpPr>
+      <p:grpSpPr>
+        <a:xfrm>
+          <a:off x="0" y="0"/>
+          <a:ext cx="0" cy="0"/>
+          <a:chOff x="0" y="0"/>
+          <a:chExt cx="0" cy="0"/>
+        </a:xfrm>
+      </p:grpSpPr>
+      <p:pic>
+        <p:nvPicPr>
+          <p:cNvPr id="4" name="Picture 3">
+            <a:extLst>
+              <a:ext uri="{FF2B5EF4-FFF2-40B4-BE49-F238E27FC236}">
+                <a16:creationId xmlns:a16="http://schemas.microsoft.com/office/drawing/2014/main" id="{5E5D0DCA-330B-4282-80A7-410E7847497B}"/>
+              </a:ext>
+            </a:extLst>
+          </p:cNvPr>
+          <p:cNvPicPr>
+            <a:picLocks noChangeAspect="1"/>
+          </p:cNvPicPr>
+          <p:nvPr/>
+        </p:nvPicPr>
+        <p:blipFill>
+          <a:blip r:embed="rId2"/>
+          <a:stretch>
+            <a:fillRect/>
+          </a:stretch>
+        </p:blipFill>
+        <p:spPr>
+          <a:xfrm>
+            <a:off x="495300" y="864632"/>
+            <a:ext cx="7879957" cy="2384425"/>
+          </a:xfrm>
+          <a:prstGeom prst="rect">
+            <a:avLst/>
+          </a:prstGeom>
+        </p:spPr>
+      </p:pic>
+      <p:sp>
+        <p:nvSpPr>
+          <p:cNvPr id="5" name="TextBox 4">
+            <a:extLst>
+              <a:ext uri="{FF2B5EF4-FFF2-40B4-BE49-F238E27FC236}">
+                <a16:creationId xmlns:a16="http://schemas.microsoft.com/office/drawing/2014/main" id="{1C884F2D-EA23-4196-8229-F345E69C8C96}"/>
+              </a:ext>
+            </a:extLst>
+          </p:cNvPr>
+          <p:cNvSpPr txBox="1"/>
+          <p:nvPr/>
+        </p:nvSpPr>
+        <p:spPr>
+          <a:xfrm>
+            <a:off x="495300" y="342900"/>
+            <a:ext cx="9860392" cy="369332"/>
+          </a:xfrm>
+          <a:prstGeom prst="rect">
+            <a:avLst/>
+          </a:prstGeom>
+          <a:noFill/>
+        </p:spPr>
+        <p:txBody>
+          <a:bodyPr wrap="none" rtlCol="0">
+            <a:spAutoFit/>
+          </a:bodyPr>
+          <a:lstStyle/>
+          <a:p>
+            <a:r>
+              <a:rPr lang="en-US" dirty="0">
+                <a:latin typeface="Arial" panose="020B0604020202020204" pitchFamily="34" charset="0"/>
+                <a:cs typeface="Arial" panose="020B0604020202020204" pitchFamily="34" charset="0"/>
+              </a:rPr>
+              <a:t>At this point in our program, our spreadsheet has 160 samples (rows) and &gt; 340 taxa (columns)</a:t>
+            </a:r>
+          </a:p>
+        </p:txBody>
+      </p:sp>
+      <p:pic>
+        <p:nvPicPr>
+          <p:cNvPr id="6" name="Picture 5">
+            <a:extLst>
+              <a:ext uri="{FF2B5EF4-FFF2-40B4-BE49-F238E27FC236}">
+                <a16:creationId xmlns:a16="http://schemas.microsoft.com/office/drawing/2014/main" id="{CD592623-1B12-4036-8167-5354E7741713}"/>
+              </a:ext>
+            </a:extLst>
+          </p:cNvPr>
+          <p:cNvPicPr>
+            <a:picLocks noChangeAspect="1"/>
+          </p:cNvPicPr>
+          <p:nvPr/>
+        </p:nvPicPr>
+        <p:blipFill>
+          <a:blip r:embed="rId3"/>
+          <a:stretch>
+            <a:fillRect/>
+          </a:stretch>
+        </p:blipFill>
+        <p:spPr>
+          <a:xfrm>
+            <a:off x="2994025" y="3249057"/>
+            <a:ext cx="8156575" cy="3501913"/>
+          </a:xfrm>
+          <a:prstGeom prst="rect">
+            <a:avLst/>
+          </a:prstGeom>
+        </p:spPr>
+      </p:pic>
+      <p:sp>
+        <p:nvSpPr>
+          <p:cNvPr id="7" name="TextBox 6">
+            <a:extLst>
+              <a:ext uri="{FF2B5EF4-FFF2-40B4-BE49-F238E27FC236}">
+                <a16:creationId xmlns:a16="http://schemas.microsoft.com/office/drawing/2014/main" id="{AC97F2A5-D090-4460-8DC1-B7BAA1DAD09C}"/>
+              </a:ext>
+            </a:extLst>
+          </p:cNvPr>
+          <p:cNvSpPr txBox="1"/>
+          <p:nvPr/>
+        </p:nvSpPr>
+        <p:spPr>
+          <a:xfrm>
+            <a:off x="6553200" y="2832100"/>
+            <a:ext cx="1188467" cy="369332"/>
+          </a:xfrm>
+          <a:prstGeom prst="rect">
+            <a:avLst/>
+          </a:prstGeom>
+          <a:noFill/>
+        </p:spPr>
+        <p:txBody>
+          <a:bodyPr wrap="none" rtlCol="0">
+            <a:spAutoFit/>
+          </a:bodyPr>
+          <a:lstStyle/>
+          <a:p>
+            <a:r>
+              <a:rPr lang="en-US" dirty="0"/>
+              <a:t>edit( </a:t>
+            </a:r>
+            <a:r>
+              <a:rPr lang="en-US" dirty="0" err="1"/>
+              <a:t>myT</a:t>
+            </a:r>
+            <a:r>
+              <a:rPr lang="en-US" dirty="0"/>
+              <a:t>) </a:t>
+            </a:r>
+          </a:p>
+        </p:txBody>
+      </p:sp>
+      <p:sp>
+        <p:nvSpPr>
+          <p:cNvPr id="8" name="TextBox 7">
+            <a:extLst>
+              <a:ext uri="{FF2B5EF4-FFF2-40B4-BE49-F238E27FC236}">
+                <a16:creationId xmlns:a16="http://schemas.microsoft.com/office/drawing/2014/main" id="{1081AB7A-5B4B-4CEB-A56B-A409B9869862}"/>
+              </a:ext>
+            </a:extLst>
+          </p:cNvPr>
+          <p:cNvSpPr txBox="1"/>
+          <p:nvPr/>
+        </p:nvSpPr>
+        <p:spPr>
+          <a:xfrm>
+            <a:off x="609600" y="3797300"/>
+            <a:ext cx="2441694" cy="1477328"/>
+          </a:xfrm>
+          <a:prstGeom prst="rect">
+            <a:avLst/>
+          </a:prstGeom>
+          <a:noFill/>
+        </p:spPr>
+        <p:txBody>
+          <a:bodyPr wrap="none" rtlCol="0">
+            <a:spAutoFit/>
+          </a:bodyPr>
+          <a:lstStyle/>
+          <a:p>
+            <a:r>
+              <a:rPr lang="en-US" dirty="0">
+                <a:latin typeface="Arial" panose="020B0604020202020204" pitchFamily="34" charset="0"/>
+                <a:cs typeface="Arial" panose="020B0604020202020204" pitchFamily="34" charset="0"/>
+              </a:rPr>
+              <a:t>This spreadsheet</a:t>
+            </a:r>
+          </a:p>
+          <a:p>
+            <a:r>
+              <a:rPr lang="en-US" dirty="0">
+                <a:latin typeface="Arial" panose="020B0604020202020204" pitchFamily="34" charset="0"/>
+                <a:cs typeface="Arial" panose="020B0604020202020204" pitchFamily="34" charset="0"/>
+              </a:rPr>
+              <a:t>has both the forward</a:t>
+            </a:r>
+          </a:p>
+          <a:p>
+            <a:r>
+              <a:rPr lang="en-US" dirty="0">
+                <a:latin typeface="Arial" panose="020B0604020202020204" pitchFamily="34" charset="0"/>
+                <a:cs typeface="Arial" panose="020B0604020202020204" pitchFamily="34" charset="0"/>
+              </a:rPr>
+              <a:t>and backwards reads;</a:t>
+            </a:r>
+          </a:p>
+          <a:p>
+            <a:r>
+              <a:rPr lang="en-US" dirty="0">
+                <a:latin typeface="Arial" panose="020B0604020202020204" pitchFamily="34" charset="0"/>
+                <a:cs typeface="Arial" panose="020B0604020202020204" pitchFamily="34" charset="0"/>
+              </a:rPr>
+              <a:t>We want to </a:t>
+            </a:r>
+            <a:r>
+              <a:rPr lang="en-US" dirty="0">
+                <a:solidFill>
+                  <a:srgbClr val="FF0000"/>
+                </a:solidFill>
+                <a:latin typeface="Arial" panose="020B0604020202020204" pitchFamily="34" charset="0"/>
+                <a:cs typeface="Arial" panose="020B0604020202020204" pitchFamily="34" charset="0"/>
+              </a:rPr>
+              <a:t>filter out</a:t>
+            </a:r>
+          </a:p>
+          <a:p>
+            <a:r>
+              <a:rPr lang="en-US" dirty="0">
+                <a:latin typeface="Arial" panose="020B0604020202020204" pitchFamily="34" charset="0"/>
+                <a:cs typeface="Arial" panose="020B0604020202020204" pitchFamily="34" charset="0"/>
+              </a:rPr>
+              <a:t>the forward reads</a:t>
+            </a:r>
+          </a:p>
+        </p:txBody>
+      </p:sp>
+    </p:spTree>
+    <p:extLst>
+      <p:ext uri="{BB962C8B-B14F-4D97-AF65-F5344CB8AC3E}">
+        <p14:creationId xmlns:p14="http://schemas.microsoft.com/office/powerpoint/2010/main" val="1151734313"/>
+      </p:ext>
+    </p:extLst>
+  </p:cSld>
+  <p:clrMapOvr>
+    <a:masterClrMapping/>
+  </p:clrMapOvr>
+</p:sld>
+</file>
+
+<file path=ppt/slides/slide35.xml><?xml version="1.0" encoding="utf-8"?>
+<p:sld xmlns:a="http://schemas.openxmlformats.org/drawingml/2006/main" xmlns:r="http://schemas.openxmlformats.org/officeDocument/2006/relationships" xmlns:p="http://schemas.openxmlformats.org/presentationml/2006/main">
+  <p:cSld>
+    <p:spTree>
+      <p:nvGrpSpPr>
+        <p:cNvPr id="1" name=""/>
+        <p:cNvGrpSpPr/>
+        <p:nvPr/>
+      </p:nvGrpSpPr>
+      <p:grpSpPr>
+        <a:xfrm>
+          <a:off x="0" y="0"/>
+          <a:ext cx="0" cy="0"/>
+          <a:chOff x="0" y="0"/>
+          <a:chExt cx="0" cy="0"/>
+        </a:xfrm>
+      </p:grpSpPr>
+      <p:pic>
+        <p:nvPicPr>
+          <p:cNvPr id="4" name="Picture 3">
+            <a:extLst>
+              <a:ext uri="{FF2B5EF4-FFF2-40B4-BE49-F238E27FC236}">
+                <a16:creationId xmlns:a16="http://schemas.microsoft.com/office/drawing/2014/main" id="{52EA5C2F-A4BA-4ABD-A563-9523AA6D3DC7}"/>
+              </a:ext>
+            </a:extLst>
+          </p:cNvPr>
+          <p:cNvPicPr>
+            <a:picLocks noChangeAspect="1"/>
+          </p:cNvPicPr>
+          <p:nvPr/>
+        </p:nvPicPr>
+        <p:blipFill>
+          <a:blip r:embed="rId2"/>
+          <a:stretch>
+            <a:fillRect/>
+          </a:stretch>
+        </p:blipFill>
+        <p:spPr>
+          <a:xfrm>
+            <a:off x="322932" y="1031620"/>
+            <a:ext cx="9201077" cy="4628505"/>
+          </a:xfrm>
+          <a:prstGeom prst="rect">
+            <a:avLst/>
+          </a:prstGeom>
+        </p:spPr>
+      </p:pic>
+      <p:cxnSp>
+        <p:nvCxnSpPr>
+          <p:cNvPr id="5" name="Straight Arrow Connector 4">
+            <a:extLst>
+              <a:ext uri="{FF2B5EF4-FFF2-40B4-BE49-F238E27FC236}">
+                <a16:creationId xmlns:a16="http://schemas.microsoft.com/office/drawing/2014/main" id="{3E48FD9E-35DC-49F0-B795-626E697E1C77}"/>
+              </a:ext>
+            </a:extLst>
+          </p:cNvPr>
+          <p:cNvCxnSpPr/>
+          <p:nvPr/>
+        </p:nvCxnSpPr>
+        <p:spPr>
+          <a:xfrm flipH="1">
+            <a:off x="3632209" y="3875974"/>
+            <a:ext cx="1092530" cy="0"/>
+          </a:xfrm>
+          <a:prstGeom prst="straightConnector1">
+            <a:avLst/>
+          </a:prstGeom>
+          <a:ln>
+            <a:tailEnd type="triangle"/>
+          </a:ln>
+        </p:spPr>
+        <p:style>
+          <a:lnRef idx="1">
+            <a:schemeClr val="accent1"/>
+          </a:lnRef>
+          <a:fillRef idx="0">
+            <a:schemeClr val="accent1"/>
+          </a:fillRef>
+          <a:effectRef idx="0">
+            <a:schemeClr val="accent1"/>
+          </a:effectRef>
+          <a:fontRef idx="minor">
+            <a:schemeClr val="tx1"/>
+          </a:fontRef>
+        </p:style>
+      </p:cxnSp>
+      <p:sp>
+        <p:nvSpPr>
+          <p:cNvPr id="6" name="TextBox 5">
+            <a:extLst>
+              <a:ext uri="{FF2B5EF4-FFF2-40B4-BE49-F238E27FC236}">
+                <a16:creationId xmlns:a16="http://schemas.microsoft.com/office/drawing/2014/main" id="{8CBF99AE-1018-4B89-920B-061CFAC5A24B}"/>
+              </a:ext>
+            </a:extLst>
+          </p:cNvPr>
+          <p:cNvSpPr txBox="1"/>
+          <p:nvPr/>
+        </p:nvSpPr>
+        <p:spPr>
+          <a:xfrm>
+            <a:off x="4386464" y="3592616"/>
+            <a:ext cx="5981126" cy="369332"/>
+          </a:xfrm>
+          <a:prstGeom prst="rect">
+            <a:avLst/>
+          </a:prstGeom>
+          <a:noFill/>
+        </p:spPr>
+        <p:txBody>
+          <a:bodyPr wrap="none" rtlCol="0">
+            <a:spAutoFit/>
+          </a:bodyPr>
+          <a:lstStyle/>
+          <a:p>
+            <a:pPr algn="r"/>
+            <a:r>
+              <a:rPr lang="en-US" dirty="0">
+                <a:latin typeface="Arial" panose="020B0604020202020204" pitchFamily="34" charset="0"/>
+                <a:cs typeface="Arial" panose="020B0604020202020204" pitchFamily="34" charset="0"/>
+              </a:rPr>
+              <a:t>Here we only keep the rows where the </a:t>
+            </a:r>
+            <a:r>
+              <a:rPr lang="en-US" dirty="0" err="1">
+                <a:latin typeface="Arial" panose="020B0604020202020204" pitchFamily="34" charset="0"/>
+                <a:cs typeface="Arial" panose="020B0604020202020204" pitchFamily="34" charset="0"/>
+              </a:rPr>
+              <a:t>readNumber</a:t>
+            </a:r>
+            <a:r>
+              <a:rPr lang="en-US" dirty="0">
+                <a:latin typeface="Arial" panose="020B0604020202020204" pitchFamily="34" charset="0"/>
+                <a:cs typeface="Arial" panose="020B0604020202020204" pitchFamily="34" charset="0"/>
+              </a:rPr>
+              <a:t> == 1</a:t>
+            </a:r>
+          </a:p>
+        </p:txBody>
+      </p:sp>
+      <p:sp>
+        <p:nvSpPr>
+          <p:cNvPr id="7" name="Rectangle 6">
+            <a:extLst>
+              <a:ext uri="{FF2B5EF4-FFF2-40B4-BE49-F238E27FC236}">
+                <a16:creationId xmlns:a16="http://schemas.microsoft.com/office/drawing/2014/main" id="{3E64624F-6EF3-42DE-BC9F-CC336FA04028}"/>
+              </a:ext>
+            </a:extLst>
+          </p:cNvPr>
+          <p:cNvSpPr/>
+          <p:nvPr/>
+        </p:nvSpPr>
+        <p:spPr>
+          <a:xfrm>
+            <a:off x="1917700" y="6488668"/>
+            <a:ext cx="10566400" cy="369332"/>
+          </a:xfrm>
+          <a:prstGeom prst="rect">
+            <a:avLst/>
+          </a:prstGeom>
+        </p:spPr>
+        <p:txBody>
+          <a:bodyPr wrap="square">
+            <a:spAutoFit/>
+          </a:bodyPr>
+          <a:lstStyle/>
+          <a:p>
+            <a:r>
+              <a:rPr lang="en-US" dirty="0"/>
+              <a:t>https://github.com/afodor/metagenomicsTools/blob/master/src/classExamples/ch2018/quickOrdination.txt</a:t>
+            </a:r>
+          </a:p>
+        </p:txBody>
+      </p:sp>
+    </p:spTree>
+    <p:extLst>
+      <p:ext uri="{BB962C8B-B14F-4D97-AF65-F5344CB8AC3E}">
+        <p14:creationId xmlns:p14="http://schemas.microsoft.com/office/powerpoint/2010/main" val="3543057960"/>
+      </p:ext>
+    </p:extLst>
+  </p:cSld>
+  <p:clrMapOvr>
+    <a:masterClrMapping/>
+  </p:clrMapOvr>
+</p:sld>
+</file>
+
+<file path=ppt/slides/slide36.xml><?xml version="1.0" encoding="utf-8"?>
+<p:sld xmlns:a="http://schemas.openxmlformats.org/drawingml/2006/main" xmlns:r="http://schemas.openxmlformats.org/officeDocument/2006/relationships" xmlns:p="http://schemas.openxmlformats.org/presentationml/2006/main">
+  <p:cSld>
+    <p:spTree>
+      <p:nvGrpSpPr>
+        <p:cNvPr id="1" name=""/>
+        <p:cNvGrpSpPr/>
+        <p:nvPr/>
+      </p:nvGrpSpPr>
+      <p:grpSpPr>
+        <a:xfrm>
+          <a:off x="0" y="0"/>
+          <a:ext cx="0" cy="0"/>
+          <a:chOff x="0" y="0"/>
+          <a:chExt cx="0" cy="0"/>
+        </a:xfrm>
+      </p:grpSpPr>
+      <p:pic>
+        <p:nvPicPr>
+          <p:cNvPr id="4" name="Picture 3">
+            <a:extLst>
+              <a:ext uri="{FF2B5EF4-FFF2-40B4-BE49-F238E27FC236}">
+                <a16:creationId xmlns:a16="http://schemas.microsoft.com/office/drawing/2014/main" id="{BD9CF671-F1F4-4952-A73C-C5EDAEDE65AF}"/>
+              </a:ext>
+            </a:extLst>
+          </p:cNvPr>
+          <p:cNvPicPr>
+            <a:picLocks noChangeAspect="1"/>
+          </p:cNvPicPr>
+          <p:nvPr/>
+        </p:nvPicPr>
+        <p:blipFill>
+          <a:blip r:embed="rId2"/>
+          <a:stretch>
+            <a:fillRect/>
+          </a:stretch>
+        </p:blipFill>
+        <p:spPr>
+          <a:xfrm>
+            <a:off x="695324" y="993775"/>
+            <a:ext cx="7496175" cy="2657313"/>
+          </a:xfrm>
+          <a:prstGeom prst="rect">
+            <a:avLst/>
+          </a:prstGeom>
+        </p:spPr>
+      </p:pic>
+      <p:sp>
+        <p:nvSpPr>
+          <p:cNvPr id="5" name="TextBox 4">
+            <a:extLst>
+              <a:ext uri="{FF2B5EF4-FFF2-40B4-BE49-F238E27FC236}">
+                <a16:creationId xmlns:a16="http://schemas.microsoft.com/office/drawing/2014/main" id="{65DECB1D-8F9B-4E76-A10C-DD4F3182F261}"/>
+              </a:ext>
+            </a:extLst>
+          </p:cNvPr>
+          <p:cNvSpPr txBox="1"/>
+          <p:nvPr/>
+        </p:nvSpPr>
+        <p:spPr>
+          <a:xfrm>
+            <a:off x="1079500" y="165100"/>
+            <a:ext cx="7391832" cy="369332"/>
+          </a:xfrm>
+          <a:prstGeom prst="rect">
+            <a:avLst/>
+          </a:prstGeom>
+          <a:noFill/>
+        </p:spPr>
+        <p:txBody>
+          <a:bodyPr wrap="none" rtlCol="0">
+            <a:spAutoFit/>
+          </a:bodyPr>
+          <a:lstStyle/>
+          <a:p>
+            <a:r>
+              <a:rPr lang="en-US" dirty="0">
+                <a:latin typeface="Arial" panose="020B0604020202020204" pitchFamily="34" charset="0"/>
+                <a:cs typeface="Arial" panose="020B0604020202020204" pitchFamily="34" charset="0"/>
+              </a:rPr>
+              <a:t>After we filter, only the rows for which the </a:t>
+            </a:r>
+            <a:r>
+              <a:rPr lang="en-US" dirty="0" err="1">
+                <a:latin typeface="Arial" panose="020B0604020202020204" pitchFamily="34" charset="0"/>
+                <a:cs typeface="Arial" panose="020B0604020202020204" pitchFamily="34" charset="0"/>
+              </a:rPr>
+              <a:t>readNumber</a:t>
+            </a:r>
+            <a:r>
+              <a:rPr lang="en-US" dirty="0">
+                <a:latin typeface="Arial" panose="020B0604020202020204" pitchFamily="34" charset="0"/>
+                <a:cs typeface="Arial" panose="020B0604020202020204" pitchFamily="34" charset="0"/>
+              </a:rPr>
+              <a:t> was 1 are left…</a:t>
+            </a:r>
+          </a:p>
+        </p:txBody>
+      </p:sp>
+      <p:pic>
+        <p:nvPicPr>
+          <p:cNvPr id="6" name="Picture 5">
+            <a:extLst>
+              <a:ext uri="{FF2B5EF4-FFF2-40B4-BE49-F238E27FC236}">
+                <a16:creationId xmlns:a16="http://schemas.microsoft.com/office/drawing/2014/main" id="{FD4F07D0-9033-4BBC-8A31-9E3DC4807A9B}"/>
+              </a:ext>
+            </a:extLst>
+          </p:cNvPr>
+          <p:cNvPicPr>
+            <a:picLocks noChangeAspect="1"/>
+          </p:cNvPicPr>
+          <p:nvPr/>
+        </p:nvPicPr>
+        <p:blipFill>
+          <a:blip r:embed="rId3"/>
+          <a:stretch>
+            <a:fillRect/>
+          </a:stretch>
+        </p:blipFill>
+        <p:spPr>
+          <a:xfrm>
+            <a:off x="4940516" y="3281752"/>
+            <a:ext cx="5613184" cy="3445171"/>
+          </a:xfrm>
+          <a:prstGeom prst="rect">
+            <a:avLst/>
+          </a:prstGeom>
+        </p:spPr>
+      </p:pic>
+      <p:sp>
+        <p:nvSpPr>
+          <p:cNvPr id="7" name="TextBox 6">
+            <a:extLst>
+              <a:ext uri="{FF2B5EF4-FFF2-40B4-BE49-F238E27FC236}">
+                <a16:creationId xmlns:a16="http://schemas.microsoft.com/office/drawing/2014/main" id="{9E2DDFB0-1FCF-4434-8B66-3CEC74E99ACD}"/>
+              </a:ext>
+            </a:extLst>
+          </p:cNvPr>
+          <p:cNvSpPr txBox="1"/>
+          <p:nvPr/>
+        </p:nvSpPr>
+        <p:spPr>
+          <a:xfrm>
+            <a:off x="6845300" y="2870200"/>
+            <a:ext cx="1082669" cy="369332"/>
+          </a:xfrm>
+          <a:prstGeom prst="rect">
+            <a:avLst/>
+          </a:prstGeom>
+          <a:noFill/>
+        </p:spPr>
+        <p:txBody>
+          <a:bodyPr wrap="none" rtlCol="0">
+            <a:spAutoFit/>
+          </a:bodyPr>
+          <a:lstStyle/>
+          <a:p>
+            <a:r>
+              <a:rPr lang="en-US" dirty="0"/>
+              <a:t>edit(</a:t>
+            </a:r>
+            <a:r>
+              <a:rPr lang="en-US" dirty="0" err="1"/>
+              <a:t>myT</a:t>
+            </a:r>
+            <a:r>
+              <a:rPr lang="en-US" dirty="0"/>
+              <a:t>)</a:t>
+            </a:r>
+          </a:p>
+        </p:txBody>
+      </p:sp>
+    </p:spTree>
+    <p:extLst>
+      <p:ext uri="{BB962C8B-B14F-4D97-AF65-F5344CB8AC3E}">
+        <p14:creationId xmlns:p14="http://schemas.microsoft.com/office/powerpoint/2010/main" val="922763614"/>
+      </p:ext>
+    </p:extLst>
+  </p:cSld>
+  <p:clrMapOvr>
+    <a:masterClrMapping/>
+  </p:clrMapOvr>
+</p:sld>
+</file>
+
+<file path=ppt/slides/slide37.xml><?xml version="1.0" encoding="utf-8"?>
+<p:sld xmlns:a="http://schemas.openxmlformats.org/drawingml/2006/main" xmlns:r="http://schemas.openxmlformats.org/officeDocument/2006/relationships" xmlns:p="http://schemas.openxmlformats.org/presentationml/2006/main">
+  <p:cSld>
+    <p:spTree>
+      <p:nvGrpSpPr>
+        <p:cNvPr id="1" name=""/>
+        <p:cNvGrpSpPr/>
+        <p:nvPr/>
+      </p:nvGrpSpPr>
+      <p:grpSpPr>
+        <a:xfrm>
+          <a:off x="0" y="0"/>
+          <a:ext cx="0" cy="0"/>
+          <a:chOff x="0" y="0"/>
+          <a:chExt cx="0" cy="0"/>
+        </a:xfrm>
+      </p:grpSpPr>
+      <p:pic>
+        <p:nvPicPr>
+          <p:cNvPr id="4" name="Picture 3">
+            <a:extLst>
+              <a:ext uri="{FF2B5EF4-FFF2-40B4-BE49-F238E27FC236}">
+                <a16:creationId xmlns:a16="http://schemas.microsoft.com/office/drawing/2014/main" id="{C2F1BF32-FA63-4511-91CC-634E85428CD1}"/>
+              </a:ext>
+            </a:extLst>
+          </p:cNvPr>
+          <p:cNvPicPr>
+            <a:picLocks noChangeAspect="1"/>
+          </p:cNvPicPr>
+          <p:nvPr/>
+        </p:nvPicPr>
+        <p:blipFill>
+          <a:blip r:embed="rId2"/>
+          <a:stretch>
+            <a:fillRect/>
+          </a:stretch>
+        </p:blipFill>
+        <p:spPr>
+          <a:xfrm>
+            <a:off x="871537" y="2028825"/>
+            <a:ext cx="9071347" cy="1400175"/>
+          </a:xfrm>
+          <a:prstGeom prst="rect">
+            <a:avLst/>
+          </a:prstGeom>
+        </p:spPr>
+      </p:pic>
+      <p:sp>
+        <p:nvSpPr>
+          <p:cNvPr id="5" name="TextBox 4">
+            <a:extLst>
+              <a:ext uri="{FF2B5EF4-FFF2-40B4-BE49-F238E27FC236}">
+                <a16:creationId xmlns:a16="http://schemas.microsoft.com/office/drawing/2014/main" id="{AC41074E-73C4-4BFB-BE42-2C30C5D03B0C}"/>
+              </a:ext>
+            </a:extLst>
+          </p:cNvPr>
+          <p:cNvSpPr txBox="1"/>
+          <p:nvPr/>
+        </p:nvSpPr>
+        <p:spPr>
+          <a:xfrm>
+            <a:off x="800100" y="431800"/>
+            <a:ext cx="8468985" cy="369332"/>
+          </a:xfrm>
+          <a:prstGeom prst="rect">
+            <a:avLst/>
+          </a:prstGeom>
+          <a:noFill/>
+        </p:spPr>
+        <p:txBody>
+          <a:bodyPr wrap="none" rtlCol="0">
+            <a:spAutoFit/>
+          </a:bodyPr>
+          <a:lstStyle/>
+          <a:p>
+            <a:r>
+              <a:rPr lang="en-US" dirty="0">
+                <a:latin typeface="Arial" panose="020B0604020202020204" pitchFamily="34" charset="0"/>
+                <a:cs typeface="Arial" panose="020B0604020202020204" pitchFamily="34" charset="0"/>
+              </a:rPr>
+              <a:t>The ability to quickly subset data tables is one of the most powerful features of R </a:t>
+            </a:r>
+          </a:p>
+        </p:txBody>
+      </p:sp>
+      <p:cxnSp>
+        <p:nvCxnSpPr>
+          <p:cNvPr id="8" name="Straight Arrow Connector 7">
+            <a:extLst>
+              <a:ext uri="{FF2B5EF4-FFF2-40B4-BE49-F238E27FC236}">
+                <a16:creationId xmlns:a16="http://schemas.microsoft.com/office/drawing/2014/main" id="{9D299B9D-4C4C-49DB-878C-8AFFB38D2EFC}"/>
+              </a:ext>
+            </a:extLst>
+          </p:cNvPr>
+          <p:cNvCxnSpPr/>
+          <p:nvPr/>
+        </p:nvCxnSpPr>
+        <p:spPr>
+          <a:xfrm flipH="1" flipV="1">
+            <a:off x="7785100" y="2400300"/>
+            <a:ext cx="723900" cy="622300"/>
+          </a:xfrm>
+          <a:prstGeom prst="straightConnector1">
+            <a:avLst/>
+          </a:prstGeom>
+          <a:ln>
+            <a:tailEnd type="triangle"/>
+          </a:ln>
+        </p:spPr>
+        <p:style>
+          <a:lnRef idx="1">
+            <a:schemeClr val="accent1"/>
+          </a:lnRef>
+          <a:fillRef idx="0">
+            <a:schemeClr val="accent1"/>
+          </a:fillRef>
+          <a:effectRef idx="0">
+            <a:schemeClr val="accent1"/>
+          </a:effectRef>
+          <a:fontRef idx="minor">
+            <a:schemeClr val="tx1"/>
+          </a:fontRef>
+        </p:style>
+      </p:cxnSp>
+      <p:sp>
+        <p:nvSpPr>
+          <p:cNvPr id="9" name="TextBox 8">
+            <a:extLst>
+              <a:ext uri="{FF2B5EF4-FFF2-40B4-BE49-F238E27FC236}">
+                <a16:creationId xmlns:a16="http://schemas.microsoft.com/office/drawing/2014/main" id="{EA55959E-6483-4E4E-905C-6B70BDDEC8A0}"/>
+              </a:ext>
+            </a:extLst>
+          </p:cNvPr>
+          <p:cNvSpPr txBox="1"/>
+          <p:nvPr/>
+        </p:nvSpPr>
+        <p:spPr>
+          <a:xfrm>
+            <a:off x="8216900" y="3225800"/>
+            <a:ext cx="3403496" cy="646331"/>
+          </a:xfrm>
+          <a:prstGeom prst="rect">
+            <a:avLst/>
+          </a:prstGeom>
+          <a:noFill/>
+        </p:spPr>
+        <p:txBody>
+          <a:bodyPr wrap="none" rtlCol="0">
+            <a:spAutoFit/>
+          </a:bodyPr>
+          <a:lstStyle/>
+          <a:p>
+            <a:r>
+              <a:rPr lang="en-US" dirty="0">
+                <a:latin typeface="Arial" panose="020B0604020202020204" pitchFamily="34" charset="0"/>
+                <a:cs typeface="Arial" panose="020B0604020202020204" pitchFamily="34" charset="0"/>
+              </a:rPr>
+              <a:t>Return columns 10-13 </a:t>
+            </a:r>
+          </a:p>
+          <a:p>
+            <a:r>
+              <a:rPr lang="en-US" dirty="0">
+                <a:latin typeface="Arial" panose="020B0604020202020204" pitchFamily="34" charset="0"/>
+                <a:cs typeface="Arial" panose="020B0604020202020204" pitchFamily="34" charset="0"/>
+              </a:rPr>
+              <a:t>for one subject at one timepoint</a:t>
+            </a:r>
+          </a:p>
+        </p:txBody>
+      </p:sp>
+    </p:spTree>
+    <p:extLst>
+      <p:ext uri="{BB962C8B-B14F-4D97-AF65-F5344CB8AC3E}">
+        <p14:creationId xmlns:p14="http://schemas.microsoft.com/office/powerpoint/2010/main" val="3582912136"/>
+      </p:ext>
+    </p:extLst>
+  </p:cSld>
+  <p:clrMapOvr>
+    <a:masterClrMapping/>
+  </p:clrMapOvr>
+</p:sld>
+</file>
+
+<file path=ppt/slides/slide38.xml><?xml version="1.0" encoding="utf-8"?>
+<p:sld xmlns:a="http://schemas.openxmlformats.org/drawingml/2006/main" xmlns:r="http://schemas.openxmlformats.org/officeDocument/2006/relationships" xmlns:p="http://schemas.openxmlformats.org/presentationml/2006/main">
+  <p:cSld>
+    <p:spTree>
+      <p:nvGrpSpPr>
+        <p:cNvPr id="1" name=""/>
+        <p:cNvGrpSpPr/>
+        <p:nvPr/>
+      </p:nvGrpSpPr>
+      <p:grpSpPr>
+        <a:xfrm>
+          <a:off x="0" y="0"/>
+          <a:ext cx="0" cy="0"/>
+          <a:chOff x="0" y="0"/>
+          <a:chExt cx="0" cy="0"/>
+        </a:xfrm>
+      </p:grpSpPr>
+      <p:pic>
+        <p:nvPicPr>
+          <p:cNvPr id="4" name="Picture 3">
+            <a:extLst>
+              <a:ext uri="{FF2B5EF4-FFF2-40B4-BE49-F238E27FC236}">
+                <a16:creationId xmlns:a16="http://schemas.microsoft.com/office/drawing/2014/main" id="{EE14F5AD-9586-41DC-AB69-59A1F478E82C}"/>
+              </a:ext>
+            </a:extLst>
+          </p:cNvPr>
+          <p:cNvPicPr>
+            <a:picLocks noChangeAspect="1"/>
+          </p:cNvPicPr>
+          <p:nvPr/>
+        </p:nvPicPr>
+        <p:blipFill>
+          <a:blip r:embed="rId2"/>
+          <a:stretch>
+            <a:fillRect/>
+          </a:stretch>
+        </p:blipFill>
+        <p:spPr>
+          <a:xfrm>
+            <a:off x="322932" y="1031620"/>
+            <a:ext cx="9201077" cy="4628505"/>
+          </a:xfrm>
+          <a:prstGeom prst="rect">
+            <a:avLst/>
+          </a:prstGeom>
+        </p:spPr>
+      </p:pic>
+      <p:cxnSp>
+        <p:nvCxnSpPr>
+          <p:cNvPr id="5" name="Straight Arrow Connector 4">
+            <a:extLst>
+              <a:ext uri="{FF2B5EF4-FFF2-40B4-BE49-F238E27FC236}">
+                <a16:creationId xmlns:a16="http://schemas.microsoft.com/office/drawing/2014/main" id="{80ABD150-415F-42AE-B5E0-981074089EA4}"/>
+              </a:ext>
+            </a:extLst>
+          </p:cNvPr>
+          <p:cNvCxnSpPr/>
+          <p:nvPr/>
+        </p:nvCxnSpPr>
+        <p:spPr>
+          <a:xfrm flipH="1">
+            <a:off x="3124209" y="4434774"/>
+            <a:ext cx="1092530" cy="0"/>
+          </a:xfrm>
+          <a:prstGeom prst="straightConnector1">
+            <a:avLst/>
+          </a:prstGeom>
+          <a:ln>
+            <a:tailEnd type="triangle"/>
+          </a:ln>
+        </p:spPr>
+        <p:style>
+          <a:lnRef idx="1">
+            <a:schemeClr val="accent1"/>
+          </a:lnRef>
+          <a:fillRef idx="0">
+            <a:schemeClr val="accent1"/>
+          </a:fillRef>
+          <a:effectRef idx="0">
+            <a:schemeClr val="accent1"/>
+          </a:effectRef>
+          <a:fontRef idx="minor">
+            <a:schemeClr val="tx1"/>
+          </a:fontRef>
+        </p:style>
+      </p:cxnSp>
+      <p:sp>
+        <p:nvSpPr>
+          <p:cNvPr id="6" name="TextBox 5">
+            <a:extLst>
+              <a:ext uri="{FF2B5EF4-FFF2-40B4-BE49-F238E27FC236}">
+                <a16:creationId xmlns:a16="http://schemas.microsoft.com/office/drawing/2014/main" id="{82FECD9C-8412-4AD2-8E34-E5B95D3191B6}"/>
+              </a:ext>
+            </a:extLst>
+          </p:cNvPr>
+          <p:cNvSpPr txBox="1"/>
+          <p:nvPr/>
+        </p:nvSpPr>
+        <p:spPr>
+          <a:xfrm>
+            <a:off x="3240241" y="4011716"/>
+            <a:ext cx="6314549" cy="646331"/>
+          </a:xfrm>
+          <a:prstGeom prst="rect">
+            <a:avLst/>
+          </a:prstGeom>
+          <a:noFill/>
+        </p:spPr>
+        <p:txBody>
+          <a:bodyPr wrap="none" rtlCol="0">
+            <a:spAutoFit/>
+          </a:bodyPr>
+          <a:lstStyle/>
+          <a:p>
+            <a:pPr algn="r"/>
+            <a:r>
+              <a:rPr lang="en-US" dirty="0">
+                <a:latin typeface="Arial" panose="020B0604020202020204" pitchFamily="34" charset="0"/>
+                <a:cs typeface="Arial" panose="020B0604020202020204" pitchFamily="34" charset="0"/>
+              </a:rPr>
+              <a:t>Here we separate the data we want to ordinate from the first</a:t>
+            </a:r>
+          </a:p>
+          <a:p>
+            <a:r>
+              <a:rPr lang="en-US" dirty="0">
+                <a:latin typeface="Arial" panose="020B0604020202020204" pitchFamily="34" charset="0"/>
+                <a:cs typeface="Arial" panose="020B0604020202020204" pitchFamily="34" charset="0"/>
+              </a:rPr>
+              <a:t>                4 columns of metadata </a:t>
+            </a:r>
+          </a:p>
+        </p:txBody>
+      </p:sp>
+      <p:sp>
+        <p:nvSpPr>
+          <p:cNvPr id="7" name="Rectangle 6">
+            <a:extLst>
+              <a:ext uri="{FF2B5EF4-FFF2-40B4-BE49-F238E27FC236}">
+                <a16:creationId xmlns:a16="http://schemas.microsoft.com/office/drawing/2014/main" id="{EF4D2280-75CA-4539-9988-A67404BF7E5E}"/>
+              </a:ext>
+            </a:extLst>
+          </p:cNvPr>
+          <p:cNvSpPr/>
+          <p:nvPr/>
+        </p:nvSpPr>
+        <p:spPr>
+          <a:xfrm>
+            <a:off x="1917700" y="6488668"/>
+            <a:ext cx="10566400" cy="369332"/>
+          </a:xfrm>
+          <a:prstGeom prst="rect">
+            <a:avLst/>
+          </a:prstGeom>
+        </p:spPr>
+        <p:txBody>
+          <a:bodyPr wrap="square">
+            <a:spAutoFit/>
+          </a:bodyPr>
+          <a:lstStyle/>
+          <a:p>
+            <a:r>
+              <a:rPr lang="en-US" dirty="0"/>
+              <a:t>https://github.com/afodor/metagenomicsTools/blob/master/src/classExamples/ch2018/quickOrdination.txt</a:t>
+            </a:r>
+          </a:p>
+        </p:txBody>
+      </p:sp>
+    </p:spTree>
+    <p:extLst>
+      <p:ext uri="{BB962C8B-B14F-4D97-AF65-F5344CB8AC3E}">
+        <p14:creationId xmlns:p14="http://schemas.microsoft.com/office/powerpoint/2010/main" val="1359000178"/>
+      </p:ext>
+    </p:extLst>
+  </p:cSld>
+  <p:clrMapOvr>
+    <a:masterClrMapping/>
+  </p:clrMapOvr>
+</p:sld>
+</file>
+
+<file path=ppt/slides/slide39.xml><?xml version="1.0" encoding="utf-8"?>
+<p:sld xmlns:a="http://schemas.openxmlformats.org/drawingml/2006/main" xmlns:r="http://schemas.openxmlformats.org/officeDocument/2006/relationships" xmlns:p="http://schemas.openxmlformats.org/presentationml/2006/main">
+  <p:cSld>
+    <p:spTree>
+      <p:nvGrpSpPr>
+        <p:cNvPr id="1" name=""/>
+        <p:cNvGrpSpPr/>
+        <p:nvPr/>
+      </p:nvGrpSpPr>
+      <p:grpSpPr>
+        <a:xfrm>
+          <a:off x="0" y="0"/>
+          <a:ext cx="0" cy="0"/>
+          <a:chOff x="0" y="0"/>
+          <a:chExt cx="0" cy="0"/>
+        </a:xfrm>
+      </p:grpSpPr>
+      <p:pic>
+        <p:nvPicPr>
+          <p:cNvPr id="4" name="Picture 3">
+            <a:extLst>
+              <a:ext uri="{FF2B5EF4-FFF2-40B4-BE49-F238E27FC236}">
+                <a16:creationId xmlns:a16="http://schemas.microsoft.com/office/drawing/2014/main" id="{004802DA-2BAF-4A6E-A3C6-AA7E6014CA7C}"/>
+              </a:ext>
+            </a:extLst>
+          </p:cNvPr>
+          <p:cNvPicPr>
+            <a:picLocks noChangeAspect="1"/>
+          </p:cNvPicPr>
+          <p:nvPr/>
+        </p:nvPicPr>
+        <p:blipFill>
+          <a:blip r:embed="rId2"/>
+          <a:stretch>
+            <a:fillRect/>
+          </a:stretch>
+        </p:blipFill>
+        <p:spPr>
+          <a:xfrm>
+            <a:off x="2241550" y="1068387"/>
+            <a:ext cx="8724900" cy="4543425"/>
+          </a:xfrm>
+          <a:prstGeom prst="rect">
+            <a:avLst/>
+          </a:prstGeom>
+        </p:spPr>
+      </p:pic>
+      <p:cxnSp>
+        <p:nvCxnSpPr>
+          <p:cNvPr id="7" name="Straight Arrow Connector 6">
+            <a:extLst>
+              <a:ext uri="{FF2B5EF4-FFF2-40B4-BE49-F238E27FC236}">
+                <a16:creationId xmlns:a16="http://schemas.microsoft.com/office/drawing/2014/main" id="{0B00CD63-D0D3-4D90-BF07-D32C609F3143}"/>
+              </a:ext>
+            </a:extLst>
+          </p:cNvPr>
+          <p:cNvCxnSpPr/>
+          <p:nvPr/>
+        </p:nvCxnSpPr>
+        <p:spPr>
+          <a:xfrm flipV="1">
+            <a:off x="1463965" y="3086100"/>
+            <a:ext cx="898235" cy="609600"/>
+          </a:xfrm>
+          <a:prstGeom prst="straightConnector1">
+            <a:avLst/>
+          </a:prstGeom>
+          <a:ln>
+            <a:tailEnd type="triangle"/>
+          </a:ln>
+        </p:spPr>
+        <p:style>
+          <a:lnRef idx="1">
+            <a:schemeClr val="accent1"/>
+          </a:lnRef>
+          <a:fillRef idx="0">
+            <a:schemeClr val="accent1"/>
+          </a:fillRef>
+          <a:effectRef idx="0">
+            <a:schemeClr val="accent1"/>
+          </a:effectRef>
+          <a:fontRef idx="minor">
+            <a:schemeClr val="tx1"/>
+          </a:fontRef>
+        </p:style>
+      </p:cxnSp>
+      <p:sp>
+        <p:nvSpPr>
+          <p:cNvPr id="8" name="TextBox 7">
+            <a:extLst>
+              <a:ext uri="{FF2B5EF4-FFF2-40B4-BE49-F238E27FC236}">
+                <a16:creationId xmlns:a16="http://schemas.microsoft.com/office/drawing/2014/main" id="{0EEB8BE9-6412-4286-A6AD-23F68D96941A}"/>
+              </a:ext>
+            </a:extLst>
+          </p:cNvPr>
+          <p:cNvSpPr txBox="1"/>
+          <p:nvPr/>
+        </p:nvSpPr>
+        <p:spPr>
+          <a:xfrm>
+            <a:off x="292100" y="3962400"/>
+            <a:ext cx="1582484" cy="923330"/>
+          </a:xfrm>
+          <a:prstGeom prst="rect">
+            <a:avLst/>
+          </a:prstGeom>
+          <a:noFill/>
+        </p:spPr>
+        <p:txBody>
+          <a:bodyPr wrap="none" rtlCol="0">
+            <a:spAutoFit/>
+          </a:bodyPr>
+          <a:lstStyle/>
+          <a:p>
+            <a:r>
+              <a:rPr lang="en-US" dirty="0">
+                <a:latin typeface="Arial" panose="020B0604020202020204" pitchFamily="34" charset="0"/>
+                <a:cs typeface="Arial" panose="020B0604020202020204" pitchFamily="34" charset="0"/>
+              </a:rPr>
+              <a:t>Return all</a:t>
+            </a:r>
+          </a:p>
+          <a:p>
+            <a:r>
+              <a:rPr lang="en-US" dirty="0">
+                <a:latin typeface="Arial" panose="020B0604020202020204" pitchFamily="34" charset="0"/>
+                <a:cs typeface="Arial" panose="020B0604020202020204" pitchFamily="34" charset="0"/>
+              </a:rPr>
+              <a:t>but the first 4 </a:t>
+            </a:r>
+          </a:p>
+          <a:p>
+            <a:r>
+              <a:rPr lang="en-US" dirty="0">
+                <a:latin typeface="Arial" panose="020B0604020202020204" pitchFamily="34" charset="0"/>
+                <a:cs typeface="Arial" panose="020B0604020202020204" pitchFamily="34" charset="0"/>
+              </a:rPr>
+              <a:t>columns</a:t>
+            </a:r>
+          </a:p>
+        </p:txBody>
+      </p:sp>
+    </p:spTree>
+    <p:extLst>
+      <p:ext uri="{BB962C8B-B14F-4D97-AF65-F5344CB8AC3E}">
+        <p14:creationId xmlns:p14="http://schemas.microsoft.com/office/powerpoint/2010/main" val="599067193"/>
+      </p:ext>
+    </p:extLst>
+  </p:cSld>
+  <p:clrMapOvr>
+    <a:masterClrMapping/>
+  </p:clrMapOvr>
 </p:sld>
 </file>
 
@@ -5949,7 +8607,7 @@
           <a:lstStyle/>
           <a:p>
             <a:r>
-              <a:rPr lang="en-US" dirty="0" smtClean="0">
+              <a:rPr lang="en-US" dirty="0">
                 <a:latin typeface="Arial" panose="020B0604020202020204" pitchFamily="34" charset="0"/>
                 <a:cs typeface="Arial" panose="020B0604020202020204" pitchFamily="34" charset="0"/>
               </a:rPr>
@@ -5958,7 +8616,7 @@
           </a:p>
           <a:p>
             <a:r>
-              <a:rPr lang="en-US" dirty="0" smtClean="0">
+              <a:rPr lang="en-US" dirty="0">
                 <a:latin typeface="Arial" panose="020B0604020202020204" pitchFamily="34" charset="0"/>
                 <a:cs typeface="Arial" panose="020B0604020202020204" pitchFamily="34" charset="0"/>
               </a:rPr>
@@ -5966,13 +8624,13 @@
             </a:r>
           </a:p>
           <a:p>
-            <a:endParaRPr lang="en-US" dirty="0" smtClean="0">
+            <a:endParaRPr lang="en-US" dirty="0">
               <a:latin typeface="Arial" panose="020B0604020202020204" pitchFamily="34" charset="0"/>
               <a:cs typeface="Arial" panose="020B0604020202020204" pitchFamily="34" charset="0"/>
             </a:endParaRPr>
           </a:p>
           <a:p>
-            <a:endParaRPr lang="en-US" dirty="0" smtClean="0">
+            <a:endParaRPr lang="en-US" dirty="0">
               <a:latin typeface="Arial" panose="020B0604020202020204" pitchFamily="34" charset="0"/>
               <a:cs typeface="Arial" panose="020B0604020202020204" pitchFamily="34" charset="0"/>
             </a:endParaRPr>
@@ -6047,13 +8705,1073 @@
   <p:clrMapOvr>
     <a:masterClrMapping/>
   </p:clrMapOvr>
-  <p:timing>
-    <p:tnLst>
-      <p:par>
-        <p:cTn id="1" dur="indefinite" restart="never" nodeType="tmRoot"/>
-      </p:par>
-    </p:tnLst>
-  </p:timing>
+</p:sld>
+</file>
+
+<file path=ppt/slides/slide40.xml><?xml version="1.0" encoding="utf-8"?>
+<p:sld xmlns:a="http://schemas.openxmlformats.org/drawingml/2006/main" xmlns:r="http://schemas.openxmlformats.org/officeDocument/2006/relationships" xmlns:p="http://schemas.openxmlformats.org/presentationml/2006/main">
+  <p:cSld>
+    <p:spTree>
+      <p:nvGrpSpPr>
+        <p:cNvPr id="1" name=""/>
+        <p:cNvGrpSpPr/>
+        <p:nvPr/>
+      </p:nvGrpSpPr>
+      <p:grpSpPr>
+        <a:xfrm>
+          <a:off x="0" y="0"/>
+          <a:ext cx="0" cy="0"/>
+          <a:chOff x="0" y="0"/>
+          <a:chExt cx="0" cy="0"/>
+        </a:xfrm>
+      </p:grpSpPr>
+      <p:pic>
+        <p:nvPicPr>
+          <p:cNvPr id="4" name="Picture 3">
+            <a:extLst>
+              <a:ext uri="{FF2B5EF4-FFF2-40B4-BE49-F238E27FC236}">
+                <a16:creationId xmlns:a16="http://schemas.microsoft.com/office/drawing/2014/main" id="{BC860B08-6554-437A-BF83-AF1A17D48E2C}"/>
+              </a:ext>
+            </a:extLst>
+          </p:cNvPr>
+          <p:cNvPicPr>
+            <a:picLocks noChangeAspect="1"/>
+          </p:cNvPicPr>
+          <p:nvPr/>
+        </p:nvPicPr>
+        <p:blipFill>
+          <a:blip r:embed="rId2"/>
+          <a:stretch>
+            <a:fillRect/>
+          </a:stretch>
+        </p:blipFill>
+        <p:spPr>
+          <a:xfrm>
+            <a:off x="322932" y="1031620"/>
+            <a:ext cx="9201077" cy="4628505"/>
+          </a:xfrm>
+          <a:prstGeom prst="rect">
+            <a:avLst/>
+          </a:prstGeom>
+        </p:spPr>
+      </p:pic>
+      <p:cxnSp>
+        <p:nvCxnSpPr>
+          <p:cNvPr id="5" name="Straight Arrow Connector 4">
+            <a:extLst>
+              <a:ext uri="{FF2B5EF4-FFF2-40B4-BE49-F238E27FC236}">
+                <a16:creationId xmlns:a16="http://schemas.microsoft.com/office/drawing/2014/main" id="{053EE9A6-ACC5-4D74-961E-87C855193CA0}"/>
+              </a:ext>
+            </a:extLst>
+          </p:cNvPr>
+          <p:cNvCxnSpPr/>
+          <p:nvPr/>
+        </p:nvCxnSpPr>
+        <p:spPr>
+          <a:xfrm flipH="1">
+            <a:off x="4699009" y="4980874"/>
+            <a:ext cx="1092530" cy="0"/>
+          </a:xfrm>
+          <a:prstGeom prst="straightConnector1">
+            <a:avLst/>
+          </a:prstGeom>
+          <a:ln>
+            <a:tailEnd type="triangle"/>
+          </a:ln>
+        </p:spPr>
+        <p:style>
+          <a:lnRef idx="1">
+            <a:schemeClr val="accent1"/>
+          </a:lnRef>
+          <a:fillRef idx="0">
+            <a:schemeClr val="accent1"/>
+          </a:fillRef>
+          <a:effectRef idx="0">
+            <a:schemeClr val="accent1"/>
+          </a:effectRef>
+          <a:fontRef idx="minor">
+            <a:schemeClr val="tx1"/>
+          </a:fontRef>
+        </p:style>
+      </p:cxnSp>
+      <p:sp>
+        <p:nvSpPr>
+          <p:cNvPr id="6" name="TextBox 5">
+            <a:extLst>
+              <a:ext uri="{FF2B5EF4-FFF2-40B4-BE49-F238E27FC236}">
+                <a16:creationId xmlns:a16="http://schemas.microsoft.com/office/drawing/2014/main" id="{639EC624-98F9-4414-A73B-C9F3CDC19514}"/>
+              </a:ext>
+            </a:extLst>
+          </p:cNvPr>
+          <p:cNvSpPr txBox="1"/>
+          <p:nvPr/>
+        </p:nvSpPr>
+        <p:spPr>
+          <a:xfrm>
+            <a:off x="5668743" y="4735616"/>
+            <a:ext cx="4711547" cy="369332"/>
+          </a:xfrm>
+          <a:prstGeom prst="rect">
+            <a:avLst/>
+          </a:prstGeom>
+          <a:noFill/>
+        </p:spPr>
+        <p:txBody>
+          <a:bodyPr wrap="none" rtlCol="0">
+            <a:spAutoFit/>
+          </a:bodyPr>
+          <a:lstStyle/>
+          <a:p>
+            <a:pPr algn="r"/>
+            <a:r>
+              <a:rPr lang="en-US" dirty="0">
+                <a:latin typeface="Arial" panose="020B0604020202020204" pitchFamily="34" charset="0"/>
+                <a:cs typeface="Arial" panose="020B0604020202020204" pitchFamily="34" charset="0"/>
+              </a:rPr>
+              <a:t>Here we do the ordination/data compression</a:t>
+            </a:r>
+          </a:p>
+        </p:txBody>
+      </p:sp>
+      <p:sp>
+        <p:nvSpPr>
+          <p:cNvPr id="7" name="Rectangle 6">
+            <a:extLst>
+              <a:ext uri="{FF2B5EF4-FFF2-40B4-BE49-F238E27FC236}">
+                <a16:creationId xmlns:a16="http://schemas.microsoft.com/office/drawing/2014/main" id="{469E6710-DAB5-4486-8A33-254232C45191}"/>
+              </a:ext>
+            </a:extLst>
+          </p:cNvPr>
+          <p:cNvSpPr/>
+          <p:nvPr/>
+        </p:nvSpPr>
+        <p:spPr>
+          <a:xfrm>
+            <a:off x="1917700" y="6488668"/>
+            <a:ext cx="10566400" cy="369332"/>
+          </a:xfrm>
+          <a:prstGeom prst="rect">
+            <a:avLst/>
+          </a:prstGeom>
+        </p:spPr>
+        <p:txBody>
+          <a:bodyPr wrap="square">
+            <a:spAutoFit/>
+          </a:bodyPr>
+          <a:lstStyle/>
+          <a:p>
+            <a:r>
+              <a:rPr lang="en-US" dirty="0"/>
+              <a:t>https://github.com/afodor/metagenomicsTools/blob/master/src/classExamples/ch2018/quickOrdination.txt</a:t>
+            </a:r>
+          </a:p>
+        </p:txBody>
+      </p:sp>
+    </p:spTree>
+    <p:extLst>
+      <p:ext uri="{BB962C8B-B14F-4D97-AF65-F5344CB8AC3E}">
+        <p14:creationId xmlns:p14="http://schemas.microsoft.com/office/powerpoint/2010/main" val="742461403"/>
+      </p:ext>
+    </p:extLst>
+  </p:cSld>
+  <p:clrMapOvr>
+    <a:masterClrMapping/>
+  </p:clrMapOvr>
+</p:sld>
+</file>
+
+<file path=ppt/slides/slide41.xml><?xml version="1.0" encoding="utf-8"?>
+<p:sld xmlns:a="http://schemas.openxmlformats.org/drawingml/2006/main" xmlns:r="http://schemas.openxmlformats.org/officeDocument/2006/relationships" xmlns:p="http://schemas.openxmlformats.org/presentationml/2006/main">
+  <p:cSld>
+    <p:spTree>
+      <p:nvGrpSpPr>
+        <p:cNvPr id="1" name=""/>
+        <p:cNvGrpSpPr/>
+        <p:nvPr/>
+      </p:nvGrpSpPr>
+      <p:grpSpPr>
+        <a:xfrm>
+          <a:off x="0" y="0"/>
+          <a:ext cx="0" cy="0"/>
+          <a:chOff x="0" y="0"/>
+          <a:chExt cx="0" cy="0"/>
+        </a:xfrm>
+      </p:grpSpPr>
+      <p:pic>
+        <p:nvPicPr>
+          <p:cNvPr id="6" name="Picture 5">
+            <a:extLst>
+              <a:ext uri="{FF2B5EF4-FFF2-40B4-BE49-F238E27FC236}">
+                <a16:creationId xmlns:a16="http://schemas.microsoft.com/office/drawing/2014/main" id="{6C507BE8-A6C9-4FC8-B4ED-32E1ABA2DA03}"/>
+              </a:ext>
+            </a:extLst>
+          </p:cNvPr>
+          <p:cNvPicPr>
+            <a:picLocks noChangeAspect="1"/>
+          </p:cNvPicPr>
+          <p:nvPr/>
+        </p:nvPicPr>
+        <p:blipFill>
+          <a:blip r:embed="rId2"/>
+          <a:stretch>
+            <a:fillRect/>
+          </a:stretch>
+        </p:blipFill>
+        <p:spPr>
+          <a:xfrm>
+            <a:off x="322932" y="1031620"/>
+            <a:ext cx="9201077" cy="4628505"/>
+          </a:xfrm>
+          <a:prstGeom prst="rect">
+            <a:avLst/>
+          </a:prstGeom>
+        </p:spPr>
+      </p:pic>
+      <p:sp>
+        <p:nvSpPr>
+          <p:cNvPr id="8" name="TextBox 7">
+            <a:extLst>
+              <a:ext uri="{FF2B5EF4-FFF2-40B4-BE49-F238E27FC236}">
+                <a16:creationId xmlns:a16="http://schemas.microsoft.com/office/drawing/2014/main" id="{52DAFE44-E888-4713-B0B9-3A42F74C70CE}"/>
+              </a:ext>
+            </a:extLst>
+          </p:cNvPr>
+          <p:cNvSpPr txBox="1"/>
+          <p:nvPr/>
+        </p:nvSpPr>
+        <p:spPr>
+          <a:xfrm>
+            <a:off x="8931924" y="4799116"/>
+            <a:ext cx="2159566" cy="369332"/>
+          </a:xfrm>
+          <a:prstGeom prst="rect">
+            <a:avLst/>
+          </a:prstGeom>
+          <a:noFill/>
+        </p:spPr>
+        <p:txBody>
+          <a:bodyPr wrap="none" rtlCol="0">
+            <a:spAutoFit/>
+          </a:bodyPr>
+          <a:lstStyle/>
+          <a:p>
+            <a:pPr algn="r"/>
+            <a:r>
+              <a:rPr lang="en-US" dirty="0">
+                <a:latin typeface="Arial" panose="020B0604020202020204" pitchFamily="34" charset="0"/>
+                <a:cs typeface="Arial" panose="020B0604020202020204" pitchFamily="34" charset="0"/>
+              </a:rPr>
+              <a:t>And plot the results</a:t>
+            </a:r>
+          </a:p>
+        </p:txBody>
+      </p:sp>
+      <p:sp>
+        <p:nvSpPr>
+          <p:cNvPr id="9" name="Rectangle 8">
+            <a:extLst>
+              <a:ext uri="{FF2B5EF4-FFF2-40B4-BE49-F238E27FC236}">
+                <a16:creationId xmlns:a16="http://schemas.microsoft.com/office/drawing/2014/main" id="{D040B557-64B3-453C-B834-99B97318C5E9}"/>
+              </a:ext>
+            </a:extLst>
+          </p:cNvPr>
+          <p:cNvSpPr/>
+          <p:nvPr/>
+        </p:nvSpPr>
+        <p:spPr>
+          <a:xfrm>
+            <a:off x="1917700" y="6488668"/>
+            <a:ext cx="10566400" cy="369332"/>
+          </a:xfrm>
+          <a:prstGeom prst="rect">
+            <a:avLst/>
+          </a:prstGeom>
+        </p:spPr>
+        <p:txBody>
+          <a:bodyPr wrap="square">
+            <a:spAutoFit/>
+          </a:bodyPr>
+          <a:lstStyle/>
+          <a:p>
+            <a:r>
+              <a:rPr lang="en-US" dirty="0"/>
+              <a:t>https://github.com/afodor/metagenomicsTools/blob/master/src/classExamples/ch2018/quickOrdination.txt</a:t>
+            </a:r>
+          </a:p>
+        </p:txBody>
+      </p:sp>
+      <p:cxnSp>
+        <p:nvCxnSpPr>
+          <p:cNvPr id="11" name="Straight Arrow Connector 10">
+            <a:extLst>
+              <a:ext uri="{FF2B5EF4-FFF2-40B4-BE49-F238E27FC236}">
+                <a16:creationId xmlns:a16="http://schemas.microsoft.com/office/drawing/2014/main" id="{1985BA4B-2271-49FF-8B78-F8D1C4B7DB98}"/>
+              </a:ext>
+            </a:extLst>
+          </p:cNvPr>
+          <p:cNvCxnSpPr/>
+          <p:nvPr/>
+        </p:nvCxnSpPr>
+        <p:spPr>
+          <a:xfrm flipH="1">
+            <a:off x="8877300" y="5181600"/>
+            <a:ext cx="393700" cy="203200"/>
+          </a:xfrm>
+          <a:prstGeom prst="straightConnector1">
+            <a:avLst/>
+          </a:prstGeom>
+          <a:ln>
+            <a:tailEnd type="triangle"/>
+          </a:ln>
+        </p:spPr>
+        <p:style>
+          <a:lnRef idx="1">
+            <a:schemeClr val="accent1"/>
+          </a:lnRef>
+          <a:fillRef idx="0">
+            <a:schemeClr val="accent1"/>
+          </a:fillRef>
+          <a:effectRef idx="0">
+            <a:schemeClr val="accent1"/>
+          </a:effectRef>
+          <a:fontRef idx="minor">
+            <a:schemeClr val="tx1"/>
+          </a:fontRef>
+        </p:style>
+      </p:cxnSp>
+      <p:pic>
+        <p:nvPicPr>
+          <p:cNvPr id="12" name="Picture 11">
+            <a:extLst>
+              <a:ext uri="{FF2B5EF4-FFF2-40B4-BE49-F238E27FC236}">
+                <a16:creationId xmlns:a16="http://schemas.microsoft.com/office/drawing/2014/main" id="{BCE8DF19-1E57-4907-803E-A6149682F224}"/>
+              </a:ext>
+            </a:extLst>
+          </p:cNvPr>
+          <p:cNvPicPr>
+            <a:picLocks noChangeAspect="1"/>
+          </p:cNvPicPr>
+          <p:nvPr/>
+        </p:nvPicPr>
+        <p:blipFill>
+          <a:blip r:embed="rId3"/>
+          <a:stretch>
+            <a:fillRect/>
+          </a:stretch>
+        </p:blipFill>
+        <p:spPr>
+          <a:xfrm>
+            <a:off x="7964487" y="734787"/>
+            <a:ext cx="3630613" cy="3155983"/>
+          </a:xfrm>
+          <a:prstGeom prst="rect">
+            <a:avLst/>
+          </a:prstGeom>
+        </p:spPr>
+      </p:pic>
+    </p:spTree>
+    <p:extLst>
+      <p:ext uri="{BB962C8B-B14F-4D97-AF65-F5344CB8AC3E}">
+        <p14:creationId xmlns:p14="http://schemas.microsoft.com/office/powerpoint/2010/main" val="2467595524"/>
+      </p:ext>
+    </p:extLst>
+  </p:cSld>
+  <p:clrMapOvr>
+    <a:masterClrMapping/>
+  </p:clrMapOvr>
+</p:sld>
+</file>
+
+<file path=ppt/slides/slide42.xml><?xml version="1.0" encoding="utf-8"?>
+<p:sld xmlns:a="http://schemas.openxmlformats.org/drawingml/2006/main" xmlns:r="http://schemas.openxmlformats.org/officeDocument/2006/relationships" xmlns:p="http://schemas.openxmlformats.org/presentationml/2006/main">
+  <p:cSld>
+    <p:spTree>
+      <p:nvGrpSpPr>
+        <p:cNvPr id="1" name=""/>
+        <p:cNvGrpSpPr/>
+        <p:nvPr/>
+      </p:nvGrpSpPr>
+      <p:grpSpPr>
+        <a:xfrm>
+          <a:off x="0" y="0"/>
+          <a:ext cx="0" cy="0"/>
+          <a:chOff x="0" y="0"/>
+          <a:chExt cx="0" cy="0"/>
+        </a:xfrm>
+      </p:grpSpPr>
+      <p:pic>
+        <p:nvPicPr>
+          <p:cNvPr id="4" name="Picture 3">
+            <a:extLst>
+              <a:ext uri="{FF2B5EF4-FFF2-40B4-BE49-F238E27FC236}">
+                <a16:creationId xmlns:a16="http://schemas.microsoft.com/office/drawing/2014/main" id="{0D2767F2-DBA6-40C9-B330-65516DD08D19}"/>
+              </a:ext>
+            </a:extLst>
+          </p:cNvPr>
+          <p:cNvPicPr>
+            <a:picLocks noChangeAspect="1"/>
+          </p:cNvPicPr>
+          <p:nvPr/>
+        </p:nvPicPr>
+        <p:blipFill>
+          <a:blip r:embed="rId2"/>
+          <a:stretch>
+            <a:fillRect/>
+          </a:stretch>
+        </p:blipFill>
+        <p:spPr>
+          <a:xfrm>
+            <a:off x="2541587" y="680797"/>
+            <a:ext cx="6323013" cy="5496405"/>
+          </a:xfrm>
+          <a:prstGeom prst="rect">
+            <a:avLst/>
+          </a:prstGeom>
+        </p:spPr>
+      </p:pic>
+      <p:sp>
+        <p:nvSpPr>
+          <p:cNvPr id="5" name="TextBox 4">
+            <a:extLst>
+              <a:ext uri="{FF2B5EF4-FFF2-40B4-BE49-F238E27FC236}">
+                <a16:creationId xmlns:a16="http://schemas.microsoft.com/office/drawing/2014/main" id="{1D5CF232-3EE6-402E-A07D-5B8BDB225127}"/>
+              </a:ext>
+            </a:extLst>
+          </p:cNvPr>
+          <p:cNvSpPr txBox="1"/>
+          <p:nvPr/>
+        </p:nvSpPr>
+        <p:spPr>
+          <a:xfrm>
+            <a:off x="2541587" y="287097"/>
+            <a:ext cx="4557658" cy="369332"/>
+          </a:xfrm>
+          <a:prstGeom prst="rect">
+            <a:avLst/>
+          </a:prstGeom>
+          <a:noFill/>
+        </p:spPr>
+        <p:txBody>
+          <a:bodyPr wrap="none" rtlCol="0">
+            <a:spAutoFit/>
+          </a:bodyPr>
+          <a:lstStyle/>
+          <a:p>
+            <a:r>
+              <a:rPr lang="en-US" dirty="0">
+                <a:latin typeface="Arial" panose="020B0604020202020204" pitchFamily="34" charset="0"/>
+                <a:cs typeface="Arial" panose="020B0604020202020204" pitchFamily="34" charset="0"/>
+              </a:rPr>
+              <a:t>This graph is not quite publication ready….</a:t>
+            </a:r>
+          </a:p>
+        </p:txBody>
+      </p:sp>
+    </p:spTree>
+    <p:extLst>
+      <p:ext uri="{BB962C8B-B14F-4D97-AF65-F5344CB8AC3E}">
+        <p14:creationId xmlns:p14="http://schemas.microsoft.com/office/powerpoint/2010/main" val="3065881984"/>
+      </p:ext>
+    </p:extLst>
+  </p:cSld>
+  <p:clrMapOvr>
+    <a:masterClrMapping/>
+  </p:clrMapOvr>
+</p:sld>
+</file>
+
+<file path=ppt/slides/slide43.xml><?xml version="1.0" encoding="utf-8"?>
+<p:sld xmlns:a="http://schemas.openxmlformats.org/drawingml/2006/main" xmlns:r="http://schemas.openxmlformats.org/officeDocument/2006/relationships" xmlns:p="http://schemas.openxmlformats.org/presentationml/2006/main">
+  <p:cSld>
+    <p:spTree>
+      <p:nvGrpSpPr>
+        <p:cNvPr id="1" name=""/>
+        <p:cNvGrpSpPr/>
+        <p:nvPr/>
+      </p:nvGrpSpPr>
+      <p:grpSpPr>
+        <a:xfrm>
+          <a:off x="0" y="0"/>
+          <a:ext cx="0" cy="0"/>
+          <a:chOff x="0" y="0"/>
+          <a:chExt cx="0" cy="0"/>
+        </a:xfrm>
+      </p:grpSpPr>
+      <p:sp>
+        <p:nvSpPr>
+          <p:cNvPr id="6" name="TextBox 5">
+            <a:extLst>
+              <a:ext uri="{FF2B5EF4-FFF2-40B4-BE49-F238E27FC236}">
+                <a16:creationId xmlns:a16="http://schemas.microsoft.com/office/drawing/2014/main" id="{214AA094-6C3B-41F2-845E-744A36E23C8B}"/>
+              </a:ext>
+            </a:extLst>
+          </p:cNvPr>
+          <p:cNvSpPr txBox="1"/>
+          <p:nvPr/>
+        </p:nvSpPr>
+        <p:spPr>
+          <a:xfrm>
+            <a:off x="647700" y="6121400"/>
+            <a:ext cx="9657452" cy="646331"/>
+          </a:xfrm>
+          <a:prstGeom prst="rect">
+            <a:avLst/>
+          </a:prstGeom>
+          <a:noFill/>
+        </p:spPr>
+        <p:txBody>
+          <a:bodyPr wrap="none" rtlCol="0">
+            <a:spAutoFit/>
+          </a:bodyPr>
+          <a:lstStyle/>
+          <a:p>
+            <a:r>
+              <a:rPr lang="en-US" dirty="0">
+                <a:latin typeface="Arial" panose="020B0604020202020204" pitchFamily="34" charset="0"/>
+                <a:cs typeface="Arial" panose="020B0604020202020204" pitchFamily="34" charset="0"/>
+              </a:rPr>
+              <a:t>We can pass options to our plot function to make the graph a little easier to see and a legend</a:t>
+            </a:r>
+          </a:p>
+          <a:p>
+            <a:r>
+              <a:rPr lang="en-US" dirty="0">
+                <a:latin typeface="Arial" panose="020B0604020202020204" pitchFamily="34" charset="0"/>
+                <a:cs typeface="Arial" panose="020B0604020202020204" pitchFamily="34" charset="0"/>
+              </a:rPr>
+              <a:t>Google searches help us find these commands</a:t>
+            </a:r>
+          </a:p>
+        </p:txBody>
+      </p:sp>
+      <p:sp>
+        <p:nvSpPr>
+          <p:cNvPr id="7" name="Rectangle 6">
+            <a:extLst>
+              <a:ext uri="{FF2B5EF4-FFF2-40B4-BE49-F238E27FC236}">
+                <a16:creationId xmlns:a16="http://schemas.microsoft.com/office/drawing/2014/main" id="{E66907FB-F677-4646-8940-4D3D68F4D4AA}"/>
+              </a:ext>
+            </a:extLst>
+          </p:cNvPr>
+          <p:cNvSpPr/>
+          <p:nvPr/>
+        </p:nvSpPr>
+        <p:spPr>
+          <a:xfrm>
+            <a:off x="228600" y="-38099"/>
+            <a:ext cx="4279900" cy="3693319"/>
+          </a:xfrm>
+          <a:prstGeom prst="rect">
+            <a:avLst/>
+          </a:prstGeom>
+        </p:spPr>
+        <p:txBody>
+          <a:bodyPr wrap="square">
+            <a:spAutoFit/>
+          </a:bodyPr>
+          <a:lstStyle/>
+          <a:p>
+            <a:endParaRPr lang="en-US" dirty="0">
+              <a:latin typeface="Courier New" panose="02070309020205020404" pitchFamily="49" charset="0"/>
+            </a:endParaRPr>
+          </a:p>
+          <a:p>
+            <a:r>
+              <a:rPr lang="en-US" dirty="0">
+                <a:latin typeface="Courier New" panose="02070309020205020404" pitchFamily="49" charset="0"/>
+              </a:rPr>
+              <a:t>plot(</a:t>
+            </a:r>
+            <a:r>
+              <a:rPr lang="en-US" dirty="0" err="1">
+                <a:latin typeface="Courier New" panose="02070309020205020404" pitchFamily="49" charset="0"/>
+              </a:rPr>
+              <a:t>myPCOA$CA$u</a:t>
+            </a:r>
+            <a:r>
+              <a:rPr lang="en-US" dirty="0">
+                <a:latin typeface="Courier New" panose="02070309020205020404" pitchFamily="49" charset="0"/>
+              </a:rPr>
+              <a:t>[,1], </a:t>
+            </a:r>
+            <a:r>
+              <a:rPr lang="en-US" dirty="0" err="1">
+                <a:latin typeface="Courier New" panose="02070309020205020404" pitchFamily="49" charset="0"/>
+              </a:rPr>
+              <a:t>myPCOA$CA$u</a:t>
+            </a:r>
+            <a:r>
+              <a:rPr lang="en-US" dirty="0">
+                <a:latin typeface="Courier New" panose="02070309020205020404" pitchFamily="49" charset="0"/>
+              </a:rPr>
+              <a:t>[,2],</a:t>
+            </a:r>
+            <a:r>
+              <a:rPr lang="en-US" dirty="0">
+                <a:solidFill>
+                  <a:srgbClr val="000000"/>
+                </a:solidFill>
+                <a:latin typeface="Courier New" panose="02070309020205020404" pitchFamily="49" charset="0"/>
+              </a:rPr>
+              <a:t>col = </a:t>
+            </a:r>
+            <a:r>
+              <a:rPr lang="en-US" dirty="0" err="1">
+                <a:solidFill>
+                  <a:srgbClr val="000000"/>
+                </a:solidFill>
+                <a:latin typeface="Courier New" panose="02070309020205020404" pitchFamily="49" charset="0"/>
+              </a:rPr>
+              <a:t>ifelse</a:t>
+            </a:r>
+            <a:r>
+              <a:rPr lang="en-US" dirty="0">
+                <a:solidFill>
+                  <a:srgbClr val="000000"/>
+                </a:solidFill>
+                <a:latin typeface="Courier New" panose="02070309020205020404" pitchFamily="49" charset="0"/>
+              </a:rPr>
+              <a:t>(</a:t>
+            </a:r>
+            <a:r>
+              <a:rPr lang="en-US" dirty="0" err="1">
+                <a:solidFill>
+                  <a:srgbClr val="000000"/>
+                </a:solidFill>
+                <a:latin typeface="Courier New" panose="02070309020205020404" pitchFamily="49" charset="0"/>
+              </a:rPr>
+              <a:t>myT$ruralUrban</a:t>
+            </a:r>
+            <a:r>
+              <a:rPr lang="en-US" dirty="0">
+                <a:solidFill>
+                  <a:srgbClr val="000000"/>
+                </a:solidFill>
+                <a:latin typeface="Courier New" panose="02070309020205020404" pitchFamily="49" charset="0"/>
+              </a:rPr>
+              <a:t> == "rural", "red", "blue"),</a:t>
+            </a:r>
+            <a:r>
+              <a:rPr lang="en-US" dirty="0" err="1">
+                <a:solidFill>
+                  <a:srgbClr val="000000"/>
+                </a:solidFill>
+                <a:latin typeface="Courier New" panose="02070309020205020404" pitchFamily="49" charset="0"/>
+              </a:rPr>
+              <a:t>xlab</a:t>
+            </a:r>
+            <a:r>
+              <a:rPr lang="en-US" dirty="0">
+                <a:solidFill>
+                  <a:srgbClr val="000000"/>
+                </a:solidFill>
+                <a:latin typeface="Courier New" panose="02070309020205020404" pitchFamily="49" charset="0"/>
+              </a:rPr>
+              <a:t>="MDS 1", </a:t>
+            </a:r>
+            <a:r>
+              <a:rPr lang="en-US" dirty="0" err="1">
+                <a:solidFill>
+                  <a:srgbClr val="000000"/>
+                </a:solidFill>
+                <a:latin typeface="Courier New" panose="02070309020205020404" pitchFamily="49" charset="0"/>
+              </a:rPr>
+              <a:t>ylab</a:t>
+            </a:r>
+            <a:r>
+              <a:rPr lang="en-US" dirty="0">
+                <a:solidFill>
+                  <a:srgbClr val="000000"/>
+                </a:solidFill>
+                <a:latin typeface="Courier New" panose="02070309020205020404" pitchFamily="49" charset="0"/>
+              </a:rPr>
+              <a:t>="MDS 2", main="Rural urban MDS", </a:t>
+            </a:r>
+            <a:r>
+              <a:rPr lang="en-US" dirty="0" err="1">
+                <a:solidFill>
+                  <a:srgbClr val="000000"/>
+                </a:solidFill>
+                <a:latin typeface="Courier New" panose="02070309020205020404" pitchFamily="49" charset="0"/>
+              </a:rPr>
+              <a:t>pch</a:t>
+            </a:r>
+            <a:r>
+              <a:rPr lang="en-US" dirty="0">
+                <a:solidFill>
+                  <a:srgbClr val="000000"/>
+                </a:solidFill>
+                <a:latin typeface="Courier New" panose="02070309020205020404" pitchFamily="49" charset="0"/>
+              </a:rPr>
+              <a:t>=19,cex=1.3)</a:t>
+            </a:r>
+          </a:p>
+          <a:p>
+            <a:endParaRPr lang="en-US" dirty="0">
+              <a:latin typeface="Courier New" panose="02070309020205020404" pitchFamily="49" charset="0"/>
+            </a:endParaRPr>
+          </a:p>
+          <a:p>
+            <a:r>
+              <a:rPr lang="en-US" dirty="0">
+                <a:latin typeface="Courier New" panose="02070309020205020404" pitchFamily="49" charset="0"/>
+              </a:rPr>
+              <a:t>legend( "</a:t>
+            </a:r>
+            <a:r>
+              <a:rPr lang="en-US" dirty="0" err="1">
+                <a:solidFill>
+                  <a:srgbClr val="000000"/>
+                </a:solidFill>
+                <a:latin typeface="Courier New" panose="02070309020205020404" pitchFamily="49" charset="0"/>
+              </a:rPr>
+              <a:t>topleft</a:t>
+            </a:r>
+            <a:r>
+              <a:rPr lang="en-US" dirty="0">
+                <a:solidFill>
+                  <a:srgbClr val="000000"/>
+                </a:solidFill>
+                <a:latin typeface="Courier New" panose="02070309020205020404" pitchFamily="49" charset="0"/>
+              </a:rPr>
+              <a:t>", legend=c("urban", "rural"), col=c("</a:t>
+            </a:r>
+            <a:r>
+              <a:rPr lang="en-US" dirty="0" err="1">
+                <a:solidFill>
+                  <a:srgbClr val="000000"/>
+                </a:solidFill>
+                <a:latin typeface="Courier New" panose="02070309020205020404" pitchFamily="49" charset="0"/>
+              </a:rPr>
+              <a:t>red","blue</a:t>
+            </a:r>
+            <a:r>
+              <a:rPr lang="en-US" dirty="0">
+                <a:solidFill>
+                  <a:srgbClr val="000000"/>
+                </a:solidFill>
+                <a:latin typeface="Courier New" panose="02070309020205020404" pitchFamily="49" charset="0"/>
+              </a:rPr>
+              <a:t>"), </a:t>
+            </a:r>
+            <a:r>
+              <a:rPr lang="en-US" dirty="0" err="1">
+                <a:solidFill>
+                  <a:srgbClr val="000000"/>
+                </a:solidFill>
+                <a:latin typeface="Courier New" panose="02070309020205020404" pitchFamily="49" charset="0"/>
+              </a:rPr>
+              <a:t>pch</a:t>
+            </a:r>
+            <a:r>
+              <a:rPr lang="en-US" dirty="0">
+                <a:solidFill>
+                  <a:srgbClr val="000000"/>
+                </a:solidFill>
+                <a:latin typeface="Courier New" panose="02070309020205020404" pitchFamily="49" charset="0"/>
+              </a:rPr>
+              <a:t>=19,cex=1.3 )</a:t>
+            </a:r>
+            <a:endParaRPr lang="en-US" dirty="0"/>
+          </a:p>
+        </p:txBody>
+      </p:sp>
+      <p:pic>
+        <p:nvPicPr>
+          <p:cNvPr id="8" name="Picture 7">
+            <a:extLst>
+              <a:ext uri="{FF2B5EF4-FFF2-40B4-BE49-F238E27FC236}">
+                <a16:creationId xmlns:a16="http://schemas.microsoft.com/office/drawing/2014/main" id="{FBE564C9-2144-4B45-B03B-A73663D3389C}"/>
+              </a:ext>
+            </a:extLst>
+          </p:cNvPr>
+          <p:cNvPicPr>
+            <a:picLocks noChangeAspect="1"/>
+          </p:cNvPicPr>
+          <p:nvPr/>
+        </p:nvPicPr>
+        <p:blipFill>
+          <a:blip r:embed="rId2"/>
+          <a:stretch>
+            <a:fillRect/>
+          </a:stretch>
+        </p:blipFill>
+        <p:spPr>
+          <a:xfrm>
+            <a:off x="4673600" y="90269"/>
+            <a:ext cx="6076052" cy="6067010"/>
+          </a:xfrm>
+          <a:prstGeom prst="rect">
+            <a:avLst/>
+          </a:prstGeom>
+        </p:spPr>
+      </p:pic>
+    </p:spTree>
+    <p:extLst>
+      <p:ext uri="{BB962C8B-B14F-4D97-AF65-F5344CB8AC3E}">
+        <p14:creationId xmlns:p14="http://schemas.microsoft.com/office/powerpoint/2010/main" val="4068161797"/>
+      </p:ext>
+    </p:extLst>
+  </p:cSld>
+  <p:clrMapOvr>
+    <a:masterClrMapping/>
+  </p:clrMapOvr>
+</p:sld>
+</file>
+
+<file path=ppt/slides/slide44.xml><?xml version="1.0" encoding="utf-8"?>
+<p:sld xmlns:a="http://schemas.openxmlformats.org/drawingml/2006/main" xmlns:r="http://schemas.openxmlformats.org/officeDocument/2006/relationships" xmlns:p="http://schemas.openxmlformats.org/presentationml/2006/main">
+  <p:cSld>
+    <p:spTree>
+      <p:nvGrpSpPr>
+        <p:cNvPr id="1" name=""/>
+        <p:cNvGrpSpPr/>
+        <p:nvPr/>
+      </p:nvGrpSpPr>
+      <p:grpSpPr>
+        <a:xfrm>
+          <a:off x="0" y="0"/>
+          <a:ext cx="0" cy="0"/>
+          <a:chOff x="0" y="0"/>
+          <a:chExt cx="0" cy="0"/>
+        </a:xfrm>
+      </p:grpSpPr>
+      <p:pic>
+        <p:nvPicPr>
+          <p:cNvPr id="4" name="Picture 3">
+            <a:extLst>
+              <a:ext uri="{FF2B5EF4-FFF2-40B4-BE49-F238E27FC236}">
+                <a16:creationId xmlns:a16="http://schemas.microsoft.com/office/drawing/2014/main" id="{7F301A13-DF9B-47CB-84F3-8CB835272375}"/>
+              </a:ext>
+            </a:extLst>
+          </p:cNvPr>
+          <p:cNvPicPr>
+            <a:picLocks noChangeAspect="1"/>
+          </p:cNvPicPr>
+          <p:nvPr/>
+        </p:nvPicPr>
+        <p:blipFill>
+          <a:blip r:embed="rId2"/>
+          <a:stretch>
+            <a:fillRect/>
+          </a:stretch>
+        </p:blipFill>
+        <p:spPr>
+          <a:xfrm>
+            <a:off x="2155824" y="1092199"/>
+            <a:ext cx="7140575" cy="4413417"/>
+          </a:xfrm>
+          <a:prstGeom prst="rect">
+            <a:avLst/>
+          </a:prstGeom>
+        </p:spPr>
+      </p:pic>
+      <p:sp>
+        <p:nvSpPr>
+          <p:cNvPr id="5" name="Rectangle 4">
+            <a:extLst>
+              <a:ext uri="{FF2B5EF4-FFF2-40B4-BE49-F238E27FC236}">
+                <a16:creationId xmlns:a16="http://schemas.microsoft.com/office/drawing/2014/main" id="{C6BEE82A-79AE-4B51-BBCE-202E3774AB74}"/>
+              </a:ext>
+            </a:extLst>
+          </p:cNvPr>
+          <p:cNvSpPr/>
+          <p:nvPr/>
+        </p:nvSpPr>
+        <p:spPr>
+          <a:xfrm>
+            <a:off x="4974471" y="5974834"/>
+            <a:ext cx="5697457" cy="369332"/>
+          </a:xfrm>
+          <a:prstGeom prst="rect">
+            <a:avLst/>
+          </a:prstGeom>
+        </p:spPr>
+        <p:txBody>
+          <a:bodyPr wrap="none">
+            <a:spAutoFit/>
+          </a:bodyPr>
+          <a:lstStyle/>
+          <a:p>
+            <a:r>
+              <a:rPr lang="en-US" dirty="0"/>
+              <a:t>https://www.statmethods.net/advgraphs/parameters.html</a:t>
+            </a:r>
+          </a:p>
+        </p:txBody>
+      </p:sp>
+    </p:spTree>
+    <p:extLst>
+      <p:ext uri="{BB962C8B-B14F-4D97-AF65-F5344CB8AC3E}">
+        <p14:creationId xmlns:p14="http://schemas.microsoft.com/office/powerpoint/2010/main" val="1538190483"/>
+      </p:ext>
+    </p:extLst>
+  </p:cSld>
+  <p:clrMapOvr>
+    <a:masterClrMapping/>
+  </p:clrMapOvr>
+</p:sld>
+</file>
+
+<file path=ppt/slides/slide45.xml><?xml version="1.0" encoding="utf-8"?>
+<p:sld xmlns:a="http://schemas.openxmlformats.org/drawingml/2006/main" xmlns:r="http://schemas.openxmlformats.org/officeDocument/2006/relationships" xmlns:p="http://schemas.openxmlformats.org/presentationml/2006/main">
+  <p:cSld>
+    <p:spTree>
+      <p:nvGrpSpPr>
+        <p:cNvPr id="1" name=""/>
+        <p:cNvGrpSpPr/>
+        <p:nvPr/>
+      </p:nvGrpSpPr>
+      <p:grpSpPr>
+        <a:xfrm>
+          <a:off x="0" y="0"/>
+          <a:ext cx="0" cy="0"/>
+          <a:chOff x="0" y="0"/>
+          <a:chExt cx="0" cy="0"/>
+        </a:xfrm>
+      </p:grpSpPr>
+      <p:sp>
+        <p:nvSpPr>
+          <p:cNvPr id="4" name="Rectangle 3">
+            <a:extLst>
+              <a:ext uri="{FF2B5EF4-FFF2-40B4-BE49-F238E27FC236}">
+                <a16:creationId xmlns:a16="http://schemas.microsoft.com/office/drawing/2014/main" id="{75EE7ABA-ED72-4E19-9B15-B2748651470C}"/>
+              </a:ext>
+            </a:extLst>
+          </p:cNvPr>
+          <p:cNvSpPr/>
+          <p:nvPr/>
+        </p:nvSpPr>
+        <p:spPr>
+          <a:xfrm>
+            <a:off x="1917700" y="6488668"/>
+            <a:ext cx="10566400" cy="369332"/>
+          </a:xfrm>
+          <a:prstGeom prst="rect">
+            <a:avLst/>
+          </a:prstGeom>
+        </p:spPr>
+        <p:txBody>
+          <a:bodyPr wrap="square">
+            <a:spAutoFit/>
+          </a:bodyPr>
+          <a:lstStyle/>
+          <a:p>
+            <a:r>
+              <a:rPr lang="en-US" dirty="0"/>
+              <a:t>https://github.com/afodor/metagenomicsTools/blob/master/src/classExamples/ch2018/quickOrdination.txt</a:t>
+            </a:r>
+          </a:p>
+        </p:txBody>
+      </p:sp>
+      <p:pic>
+        <p:nvPicPr>
+          <p:cNvPr id="5" name="Picture 4">
+            <a:extLst>
+              <a:ext uri="{FF2B5EF4-FFF2-40B4-BE49-F238E27FC236}">
+                <a16:creationId xmlns:a16="http://schemas.microsoft.com/office/drawing/2014/main" id="{30ED8C84-08E9-4012-975E-0AF4785341C0}"/>
+              </a:ext>
+            </a:extLst>
+          </p:cNvPr>
+          <p:cNvPicPr>
+            <a:picLocks noChangeAspect="1"/>
+          </p:cNvPicPr>
+          <p:nvPr/>
+        </p:nvPicPr>
+        <p:blipFill>
+          <a:blip r:embed="rId2"/>
+          <a:stretch>
+            <a:fillRect/>
+          </a:stretch>
+        </p:blipFill>
+        <p:spPr>
+          <a:xfrm>
+            <a:off x="406399" y="705405"/>
+            <a:ext cx="8600589" cy="5504895"/>
+          </a:xfrm>
+          <a:prstGeom prst="rect">
+            <a:avLst/>
+          </a:prstGeom>
+        </p:spPr>
+      </p:pic>
+      <p:sp>
+        <p:nvSpPr>
+          <p:cNvPr id="6" name="TextBox 5">
+            <a:extLst>
+              <a:ext uri="{FF2B5EF4-FFF2-40B4-BE49-F238E27FC236}">
+                <a16:creationId xmlns:a16="http://schemas.microsoft.com/office/drawing/2014/main" id="{1FA7DC2A-62ED-4BC1-86FC-1BB4837F01DA}"/>
+              </a:ext>
+            </a:extLst>
+          </p:cNvPr>
+          <p:cNvSpPr txBox="1"/>
+          <p:nvPr/>
+        </p:nvSpPr>
+        <p:spPr>
+          <a:xfrm>
+            <a:off x="584200" y="241300"/>
+            <a:ext cx="2800767" cy="369332"/>
+          </a:xfrm>
+          <a:prstGeom prst="rect">
+            <a:avLst/>
+          </a:prstGeom>
+          <a:noFill/>
+        </p:spPr>
+        <p:txBody>
+          <a:bodyPr wrap="none" rtlCol="0">
+            <a:spAutoFit/>
+          </a:bodyPr>
+          <a:lstStyle/>
+          <a:p>
+            <a:r>
+              <a:rPr lang="en-US" dirty="0">
+                <a:latin typeface="Arial" panose="020B0604020202020204" pitchFamily="34" charset="0"/>
+                <a:cs typeface="Arial" panose="020B0604020202020204" pitchFamily="34" charset="0"/>
+              </a:rPr>
+              <a:t>Here is our script so far…</a:t>
+            </a:r>
+          </a:p>
+        </p:txBody>
+      </p:sp>
+      <p:pic>
+        <p:nvPicPr>
+          <p:cNvPr id="7" name="Picture 6">
+            <a:extLst>
+              <a:ext uri="{FF2B5EF4-FFF2-40B4-BE49-F238E27FC236}">
+                <a16:creationId xmlns:a16="http://schemas.microsoft.com/office/drawing/2014/main" id="{13CE9D00-1C46-48CF-90D3-4979B6D2CE1B}"/>
+              </a:ext>
+            </a:extLst>
+          </p:cNvPr>
+          <p:cNvPicPr>
+            <a:picLocks noChangeAspect="1"/>
+          </p:cNvPicPr>
+          <p:nvPr/>
+        </p:nvPicPr>
+        <p:blipFill>
+          <a:blip r:embed="rId3"/>
+          <a:stretch>
+            <a:fillRect/>
+          </a:stretch>
+        </p:blipFill>
+        <p:spPr>
+          <a:xfrm>
+            <a:off x="7519181" y="279400"/>
+            <a:ext cx="4222685" cy="4216400"/>
+          </a:xfrm>
+          <a:prstGeom prst="rect">
+            <a:avLst/>
+          </a:prstGeom>
+        </p:spPr>
+      </p:pic>
+    </p:spTree>
+    <p:extLst>
+      <p:ext uri="{BB962C8B-B14F-4D97-AF65-F5344CB8AC3E}">
+        <p14:creationId xmlns:p14="http://schemas.microsoft.com/office/powerpoint/2010/main" val="2415112255"/>
+      </p:ext>
+    </p:extLst>
+  </p:cSld>
+  <p:clrMapOvr>
+    <a:masterClrMapping/>
+  </p:clrMapOvr>
 </p:sld>
 </file>
 
@@ -6097,30 +9815,26 @@
           <a:lstStyle/>
           <a:p>
             <a:r>
-              <a:rPr lang="en-US" dirty="0" smtClean="0">
+              <a:rPr lang="en-US" dirty="0">
                 <a:latin typeface="Arial" panose="020B0604020202020204" pitchFamily="34" charset="0"/>
                 <a:cs typeface="Arial" panose="020B0604020202020204" pitchFamily="34" charset="0"/>
               </a:rPr>
               <a:t>Tables and r-scripts were nicely organized by Kathryn </a:t>
             </a:r>
             <a:r>
-              <a:rPr lang="en-US" dirty="0" err="1" smtClean="0">
+              <a:rPr lang="en-US" dirty="0" err="1">
                 <a:latin typeface="Arial" panose="020B0604020202020204" pitchFamily="34" charset="0"/>
                 <a:cs typeface="Arial" panose="020B0604020202020204" pitchFamily="34" charset="0"/>
               </a:rPr>
               <a:t>Winglee</a:t>
             </a:r>
             <a:r>
-              <a:rPr lang="en-US" dirty="0" smtClean="0">
+              <a:rPr lang="en-US" dirty="0">
                 <a:latin typeface="Arial" panose="020B0604020202020204" pitchFamily="34" charset="0"/>
                 <a:cs typeface="Arial" panose="020B0604020202020204" pitchFamily="34" charset="0"/>
               </a:rPr>
               <a:t> (now of the CDC in Atlanta)</a:t>
             </a:r>
-            <a:endParaRPr lang="en-US" dirty="0">
-              <a:latin typeface="Arial" panose="020B0604020202020204" pitchFamily="34" charset="0"/>
-              <a:cs typeface="Arial" panose="020B0604020202020204" pitchFamily="34" charset="0"/>
-            </a:endParaRPr>
           </a:p>
         </p:txBody>
       </p:sp>
@@ -6227,13 +9941,6 @@
   <p:clrMapOvr>
     <a:masterClrMapping/>
   </p:clrMapOvr>
-  <p:timing>
-    <p:tnLst>
-      <p:par>
-        <p:cTn id="1" dur="indefinite" restart="never" nodeType="tmRoot"/>
-      </p:par>
-    </p:tnLst>
-  </p:timing>
 </p:sld>
 </file>
 
@@ -6277,16 +9984,12 @@
           <a:lstStyle/>
           <a:p>
             <a:r>
-              <a:rPr lang="en-US" dirty="0" smtClean="0">
+              <a:rPr lang="en-US" dirty="0">
                 <a:latin typeface="Arial" panose="020B0604020202020204" pitchFamily="34" charset="0"/>
                 <a:cs typeface="Arial" panose="020B0604020202020204" pitchFamily="34" charset="0"/>
               </a:rPr>
               <a:t>We will use this spreadsheet as our base input into R…</a:t>
             </a:r>
-            <a:endParaRPr lang="en-US" dirty="0">
-              <a:latin typeface="Arial" panose="020B0604020202020204" pitchFamily="34" charset="0"/>
-              <a:cs typeface="Arial" panose="020B0604020202020204" pitchFamily="34" charset="0"/>
-            </a:endParaRPr>
           </a:p>
         </p:txBody>
       </p:sp>
@@ -6352,13 +10055,6 @@
   <p:clrMapOvr>
     <a:masterClrMapping/>
   </p:clrMapOvr>
-  <p:timing>
-    <p:tnLst>
-      <p:par>
-        <p:cTn id="1" dur="indefinite" restart="never" nodeType="tmRoot"/>
-      </p:par>
-    </p:tnLst>
-  </p:timing>
 </p:sld>
 </file>
 
@@ -6402,7 +10098,7 @@
           <a:lstStyle/>
           <a:p>
             <a:r>
-              <a:rPr lang="en-US" dirty="0" smtClean="0">
+              <a:rPr lang="en-US" dirty="0">
                 <a:latin typeface="Arial" panose="020B0604020202020204" pitchFamily="34" charset="0"/>
                 <a:cs typeface="Arial" panose="020B0604020202020204" pitchFamily="34" charset="0"/>
               </a:rPr>
@@ -6417,7 +10113,7 @@
           </a:p>
           <a:p>
             <a:r>
-              <a:rPr lang="en-US" dirty="0" smtClean="0">
+              <a:rPr lang="en-US" dirty="0">
                 <a:latin typeface="Arial" panose="020B0604020202020204" pitchFamily="34" charset="0"/>
                 <a:cs typeface="Arial" panose="020B0604020202020204" pitchFamily="34" charset="0"/>
               </a:rPr>
@@ -6430,24 +10126,17 @@
                 <a:latin typeface="Arial" panose="020B0604020202020204" pitchFamily="34" charset="0"/>
                 <a:cs typeface="Arial" panose="020B0604020202020204" pitchFamily="34" charset="0"/>
               </a:rPr>
-              <a:t>	</a:t>
-            </a:r>
-            <a:r>
-              <a:rPr lang="en-US" dirty="0" smtClean="0">
-                <a:latin typeface="Arial" panose="020B0604020202020204" pitchFamily="34" charset="0"/>
-                <a:cs typeface="Arial" panose="020B0604020202020204" pitchFamily="34" charset="0"/>
-              </a:rPr>
-              <a:t>The metadata (urban vs. rural, </a:t>
-            </a:r>
-            <a:r>
-              <a:rPr lang="en-US" dirty="0" err="1" smtClean="0">
+              <a:t>	The metadata (urban vs. rural, </a:t>
+            </a:r>
+            <a:r>
+              <a:rPr lang="en-US" dirty="0" err="1">
                 <a:latin typeface="Arial" panose="020B0604020202020204" pitchFamily="34" charset="0"/>
                 <a:cs typeface="Arial" panose="020B0604020202020204" pitchFamily="34" charset="0"/>
               </a:rPr>
               <a:t>timepoint</a:t>
             </a:r>
             <a:r>
-              <a:rPr lang="en-US" dirty="0" smtClean="0">
+              <a:rPr lang="en-US" dirty="0">
                 <a:latin typeface="Arial" panose="020B0604020202020204" pitchFamily="34" charset="0"/>
                 <a:cs typeface="Arial" panose="020B0604020202020204" pitchFamily="34" charset="0"/>
               </a:rPr>
@@ -6460,19 +10149,8 @@
                 <a:latin typeface="Arial" panose="020B0604020202020204" pitchFamily="34" charset="0"/>
                 <a:cs typeface="Arial" panose="020B0604020202020204" pitchFamily="34" charset="0"/>
               </a:rPr>
-              <a:t>	</a:t>
-            </a:r>
-            <a:r>
-              <a:rPr lang="en-US" dirty="0" smtClean="0">
-                <a:latin typeface="Arial" panose="020B0604020202020204" pitchFamily="34" charset="0"/>
-                <a:cs typeface="Arial" panose="020B0604020202020204" pitchFamily="34" charset="0"/>
-              </a:rPr>
-              <a:t>The counts are log-normalized according to the following formula</a:t>
-            </a:r>
-            <a:endParaRPr lang="en-US" dirty="0">
-              <a:latin typeface="Arial" panose="020B0604020202020204" pitchFamily="34" charset="0"/>
-              <a:cs typeface="Arial" panose="020B0604020202020204" pitchFamily="34" charset="0"/>
-            </a:endParaRPr>
+              <a:t>	The counts are log-normalized according to the following formula</a:t>
+            </a:r>
           </a:p>
         </p:txBody>
       </p:sp>
@@ -6538,13 +10216,6 @@
   <p:clrMapOvr>
     <a:masterClrMapping/>
   </p:clrMapOvr>
-  <p:timing>
-    <p:tnLst>
-      <p:par>
-        <p:cTn id="1" dur="indefinite" restart="never" nodeType="tmRoot"/>
-      </p:par>
-    </p:tnLst>
-  </p:timing>
 </p:sld>
 </file>
 
@@ -6588,7 +10259,7 @@
           <a:lstStyle/>
           <a:p>
             <a:r>
-              <a:rPr lang="en-US" dirty="0" smtClean="0">
+              <a:rPr lang="en-US" dirty="0">
                 <a:latin typeface="Arial" panose="020B0604020202020204" pitchFamily="34" charset="0"/>
                 <a:cs typeface="Arial" panose="020B0604020202020204" pitchFamily="34" charset="0"/>
               </a:rPr>
@@ -6603,7 +10274,7 @@
           </a:p>
           <a:p>
             <a:r>
-              <a:rPr lang="en-US" dirty="0" smtClean="0">
+              <a:rPr lang="en-US" dirty="0">
                 <a:latin typeface="Arial" panose="020B0604020202020204" pitchFamily="34" charset="0"/>
                 <a:cs typeface="Arial" panose="020B0604020202020204" pitchFamily="34" charset="0"/>
               </a:rPr>
@@ -6618,16 +10289,12 @@
           </a:p>
           <a:p>
             <a:r>
-              <a:rPr lang="en-US" dirty="0" smtClean="0">
+              <a:rPr lang="en-US" dirty="0">
                 <a:latin typeface="Arial" panose="020B0604020202020204" pitchFamily="34" charset="0"/>
                 <a:cs typeface="Arial" panose="020B0604020202020204" pitchFamily="34" charset="0"/>
               </a:rPr>
               <a:t>	(or to modify your R code to work with your table!)</a:t>
             </a:r>
-            <a:endParaRPr lang="en-US" dirty="0">
-              <a:latin typeface="Arial" panose="020B0604020202020204" pitchFamily="34" charset="0"/>
-              <a:cs typeface="Arial" panose="020B0604020202020204" pitchFamily="34" charset="0"/>
-            </a:endParaRPr>
           </a:p>
         </p:txBody>
       </p:sp>
@@ -6641,13 +10308,6 @@
   <p:clrMapOvr>
     <a:masterClrMapping/>
   </p:clrMapOvr>
-  <p:timing>
-    <p:tnLst>
-      <p:par>
-        <p:cTn id="1" dur="indefinite" restart="never" nodeType="tmRoot"/>
-      </p:par>
-    </p:tnLst>
-  </p:timing>
 </p:sld>
 </file>
 
@@ -6691,7 +10351,7 @@
           <a:lstStyle/>
           <a:p>
             <a:r>
-              <a:rPr lang="en-US" dirty="0" smtClean="0">
+              <a:rPr lang="en-US" dirty="0">
                 <a:latin typeface="Arial" panose="020B0604020202020204" pitchFamily="34" charset="0"/>
                 <a:cs typeface="Arial" panose="020B0604020202020204" pitchFamily="34" charset="0"/>
               </a:rPr>
@@ -6700,7 +10360,7 @@
           </a:p>
           <a:p>
             <a:r>
-              <a:rPr lang="en-US" dirty="0" smtClean="0">
+              <a:rPr lang="en-US" dirty="0">
                 <a:latin typeface="Arial" panose="020B0604020202020204" pitchFamily="34" charset="0"/>
                 <a:cs typeface="Arial" panose="020B0604020202020204" pitchFamily="34" charset="0"/>
               </a:rPr>
@@ -6709,7 +10369,7 @@
           </a:p>
           <a:p>
             <a:r>
-              <a:rPr lang="en-US" dirty="0" smtClean="0">
+              <a:rPr lang="en-US" dirty="0">
                 <a:latin typeface="Arial" panose="020B0604020202020204" pitchFamily="34" charset="0"/>
                 <a:cs typeface="Arial" panose="020B0604020202020204" pitchFamily="34" charset="0"/>
               </a:rPr>
@@ -6718,7 +10378,7 @@
           </a:p>
           <a:p>
             <a:r>
-              <a:rPr lang="en-US" dirty="0" smtClean="0">
+              <a:rPr lang="en-US" dirty="0">
                 <a:latin typeface="Arial" panose="020B0604020202020204" pitchFamily="34" charset="0"/>
                 <a:cs typeface="Arial" panose="020B0604020202020204" pitchFamily="34" charset="0"/>
               </a:rPr>
@@ -6727,16 +10387,12 @@
           </a:p>
           <a:p>
             <a:r>
-              <a:rPr lang="en-US" dirty="0" smtClean="0">
+              <a:rPr lang="en-US" dirty="0">
                 <a:latin typeface="Arial" panose="020B0604020202020204" pitchFamily="34" charset="0"/>
                 <a:cs typeface="Arial" panose="020B0604020202020204" pitchFamily="34" charset="0"/>
               </a:rPr>
               <a:t>Some Not So Simple Statistical Models</a:t>
             </a:r>
-            <a:endParaRPr lang="en-US" dirty="0">
-              <a:latin typeface="Arial" panose="020B0604020202020204" pitchFamily="34" charset="0"/>
-              <a:cs typeface="Arial" panose="020B0604020202020204" pitchFamily="34" charset="0"/>
-            </a:endParaRPr>
           </a:p>
         </p:txBody>
       </p:sp>
@@ -6783,13 +10439,6 @@
   <p:clrMapOvr>
     <a:masterClrMapping/>
   </p:clrMapOvr>
-  <p:timing>
-    <p:tnLst>
-      <p:par>
-        <p:cTn id="1" dur="indefinite" restart="never" nodeType="tmRoot"/>
-      </p:par>
-    </p:tnLst>
-  </p:timing>
 </p:sld>
 </file>
 

--- a/classes/ChapelHill2018/ch.pptx
+++ b/classes/ChapelHill2018/ch.pptx
@@ -5,7 +5,7 @@
     <p:sldMasterId id="2147483648" r:id="rId1"/>
   </p:sldMasterIdLst>
   <p:notesMasterIdLst>
-    <p:notesMasterId r:id="rId47"/>
+    <p:notesMasterId r:id="rId50"/>
   </p:notesMasterIdLst>
   <p:sldIdLst>
     <p:sldId id="256" r:id="rId2"/>
@@ -53,6 +53,9 @@
     <p:sldId id="298" r:id="rId44"/>
     <p:sldId id="299" r:id="rId45"/>
     <p:sldId id="300" r:id="rId46"/>
+    <p:sldId id="301" r:id="rId47"/>
+    <p:sldId id="302" r:id="rId48"/>
+    <p:sldId id="303" r:id="rId49"/>
   </p:sldIdLst>
   <p:sldSz cx="12192000" cy="6858000"/>
   <p:notesSz cx="6858000" cy="9144000"/>
@@ -241,7 +244,7 @@
           <a:p>
             <a:fld id="{0BB994B0-15EB-4171-B4A2-60B7410CFA19}" type="datetimeFigureOut">
               <a:rPr lang="en-US" smtClean="0"/>
-              <a:t>10/14/2018</a:t>
+              <a:t>10/15/2018</a:t>
             </a:fld>
             <a:endParaRPr lang="en-US"/>
           </a:p>
@@ -721,7 +724,7 @@
           <a:p>
             <a:fld id="{A72D5121-EDCD-4BC3-8884-07E7433927A8}" type="datetimeFigureOut">
               <a:rPr lang="en-US" smtClean="0"/>
-              <a:t>10/14/2018</a:t>
+              <a:t>10/15/2018</a:t>
             </a:fld>
             <a:endParaRPr lang="en-US"/>
           </a:p>
@@ -889,7 +892,7 @@
           <a:p>
             <a:fld id="{A72D5121-EDCD-4BC3-8884-07E7433927A8}" type="datetimeFigureOut">
               <a:rPr lang="en-US" smtClean="0"/>
-              <a:t>10/14/2018</a:t>
+              <a:t>10/15/2018</a:t>
             </a:fld>
             <a:endParaRPr lang="en-US"/>
           </a:p>
@@ -1067,7 +1070,7 @@
           <a:p>
             <a:fld id="{A72D5121-EDCD-4BC3-8884-07E7433927A8}" type="datetimeFigureOut">
               <a:rPr lang="en-US" smtClean="0"/>
-              <a:t>10/14/2018</a:t>
+              <a:t>10/15/2018</a:t>
             </a:fld>
             <a:endParaRPr lang="en-US"/>
           </a:p>
@@ -1235,7 +1238,7 @@
           <a:p>
             <a:fld id="{A72D5121-EDCD-4BC3-8884-07E7433927A8}" type="datetimeFigureOut">
               <a:rPr lang="en-US" smtClean="0"/>
-              <a:t>10/14/2018</a:t>
+              <a:t>10/15/2018</a:t>
             </a:fld>
             <a:endParaRPr lang="en-US"/>
           </a:p>
@@ -1480,7 +1483,7 @@
           <a:p>
             <a:fld id="{A72D5121-EDCD-4BC3-8884-07E7433927A8}" type="datetimeFigureOut">
               <a:rPr lang="en-US" smtClean="0"/>
-              <a:t>10/14/2018</a:t>
+              <a:t>10/15/2018</a:t>
             </a:fld>
             <a:endParaRPr lang="en-US"/>
           </a:p>
@@ -1709,7 +1712,7 @@
           <a:p>
             <a:fld id="{A72D5121-EDCD-4BC3-8884-07E7433927A8}" type="datetimeFigureOut">
               <a:rPr lang="en-US" smtClean="0"/>
-              <a:t>10/14/2018</a:t>
+              <a:t>10/15/2018</a:t>
             </a:fld>
             <a:endParaRPr lang="en-US"/>
           </a:p>
@@ -2073,7 +2076,7 @@
           <a:p>
             <a:fld id="{A72D5121-EDCD-4BC3-8884-07E7433927A8}" type="datetimeFigureOut">
               <a:rPr lang="en-US" smtClean="0"/>
-              <a:t>10/14/2018</a:t>
+              <a:t>10/15/2018</a:t>
             </a:fld>
             <a:endParaRPr lang="en-US"/>
           </a:p>
@@ -2190,7 +2193,7 @@
           <a:p>
             <a:fld id="{A72D5121-EDCD-4BC3-8884-07E7433927A8}" type="datetimeFigureOut">
               <a:rPr lang="en-US" smtClean="0"/>
-              <a:t>10/14/2018</a:t>
+              <a:t>10/15/2018</a:t>
             </a:fld>
             <a:endParaRPr lang="en-US"/>
           </a:p>
@@ -2285,7 +2288,7 @@
           <a:p>
             <a:fld id="{A72D5121-EDCD-4BC3-8884-07E7433927A8}" type="datetimeFigureOut">
               <a:rPr lang="en-US" smtClean="0"/>
-              <a:t>10/14/2018</a:t>
+              <a:t>10/15/2018</a:t>
             </a:fld>
             <a:endParaRPr lang="en-US"/>
           </a:p>
@@ -2560,7 +2563,7 @@
           <a:p>
             <a:fld id="{A72D5121-EDCD-4BC3-8884-07E7433927A8}" type="datetimeFigureOut">
               <a:rPr lang="en-US" smtClean="0"/>
-              <a:t>10/14/2018</a:t>
+              <a:t>10/15/2018</a:t>
             </a:fld>
             <a:endParaRPr lang="en-US"/>
           </a:p>
@@ -2812,7 +2815,7 @@
           <a:p>
             <a:fld id="{A72D5121-EDCD-4BC3-8884-07E7433927A8}" type="datetimeFigureOut">
               <a:rPr lang="en-US" smtClean="0"/>
-              <a:t>10/14/2018</a:t>
+              <a:t>10/15/2018</a:t>
             </a:fld>
             <a:endParaRPr lang="en-US"/>
           </a:p>
@@ -3023,7 +3026,7 @@
           <a:p>
             <a:fld id="{A72D5121-EDCD-4BC3-8884-07E7433927A8}" type="datetimeFigureOut">
               <a:rPr lang="en-US" smtClean="0"/>
-              <a:t>10/14/2018</a:t>
+              <a:t>10/15/2018</a:t>
             </a:fld>
             <a:endParaRPr lang="en-US"/>
           </a:p>
@@ -3540,6 +3543,13 @@
   <p:clrMapOvr>
     <a:masterClrMapping/>
   </p:clrMapOvr>
+  <p:timing>
+    <p:tnLst>
+      <p:par>
+        <p:cTn id="1" dur="indefinite" restart="never" nodeType="tmRoot"/>
+      </p:par>
+    </p:tnLst>
+  </p:timing>
 </p:sld>
 </file>
 
@@ -3719,6 +3729,13 @@
   <p:clrMapOvr>
     <a:masterClrMapping/>
   </p:clrMapOvr>
+  <p:timing>
+    <p:tnLst>
+      <p:par>
+        <p:cTn id="1" dur="indefinite" restart="never" nodeType="tmRoot"/>
+      </p:par>
+    </p:tnLst>
+  </p:timing>
 </p:sld>
 </file>
 
@@ -3866,6 +3883,13 @@
   <p:clrMapOvr>
     <a:masterClrMapping/>
   </p:clrMapOvr>
+  <p:timing>
+    <p:tnLst>
+      <p:par>
+        <p:cTn id="1" dur="indefinite" restart="never" nodeType="tmRoot"/>
+      </p:par>
+    </p:tnLst>
+  </p:timing>
 </p:sld>
 </file>
 
@@ -3983,6 +4007,13 @@
   <p:clrMapOvr>
     <a:masterClrMapping/>
   </p:clrMapOvr>
+  <p:timing>
+    <p:tnLst>
+      <p:par>
+        <p:cTn id="1" dur="indefinite" restart="never" nodeType="tmRoot"/>
+      </p:par>
+    </p:tnLst>
+  </p:timing>
 </p:sld>
 </file>
 
@@ -4069,6 +4100,13 @@
   <p:clrMapOvr>
     <a:masterClrMapping/>
   </p:clrMapOvr>
+  <p:timing>
+    <p:tnLst>
+      <p:par>
+        <p:cTn id="1" dur="indefinite" restart="never" nodeType="tmRoot"/>
+      </p:par>
+    </p:tnLst>
+  </p:timing>
 </p:sld>
 </file>
 
@@ -4358,6 +4396,13 @@
   <p:clrMapOvr>
     <a:masterClrMapping/>
   </p:clrMapOvr>
+  <p:timing>
+    <p:tnLst>
+      <p:par>
+        <p:cTn id="1" dur="indefinite" restart="never" nodeType="tmRoot"/>
+      </p:par>
+    </p:tnLst>
+  </p:timing>
 </p:sld>
 </file>
 
@@ -4496,6 +4541,13 @@
   <p:clrMapOvr>
     <a:masterClrMapping/>
   </p:clrMapOvr>
+  <p:timing>
+    <p:tnLst>
+      <p:par>
+        <p:cTn id="1" dur="indefinite" restart="never" nodeType="tmRoot"/>
+      </p:par>
+    </p:tnLst>
+  </p:timing>
 </p:sld>
 </file>
 
@@ -4648,6 +4700,13 @@
   <p:clrMapOvr>
     <a:masterClrMapping/>
   </p:clrMapOvr>
+  <p:timing>
+    <p:tnLst>
+      <p:par>
+        <p:cTn id="1" dur="indefinite" restart="never" nodeType="tmRoot"/>
+      </p:par>
+    </p:tnLst>
+  </p:timing>
 </p:sld>
 </file>
 
@@ -4734,6 +4793,13 @@
   <p:clrMapOvr>
     <a:masterClrMapping/>
   </p:clrMapOvr>
+  <p:timing>
+    <p:tnLst>
+      <p:par>
+        <p:cTn id="1" dur="indefinite" restart="never" nodeType="tmRoot"/>
+      </p:par>
+    </p:tnLst>
+  </p:timing>
 </p:sld>
 </file>
 
@@ -4834,6 +4900,13 @@
   <p:clrMapOvr>
     <a:masterClrMapping/>
   </p:clrMapOvr>
+  <p:timing>
+    <p:tnLst>
+      <p:par>
+        <p:cTn id="1" dur="indefinite" restart="never" nodeType="tmRoot"/>
+      </p:par>
+    </p:tnLst>
+  </p:timing>
 </p:sld>
 </file>
 
@@ -4948,6 +5021,13 @@
   <p:clrMapOvr>
     <a:masterClrMapping/>
   </p:clrMapOvr>
+  <p:timing>
+    <p:tnLst>
+      <p:par>
+        <p:cTn id="1" dur="indefinite" restart="never" nodeType="tmRoot"/>
+      </p:par>
+    </p:tnLst>
+  </p:timing>
 </p:sld>
 </file>
 
@@ -5049,6 +5129,13 @@
   <p:clrMapOvr>
     <a:masterClrMapping/>
   </p:clrMapOvr>
+  <p:timing>
+    <p:tnLst>
+      <p:par>
+        <p:cTn id="1" dur="indefinite" restart="never" nodeType="tmRoot"/>
+      </p:par>
+    </p:tnLst>
+  </p:timing>
 </p:sld>
 </file>
 
@@ -5142,6 +5229,13 @@
   <p:clrMapOvr>
     <a:masterClrMapping/>
   </p:clrMapOvr>
+  <p:timing>
+    <p:tnLst>
+      <p:par>
+        <p:cTn id="1" dur="indefinite" restart="never" nodeType="tmRoot"/>
+      </p:par>
+    </p:tnLst>
+  </p:timing>
 </p:sld>
 </file>
 
@@ -5376,6 +5470,13 @@
   <p:clrMapOvr>
     <a:masterClrMapping/>
   </p:clrMapOvr>
+  <p:timing>
+    <p:tnLst>
+      <p:par>
+        <p:cTn id="1" dur="indefinite" restart="never" nodeType="tmRoot"/>
+      </p:par>
+    </p:tnLst>
+  </p:timing>
 </p:sld>
 </file>
 
@@ -5462,6 +5563,13 @@
   <p:clrMapOvr>
     <a:masterClrMapping/>
   </p:clrMapOvr>
+  <p:timing>
+    <p:tnLst>
+      <p:par>
+        <p:cTn id="1" dur="indefinite" restart="never" nodeType="tmRoot"/>
+      </p:par>
+    </p:tnLst>
+  </p:timing>
 </p:sld>
 </file>
 
@@ -5490,7 +5598,7 @@
         </p:nvSpPr>
         <p:spPr>
           <a:xfrm>
-            <a:off x="810228" y="665544"/>
+            <a:off x="810228" y="677118"/>
             <a:ext cx="4467890" cy="1477328"/>
           </a:xfrm>
           <a:prstGeom prst="rect">
@@ -5558,7 +5666,7 @@
         </p:nvCxnSpPr>
         <p:spPr>
           <a:xfrm flipH="1">
-            <a:off x="2604304" y="1099588"/>
+            <a:off x="2604304" y="1111162"/>
             <a:ext cx="1209555" cy="0"/>
           </a:xfrm>
           <a:prstGeom prst="straightConnector1">
@@ -5593,6 +5701,13 @@
   <p:clrMapOvr>
     <a:masterClrMapping/>
   </p:clrMapOvr>
+  <p:timing>
+    <p:tnLst>
+      <p:par>
+        <p:cTn id="1" dur="indefinite" restart="never" nodeType="tmRoot"/>
+      </p:par>
+    </p:tnLst>
+  </p:timing>
 </p:sld>
 </file>
 
@@ -5777,6 +5892,13 @@
   <p:clrMapOvr>
     <a:masterClrMapping/>
   </p:clrMapOvr>
+  <p:timing>
+    <p:tnLst>
+      <p:par>
+        <p:cTn id="1" dur="indefinite" restart="never" nodeType="tmRoot"/>
+      </p:par>
+    </p:tnLst>
+  </p:timing>
 </p:sld>
 </file>
 
@@ -5903,6 +6025,13 @@
   <p:clrMapOvr>
     <a:masterClrMapping/>
   </p:clrMapOvr>
+  <p:timing>
+    <p:tnLst>
+      <p:par>
+        <p:cTn id="1" dur="indefinite" restart="never" nodeType="tmRoot"/>
+      </p:par>
+    </p:tnLst>
+  </p:timing>
 </p:sld>
 </file>
 
@@ -6171,6 +6300,13 @@
   <p:clrMapOvr>
     <a:masterClrMapping/>
   </p:clrMapOvr>
+  <p:timing>
+    <p:tnLst>
+      <p:par>
+        <p:cTn id="1" dur="indefinite" restart="never" nodeType="tmRoot"/>
+      </p:par>
+    </p:tnLst>
+  </p:timing>
 </p:sld>
 </file>
 
@@ -6333,6 +6469,13 @@
   <p:clrMapOvr>
     <a:masterClrMapping/>
   </p:clrMapOvr>
+  <p:timing>
+    <p:tnLst>
+      <p:par>
+        <p:cTn id="1" dur="indefinite" restart="never" nodeType="tmRoot"/>
+      </p:par>
+    </p:tnLst>
+  </p:timing>
 </p:sld>
 </file>
 
@@ -6513,6 +6656,13 @@
   <p:clrMapOvr>
     <a:masterClrMapping/>
   </p:clrMapOvr>
+  <p:timing>
+    <p:tnLst>
+      <p:par>
+        <p:cTn id="1" dur="indefinite" restart="never" nodeType="tmRoot"/>
+      </p:par>
+    </p:tnLst>
+  </p:timing>
 </p:sld>
 </file>
 
@@ -6684,6 +6834,13 @@
   <p:clrMapOvr>
     <a:masterClrMapping/>
   </p:clrMapOvr>
+  <p:timing>
+    <p:tnLst>
+      <p:par>
+        <p:cTn id="1" dur="indefinite" restart="never" nodeType="tmRoot"/>
+      </p:par>
+    </p:tnLst>
+  </p:timing>
 </p:sld>
 </file>
 
@@ -6782,6 +6939,13 @@
   <p:clrMapOvr>
     <a:masterClrMapping/>
   </p:clrMapOvr>
+  <p:timing>
+    <p:tnLst>
+      <p:par>
+        <p:cTn id="1" dur="indefinite" restart="never" nodeType="tmRoot"/>
+      </p:par>
+    </p:tnLst>
+  </p:timing>
 </p:sld>
 </file>
 
@@ -6889,6 +7053,13 @@
   <p:clrMapOvr>
     <a:masterClrMapping/>
   </p:clrMapOvr>
+  <p:timing>
+    <p:tnLst>
+      <p:par>
+        <p:cTn id="1" dur="indefinite" restart="never" nodeType="tmRoot"/>
+      </p:par>
+    </p:tnLst>
+  </p:timing>
 </p:sld>
 </file>
 
@@ -7060,6 +7231,13 @@
   <p:clrMapOvr>
     <a:masterClrMapping/>
   </p:clrMapOvr>
+  <p:timing>
+    <p:tnLst>
+      <p:par>
+        <p:cTn id="1" dur="indefinite" restart="never" nodeType="tmRoot"/>
+      </p:par>
+    </p:tnLst>
+  </p:timing>
 </p:sld>
 </file>
 
@@ -7242,6 +7420,13 @@
   <p:clrMapOvr>
     <a:masterClrMapping/>
   </p:clrMapOvr>
+  <p:timing>
+    <p:tnLst>
+      <p:par>
+        <p:cTn id="1" dur="indefinite" restart="never" nodeType="tmRoot"/>
+      </p:par>
+    </p:tnLst>
+  </p:timing>
 </p:sld>
 </file>
 
@@ -7418,6 +7603,13 @@
   <p:clrMapOvr>
     <a:masterClrMapping/>
   </p:clrMapOvr>
+  <p:timing>
+    <p:tnLst>
+      <p:par>
+        <p:cTn id="1" dur="indefinite" restart="never" nodeType="tmRoot"/>
+      </p:par>
+    </p:tnLst>
+  </p:timing>
 </p:sld>
 </file>
 
@@ -7673,6 +7865,13 @@
   <p:clrMapOvr>
     <a:masterClrMapping/>
   </p:clrMapOvr>
+  <p:timing>
+    <p:tnLst>
+      <p:par>
+        <p:cTn id="1" dur="indefinite" restart="never" nodeType="tmRoot"/>
+      </p:par>
+    </p:tnLst>
+  </p:timing>
 </p:sld>
 </file>
 
@@ -7859,6 +8058,13 @@
   <p:clrMapOvr>
     <a:masterClrMapping/>
   </p:clrMapOvr>
+  <p:timing>
+    <p:tnLst>
+      <p:par>
+        <p:cTn id="1" dur="indefinite" restart="never" nodeType="tmRoot"/>
+      </p:par>
+    </p:tnLst>
+  </p:timing>
 </p:sld>
 </file>
 
@@ -8044,6 +8250,13 @@
   <p:clrMapOvr>
     <a:masterClrMapping/>
   </p:clrMapOvr>
+  <p:timing>
+    <p:tnLst>
+      <p:par>
+        <p:cTn id="1" dur="indefinite" restart="never" nodeType="tmRoot"/>
+      </p:par>
+    </p:tnLst>
+  </p:timing>
 </p:sld>
 </file>
 
@@ -8228,6 +8441,13 @@
   <p:clrMapOvr>
     <a:masterClrMapping/>
   </p:clrMapOvr>
+  <p:timing>
+    <p:tnLst>
+      <p:par>
+        <p:cTn id="1" dur="indefinite" restart="never" nodeType="tmRoot"/>
+      </p:par>
+    </p:tnLst>
+  </p:timing>
 </p:sld>
 </file>
 
@@ -8409,6 +8629,13 @@
   <p:clrMapOvr>
     <a:masterClrMapping/>
   </p:clrMapOvr>
+  <p:timing>
+    <p:tnLst>
+      <p:par>
+        <p:cTn id="1" dur="indefinite" restart="never" nodeType="tmRoot"/>
+      </p:par>
+    </p:tnLst>
+  </p:timing>
 </p:sld>
 </file>
 
@@ -8564,6 +8791,13 @@
   <p:clrMapOvr>
     <a:masterClrMapping/>
   </p:clrMapOvr>
+  <p:timing>
+    <p:tnLst>
+      <p:par>
+        <p:cTn id="1" dur="indefinite" restart="never" nodeType="tmRoot"/>
+      </p:par>
+    </p:tnLst>
+  </p:timing>
 </p:sld>
 </file>
 
@@ -8705,6 +8939,13 @@
   <p:clrMapOvr>
     <a:masterClrMapping/>
   </p:clrMapOvr>
+  <p:timing>
+    <p:tnLst>
+      <p:par>
+        <p:cTn id="1" dur="indefinite" restart="never" nodeType="tmRoot"/>
+      </p:par>
+    </p:tnLst>
+  </p:timing>
 </p:sld>
 </file>
 
@@ -8877,6 +9118,13 @@
   <p:clrMapOvr>
     <a:masterClrMapping/>
   </p:clrMapOvr>
+  <p:timing>
+    <p:tnLst>
+      <p:par>
+        <p:cTn id="1" dur="indefinite" restart="never" nodeType="tmRoot"/>
+      </p:par>
+    </p:tnLst>
+  </p:timing>
 </p:sld>
 </file>
 
@@ -9079,6 +9327,13 @@
   <p:clrMapOvr>
     <a:masterClrMapping/>
   </p:clrMapOvr>
+  <p:timing>
+    <p:tnLst>
+      <p:par>
+        <p:cTn id="1" dur="indefinite" restart="never" nodeType="tmRoot"/>
+      </p:par>
+    </p:tnLst>
+  </p:timing>
 </p:sld>
 </file>
 
@@ -9177,6 +9432,13 @@
   <p:clrMapOvr>
     <a:masterClrMapping/>
   </p:clrMapOvr>
+  <p:timing>
+    <p:tnLst>
+      <p:par>
+        <p:cTn id="1" dur="indefinite" restart="never" nodeType="tmRoot"/>
+      </p:par>
+    </p:tnLst>
+  </p:timing>
 </p:sld>
 </file>
 
@@ -9516,6 +9778,13 @@
   <p:clrMapOvr>
     <a:masterClrMapping/>
   </p:clrMapOvr>
+  <p:timing>
+    <p:tnLst>
+      <p:par>
+        <p:cTn id="1" dur="indefinite" restart="never" nodeType="tmRoot"/>
+      </p:par>
+    </p:tnLst>
+  </p:timing>
 </p:sld>
 </file>
 
@@ -9610,6 +9879,13 @@
   <p:clrMapOvr>
     <a:masterClrMapping/>
   </p:clrMapOvr>
+  <p:timing>
+    <p:tnLst>
+      <p:par>
+        <p:cTn id="1" dur="indefinite" restart="never" nodeType="tmRoot"/>
+      </p:par>
+    </p:tnLst>
+  </p:timing>
 </p:sld>
 </file>
 
@@ -9754,7 +10030,7 @@
         </p:blipFill>
         <p:spPr>
           <a:xfrm>
-            <a:off x="7519181" y="279400"/>
+            <a:off x="7519181" y="285187"/>
             <a:ext cx="4222685" cy="4216400"/>
           </a:xfrm>
           <a:prstGeom prst="rect">
@@ -9772,6 +10048,542 @@
   <p:clrMapOvr>
     <a:masterClrMapping/>
   </p:clrMapOvr>
+  <p:timing>
+    <p:tnLst>
+      <p:par>
+        <p:cTn id="1" dur="indefinite" restart="never" nodeType="tmRoot"/>
+      </p:par>
+    </p:tnLst>
+  </p:timing>
+</p:sld>
+</file>
+
+<file path=ppt/slides/slide46.xml><?xml version="1.0" encoding="utf-8"?>
+<p:sld xmlns:a="http://schemas.openxmlformats.org/drawingml/2006/main" xmlns:r="http://schemas.openxmlformats.org/officeDocument/2006/relationships" xmlns:p="http://schemas.openxmlformats.org/presentationml/2006/main">
+  <p:cSld>
+    <p:spTree>
+      <p:nvGrpSpPr>
+        <p:cNvPr id="1" name=""/>
+        <p:cNvGrpSpPr/>
+        <p:nvPr/>
+      </p:nvGrpSpPr>
+      <p:grpSpPr>
+        <a:xfrm>
+          <a:off x="0" y="0"/>
+          <a:ext cx="0" cy="0"/>
+          <a:chOff x="0" y="0"/>
+          <a:chExt cx="0" cy="0"/>
+        </a:xfrm>
+      </p:grpSpPr>
+      <p:sp>
+        <p:nvSpPr>
+          <p:cNvPr id="4" name="TextBox 3"/>
+          <p:cNvSpPr txBox="1"/>
+          <p:nvPr/>
+        </p:nvSpPr>
+        <p:spPr>
+          <a:xfrm>
+            <a:off x="497711" y="104173"/>
+            <a:ext cx="9580508" cy="646331"/>
+          </a:xfrm>
+          <a:prstGeom prst="rect">
+            <a:avLst/>
+          </a:prstGeom>
+          <a:noFill/>
+        </p:spPr>
+        <p:txBody>
+          <a:bodyPr wrap="none" rtlCol="0">
+            <a:spAutoFit/>
+          </a:bodyPr>
+          <a:lstStyle/>
+          <a:p>
+            <a:r>
+              <a:rPr lang="en-US" dirty="0" smtClean="0">
+                <a:latin typeface="Arial" panose="020B0604020202020204" pitchFamily="34" charset="0"/>
+                <a:cs typeface="Arial" panose="020B0604020202020204" pitchFamily="34" charset="0"/>
+              </a:rPr>
+              <a:t>We can make one more refinement.  How much duplicate information was there in the taxa?</a:t>
+            </a:r>
+          </a:p>
+          <a:p>
+            <a:r>
+              <a:rPr lang="en-US" dirty="0" smtClean="0">
+                <a:latin typeface="Arial" panose="020B0604020202020204" pitchFamily="34" charset="0"/>
+                <a:cs typeface="Arial" panose="020B0604020202020204" pitchFamily="34" charset="0"/>
+              </a:rPr>
+              <a:t>That is, how much were the taxa correlated?  How good was our compression?</a:t>
+            </a:r>
+            <a:endParaRPr lang="en-US" dirty="0">
+              <a:latin typeface="Arial" panose="020B0604020202020204" pitchFamily="34" charset="0"/>
+              <a:cs typeface="Arial" panose="020B0604020202020204" pitchFamily="34" charset="0"/>
+            </a:endParaRPr>
+          </a:p>
+        </p:txBody>
+      </p:sp>
+      <p:pic>
+        <p:nvPicPr>
+          <p:cNvPr id="5" name="Picture 4"/>
+          <p:cNvPicPr>
+            <a:picLocks noChangeAspect="1"/>
+          </p:cNvPicPr>
+          <p:nvPr/>
+        </p:nvPicPr>
+        <p:blipFill>
+          <a:blip r:embed="rId2"/>
+          <a:stretch>
+            <a:fillRect/>
+          </a:stretch>
+        </p:blipFill>
+        <p:spPr>
+          <a:xfrm>
+            <a:off x="1469985" y="1334358"/>
+            <a:ext cx="9476423" cy="4285250"/>
+          </a:xfrm>
+          <a:prstGeom prst="rect">
+            <a:avLst/>
+          </a:prstGeom>
+        </p:spPr>
+      </p:pic>
+      <p:sp>
+        <p:nvSpPr>
+          <p:cNvPr id="6" name="TextBox 5"/>
+          <p:cNvSpPr txBox="1"/>
+          <p:nvPr/>
+        </p:nvSpPr>
+        <p:spPr>
+          <a:xfrm>
+            <a:off x="677119" y="792867"/>
+            <a:ext cx="7490192" cy="369332"/>
+          </a:xfrm>
+          <a:prstGeom prst="rect">
+            <a:avLst/>
+          </a:prstGeom>
+          <a:noFill/>
+        </p:spPr>
+        <p:txBody>
+          <a:bodyPr wrap="none" rtlCol="0">
+            <a:spAutoFit/>
+          </a:bodyPr>
+          <a:lstStyle/>
+          <a:p>
+            <a:r>
+              <a:rPr lang="en-US" dirty="0" smtClean="0">
+                <a:latin typeface="Arial" panose="020B0604020202020204" pitchFamily="34" charset="0"/>
+                <a:cs typeface="Arial" panose="020B0604020202020204" pitchFamily="34" charset="0"/>
+              </a:rPr>
+              <a:t>We can use the “summary” command and R will yield this information…</a:t>
+            </a:r>
+            <a:endParaRPr lang="en-US" dirty="0">
+              <a:latin typeface="Arial" panose="020B0604020202020204" pitchFamily="34" charset="0"/>
+              <a:cs typeface="Arial" panose="020B0604020202020204" pitchFamily="34" charset="0"/>
+            </a:endParaRPr>
+          </a:p>
+        </p:txBody>
+      </p:sp>
+      <p:sp>
+        <p:nvSpPr>
+          <p:cNvPr id="2" name="Rectangle 1"/>
+          <p:cNvSpPr/>
+          <p:nvPr/>
+        </p:nvSpPr>
+        <p:spPr>
+          <a:xfrm>
+            <a:off x="4545028" y="6369479"/>
+            <a:ext cx="6992555" cy="369332"/>
+          </a:xfrm>
+          <a:prstGeom prst="rect">
+            <a:avLst/>
+          </a:prstGeom>
+        </p:spPr>
+        <p:txBody>
+          <a:bodyPr wrap="none">
+            <a:spAutoFit/>
+          </a:bodyPr>
+          <a:lstStyle/>
+          <a:p>
+            <a:r>
+              <a:rPr lang="en-US" dirty="0"/>
+              <a:t>more details at http://afodor.github.io/classes/stats2015/Lecture19.pptx</a:t>
+            </a:r>
+          </a:p>
+        </p:txBody>
+      </p:sp>
+    </p:spTree>
+    <p:extLst>
+      <p:ext uri="{BB962C8B-B14F-4D97-AF65-F5344CB8AC3E}">
+        <p14:creationId xmlns:p14="http://schemas.microsoft.com/office/powerpoint/2010/main" val="2750157642"/>
+      </p:ext>
+    </p:extLst>
+  </p:cSld>
+  <p:clrMapOvr>
+    <a:masterClrMapping/>
+  </p:clrMapOvr>
+  <p:timing>
+    <p:tnLst>
+      <p:par>
+        <p:cTn id="1" dur="indefinite" restart="never" nodeType="tmRoot"/>
+      </p:par>
+    </p:tnLst>
+  </p:timing>
+</p:sld>
+</file>
+
+<file path=ppt/slides/slide47.xml><?xml version="1.0" encoding="utf-8"?>
+<p:sld xmlns:a="http://schemas.openxmlformats.org/drawingml/2006/main" xmlns:r="http://schemas.openxmlformats.org/officeDocument/2006/relationships" xmlns:p="http://schemas.openxmlformats.org/presentationml/2006/main">
+  <p:cSld>
+    <p:spTree>
+      <p:nvGrpSpPr>
+        <p:cNvPr id="1" name=""/>
+        <p:cNvGrpSpPr/>
+        <p:nvPr/>
+      </p:nvGrpSpPr>
+      <p:grpSpPr>
+        <a:xfrm>
+          <a:off x="0" y="0"/>
+          <a:ext cx="0" cy="0"/>
+          <a:chOff x="0" y="0"/>
+          <a:chExt cx="0" cy="0"/>
+        </a:xfrm>
+      </p:grpSpPr>
+      <p:pic>
+        <p:nvPicPr>
+          <p:cNvPr id="8" name="Picture 7"/>
+          <p:cNvPicPr>
+            <a:picLocks noChangeAspect="1"/>
+          </p:cNvPicPr>
+          <p:nvPr/>
+        </p:nvPicPr>
+        <p:blipFill>
+          <a:blip r:embed="rId2"/>
+          <a:stretch>
+            <a:fillRect/>
+          </a:stretch>
+        </p:blipFill>
+        <p:spPr>
+          <a:xfrm>
+            <a:off x="717631" y="968025"/>
+            <a:ext cx="8121280" cy="5016085"/>
+          </a:xfrm>
+          <a:prstGeom prst="rect">
+            <a:avLst/>
+          </a:prstGeom>
+        </p:spPr>
+      </p:pic>
+      <p:sp>
+        <p:nvSpPr>
+          <p:cNvPr id="4" name="TextBox 3"/>
+          <p:cNvSpPr txBox="1"/>
+          <p:nvPr/>
+        </p:nvSpPr>
+        <p:spPr>
+          <a:xfrm>
+            <a:off x="619246" y="231494"/>
+            <a:ext cx="6310382" cy="369332"/>
+          </a:xfrm>
+          <a:prstGeom prst="rect">
+            <a:avLst/>
+          </a:prstGeom>
+          <a:noFill/>
+        </p:spPr>
+        <p:txBody>
+          <a:bodyPr wrap="none" rtlCol="0">
+            <a:spAutoFit/>
+          </a:bodyPr>
+          <a:lstStyle/>
+          <a:p>
+            <a:r>
+              <a:rPr lang="en-US" dirty="0" smtClean="0">
+                <a:latin typeface="Arial" panose="020B0604020202020204" pitchFamily="34" charset="0"/>
+                <a:cs typeface="Arial" panose="020B0604020202020204" pitchFamily="34" charset="0"/>
+              </a:rPr>
+              <a:t>We can (in this case manually) add this to our graph script…</a:t>
+            </a:r>
+            <a:endParaRPr lang="en-US" dirty="0">
+              <a:latin typeface="Arial" panose="020B0604020202020204" pitchFamily="34" charset="0"/>
+              <a:cs typeface="Arial" panose="020B0604020202020204" pitchFamily="34" charset="0"/>
+            </a:endParaRPr>
+          </a:p>
+        </p:txBody>
+      </p:sp>
+      <p:sp>
+        <p:nvSpPr>
+          <p:cNvPr id="5" name="Rectangle 4">
+            <a:extLst>
+              <a:ext uri="{FF2B5EF4-FFF2-40B4-BE49-F238E27FC236}">
+                <a16:creationId xmlns:a16="http://schemas.microsoft.com/office/drawing/2014/main" id="{75EE7ABA-ED72-4E19-9B15-B2748651470C}"/>
+              </a:ext>
+            </a:extLst>
+          </p:cNvPr>
+          <p:cNvSpPr/>
+          <p:nvPr/>
+        </p:nvSpPr>
+        <p:spPr>
+          <a:xfrm>
+            <a:off x="1917700" y="6482881"/>
+            <a:ext cx="10566400" cy="369332"/>
+          </a:xfrm>
+          <a:prstGeom prst="rect">
+            <a:avLst/>
+          </a:prstGeom>
+        </p:spPr>
+        <p:txBody>
+          <a:bodyPr wrap="square">
+            <a:spAutoFit/>
+          </a:bodyPr>
+          <a:lstStyle/>
+          <a:p>
+            <a:r>
+              <a:rPr lang="en-US" dirty="0"/>
+              <a:t>https://github.com/afodor/metagenomicsTools/blob/master/src/classExamples/ch2018/quickOrdination.txt</a:t>
+            </a:r>
+          </a:p>
+        </p:txBody>
+      </p:sp>
+      <p:pic>
+        <p:nvPicPr>
+          <p:cNvPr id="7" name="Picture 6"/>
+          <p:cNvPicPr>
+            <a:picLocks noChangeAspect="1"/>
+          </p:cNvPicPr>
+          <p:nvPr/>
+        </p:nvPicPr>
+        <p:blipFill>
+          <a:blip r:embed="rId3"/>
+          <a:stretch>
+            <a:fillRect/>
+          </a:stretch>
+        </p:blipFill>
+        <p:spPr>
+          <a:xfrm>
+            <a:off x="7517757" y="544009"/>
+            <a:ext cx="4092367" cy="4084375"/>
+          </a:xfrm>
+          <a:prstGeom prst="rect">
+            <a:avLst/>
+          </a:prstGeom>
+        </p:spPr>
+      </p:pic>
+      <p:cxnSp>
+        <p:nvCxnSpPr>
+          <p:cNvPr id="12" name="Straight Arrow Connector 11"/>
+          <p:cNvCxnSpPr/>
+          <p:nvPr/>
+        </p:nvCxnSpPr>
+        <p:spPr>
+          <a:xfrm flipV="1">
+            <a:off x="1713053" y="5532699"/>
+            <a:ext cx="347241" cy="202557"/>
+          </a:xfrm>
+          <a:prstGeom prst="straightConnector1">
+            <a:avLst/>
+          </a:prstGeom>
+          <a:ln>
+            <a:tailEnd type="triangle"/>
+          </a:ln>
+        </p:spPr>
+        <p:style>
+          <a:lnRef idx="1">
+            <a:schemeClr val="accent1"/>
+          </a:lnRef>
+          <a:fillRef idx="0">
+            <a:schemeClr val="accent1"/>
+          </a:fillRef>
+          <a:effectRef idx="0">
+            <a:schemeClr val="accent1"/>
+          </a:effectRef>
+          <a:fontRef idx="minor">
+            <a:schemeClr val="tx1"/>
+          </a:fontRef>
+        </p:style>
+      </p:cxnSp>
+      <p:cxnSp>
+        <p:nvCxnSpPr>
+          <p:cNvPr id="14" name="Straight Arrow Connector 13"/>
+          <p:cNvCxnSpPr/>
+          <p:nvPr/>
+        </p:nvCxnSpPr>
+        <p:spPr>
+          <a:xfrm flipV="1">
+            <a:off x="4375230" y="5532699"/>
+            <a:ext cx="283580" cy="202557"/>
+          </a:xfrm>
+          <a:prstGeom prst="straightConnector1">
+            <a:avLst/>
+          </a:prstGeom>
+          <a:ln>
+            <a:tailEnd type="triangle"/>
+          </a:ln>
+        </p:spPr>
+        <p:style>
+          <a:lnRef idx="1">
+            <a:schemeClr val="accent1"/>
+          </a:lnRef>
+          <a:fillRef idx="0">
+            <a:schemeClr val="accent1"/>
+          </a:fillRef>
+          <a:effectRef idx="0">
+            <a:schemeClr val="accent1"/>
+          </a:effectRef>
+          <a:fontRef idx="minor">
+            <a:schemeClr val="tx1"/>
+          </a:fontRef>
+        </p:style>
+      </p:cxnSp>
+    </p:spTree>
+    <p:extLst>
+      <p:ext uri="{BB962C8B-B14F-4D97-AF65-F5344CB8AC3E}">
+        <p14:creationId xmlns:p14="http://schemas.microsoft.com/office/powerpoint/2010/main" val="2427181130"/>
+      </p:ext>
+    </p:extLst>
+  </p:cSld>
+  <p:clrMapOvr>
+    <a:masterClrMapping/>
+  </p:clrMapOvr>
+  <p:timing>
+    <p:tnLst>
+      <p:par>
+        <p:cTn id="1" dur="indefinite" restart="never" nodeType="tmRoot"/>
+      </p:par>
+    </p:tnLst>
+  </p:timing>
+</p:sld>
+</file>
+
+<file path=ppt/slides/slide48.xml><?xml version="1.0" encoding="utf-8"?>
+<p:sld xmlns:a="http://schemas.openxmlformats.org/drawingml/2006/main" xmlns:r="http://schemas.openxmlformats.org/officeDocument/2006/relationships" xmlns:p="http://schemas.openxmlformats.org/presentationml/2006/main">
+  <p:cSld>
+    <p:spTree>
+      <p:nvGrpSpPr>
+        <p:cNvPr id="1" name=""/>
+        <p:cNvGrpSpPr/>
+        <p:nvPr/>
+      </p:nvGrpSpPr>
+      <p:grpSpPr>
+        <a:xfrm>
+          <a:off x="0" y="0"/>
+          <a:ext cx="0" cy="0"/>
+          <a:chOff x="0" y="0"/>
+          <a:chExt cx="0" cy="0"/>
+        </a:xfrm>
+      </p:grpSpPr>
+      <p:sp>
+        <p:nvSpPr>
+          <p:cNvPr id="4" name="TextBox 3"/>
+          <p:cNvSpPr txBox="1"/>
+          <p:nvPr/>
+        </p:nvSpPr>
+        <p:spPr>
+          <a:xfrm>
+            <a:off x="810228" y="665544"/>
+            <a:ext cx="4467890" cy="1477328"/>
+          </a:xfrm>
+          <a:prstGeom prst="rect">
+            <a:avLst/>
+          </a:prstGeom>
+          <a:noFill/>
+        </p:spPr>
+        <p:txBody>
+          <a:bodyPr wrap="none" rtlCol="0">
+            <a:spAutoFit/>
+          </a:bodyPr>
+          <a:lstStyle/>
+          <a:p>
+            <a:r>
+              <a:rPr lang="en-US" dirty="0">
+                <a:latin typeface="Arial" panose="020B0604020202020204" pitchFamily="34" charset="0"/>
+                <a:cs typeface="Arial" panose="020B0604020202020204" pitchFamily="34" charset="0"/>
+              </a:rPr>
+              <a:t>Normalizing your data</a:t>
+            </a:r>
+          </a:p>
+          <a:p>
+            <a:r>
+              <a:rPr lang="en-US" dirty="0">
+                <a:latin typeface="Arial" panose="020B0604020202020204" pitchFamily="34" charset="0"/>
+                <a:cs typeface="Arial" panose="020B0604020202020204" pitchFamily="34" charset="0"/>
+              </a:rPr>
+              <a:t>PCA Ordination</a:t>
+            </a:r>
+          </a:p>
+          <a:p>
+            <a:r>
+              <a:rPr lang="en-US" dirty="0">
+                <a:latin typeface="Arial" panose="020B0604020202020204" pitchFamily="34" charset="0"/>
+                <a:cs typeface="Arial" panose="020B0604020202020204" pitchFamily="34" charset="0"/>
+              </a:rPr>
+              <a:t>Graphing everything into one big PDF ball</a:t>
+            </a:r>
+          </a:p>
+          <a:p>
+            <a:r>
+              <a:rPr lang="en-US" dirty="0">
+                <a:latin typeface="Arial" panose="020B0604020202020204" pitchFamily="34" charset="0"/>
+                <a:cs typeface="Arial" panose="020B0604020202020204" pitchFamily="34" charset="0"/>
+              </a:rPr>
+              <a:t>Some Simple Statistical Models</a:t>
+            </a:r>
+          </a:p>
+          <a:p>
+            <a:r>
+              <a:rPr lang="en-US" dirty="0">
+                <a:latin typeface="Arial" panose="020B0604020202020204" pitchFamily="34" charset="0"/>
+                <a:cs typeface="Arial" panose="020B0604020202020204" pitchFamily="34" charset="0"/>
+              </a:rPr>
+              <a:t>Some Not So Simple Statistical Models</a:t>
+            </a:r>
+          </a:p>
+        </p:txBody>
+      </p:sp>
+      <p:cxnSp>
+        <p:nvCxnSpPr>
+          <p:cNvPr id="5" name="Straight Arrow Connector 4"/>
+          <p:cNvCxnSpPr/>
+          <p:nvPr/>
+        </p:nvCxnSpPr>
+        <p:spPr>
+          <a:xfrm flipH="1">
+            <a:off x="5231757" y="1383168"/>
+            <a:ext cx="1209555" cy="0"/>
+          </a:xfrm>
+          <a:prstGeom prst="straightConnector1">
+            <a:avLst/>
+          </a:prstGeom>
+          <a:ln>
+            <a:tailEnd type="triangle"/>
+          </a:ln>
+        </p:spPr>
+        <p:style>
+          <a:lnRef idx="1">
+            <a:schemeClr val="accent1"/>
+          </a:lnRef>
+          <a:fillRef idx="0">
+            <a:schemeClr val="accent1"/>
+          </a:fillRef>
+          <a:effectRef idx="0">
+            <a:schemeClr val="accent1"/>
+          </a:effectRef>
+          <a:fontRef idx="minor">
+            <a:schemeClr val="tx1"/>
+          </a:fontRef>
+        </p:style>
+      </p:cxnSp>
+    </p:spTree>
+    <p:extLst>
+      <p:ext uri="{BB962C8B-B14F-4D97-AF65-F5344CB8AC3E}">
+        <p14:creationId xmlns:p14="http://schemas.microsoft.com/office/powerpoint/2010/main" val="2088397650"/>
+      </p:ext>
+    </p:extLst>
+  </p:cSld>
+  <p:clrMapOvr>
+    <a:masterClrMapping/>
+  </p:clrMapOvr>
+  <p:timing>
+    <p:tnLst>
+      <p:par>
+        <p:cTn id="1" dur="indefinite" restart="never" nodeType="tmRoot"/>
+      </p:par>
+    </p:tnLst>
+  </p:timing>
 </p:sld>
 </file>
 
@@ -9941,6 +10753,13 @@
   <p:clrMapOvr>
     <a:masterClrMapping/>
   </p:clrMapOvr>
+  <p:timing>
+    <p:tnLst>
+      <p:par>
+        <p:cTn id="1" dur="indefinite" restart="never" nodeType="tmRoot"/>
+      </p:par>
+    </p:tnLst>
+  </p:timing>
 </p:sld>
 </file>
 
@@ -10055,6 +10874,13 @@
   <p:clrMapOvr>
     <a:masterClrMapping/>
   </p:clrMapOvr>
+  <p:timing>
+    <p:tnLst>
+      <p:par>
+        <p:cTn id="1" dur="indefinite" restart="never" nodeType="tmRoot"/>
+      </p:par>
+    </p:tnLst>
+  </p:timing>
 </p:sld>
 </file>
 
@@ -10216,6 +11042,13 @@
   <p:clrMapOvr>
     <a:masterClrMapping/>
   </p:clrMapOvr>
+  <p:timing>
+    <p:tnLst>
+      <p:par>
+        <p:cTn id="1" dur="indefinite" restart="never" nodeType="tmRoot"/>
+      </p:par>
+    </p:tnLst>
+  </p:timing>
 </p:sld>
 </file>
 
@@ -10308,6 +11141,13 @@
   <p:clrMapOvr>
     <a:masterClrMapping/>
   </p:clrMapOvr>
+  <p:timing>
+    <p:tnLst>
+      <p:par>
+        <p:cTn id="1" dur="indefinite" restart="never" nodeType="tmRoot"/>
+      </p:par>
+    </p:tnLst>
+  </p:timing>
 </p:sld>
 </file>
 
